--- a/COMP140/04/2019-20-COMP140-04-lecture.pptx
+++ b/COMP140/04/2019-20-COMP140-04-lecture.pptx
@@ -12,19 +12,19 @@
   </p:handoutMasterIdLst>
   <p:sldIdLst>
     <p:sldId id="257" r:id="rId2"/>
-    <p:sldId id="284" r:id="rId3"/>
+    <p:sldId id="305" r:id="rId3"/>
     <p:sldId id="258" r:id="rId4"/>
     <p:sldId id="259" r:id="rId5"/>
-    <p:sldId id="286" r:id="rId6"/>
-    <p:sldId id="287" r:id="rId7"/>
-    <p:sldId id="288" r:id="rId8"/>
-    <p:sldId id="289" r:id="rId9"/>
-    <p:sldId id="290" r:id="rId10"/>
-    <p:sldId id="285" r:id="rId11"/>
-    <p:sldId id="291" r:id="rId12"/>
-    <p:sldId id="292" r:id="rId13"/>
-    <p:sldId id="293" r:id="rId14"/>
-    <p:sldId id="294" r:id="rId15"/>
+    <p:sldId id="295" r:id="rId6"/>
+    <p:sldId id="297" r:id="rId7"/>
+    <p:sldId id="303" r:id="rId8"/>
+    <p:sldId id="296" r:id="rId9"/>
+    <p:sldId id="298" r:id="rId10"/>
+    <p:sldId id="300" r:id="rId11"/>
+    <p:sldId id="299" r:id="rId12"/>
+    <p:sldId id="302" r:id="rId13"/>
+    <p:sldId id="304" r:id="rId14"/>
+    <p:sldId id="306" r:id="rId15"/>
   </p:sldIdLst>
   <p:sldSz cx="9144000" cy="6858000" type="screen4x3"/>
   <p:notesSz cx="7315200" cy="9601200"/>
@@ -129,19 +129,19 @@
         <p14:section name="Default Section" id="{4212B592-84E5-5F49-87B5-349CDECDD5BD}">
           <p14:sldIdLst>
             <p14:sldId id="257"/>
-            <p14:sldId id="284"/>
+            <p14:sldId id="305"/>
             <p14:sldId id="258"/>
             <p14:sldId id="259"/>
-            <p14:sldId id="286"/>
-            <p14:sldId id="287"/>
-            <p14:sldId id="288"/>
-            <p14:sldId id="289"/>
-            <p14:sldId id="290"/>
-            <p14:sldId id="285"/>
-            <p14:sldId id="291"/>
-            <p14:sldId id="292"/>
-            <p14:sldId id="293"/>
-            <p14:sldId id="294"/>
+            <p14:sldId id="295"/>
+            <p14:sldId id="297"/>
+            <p14:sldId id="303"/>
+            <p14:sldId id="296"/>
+            <p14:sldId id="298"/>
+            <p14:sldId id="300"/>
+            <p14:sldId id="299"/>
+            <p14:sldId id="302"/>
+            <p14:sldId id="304"/>
+            <p14:sldId id="306"/>
           </p14:sldIdLst>
         </p14:section>
       </p14:sectionLst>
@@ -178,730 +178,6 @@
 </p:presentation>
 </file>
 
-<file path=ppt/revisionInfo.xml><?xml version="1.0" encoding="utf-8"?>
-<p1510:revInfo xmlns:a="http://schemas.openxmlformats.org/drawingml/2006/main" xmlns:r="http://schemas.openxmlformats.org/officeDocument/2006/relationships" xmlns:p1510="http://schemas.microsoft.com/office/powerpoint/2015/10/main">
-  <p1510:revLst>
-    <p1510:client id="{8D276DEB-9ECF-474F-8641-C8D9886C5626}" v="50" dt="2019-01-27T11:31:05.536"/>
-  </p1510:revLst>
-</p1510:revInfo>
-</file>
-
-<file path=ppt/changesInfos/changesInfo1.xml><?xml version="1.0" encoding="utf-8"?>
-<pc:chgInfo xmlns:a="http://schemas.openxmlformats.org/drawingml/2006/main" xmlns:r="http://schemas.openxmlformats.org/officeDocument/2006/relationships" xmlns:ac="http://schemas.microsoft.com/office/drawing/2013/main/command" xmlns:pc="http://schemas.microsoft.com/office/powerpoint/2013/main/command">
-  <pc:docChgLst>
-    <pc:chgData name="Lewis, Gareth" userId="0ca0577c-2ada-4abb-9a17-e7a804bbaaa5" providerId="ADAL" clId="{8D276DEB-9ECF-474F-8641-C8D9886C5626}"/>
-    <pc:docChg chg="undo redo custSel addSld delSld modSld sldOrd modMainMaster">
-      <pc:chgData name="Lewis, Gareth" userId="0ca0577c-2ada-4abb-9a17-e7a804bbaaa5" providerId="ADAL" clId="{8D276DEB-9ECF-474F-8641-C8D9886C5626}" dt="2019-01-27T11:31:10.056" v="4346" actId="478"/>
-      <pc:docMkLst>
-        <pc:docMk/>
-      </pc:docMkLst>
-      <pc:sldChg chg="modSp">
-        <pc:chgData name="Lewis, Gareth" userId="0ca0577c-2ada-4abb-9a17-e7a804bbaaa5" providerId="ADAL" clId="{8D276DEB-9ECF-474F-8641-C8D9886C5626}" dt="2019-01-12T14:24:04.301" v="60" actId="20577"/>
-        <pc:sldMkLst>
-          <pc:docMk/>
-          <pc:sldMk cId="0" sldId="257"/>
-        </pc:sldMkLst>
-        <pc:spChg chg="mod">
-          <ac:chgData name="Lewis, Gareth" userId="0ca0577c-2ada-4abb-9a17-e7a804bbaaa5" providerId="ADAL" clId="{8D276DEB-9ECF-474F-8641-C8D9886C5626}" dt="2019-01-12T14:24:04.301" v="60" actId="20577"/>
-          <ac:spMkLst>
-            <pc:docMk/>
-            <pc:sldMk cId="0" sldId="257"/>
-            <ac:spMk id="13" creationId="{00000000-0000-0000-0000-000000000000}"/>
-          </ac:spMkLst>
-        </pc:spChg>
-      </pc:sldChg>
-      <pc:sldChg chg="modSp">
-        <pc:chgData name="Lewis, Gareth" userId="0ca0577c-2ada-4abb-9a17-e7a804bbaaa5" providerId="ADAL" clId="{8D276DEB-9ECF-474F-8641-C8D9886C5626}" dt="2019-01-27T11:08:48.739" v="3828"/>
-        <pc:sldMkLst>
-          <pc:docMk/>
-          <pc:sldMk cId="2263018052" sldId="258"/>
-        </pc:sldMkLst>
-        <pc:spChg chg="mod">
-          <ac:chgData name="Lewis, Gareth" userId="0ca0577c-2ada-4abb-9a17-e7a804bbaaa5" providerId="ADAL" clId="{8D276DEB-9ECF-474F-8641-C8D9886C5626}" dt="2019-01-27T11:08:48.739" v="3828"/>
-          <ac:spMkLst>
-            <pc:docMk/>
-            <pc:sldMk cId="2263018052" sldId="258"/>
-            <ac:spMk id="3" creationId="{00000000-0000-0000-0000-000000000000}"/>
-          </ac:spMkLst>
-        </pc:spChg>
-      </pc:sldChg>
-      <pc:sldChg chg="addSp modSp">
-        <pc:chgData name="Lewis, Gareth" userId="0ca0577c-2ada-4abb-9a17-e7a804bbaaa5" providerId="ADAL" clId="{8D276DEB-9ECF-474F-8641-C8D9886C5626}" dt="2019-01-27T11:03:21.100" v="3731" actId="20577"/>
-        <pc:sldMkLst>
-          <pc:docMk/>
-          <pc:sldMk cId="291149061" sldId="332"/>
-        </pc:sldMkLst>
-        <pc:graphicFrameChg chg="modGraphic">
-          <ac:chgData name="Lewis, Gareth" userId="0ca0577c-2ada-4abb-9a17-e7a804bbaaa5" providerId="ADAL" clId="{8D276DEB-9ECF-474F-8641-C8D9886C5626}" dt="2019-01-27T11:03:21.100" v="3731" actId="20577"/>
-          <ac:graphicFrameMkLst>
-            <pc:docMk/>
-            <pc:sldMk cId="291149061" sldId="332"/>
-            <ac:graphicFrameMk id="6" creationId="{00000000-0000-0000-0000-000000000000}"/>
-          </ac:graphicFrameMkLst>
-        </pc:graphicFrameChg>
-        <pc:graphicFrameChg chg="add mod modGraphic">
-          <ac:chgData name="Lewis, Gareth" userId="0ca0577c-2ada-4abb-9a17-e7a804bbaaa5" providerId="ADAL" clId="{8D276DEB-9ECF-474F-8641-C8D9886C5626}" dt="2019-01-12T14:27:52.855" v="223" actId="20577"/>
-          <ac:graphicFrameMkLst>
-            <pc:docMk/>
-            <pc:sldMk cId="291149061" sldId="332"/>
-            <ac:graphicFrameMk id="7" creationId="{1FDBB499-B236-453B-BFE1-0247D66A5A2D}"/>
-          </ac:graphicFrameMkLst>
-        </pc:graphicFrameChg>
-        <pc:graphicFrameChg chg="modGraphic">
-          <ac:chgData name="Lewis, Gareth" userId="0ca0577c-2ada-4abb-9a17-e7a804bbaaa5" providerId="ADAL" clId="{8D276DEB-9ECF-474F-8641-C8D9886C5626}" dt="2019-01-12T14:29:24.436" v="303" actId="207"/>
-          <ac:graphicFrameMkLst>
-            <pc:docMk/>
-            <pc:sldMk cId="291149061" sldId="332"/>
-            <ac:graphicFrameMk id="10" creationId="{00000000-0000-0000-0000-000000000000}"/>
-          </ac:graphicFrameMkLst>
-        </pc:graphicFrameChg>
-      </pc:sldChg>
-      <pc:sldChg chg="modSp">
-        <pc:chgData name="Lewis, Gareth" userId="0ca0577c-2ada-4abb-9a17-e7a804bbaaa5" providerId="ADAL" clId="{8D276DEB-9ECF-474F-8641-C8D9886C5626}" dt="2019-01-27T11:03:04.244" v="3728" actId="20577"/>
-        <pc:sldMkLst>
-          <pc:docMk/>
-          <pc:sldMk cId="0" sldId="334"/>
-        </pc:sldMkLst>
-        <pc:spChg chg="mod">
-          <ac:chgData name="Lewis, Gareth" userId="0ca0577c-2ada-4abb-9a17-e7a804bbaaa5" providerId="ADAL" clId="{8D276DEB-9ECF-474F-8641-C8D9886C5626}" dt="2019-01-27T11:03:04.244" v="3728" actId="20577"/>
-          <ac:spMkLst>
-            <pc:docMk/>
-            <pc:sldMk cId="0" sldId="334"/>
-            <ac:spMk id="3" creationId="{00000000-0000-0000-0000-000000000000}"/>
-          </ac:spMkLst>
-        </pc:spChg>
-      </pc:sldChg>
-      <pc:sldChg chg="modSp">
-        <pc:chgData name="Lewis, Gareth" userId="0ca0577c-2ada-4abb-9a17-e7a804bbaaa5" providerId="ADAL" clId="{8D276DEB-9ECF-474F-8641-C8D9886C5626}" dt="2019-01-27T11:09:08.371" v="3835" actId="20577"/>
-        <pc:sldMkLst>
-          <pc:docMk/>
-          <pc:sldMk cId="0" sldId="335"/>
-        </pc:sldMkLst>
-        <pc:spChg chg="mod">
-          <ac:chgData name="Lewis, Gareth" userId="0ca0577c-2ada-4abb-9a17-e7a804bbaaa5" providerId="ADAL" clId="{8D276DEB-9ECF-474F-8641-C8D9886C5626}" dt="2019-01-27T11:09:08.371" v="3835" actId="20577"/>
-          <ac:spMkLst>
-            <pc:docMk/>
-            <pc:sldMk cId="0" sldId="335"/>
-            <ac:spMk id="3" creationId="{00000000-0000-0000-0000-000000000000}"/>
-          </ac:spMkLst>
-        </pc:spChg>
-      </pc:sldChg>
-      <pc:sldChg chg="modSp">
-        <pc:chgData name="Lewis, Gareth" userId="0ca0577c-2ada-4abb-9a17-e7a804bbaaa5" providerId="ADAL" clId="{8D276DEB-9ECF-474F-8641-C8D9886C5626}" dt="2019-01-13T14:45:47.631" v="3562" actId="20577"/>
-        <pc:sldMkLst>
-          <pc:docMk/>
-          <pc:sldMk cId="0" sldId="409"/>
-        </pc:sldMkLst>
-        <pc:spChg chg="mod">
-          <ac:chgData name="Lewis, Gareth" userId="0ca0577c-2ada-4abb-9a17-e7a804bbaaa5" providerId="ADAL" clId="{8D276DEB-9ECF-474F-8641-C8D9886C5626}" dt="2019-01-13T14:45:47.631" v="3562" actId="20577"/>
-          <ac:spMkLst>
-            <pc:docMk/>
-            <pc:sldMk cId="0" sldId="409"/>
-            <ac:spMk id="3" creationId="{00000000-0000-0000-0000-000000000000}"/>
-          </ac:spMkLst>
-        </pc:spChg>
-      </pc:sldChg>
-      <pc:sldChg chg="modSp add">
-        <pc:chgData name="Lewis, Gareth" userId="0ca0577c-2ada-4abb-9a17-e7a804bbaaa5" providerId="ADAL" clId="{8D276DEB-9ECF-474F-8641-C8D9886C5626}" dt="2019-01-12T14:36:55.362" v="1111" actId="20577"/>
-        <pc:sldMkLst>
-          <pc:docMk/>
-          <pc:sldMk cId="3854234756" sldId="410"/>
-        </pc:sldMkLst>
-        <pc:spChg chg="mod">
-          <ac:chgData name="Lewis, Gareth" userId="0ca0577c-2ada-4abb-9a17-e7a804bbaaa5" providerId="ADAL" clId="{8D276DEB-9ECF-474F-8641-C8D9886C5626}" dt="2019-01-12T14:36:55.362" v="1111" actId="20577"/>
-          <ac:spMkLst>
-            <pc:docMk/>
-            <pc:sldMk cId="3854234756" sldId="410"/>
-            <ac:spMk id="3" creationId="{00000000-0000-0000-0000-000000000000}"/>
-          </ac:spMkLst>
-        </pc:spChg>
-      </pc:sldChg>
-      <pc:sldChg chg="modSp add">
-        <pc:chgData name="Lewis, Gareth" userId="0ca0577c-2ada-4abb-9a17-e7a804bbaaa5" providerId="ADAL" clId="{8D276DEB-9ECF-474F-8641-C8D9886C5626}" dt="2019-01-12T14:37:28.237" v="1174" actId="20577"/>
-        <pc:sldMkLst>
-          <pc:docMk/>
-          <pc:sldMk cId="1133406884" sldId="411"/>
-        </pc:sldMkLst>
-        <pc:spChg chg="mod">
-          <ac:chgData name="Lewis, Gareth" userId="0ca0577c-2ada-4abb-9a17-e7a804bbaaa5" providerId="ADAL" clId="{8D276DEB-9ECF-474F-8641-C8D9886C5626}" dt="2019-01-12T14:37:28.237" v="1174" actId="20577"/>
-          <ac:spMkLst>
-            <pc:docMk/>
-            <pc:sldMk cId="1133406884" sldId="411"/>
-            <ac:spMk id="3" creationId="{00000000-0000-0000-0000-000000000000}"/>
-          </ac:spMkLst>
-        </pc:spChg>
-      </pc:sldChg>
-      <pc:sldChg chg="add">
-        <pc:chgData name="Lewis, Gareth" userId="0ca0577c-2ada-4abb-9a17-e7a804bbaaa5" providerId="ADAL" clId="{8D276DEB-9ECF-474F-8641-C8D9886C5626}" dt="2019-01-12T14:42:30.282" v="1175"/>
-        <pc:sldMkLst>
-          <pc:docMk/>
-          <pc:sldMk cId="0" sldId="632"/>
-        </pc:sldMkLst>
-      </pc:sldChg>
-      <pc:sldChg chg="add">
-        <pc:chgData name="Lewis, Gareth" userId="0ca0577c-2ada-4abb-9a17-e7a804bbaaa5" providerId="ADAL" clId="{8D276DEB-9ECF-474F-8641-C8D9886C5626}" dt="2019-01-12T14:42:30.282" v="1175"/>
-        <pc:sldMkLst>
-          <pc:docMk/>
-          <pc:sldMk cId="0" sldId="633"/>
-        </pc:sldMkLst>
-      </pc:sldChg>
-      <pc:sldChg chg="add">
-        <pc:chgData name="Lewis, Gareth" userId="0ca0577c-2ada-4abb-9a17-e7a804bbaaa5" providerId="ADAL" clId="{8D276DEB-9ECF-474F-8641-C8D9886C5626}" dt="2019-01-12T14:42:30.282" v="1175"/>
-        <pc:sldMkLst>
-          <pc:docMk/>
-          <pc:sldMk cId="0" sldId="634"/>
-        </pc:sldMkLst>
-      </pc:sldChg>
-      <pc:sldChg chg="modSp add">
-        <pc:chgData name="Lewis, Gareth" userId="0ca0577c-2ada-4abb-9a17-e7a804bbaaa5" providerId="ADAL" clId="{8D276DEB-9ECF-474F-8641-C8D9886C5626}" dt="2019-01-27T11:10:39.201" v="3882" actId="20577"/>
-        <pc:sldMkLst>
-          <pc:docMk/>
-          <pc:sldMk cId="0" sldId="635"/>
-        </pc:sldMkLst>
-        <pc:spChg chg="mod">
-          <ac:chgData name="Lewis, Gareth" userId="0ca0577c-2ada-4abb-9a17-e7a804bbaaa5" providerId="ADAL" clId="{8D276DEB-9ECF-474F-8641-C8D9886C5626}" dt="2019-01-27T11:10:39.201" v="3882" actId="20577"/>
-          <ac:spMkLst>
-            <pc:docMk/>
-            <pc:sldMk cId="0" sldId="635"/>
-            <ac:spMk id="3" creationId="{00000000-0000-0000-0000-000000000000}"/>
-          </ac:spMkLst>
-        </pc:spChg>
-      </pc:sldChg>
-      <pc:sldChg chg="add">
-        <pc:chgData name="Lewis, Gareth" userId="0ca0577c-2ada-4abb-9a17-e7a804bbaaa5" providerId="ADAL" clId="{8D276DEB-9ECF-474F-8641-C8D9886C5626}" dt="2019-01-12T14:42:30.282" v="1175"/>
-        <pc:sldMkLst>
-          <pc:docMk/>
-          <pc:sldMk cId="0" sldId="636"/>
-        </pc:sldMkLst>
-      </pc:sldChg>
-      <pc:sldChg chg="add">
-        <pc:chgData name="Lewis, Gareth" userId="0ca0577c-2ada-4abb-9a17-e7a804bbaaa5" providerId="ADAL" clId="{8D276DEB-9ECF-474F-8641-C8D9886C5626}" dt="2019-01-12T14:42:30.282" v="1175"/>
-        <pc:sldMkLst>
-          <pc:docMk/>
-          <pc:sldMk cId="0" sldId="640"/>
-        </pc:sldMkLst>
-      </pc:sldChg>
-      <pc:sldChg chg="addSp modSp add">
-        <pc:chgData name="Lewis, Gareth" userId="0ca0577c-2ada-4abb-9a17-e7a804bbaaa5" providerId="ADAL" clId="{8D276DEB-9ECF-474F-8641-C8D9886C5626}" dt="2019-01-12T14:49:30.107" v="1413" actId="20577"/>
-        <pc:sldMkLst>
-          <pc:docMk/>
-          <pc:sldMk cId="1186911255" sldId="641"/>
-        </pc:sldMkLst>
-        <pc:spChg chg="mod">
-          <ac:chgData name="Lewis, Gareth" userId="0ca0577c-2ada-4abb-9a17-e7a804bbaaa5" providerId="ADAL" clId="{8D276DEB-9ECF-474F-8641-C8D9886C5626}" dt="2019-01-12T14:49:30.107" v="1413" actId="20577"/>
-          <ac:spMkLst>
-            <pc:docMk/>
-            <pc:sldMk cId="1186911255" sldId="641"/>
-            <ac:spMk id="3" creationId="{00000000-0000-0000-0000-000000000000}"/>
-          </ac:spMkLst>
-        </pc:spChg>
-        <pc:picChg chg="add mod">
-          <ac:chgData name="Lewis, Gareth" userId="0ca0577c-2ada-4abb-9a17-e7a804bbaaa5" providerId="ADAL" clId="{8D276DEB-9ECF-474F-8641-C8D9886C5626}" dt="2019-01-12T14:48:50.790" v="1274" actId="1076"/>
-          <ac:picMkLst>
-            <pc:docMk/>
-            <pc:sldMk cId="1186911255" sldId="641"/>
-            <ac:picMk id="1026" creationId="{94C1F2A2-BA1D-405A-8746-01B8D514957C}"/>
-          </ac:picMkLst>
-        </pc:picChg>
-        <pc:picChg chg="add mod">
-          <ac:chgData name="Lewis, Gareth" userId="0ca0577c-2ada-4abb-9a17-e7a804bbaaa5" providerId="ADAL" clId="{8D276DEB-9ECF-474F-8641-C8D9886C5626}" dt="2019-01-12T14:48:48.582" v="1273" actId="14100"/>
-          <ac:picMkLst>
-            <pc:docMk/>
-            <pc:sldMk cId="1186911255" sldId="641"/>
-            <ac:picMk id="1028" creationId="{00208F58-A430-45DF-94A6-F3A8BC961500}"/>
-          </ac:picMkLst>
-        </pc:picChg>
-      </pc:sldChg>
-      <pc:sldChg chg="delSp modSp add">
-        <pc:chgData name="Lewis, Gareth" userId="0ca0577c-2ada-4abb-9a17-e7a804bbaaa5" providerId="ADAL" clId="{8D276DEB-9ECF-474F-8641-C8D9886C5626}" dt="2019-01-12T14:52:32.624" v="1814" actId="20577"/>
-        <pc:sldMkLst>
-          <pc:docMk/>
-          <pc:sldMk cId="1378757881" sldId="642"/>
-        </pc:sldMkLst>
-        <pc:spChg chg="mod">
-          <ac:chgData name="Lewis, Gareth" userId="0ca0577c-2ada-4abb-9a17-e7a804bbaaa5" providerId="ADAL" clId="{8D276DEB-9ECF-474F-8641-C8D9886C5626}" dt="2019-01-12T14:52:32.624" v="1814" actId="20577"/>
-          <ac:spMkLst>
-            <pc:docMk/>
-            <pc:sldMk cId="1378757881" sldId="642"/>
-            <ac:spMk id="3" creationId="{00000000-0000-0000-0000-000000000000}"/>
-          </ac:spMkLst>
-        </pc:spChg>
-        <pc:picChg chg="del">
-          <ac:chgData name="Lewis, Gareth" userId="0ca0577c-2ada-4abb-9a17-e7a804bbaaa5" providerId="ADAL" clId="{8D276DEB-9ECF-474F-8641-C8D9886C5626}" dt="2019-01-12T14:49:45.145" v="1415" actId="478"/>
-          <ac:picMkLst>
-            <pc:docMk/>
-            <pc:sldMk cId="1378757881" sldId="642"/>
-            <ac:picMk id="1026" creationId="{94C1F2A2-BA1D-405A-8746-01B8D514957C}"/>
-          </ac:picMkLst>
-        </pc:picChg>
-        <pc:picChg chg="del">
-          <ac:chgData name="Lewis, Gareth" userId="0ca0577c-2ada-4abb-9a17-e7a804bbaaa5" providerId="ADAL" clId="{8D276DEB-9ECF-474F-8641-C8D9886C5626}" dt="2019-01-12T14:49:45.952" v="1416" actId="478"/>
-          <ac:picMkLst>
-            <pc:docMk/>
-            <pc:sldMk cId="1378757881" sldId="642"/>
-            <ac:picMk id="1028" creationId="{00208F58-A430-45DF-94A6-F3A8BC961500}"/>
-          </ac:picMkLst>
-        </pc:picChg>
-      </pc:sldChg>
-      <pc:sldChg chg="addSp delSp modSp add">
-        <pc:chgData name="Lewis, Gareth" userId="0ca0577c-2ada-4abb-9a17-e7a804bbaaa5" providerId="ADAL" clId="{8D276DEB-9ECF-474F-8641-C8D9886C5626}" dt="2019-01-12T14:54:31.923" v="1852" actId="207"/>
-        <pc:sldMkLst>
-          <pc:docMk/>
-          <pc:sldMk cId="2520008228" sldId="643"/>
-        </pc:sldMkLst>
-        <pc:spChg chg="mod">
-          <ac:chgData name="Lewis, Gareth" userId="0ca0577c-2ada-4abb-9a17-e7a804bbaaa5" providerId="ADAL" clId="{8D276DEB-9ECF-474F-8641-C8D9886C5626}" dt="2019-01-12T14:53:49.299" v="1840" actId="6549"/>
-          <ac:spMkLst>
-            <pc:docMk/>
-            <pc:sldMk cId="2520008228" sldId="643"/>
-            <ac:spMk id="3" creationId="{00000000-0000-0000-0000-000000000000}"/>
-          </ac:spMkLst>
-        </pc:spChg>
-        <pc:spChg chg="del mod">
-          <ac:chgData name="Lewis, Gareth" userId="0ca0577c-2ada-4abb-9a17-e7a804bbaaa5" providerId="ADAL" clId="{8D276DEB-9ECF-474F-8641-C8D9886C5626}" dt="2019-01-12T14:53:52.297" v="1842" actId="478"/>
-          <ac:spMkLst>
-            <pc:docMk/>
-            <pc:sldMk cId="2520008228" sldId="643"/>
-            <ac:spMk id="4" creationId="{00000000-0000-0000-0000-000000000000}"/>
-          </ac:spMkLst>
-        </pc:spChg>
-        <pc:grpChg chg="add mod">
-          <ac:chgData name="Lewis, Gareth" userId="0ca0577c-2ada-4abb-9a17-e7a804bbaaa5" providerId="ADAL" clId="{8D276DEB-9ECF-474F-8641-C8D9886C5626}" dt="2019-01-12T14:54:31.923" v="1852" actId="207"/>
-          <ac:grpSpMkLst>
-            <pc:docMk/>
-            <pc:sldMk cId="2520008228" sldId="643"/>
-            <ac:grpSpMk id="5" creationId="{A22A2F09-ED0C-4FA7-8E33-F43E8BF5128A}"/>
-          </ac:grpSpMkLst>
-        </pc:grpChg>
-        <pc:picChg chg="del">
-          <ac:chgData name="Lewis, Gareth" userId="0ca0577c-2ada-4abb-9a17-e7a804bbaaa5" providerId="ADAL" clId="{8D276DEB-9ECF-474F-8641-C8D9886C5626}" dt="2019-01-12T14:53:37.673" v="1816" actId="478"/>
-          <ac:picMkLst>
-            <pc:docMk/>
-            <pc:sldMk cId="2520008228" sldId="643"/>
-            <ac:picMk id="65538" creationId="{00000000-0000-0000-0000-000000000000}"/>
-          </ac:picMkLst>
-        </pc:picChg>
-      </pc:sldChg>
-      <pc:sldChg chg="delSp modSp add">
-        <pc:chgData name="Lewis, Gareth" userId="0ca0577c-2ada-4abb-9a17-e7a804bbaaa5" providerId="ADAL" clId="{8D276DEB-9ECF-474F-8641-C8D9886C5626}" dt="2019-01-12T14:56:13.650" v="1858" actId="478"/>
-        <pc:sldMkLst>
-          <pc:docMk/>
-          <pc:sldMk cId="0" sldId="650"/>
-        </pc:sldMkLst>
-        <pc:spChg chg="mod">
-          <ac:chgData name="Lewis, Gareth" userId="0ca0577c-2ada-4abb-9a17-e7a804bbaaa5" providerId="ADAL" clId="{8D276DEB-9ECF-474F-8641-C8D9886C5626}" dt="2019-01-12T14:56:11.299" v="1857" actId="5793"/>
-          <ac:spMkLst>
-            <pc:docMk/>
-            <pc:sldMk cId="0" sldId="650"/>
-            <ac:spMk id="3" creationId="{00000000-0000-0000-0000-000000000000}"/>
-          </ac:spMkLst>
-        </pc:spChg>
-        <pc:spChg chg="del">
-          <ac:chgData name="Lewis, Gareth" userId="0ca0577c-2ada-4abb-9a17-e7a804bbaaa5" providerId="ADAL" clId="{8D276DEB-9ECF-474F-8641-C8D9886C5626}" dt="2019-01-12T14:56:13.650" v="1858" actId="478"/>
-          <ac:spMkLst>
-            <pc:docMk/>
-            <pc:sldMk cId="0" sldId="650"/>
-            <ac:spMk id="4" creationId="{00000000-0000-0000-0000-000000000000}"/>
-          </ac:spMkLst>
-        </pc:spChg>
-      </pc:sldChg>
-      <pc:sldChg chg="add">
-        <pc:chgData name="Lewis, Gareth" userId="0ca0577c-2ada-4abb-9a17-e7a804bbaaa5" providerId="ADAL" clId="{8D276DEB-9ECF-474F-8641-C8D9886C5626}" dt="2019-01-12T14:56:00.137" v="1853"/>
-        <pc:sldMkLst>
-          <pc:docMk/>
-          <pc:sldMk cId="0" sldId="651"/>
-        </pc:sldMkLst>
-      </pc:sldChg>
-      <pc:sldChg chg="add">
-        <pc:chgData name="Lewis, Gareth" userId="0ca0577c-2ada-4abb-9a17-e7a804bbaaa5" providerId="ADAL" clId="{8D276DEB-9ECF-474F-8641-C8D9886C5626}" dt="2019-01-12T14:56:00.137" v="1853"/>
-        <pc:sldMkLst>
-          <pc:docMk/>
-          <pc:sldMk cId="0" sldId="652"/>
-        </pc:sldMkLst>
-      </pc:sldChg>
-      <pc:sldChg chg="modSp add">
-        <pc:chgData name="Lewis, Gareth" userId="0ca0577c-2ada-4abb-9a17-e7a804bbaaa5" providerId="ADAL" clId="{8D276DEB-9ECF-474F-8641-C8D9886C5626}" dt="2019-01-12T14:56:59.098" v="1874" actId="20577"/>
-        <pc:sldMkLst>
-          <pc:docMk/>
-          <pc:sldMk cId="0" sldId="653"/>
-        </pc:sldMkLst>
-        <pc:spChg chg="mod">
-          <ac:chgData name="Lewis, Gareth" userId="0ca0577c-2ada-4abb-9a17-e7a804bbaaa5" providerId="ADAL" clId="{8D276DEB-9ECF-474F-8641-C8D9886C5626}" dt="2019-01-12T14:56:59.098" v="1874" actId="20577"/>
-          <ac:spMkLst>
-            <pc:docMk/>
-            <pc:sldMk cId="0" sldId="653"/>
-            <ac:spMk id="3" creationId="{00000000-0000-0000-0000-000000000000}"/>
-          </ac:spMkLst>
-        </pc:spChg>
-      </pc:sldChg>
-      <pc:sldChg chg="addSp delSp modSp add">
-        <pc:chgData name="Lewis, Gareth" userId="0ca0577c-2ada-4abb-9a17-e7a804bbaaa5" providerId="ADAL" clId="{8D276DEB-9ECF-474F-8641-C8D9886C5626}" dt="2019-01-27T11:31:10.056" v="4346" actId="478"/>
-        <pc:sldMkLst>
-          <pc:docMk/>
-          <pc:sldMk cId="0" sldId="654"/>
-        </pc:sldMkLst>
-        <pc:spChg chg="mod">
-          <ac:chgData name="Lewis, Gareth" userId="0ca0577c-2ada-4abb-9a17-e7a804bbaaa5" providerId="ADAL" clId="{8D276DEB-9ECF-474F-8641-C8D9886C5626}" dt="2019-01-12T14:59:31.970" v="1955" actId="20577"/>
-          <ac:spMkLst>
-            <pc:docMk/>
-            <pc:sldMk cId="0" sldId="654"/>
-            <ac:spMk id="3" creationId="{00000000-0000-0000-0000-000000000000}"/>
-          </ac:spMkLst>
-        </pc:spChg>
-        <pc:spChg chg="mod">
-          <ac:chgData name="Lewis, Gareth" userId="0ca0577c-2ada-4abb-9a17-e7a804bbaaa5" providerId="ADAL" clId="{8D276DEB-9ECF-474F-8641-C8D9886C5626}" dt="2019-01-12T14:57:48.340" v="1946" actId="1035"/>
-          <ac:spMkLst>
-            <pc:docMk/>
-            <pc:sldMk cId="0" sldId="654"/>
-            <ac:spMk id="6" creationId="{00000000-0000-0000-0000-000000000000}"/>
-          </ac:spMkLst>
-        </pc:spChg>
-        <pc:spChg chg="mod">
-          <ac:chgData name="Lewis, Gareth" userId="0ca0577c-2ada-4abb-9a17-e7a804bbaaa5" providerId="ADAL" clId="{8D276DEB-9ECF-474F-8641-C8D9886C5626}" dt="2019-01-12T14:57:43.909" v="1936" actId="1036"/>
-          <ac:spMkLst>
-            <pc:docMk/>
-            <pc:sldMk cId="0" sldId="654"/>
-            <ac:spMk id="9" creationId="{00000000-0000-0000-0000-000000000000}"/>
-          </ac:spMkLst>
-        </pc:spChg>
-        <pc:spChg chg="mod">
-          <ac:chgData name="Lewis, Gareth" userId="0ca0577c-2ada-4abb-9a17-e7a804bbaaa5" providerId="ADAL" clId="{8D276DEB-9ECF-474F-8641-C8D9886C5626}" dt="2019-01-12T14:57:29.291" v="1895" actId="1035"/>
-          <ac:spMkLst>
-            <pc:docMk/>
-            <pc:sldMk cId="0" sldId="654"/>
-            <ac:spMk id="11" creationId="{00000000-0000-0000-0000-000000000000}"/>
-          </ac:spMkLst>
-        </pc:spChg>
-        <pc:grpChg chg="mod">
-          <ac:chgData name="Lewis, Gareth" userId="0ca0577c-2ada-4abb-9a17-e7a804bbaaa5" providerId="ADAL" clId="{8D276DEB-9ECF-474F-8641-C8D9886C5626}" dt="2019-01-14T16:28:18.816" v="3563" actId="207"/>
-          <ac:grpSpMkLst>
-            <pc:docMk/>
-            <pc:sldMk cId="0" sldId="654"/>
-            <ac:grpSpMk id="52" creationId="{00000000-0000-0000-0000-000000000000}"/>
-          </ac:grpSpMkLst>
-        </pc:grpChg>
-        <pc:picChg chg="add del">
-          <ac:chgData name="Lewis, Gareth" userId="0ca0577c-2ada-4abb-9a17-e7a804bbaaa5" providerId="ADAL" clId="{8D276DEB-9ECF-474F-8641-C8D9886C5626}" dt="2019-01-27T11:31:10.056" v="4346" actId="478"/>
-          <ac:picMkLst>
-            <pc:docMk/>
-            <pc:sldMk cId="0" sldId="654"/>
-            <ac:picMk id="2" creationId="{3D132A7C-559C-4BE1-864B-D50C6E33A4CF}"/>
-          </ac:picMkLst>
-        </pc:picChg>
-        <pc:cxnChg chg="mod">
-          <ac:chgData name="Lewis, Gareth" userId="0ca0577c-2ada-4abb-9a17-e7a804bbaaa5" providerId="ADAL" clId="{8D276DEB-9ECF-474F-8641-C8D9886C5626}" dt="2019-01-12T14:57:48.340" v="1946" actId="1035"/>
-          <ac:cxnSpMkLst>
-            <pc:docMk/>
-            <pc:sldMk cId="0" sldId="654"/>
-            <ac:cxnSpMk id="14" creationId="{00000000-0000-0000-0000-000000000000}"/>
-          </ac:cxnSpMkLst>
-        </pc:cxnChg>
-        <pc:cxnChg chg="mod">
-          <ac:chgData name="Lewis, Gareth" userId="0ca0577c-2ada-4abb-9a17-e7a804bbaaa5" providerId="ADAL" clId="{8D276DEB-9ECF-474F-8641-C8D9886C5626}" dt="2019-01-12T14:57:43.909" v="1936" actId="1036"/>
-          <ac:cxnSpMkLst>
-            <pc:docMk/>
-            <pc:sldMk cId="0" sldId="654"/>
-            <ac:cxnSpMk id="15" creationId="{00000000-0000-0000-0000-000000000000}"/>
-          </ac:cxnSpMkLst>
-        </pc:cxnChg>
-        <pc:cxnChg chg="mod">
-          <ac:chgData name="Lewis, Gareth" userId="0ca0577c-2ada-4abb-9a17-e7a804bbaaa5" providerId="ADAL" clId="{8D276DEB-9ECF-474F-8641-C8D9886C5626}" dt="2019-01-12T14:57:29.291" v="1895" actId="1035"/>
-          <ac:cxnSpMkLst>
-            <pc:docMk/>
-            <pc:sldMk cId="0" sldId="654"/>
-            <ac:cxnSpMk id="19" creationId="{00000000-0000-0000-0000-000000000000}"/>
-          </ac:cxnSpMkLst>
-        </pc:cxnChg>
-        <pc:cxnChg chg="mod">
-          <ac:chgData name="Lewis, Gareth" userId="0ca0577c-2ada-4abb-9a17-e7a804bbaaa5" providerId="ADAL" clId="{8D276DEB-9ECF-474F-8641-C8D9886C5626}" dt="2019-01-12T14:57:48.340" v="1946" actId="1035"/>
-          <ac:cxnSpMkLst>
-            <pc:docMk/>
-            <pc:sldMk cId="0" sldId="654"/>
-            <ac:cxnSpMk id="22" creationId="{00000000-0000-0000-0000-000000000000}"/>
-          </ac:cxnSpMkLst>
-        </pc:cxnChg>
-        <pc:cxnChg chg="mod">
-          <ac:chgData name="Lewis, Gareth" userId="0ca0577c-2ada-4abb-9a17-e7a804bbaaa5" providerId="ADAL" clId="{8D276DEB-9ECF-474F-8641-C8D9886C5626}" dt="2019-01-12T14:57:48.340" v="1946" actId="1035"/>
-          <ac:cxnSpMkLst>
-            <pc:docMk/>
-            <pc:sldMk cId="0" sldId="654"/>
-            <ac:cxnSpMk id="25" creationId="{00000000-0000-0000-0000-000000000000}"/>
-          </ac:cxnSpMkLst>
-        </pc:cxnChg>
-        <pc:cxnChg chg="mod">
-          <ac:chgData name="Lewis, Gareth" userId="0ca0577c-2ada-4abb-9a17-e7a804bbaaa5" providerId="ADAL" clId="{8D276DEB-9ECF-474F-8641-C8D9886C5626}" dt="2019-01-12T14:57:43.909" v="1936" actId="1036"/>
-          <ac:cxnSpMkLst>
-            <pc:docMk/>
-            <pc:sldMk cId="0" sldId="654"/>
-            <ac:cxnSpMk id="28" creationId="{00000000-0000-0000-0000-000000000000}"/>
-          </ac:cxnSpMkLst>
-        </pc:cxnChg>
-        <pc:cxnChg chg="mod">
-          <ac:chgData name="Lewis, Gareth" userId="0ca0577c-2ada-4abb-9a17-e7a804bbaaa5" providerId="ADAL" clId="{8D276DEB-9ECF-474F-8641-C8D9886C5626}" dt="2019-01-12T14:57:29.291" v="1895" actId="1035"/>
-          <ac:cxnSpMkLst>
-            <pc:docMk/>
-            <pc:sldMk cId="0" sldId="654"/>
-            <ac:cxnSpMk id="32" creationId="{00000000-0000-0000-0000-000000000000}"/>
-          </ac:cxnSpMkLst>
-        </pc:cxnChg>
-      </pc:sldChg>
-      <pc:sldChg chg="modSp add">
-        <pc:chgData name="Lewis, Gareth" userId="0ca0577c-2ada-4abb-9a17-e7a804bbaaa5" providerId="ADAL" clId="{8D276DEB-9ECF-474F-8641-C8D9886C5626}" dt="2019-01-27T11:12:18.412" v="3883" actId="6549"/>
-        <pc:sldMkLst>
-          <pc:docMk/>
-          <pc:sldMk cId="0" sldId="655"/>
-        </pc:sldMkLst>
-        <pc:spChg chg="mod">
-          <ac:chgData name="Lewis, Gareth" userId="0ca0577c-2ada-4abb-9a17-e7a804bbaaa5" providerId="ADAL" clId="{8D276DEB-9ECF-474F-8641-C8D9886C5626}" dt="2019-01-27T11:12:18.412" v="3883" actId="6549"/>
-          <ac:spMkLst>
-            <pc:docMk/>
-            <pc:sldMk cId="0" sldId="655"/>
-            <ac:spMk id="3" creationId="{00000000-0000-0000-0000-000000000000}"/>
-          </ac:spMkLst>
-        </pc:spChg>
-      </pc:sldChg>
-      <pc:sldChg chg="addSp modSp add">
-        <pc:chgData name="Lewis, Gareth" userId="0ca0577c-2ada-4abb-9a17-e7a804bbaaa5" providerId="ADAL" clId="{8D276DEB-9ECF-474F-8641-C8D9886C5626}" dt="2019-01-27T11:28:25.328" v="4344" actId="164"/>
-        <pc:sldMkLst>
-          <pc:docMk/>
-          <pc:sldMk cId="0" sldId="674"/>
-        </pc:sldMkLst>
-        <pc:spChg chg="mod">
-          <ac:chgData name="Lewis, Gareth" userId="0ca0577c-2ada-4abb-9a17-e7a804bbaaa5" providerId="ADAL" clId="{8D276DEB-9ECF-474F-8641-C8D9886C5626}" dt="2019-01-12T14:57:06.452" v="1875"/>
-          <ac:spMkLst>
-            <pc:docMk/>
-            <pc:sldMk cId="0" sldId="674"/>
-            <ac:spMk id="3" creationId="{00000000-0000-0000-0000-000000000000}"/>
-          </ac:spMkLst>
-        </pc:spChg>
-        <pc:spChg chg="mod">
-          <ac:chgData name="Lewis, Gareth" userId="0ca0577c-2ada-4abb-9a17-e7a804bbaaa5" providerId="ADAL" clId="{8D276DEB-9ECF-474F-8641-C8D9886C5626}" dt="2019-01-12T14:56:39.756" v="1859" actId="6549"/>
-          <ac:spMkLst>
-            <pc:docMk/>
-            <pc:sldMk cId="0" sldId="674"/>
-            <ac:spMk id="15" creationId="{00000000-0000-0000-0000-000000000000}"/>
-          </ac:spMkLst>
-        </pc:spChg>
-        <pc:grpChg chg="add mod">
-          <ac:chgData name="Lewis, Gareth" userId="0ca0577c-2ada-4abb-9a17-e7a804bbaaa5" providerId="ADAL" clId="{8D276DEB-9ECF-474F-8641-C8D9886C5626}" dt="2019-01-27T11:28:25.328" v="4344" actId="164"/>
-          <ac:grpSpMkLst>
-            <pc:docMk/>
-            <pc:sldMk cId="0" sldId="674"/>
-            <ac:grpSpMk id="2" creationId="{3E0163F3-BCD6-4844-BFFC-CACB8A626BDC}"/>
-          </ac:grpSpMkLst>
-        </pc:grpChg>
-        <pc:grpChg chg="mod">
-          <ac:chgData name="Lewis, Gareth" userId="0ca0577c-2ada-4abb-9a17-e7a804bbaaa5" providerId="ADAL" clId="{8D276DEB-9ECF-474F-8641-C8D9886C5626}" dt="2019-01-27T11:28:25.328" v="4344" actId="164"/>
-          <ac:grpSpMkLst>
-            <pc:docMk/>
-            <pc:sldMk cId="0" sldId="674"/>
-            <ac:grpSpMk id="4" creationId="{00000000-0000-0000-0000-000000000000}"/>
-          </ac:grpSpMkLst>
-        </pc:grpChg>
-        <pc:grpChg chg="mod">
-          <ac:chgData name="Lewis, Gareth" userId="0ca0577c-2ada-4abb-9a17-e7a804bbaaa5" providerId="ADAL" clId="{8D276DEB-9ECF-474F-8641-C8D9886C5626}" dt="2019-01-27T11:28:25.328" v="4344" actId="164"/>
-          <ac:grpSpMkLst>
-            <pc:docMk/>
-            <pc:sldMk cId="0" sldId="674"/>
-            <ac:grpSpMk id="6" creationId="{00000000-0000-0000-0000-000000000000}"/>
-          </ac:grpSpMkLst>
-        </pc:grpChg>
-        <pc:grpChg chg="mod">
-          <ac:chgData name="Lewis, Gareth" userId="0ca0577c-2ada-4abb-9a17-e7a804bbaaa5" providerId="ADAL" clId="{8D276DEB-9ECF-474F-8641-C8D9886C5626}" dt="2019-01-27T11:28:25.328" v="4344" actId="164"/>
-          <ac:grpSpMkLst>
-            <pc:docMk/>
-            <pc:sldMk cId="0" sldId="674"/>
-            <ac:grpSpMk id="7" creationId="{00000000-0000-0000-0000-000000000000}"/>
-          </ac:grpSpMkLst>
-        </pc:grpChg>
-        <pc:cxnChg chg="mod">
-          <ac:chgData name="Lewis, Gareth" userId="0ca0577c-2ada-4abb-9a17-e7a804bbaaa5" providerId="ADAL" clId="{8D276DEB-9ECF-474F-8641-C8D9886C5626}" dt="2019-01-27T11:28:25.328" v="4344" actId="164"/>
-          <ac:cxnSpMkLst>
-            <pc:docMk/>
-            <pc:sldMk cId="0" sldId="674"/>
-            <ac:cxnSpMk id="8" creationId="{00000000-0000-0000-0000-000000000000}"/>
-          </ac:cxnSpMkLst>
-        </pc:cxnChg>
-        <pc:cxnChg chg="mod">
-          <ac:chgData name="Lewis, Gareth" userId="0ca0577c-2ada-4abb-9a17-e7a804bbaaa5" providerId="ADAL" clId="{8D276DEB-9ECF-474F-8641-C8D9886C5626}" dt="2019-01-27T11:28:25.328" v="4344" actId="164"/>
-          <ac:cxnSpMkLst>
-            <pc:docMk/>
-            <pc:sldMk cId="0" sldId="674"/>
-            <ac:cxnSpMk id="10" creationId="{00000000-0000-0000-0000-000000000000}"/>
-          </ac:cxnSpMkLst>
-        </pc:cxnChg>
-      </pc:sldChg>
-      <pc:sldChg chg="add">
-        <pc:chgData name="Lewis, Gareth" userId="0ca0577c-2ada-4abb-9a17-e7a804bbaaa5" providerId="ADAL" clId="{8D276DEB-9ECF-474F-8641-C8D9886C5626}" dt="2019-01-12T14:56:05.994" v="1854"/>
-        <pc:sldMkLst>
-          <pc:docMk/>
-          <pc:sldMk cId="950631406" sldId="675"/>
-        </pc:sldMkLst>
-      </pc:sldChg>
-      <pc:sldChg chg="modSp add">
-        <pc:chgData name="Lewis, Gareth" userId="0ca0577c-2ada-4abb-9a17-e7a804bbaaa5" providerId="ADAL" clId="{8D276DEB-9ECF-474F-8641-C8D9886C5626}" dt="2019-01-27T11:13:01.606" v="3886" actId="20577"/>
-        <pc:sldMkLst>
-          <pc:docMk/>
-          <pc:sldMk cId="136285698" sldId="676"/>
-        </pc:sldMkLst>
-        <pc:spChg chg="mod">
-          <ac:chgData name="Lewis, Gareth" userId="0ca0577c-2ada-4abb-9a17-e7a804bbaaa5" providerId="ADAL" clId="{8D276DEB-9ECF-474F-8641-C8D9886C5626}" dt="2019-01-27T11:13:01.606" v="3886" actId="20577"/>
-          <ac:spMkLst>
-            <pc:docMk/>
-            <pc:sldMk cId="136285698" sldId="676"/>
-            <ac:spMk id="3" creationId="{00000000-0000-0000-0000-000000000000}"/>
-          </ac:spMkLst>
-        </pc:spChg>
-      </pc:sldChg>
-      <pc:sldChg chg="modSp add">
-        <pc:chgData name="Lewis, Gareth" userId="0ca0577c-2ada-4abb-9a17-e7a804bbaaa5" providerId="ADAL" clId="{8D276DEB-9ECF-474F-8641-C8D9886C5626}" dt="2019-01-27T11:19:05.723" v="4343" actId="15"/>
-        <pc:sldMkLst>
-          <pc:docMk/>
-          <pc:sldMk cId="2688635824" sldId="677"/>
-        </pc:sldMkLst>
-        <pc:spChg chg="mod">
-          <ac:chgData name="Lewis, Gareth" userId="0ca0577c-2ada-4abb-9a17-e7a804bbaaa5" providerId="ADAL" clId="{8D276DEB-9ECF-474F-8641-C8D9886C5626}" dt="2019-01-27T11:19:05.723" v="4343" actId="15"/>
-          <ac:spMkLst>
-            <pc:docMk/>
-            <pc:sldMk cId="2688635824" sldId="677"/>
-            <ac:spMk id="3" creationId="{00000000-0000-0000-0000-000000000000}"/>
-          </ac:spMkLst>
-        </pc:spChg>
-      </pc:sldChg>
-      <pc:sldChg chg="modSp add ord">
-        <pc:chgData name="Lewis, Gareth" userId="0ca0577c-2ada-4abb-9a17-e7a804bbaaa5" providerId="ADAL" clId="{8D276DEB-9ECF-474F-8641-C8D9886C5626}" dt="2019-01-12T15:05:55.641" v="2160" actId="6549"/>
-        <pc:sldMkLst>
-          <pc:docMk/>
-          <pc:sldMk cId="689368450" sldId="678"/>
-        </pc:sldMkLst>
-        <pc:spChg chg="mod">
-          <ac:chgData name="Lewis, Gareth" userId="0ca0577c-2ada-4abb-9a17-e7a804bbaaa5" providerId="ADAL" clId="{8D276DEB-9ECF-474F-8641-C8D9886C5626}" dt="2019-01-12T15:05:55.641" v="2160" actId="6549"/>
-          <ac:spMkLst>
-            <pc:docMk/>
-            <pc:sldMk cId="689368450" sldId="678"/>
-            <ac:spMk id="3" creationId="{00000000-0000-0000-0000-000000000000}"/>
-          </ac:spMkLst>
-        </pc:spChg>
-      </pc:sldChg>
-      <pc:sldChg chg="modSp add">
-        <pc:chgData name="Lewis, Gareth" userId="0ca0577c-2ada-4abb-9a17-e7a804bbaaa5" providerId="ADAL" clId="{8D276DEB-9ECF-474F-8641-C8D9886C5626}" dt="2019-01-12T15:07:17.762" v="2410" actId="20577"/>
-        <pc:sldMkLst>
-          <pc:docMk/>
-          <pc:sldMk cId="262335432" sldId="679"/>
-        </pc:sldMkLst>
-        <pc:spChg chg="mod">
-          <ac:chgData name="Lewis, Gareth" userId="0ca0577c-2ada-4abb-9a17-e7a804bbaaa5" providerId="ADAL" clId="{8D276DEB-9ECF-474F-8641-C8D9886C5626}" dt="2019-01-12T15:07:17.762" v="2410" actId="20577"/>
-          <ac:spMkLst>
-            <pc:docMk/>
-            <pc:sldMk cId="262335432" sldId="679"/>
-            <ac:spMk id="3" creationId="{00000000-0000-0000-0000-000000000000}"/>
-          </ac:spMkLst>
-        </pc:spChg>
-      </pc:sldChg>
-      <pc:sldChg chg="modSp add">
-        <pc:chgData name="Lewis, Gareth" userId="0ca0577c-2ada-4abb-9a17-e7a804bbaaa5" providerId="ADAL" clId="{8D276DEB-9ECF-474F-8641-C8D9886C5626}" dt="2019-01-12T15:08:24.422" v="2514" actId="20577"/>
-        <pc:sldMkLst>
-          <pc:docMk/>
-          <pc:sldMk cId="1883771542" sldId="680"/>
-        </pc:sldMkLst>
-        <pc:spChg chg="mod">
-          <ac:chgData name="Lewis, Gareth" userId="0ca0577c-2ada-4abb-9a17-e7a804bbaaa5" providerId="ADAL" clId="{8D276DEB-9ECF-474F-8641-C8D9886C5626}" dt="2019-01-12T15:08:24.422" v="2514" actId="20577"/>
-          <ac:spMkLst>
-            <pc:docMk/>
-            <pc:sldMk cId="1883771542" sldId="680"/>
-            <ac:spMk id="3" creationId="{00000000-0000-0000-0000-000000000000}"/>
-          </ac:spMkLst>
-        </pc:spChg>
-      </pc:sldChg>
-      <pc:sldChg chg="modSp add">
-        <pc:chgData name="Lewis, Gareth" userId="0ca0577c-2ada-4abb-9a17-e7a804bbaaa5" providerId="ADAL" clId="{8D276DEB-9ECF-474F-8641-C8D9886C5626}" dt="2019-01-27T11:15:01.299" v="3941" actId="20577"/>
-        <pc:sldMkLst>
-          <pc:docMk/>
-          <pc:sldMk cId="2824904003" sldId="681"/>
-        </pc:sldMkLst>
-        <pc:spChg chg="mod">
-          <ac:chgData name="Lewis, Gareth" userId="0ca0577c-2ada-4abb-9a17-e7a804bbaaa5" providerId="ADAL" clId="{8D276DEB-9ECF-474F-8641-C8D9886C5626}" dt="2019-01-27T11:15:01.299" v="3941" actId="20577"/>
-          <ac:spMkLst>
-            <pc:docMk/>
-            <pc:sldMk cId="2824904003" sldId="681"/>
-            <ac:spMk id="3" creationId="{00000000-0000-0000-0000-000000000000}"/>
-          </ac:spMkLst>
-        </pc:spChg>
-      </pc:sldChg>
-      <pc:sldChg chg="modSp add">
-        <pc:chgData name="Lewis, Gareth" userId="0ca0577c-2ada-4abb-9a17-e7a804bbaaa5" providerId="ADAL" clId="{8D276DEB-9ECF-474F-8641-C8D9886C5626}" dt="2019-01-27T11:08:25.406" v="3826" actId="6549"/>
-        <pc:sldMkLst>
-          <pc:docMk/>
-          <pc:sldMk cId="2578447533" sldId="682"/>
-        </pc:sldMkLst>
-        <pc:spChg chg="mod">
-          <ac:chgData name="Lewis, Gareth" userId="0ca0577c-2ada-4abb-9a17-e7a804bbaaa5" providerId="ADAL" clId="{8D276DEB-9ECF-474F-8641-C8D9886C5626}" dt="2019-01-27T11:08:25.406" v="3826" actId="6549"/>
-          <ac:spMkLst>
-            <pc:docMk/>
-            <pc:sldMk cId="2578447533" sldId="682"/>
-            <ac:spMk id="3" creationId="{00000000-0000-0000-0000-000000000000}"/>
-          </ac:spMkLst>
-        </pc:spChg>
-      </pc:sldChg>
-      <pc:sldChg chg="modSp add">
-        <pc:chgData name="Lewis, Gareth" userId="0ca0577c-2ada-4abb-9a17-e7a804bbaaa5" providerId="ADAL" clId="{8D276DEB-9ECF-474F-8641-C8D9886C5626}" dt="2019-01-27T11:13:55.453" v="3908" actId="20577"/>
-        <pc:sldMkLst>
-          <pc:docMk/>
-          <pc:sldMk cId="1395622730" sldId="683"/>
-        </pc:sldMkLst>
-        <pc:spChg chg="mod">
-          <ac:chgData name="Lewis, Gareth" userId="0ca0577c-2ada-4abb-9a17-e7a804bbaaa5" providerId="ADAL" clId="{8D276DEB-9ECF-474F-8641-C8D9886C5626}" dt="2019-01-27T11:13:55.453" v="3908" actId="20577"/>
-          <ac:spMkLst>
-            <pc:docMk/>
-            <pc:sldMk cId="1395622730" sldId="683"/>
-            <ac:spMk id="3" creationId="{00000000-0000-0000-0000-000000000000}"/>
-          </ac:spMkLst>
-        </pc:spChg>
-      </pc:sldChg>
-      <pc:sldChg chg="modSp add">
-        <pc:chgData name="Lewis, Gareth" userId="0ca0577c-2ada-4abb-9a17-e7a804bbaaa5" providerId="ADAL" clId="{8D276DEB-9ECF-474F-8641-C8D9886C5626}" dt="2019-01-27T11:16:57.127" v="4145" actId="20577"/>
-        <pc:sldMkLst>
-          <pc:docMk/>
-          <pc:sldMk cId="1144748300" sldId="684"/>
-        </pc:sldMkLst>
-        <pc:spChg chg="mod">
-          <ac:chgData name="Lewis, Gareth" userId="0ca0577c-2ada-4abb-9a17-e7a804bbaaa5" providerId="ADAL" clId="{8D276DEB-9ECF-474F-8641-C8D9886C5626}" dt="2019-01-27T11:16:57.127" v="4145" actId="20577"/>
-          <ac:spMkLst>
-            <pc:docMk/>
-            <pc:sldMk cId="1144748300" sldId="684"/>
-            <ac:spMk id="3" creationId="{00000000-0000-0000-0000-000000000000}"/>
-          </ac:spMkLst>
-        </pc:spChg>
-      </pc:sldChg>
-      <pc:sldMasterChg chg="modSldLayout">
-        <pc:chgData name="Lewis, Gareth" userId="0ca0577c-2ada-4abb-9a17-e7a804bbaaa5" providerId="ADAL" clId="{8D276DEB-9ECF-474F-8641-C8D9886C5626}" dt="2019-01-12T15:07:46.816" v="2422" actId="207"/>
-        <pc:sldMasterMkLst>
-          <pc:docMk/>
-          <pc:sldMasterMk cId="0" sldId="2147483648"/>
-        </pc:sldMasterMkLst>
-        <pc:sldLayoutChg chg="modSp">
-          <pc:chgData name="Lewis, Gareth" userId="0ca0577c-2ada-4abb-9a17-e7a804bbaaa5" providerId="ADAL" clId="{8D276DEB-9ECF-474F-8641-C8D9886C5626}" dt="2019-01-12T15:07:46.816" v="2422" actId="207"/>
-          <pc:sldLayoutMkLst>
-            <pc:docMk/>
-            <pc:sldMasterMk cId="0" sldId="2147483648"/>
-            <pc:sldLayoutMk cId="4274630231" sldId="2147483672"/>
-          </pc:sldLayoutMkLst>
-          <pc:spChg chg="mod">
-            <ac:chgData name="Lewis, Gareth" userId="0ca0577c-2ada-4abb-9a17-e7a804bbaaa5" providerId="ADAL" clId="{8D276DEB-9ECF-474F-8641-C8D9886C5626}" dt="2019-01-12T15:07:46.816" v="2422" actId="207"/>
-            <ac:spMkLst>
-              <pc:docMk/>
-              <pc:sldMasterMk cId="0" sldId="2147483648"/>
-              <pc:sldLayoutMk cId="4274630231" sldId="2147483672"/>
-              <ac:spMk id="3" creationId="{00000000-0000-0000-0000-000000000000}"/>
-            </ac:spMkLst>
-          </pc:spChg>
-        </pc:sldLayoutChg>
-      </pc:sldMasterChg>
-    </pc:docChg>
-  </pc:docChgLst>
-</pc:chgInfo>
-</file>
-
 <file path=ppt/handoutMasters/handoutMaster1.xml><?xml version="1.0" encoding="utf-8"?>
 <p:handoutMaster xmlns:a="http://schemas.openxmlformats.org/drawingml/2006/main" xmlns:r="http://schemas.openxmlformats.org/officeDocument/2006/relationships" xmlns:p="http://schemas.openxmlformats.org/presentationml/2006/main">
   <p:cSld>
@@ -985,7 +261,7 @@
             <a:fld id="{134C908B-E4CF-4B88-8994-49C91B4DAC10}" type="datetimeFigureOut">
               <a:rPr lang="en-US" smtClean="0"/>
               <a:pPr/>
-              <a:t>2/9/2020</a:t>
+              <a:t>2/16/2020</a:t>
             </a:fld>
             <a:endParaRPr lang="en-US"/>
           </a:p>
@@ -1147,7 +423,7 @@
             <a:fld id="{FCD4ED34-E2A7-4A73-B53B-08CB721EE63F}" type="datetimeFigureOut">
               <a:rPr lang="en-US" smtClean="0"/>
               <a:pPr/>
-              <a:t>2/9/2020</a:t>
+              <a:t>2/16/2020</a:t>
             </a:fld>
             <a:endParaRPr lang="en-GB"/>
           </a:p>
@@ -1610,7 +886,7 @@
             <a:fld id="{24C0EDFE-3590-4448-BF7B-7FB41E82085F}" type="datetimeFigureOut">
               <a:rPr lang="en-US" smtClean="0"/>
               <a:pPr/>
-              <a:t>2/9/2020</a:t>
+              <a:t>2/16/2020</a:t>
             </a:fld>
             <a:endParaRPr lang="en-US" dirty="0"/>
           </a:p>
@@ -1799,7 +1075,7 @@
             <a:fld id="{24C0EDFE-3590-4448-BF7B-7FB41E82085F}" type="datetimeFigureOut">
               <a:rPr lang="en-US" smtClean="0"/>
               <a:pPr/>
-              <a:t>2/9/2020</a:t>
+              <a:t>2/16/2020</a:t>
             </a:fld>
             <a:endParaRPr lang="en-US" dirty="0"/>
           </a:p>
@@ -1977,7 +1253,7 @@
             <a:fld id="{24C0EDFE-3590-4448-BF7B-7FB41E82085F}" type="datetimeFigureOut">
               <a:rPr lang="en-US" smtClean="0"/>
               <a:pPr/>
-              <a:t>2/9/2020</a:t>
+              <a:t>2/16/2020</a:t>
             </a:fld>
             <a:endParaRPr lang="en-US" dirty="0"/>
           </a:p>
@@ -2226,7 +1502,7 @@
             <a:fld id="{24C0EDFE-3590-4448-BF7B-7FB41E82085F}" type="datetimeFigureOut">
               <a:rPr lang="en-US" smtClean="0"/>
               <a:pPr/>
-              <a:t>2/9/2020</a:t>
+              <a:t>2/16/2020</a:t>
             </a:fld>
             <a:endParaRPr lang="en-US" dirty="0"/>
           </a:p>
@@ -2548,7 +1824,7 @@
             <a:fld id="{24C0EDFE-3590-4448-BF7B-7FB41E82085F}" type="datetimeFigureOut">
               <a:rPr lang="en-US" smtClean="0"/>
               <a:pPr/>
-              <a:t>2/9/2020</a:t>
+              <a:t>2/16/2020</a:t>
             </a:fld>
             <a:endParaRPr lang="en-US" dirty="0"/>
           </a:p>
@@ -2854,7 +2130,7 @@
             <a:fld id="{24C0EDFE-3590-4448-BF7B-7FB41E82085F}" type="datetimeFigureOut">
               <a:rPr lang="en-US" smtClean="0"/>
               <a:pPr/>
-              <a:t>2/9/2020</a:t>
+              <a:t>2/16/2020</a:t>
             </a:fld>
             <a:endParaRPr lang="en-US" dirty="0"/>
           </a:p>
@@ -3278,7 +2554,7 @@
             <a:fld id="{24C0EDFE-3590-4448-BF7B-7FB41E82085F}" type="datetimeFigureOut">
               <a:rPr lang="en-US" smtClean="0"/>
               <a:pPr/>
-              <a:t>2/9/2020</a:t>
+              <a:t>2/16/2020</a:t>
             </a:fld>
             <a:endParaRPr lang="en-US" dirty="0"/>
           </a:p>
@@ -3400,7 +2676,7 @@
             <a:fld id="{24C0EDFE-3590-4448-BF7B-7FB41E82085F}" type="datetimeFigureOut">
               <a:rPr lang="en-US" smtClean="0"/>
               <a:pPr/>
-              <a:t>2/9/2020</a:t>
+              <a:t>2/16/2020</a:t>
             </a:fld>
             <a:endParaRPr lang="en-US" dirty="0"/>
           </a:p>
@@ -3492,7 +2768,7 @@
             <a:fld id="{24C0EDFE-3590-4448-BF7B-7FB41E82085F}" type="datetimeFigureOut">
               <a:rPr lang="en-US" smtClean="0"/>
               <a:pPr/>
-              <a:t>2/9/2020</a:t>
+              <a:t>2/16/2020</a:t>
             </a:fld>
             <a:endParaRPr lang="en-US" dirty="0"/>
           </a:p>
@@ -3767,7 +3043,7 @@
             <a:fld id="{24C0EDFE-3590-4448-BF7B-7FB41E82085F}" type="datetimeFigureOut">
               <a:rPr lang="en-US" smtClean="0"/>
               <a:pPr/>
-              <a:t>2/9/2020</a:t>
+              <a:t>2/16/2020</a:t>
             </a:fld>
             <a:endParaRPr lang="en-US" dirty="0"/>
           </a:p>
@@ -4019,7 +3295,7 @@
             <a:fld id="{24C0EDFE-3590-4448-BF7B-7FB41E82085F}" type="datetimeFigureOut">
               <a:rPr lang="en-US" smtClean="0"/>
               <a:pPr/>
-              <a:t>2/9/2020</a:t>
+              <a:t>2/16/2020</a:t>
             </a:fld>
             <a:endParaRPr lang="en-US" dirty="0"/>
           </a:p>
@@ -4196,7 +3472,7 @@
             <a:fld id="{24C0EDFE-3590-4448-BF7B-7FB41E82085F}" type="datetimeFigureOut">
               <a:rPr lang="en-US" smtClean="0"/>
               <a:pPr/>
-              <a:t>2/9/2020</a:t>
+              <a:t>2/16/2020</a:t>
             </a:fld>
             <a:endParaRPr lang="en-US" dirty="0"/>
           </a:p>
@@ -4828,7 +4104,7 @@
                 <a:latin typeface="Calibri" pitchFamily="34" charset="0"/>
                 <a:cs typeface="Calibri" pitchFamily="34" charset="0"/>
               </a:rPr>
-              <a:t>3: Software Architecture </a:t>
+              <a:t>3: UML – Unified Modeling Language</a:t>
             </a:r>
           </a:p>
         </p:txBody>
@@ -4891,52 +4167,50 @@
                 </a:solidFill>
                 <a:latin typeface="URWGothicL"/>
               </a:rPr>
-              <a:t>Unity Engine Architecture</a:t>
+              <a:t>State Diagram</a:t>
             </a:r>
             <a:endParaRPr lang="en-US" sz="4000" dirty="0"/>
           </a:p>
         </p:txBody>
       </p:sp>
-      <p:pic>
-        <p:nvPicPr>
-          <p:cNvPr id="12" name="Picture 11" descr="Image of Unity Engine Architecture">
+      <p:sp>
+        <p:nvSpPr>
+          <p:cNvPr id="3" name="Content Placeholder 2">
             <a:extLst>
               <a:ext uri="{FF2B5EF4-FFF2-40B4-BE49-F238E27FC236}">
-                <a16:creationId xmlns:a16="http://schemas.microsoft.com/office/drawing/2014/main" id="{9AD5BF08-5786-47B3-9EE0-C9BD83B2693B}"/>
+                <a16:creationId xmlns:a16="http://schemas.microsoft.com/office/drawing/2014/main" id="{F11D3774-F227-E54D-8B35-5A75C345CFD0}"/>
               </a:ext>
             </a:extLst>
           </p:cNvPr>
-          <p:cNvPicPr>
-            <a:picLocks noChangeAspect="1"/>
-          </p:cNvPicPr>
-          <p:nvPr/>
-        </p:nvPicPr>
-        <p:blipFill>
-          <a:blip r:embed="rId2" cstate="print">
-            <a:extLst>
-              <a:ext uri="{28A0092B-C50C-407E-A947-70E740481C1C}">
-                <a14:useLocalDpi xmlns:a14="http://schemas.microsoft.com/office/drawing/2010/main" val="0"/>
-              </a:ext>
-            </a:extLst>
-          </a:blip>
-          <a:stretch>
-            <a:fillRect/>
-          </a:stretch>
-        </p:blipFill>
+          <p:cNvSpPr>
+            <a:spLocks noGrp="1"/>
+          </p:cNvSpPr>
+          <p:nvPr>
+            <p:ph idx="1"/>
+          </p:nvPr>
+        </p:nvSpPr>
         <p:spPr>
           <a:xfrm>
-            <a:off x="3563888" y="1484784"/>
-            <a:ext cx="2437827" cy="4941168"/>
-          </a:xfrm>
-          <a:prstGeom prst="rect">
-            <a:avLst/>
-          </a:prstGeom>
-        </p:spPr>
-      </p:pic>
+            <a:off x="457200" y="1484784"/>
+            <a:ext cx="8229600" cy="5217443"/>
+          </a:xfrm>
+        </p:spPr>
+        <p:txBody>
+          <a:bodyPr anchor="ctr">
+            <a:normAutofit/>
+          </a:bodyPr>
+          <a:lstStyle/>
+          <a:p>
+            <a:endParaRPr lang="en-GB" sz="3200" dirty="0">
+              <a:effectLst/>
+            </a:endParaRPr>
+          </a:p>
+        </p:txBody>
+      </p:sp>
     </p:spTree>
     <p:extLst>
       <p:ext uri="{BB962C8B-B14F-4D97-AF65-F5344CB8AC3E}">
-        <p14:creationId xmlns:p14="http://schemas.microsoft.com/office/powerpoint/2010/main" val="3952491777"/>
+        <p14:creationId xmlns:p14="http://schemas.microsoft.com/office/powerpoint/2010/main" val="2306801108"/>
       </p:ext>
     </p:extLst>
   </p:cSld>
@@ -4996,126 +4270,41 @@
                 </a:solidFill>
                 <a:latin typeface="URWGothicL"/>
               </a:rPr>
-              <a:t>Unity Engine Architecture</a:t>
+              <a:t>Sequence Diagram</a:t>
             </a:r>
             <a:endParaRPr lang="en-US" sz="4000" dirty="0"/>
           </a:p>
         </p:txBody>
       </p:sp>
-      <p:pic>
-        <p:nvPicPr>
-          <p:cNvPr id="4" name="Picture 3" descr="A screenshot of a social media post&#10;&#10;Description automatically generated">
+      <p:sp>
+        <p:nvSpPr>
+          <p:cNvPr id="3" name="Content Placeholder 2">
             <a:extLst>
               <a:ext uri="{FF2B5EF4-FFF2-40B4-BE49-F238E27FC236}">
-                <a16:creationId xmlns:a16="http://schemas.microsoft.com/office/drawing/2014/main" id="{C4E2605F-B508-4A40-BB9E-7059F43654A9}"/>
+                <a16:creationId xmlns:a16="http://schemas.microsoft.com/office/drawing/2014/main" id="{F11D3774-F227-E54D-8B35-5A75C345CFD0}"/>
               </a:ext>
             </a:extLst>
           </p:cNvPr>
-          <p:cNvPicPr>
-            <a:picLocks noChangeAspect="1"/>
-          </p:cNvPicPr>
-          <p:nvPr/>
-        </p:nvPicPr>
-        <p:blipFill>
-          <a:blip r:embed="rId2">
-            <a:extLst>
-              <a:ext uri="{28A0092B-C50C-407E-A947-70E740481C1C}">
-                <a14:useLocalDpi xmlns:a14="http://schemas.microsoft.com/office/drawing/2010/main" val="0"/>
-              </a:ext>
-            </a:extLst>
-          </a:blip>
-          <a:stretch>
-            <a:fillRect/>
-          </a:stretch>
-        </p:blipFill>
+          <p:cNvSpPr>
+            <a:spLocks noGrp="1"/>
+          </p:cNvSpPr>
+          <p:nvPr>
+            <p:ph idx="1"/>
+          </p:nvPr>
+        </p:nvSpPr>
         <p:spPr>
           <a:xfrm>
-            <a:off x="251521" y="1628801"/>
-            <a:ext cx="8784976" cy="3244560"/>
-          </a:xfrm>
-          <a:prstGeom prst="rect">
-            <a:avLst/>
-          </a:prstGeom>
-        </p:spPr>
-      </p:pic>
-      <p:sp>
-        <p:nvSpPr>
-          <p:cNvPr id="6" name="Content Placeholder 2">
-            <a:extLst>
-              <a:ext uri="{FF2B5EF4-FFF2-40B4-BE49-F238E27FC236}">
-                <a16:creationId xmlns:a16="http://schemas.microsoft.com/office/drawing/2014/main" id="{B8A88DDB-0518-47E9-B0E9-E7AFD34D9DA0}"/>
-              </a:ext>
-            </a:extLst>
-          </p:cNvPr>
-          <p:cNvSpPr>
-            <a:spLocks noGrp="1"/>
-          </p:cNvSpPr>
-          <p:nvPr>
-            <p:ph idx="1"/>
-          </p:nvPr>
-        </p:nvSpPr>
-        <p:spPr>
-          <a:xfrm>
-            <a:off x="248006" y="5068749"/>
-            <a:ext cx="8784976" cy="1600611"/>
+            <a:off x="457200" y="1484784"/>
+            <a:ext cx="8229600" cy="5217443"/>
           </a:xfrm>
         </p:spPr>
         <p:txBody>
           <a:bodyPr anchor="ctr">
-            <a:normAutofit fontScale="85000" lnSpcReduction="20000"/>
+            <a:normAutofit/>
           </a:bodyPr>
           <a:lstStyle/>
           <a:p>
-            <a:r>
-              <a:rPr lang="en-GB" dirty="0"/>
-              <a:t>On loading of a scene, the following gets called</a:t>
-            </a:r>
-          </a:p>
-          <a:p>
-            <a:pPr lvl="1"/>
-            <a:r>
-              <a:rPr lang="en-GB" b="1" dirty="0"/>
-              <a:t>Awake</a:t>
-            </a:r>
-            <a:r>
-              <a:rPr lang="en-GB" dirty="0"/>
-              <a:t> : Called before any </a:t>
-            </a:r>
-            <a:r>
-              <a:rPr lang="en-GB" b="1" dirty="0"/>
-              <a:t>Start</a:t>
-            </a:r>
-            <a:endParaRPr lang="en-GB" dirty="0"/>
-          </a:p>
-          <a:p>
-            <a:pPr lvl="1"/>
-            <a:r>
-              <a:rPr lang="en-GB" b="1" dirty="0" err="1">
-                <a:effectLst/>
-              </a:rPr>
-              <a:t>OnEnable</a:t>
-            </a:r>
-            <a:r>
-              <a:rPr lang="en-GB" dirty="0">
-                <a:effectLst/>
-              </a:rPr>
-              <a:t> : Called before any Game Object is enabled</a:t>
-            </a:r>
-            <a:endParaRPr lang="en-GB" b="1" dirty="0">
-              <a:effectLst/>
-            </a:endParaRPr>
-          </a:p>
-          <a:p>
-            <a:pPr lvl="1"/>
-            <a:r>
-              <a:rPr lang="en-GB" b="1" dirty="0" err="1"/>
-              <a:t>OnLevelWasLoaded</a:t>
-            </a:r>
-            <a:r>
-              <a:rPr lang="en-GB" dirty="0"/>
-              <a:t> : Called when the level is loaded</a:t>
-            </a:r>
-            <a:endParaRPr lang="en-GB" b="1" dirty="0">
+            <a:endParaRPr lang="en-GB" sz="3200" dirty="0">
               <a:effectLst/>
             </a:endParaRPr>
           </a:p>
@@ -5124,7 +4313,7 @@
     </p:spTree>
     <p:extLst>
       <p:ext uri="{BB962C8B-B14F-4D97-AF65-F5344CB8AC3E}">
-        <p14:creationId xmlns:p14="http://schemas.microsoft.com/office/powerpoint/2010/main" val="1360223467"/>
+        <p14:creationId xmlns:p14="http://schemas.microsoft.com/office/powerpoint/2010/main" val="618332936"/>
       </p:ext>
     </p:extLst>
   </p:cSld>
@@ -5156,7 +4345,7 @@
           <p:cNvPr id="2" name="Title 1">
             <a:extLst>
               <a:ext uri="{FF2B5EF4-FFF2-40B4-BE49-F238E27FC236}">
-                <a16:creationId xmlns:a16="http://schemas.microsoft.com/office/drawing/2014/main" id="{DA1EABA9-ECE4-ED45-96AD-D11605468DF1}"/>
+                <a16:creationId xmlns:a16="http://schemas.microsoft.com/office/drawing/2014/main" id="{E0D39B9B-57E0-4C75-9D4A-053BECB31981}"/>
               </a:ext>
             </a:extLst>
           </p:cNvPr>
@@ -5169,8 +4358,8 @@
         </p:nvSpPr>
         <p:spPr>
           <a:xfrm>
-            <a:off x="457200" y="548680"/>
-            <a:ext cx="8229600" cy="634082"/>
+            <a:off x="1835696" y="3088481"/>
+            <a:ext cx="5472608" cy="681038"/>
           </a:xfrm>
         </p:spPr>
         <p:txBody>
@@ -5178,117 +4367,16 @@
           <a:lstStyle/>
           <a:p>
             <a:r>
-              <a:rPr lang="en-GB" sz="4000" dirty="0">
-                <a:solidFill>
-                  <a:srgbClr val="FFFFFF"/>
-                </a:solidFill>
-                <a:latin typeface="URWGothicL"/>
-              </a:rPr>
-              <a:t>Unity Engine Architecture</a:t>
-            </a:r>
-            <a:endParaRPr lang="en-US" sz="4000" dirty="0"/>
-          </a:p>
-        </p:txBody>
-      </p:sp>
-      <p:sp>
-        <p:nvSpPr>
-          <p:cNvPr id="6" name="Content Placeholder 2">
-            <a:extLst>
-              <a:ext uri="{FF2B5EF4-FFF2-40B4-BE49-F238E27FC236}">
-                <a16:creationId xmlns:a16="http://schemas.microsoft.com/office/drawing/2014/main" id="{B8A88DDB-0518-47E9-B0E9-E7AFD34D9DA0}"/>
-              </a:ext>
-            </a:extLst>
-          </p:cNvPr>
-          <p:cNvSpPr>
-            <a:spLocks noGrp="1"/>
-          </p:cNvSpPr>
-          <p:nvPr>
-            <p:ph idx="1"/>
-          </p:nvPr>
-        </p:nvSpPr>
-        <p:spPr>
-          <a:xfrm>
-            <a:off x="248006" y="5068749"/>
-            <a:ext cx="8784976" cy="1600611"/>
-          </a:xfrm>
-        </p:spPr>
-        <p:txBody>
-          <a:bodyPr anchor="ctr">
-            <a:normAutofit fontScale="85000" lnSpcReduction="10000"/>
-          </a:bodyPr>
-          <a:lstStyle/>
-          <a:p>
-            <a:r>
               <a:rPr lang="en-GB" dirty="0"/>
-              <a:t>You should perform all physics calculations in </a:t>
-            </a:r>
-            <a:r>
-              <a:rPr lang="en-GB" b="1" dirty="0" err="1"/>
-              <a:t>FixedUpdate</a:t>
-            </a:r>
-            <a:endParaRPr lang="en-GB" dirty="0"/>
-          </a:p>
-          <a:p>
-            <a:r>
-              <a:rPr lang="en-GB" dirty="0"/>
-              <a:t>You don’t need to multiply any by </a:t>
-            </a:r>
-            <a:r>
-              <a:rPr lang="en-GB" b="1" dirty="0" err="1"/>
-              <a:t>deltaTime</a:t>
-            </a:r>
-            <a:r>
-              <a:rPr lang="en-GB" dirty="0"/>
-              <a:t> in </a:t>
-            </a:r>
-            <a:r>
-              <a:rPr lang="en-GB" b="1" dirty="0" err="1"/>
-              <a:t>FixedUpdate</a:t>
-            </a:r>
-            <a:endParaRPr lang="en-GB" b="1" dirty="0"/>
-          </a:p>
-        </p:txBody>
-      </p:sp>
-      <p:pic>
-        <p:nvPicPr>
-          <p:cNvPr id="5" name="Picture 4" descr="A screenshot of a social media post&#10;&#10;Description automatically generated">
-            <a:extLst>
-              <a:ext uri="{FF2B5EF4-FFF2-40B4-BE49-F238E27FC236}">
-                <a16:creationId xmlns:a16="http://schemas.microsoft.com/office/drawing/2014/main" id="{8D936C4F-94D2-4FC9-A18E-AC5A5EC84B47}"/>
-              </a:ext>
-            </a:extLst>
-          </p:cNvPr>
-          <p:cNvPicPr>
-            <a:picLocks noChangeAspect="1"/>
-          </p:cNvPicPr>
-          <p:nvPr/>
-        </p:nvPicPr>
-        <p:blipFill>
-          <a:blip r:embed="rId2">
-            <a:extLst>
-              <a:ext uri="{28A0092B-C50C-407E-A947-70E740481C1C}">
-                <a14:useLocalDpi xmlns:a14="http://schemas.microsoft.com/office/drawing/2010/main" val="0"/>
-              </a:ext>
-            </a:extLst>
-          </a:blip>
-          <a:stretch>
-            <a:fillRect/>
-          </a:stretch>
-        </p:blipFill>
-        <p:spPr>
-          <a:xfrm>
-            <a:off x="2123728" y="1440908"/>
-            <a:ext cx="5544616" cy="3510124"/>
-          </a:xfrm>
-          <a:prstGeom prst="rect">
-            <a:avLst/>
-          </a:prstGeom>
-        </p:spPr>
-      </p:pic>
+              <a:t>Structural Diagrams</a:t>
+            </a:r>
+          </a:p>
+        </p:txBody>
+      </p:sp>
     </p:spTree>
     <p:extLst>
       <p:ext uri="{BB962C8B-B14F-4D97-AF65-F5344CB8AC3E}">
-        <p14:creationId xmlns:p14="http://schemas.microsoft.com/office/powerpoint/2010/main" val="3752457515"/>
+        <p14:creationId xmlns:p14="http://schemas.microsoft.com/office/powerpoint/2010/main" val="2974102519"/>
       </p:ext>
     </p:extLst>
   </p:cSld>
@@ -5348,7 +4436,7 @@
                 </a:solidFill>
                 <a:latin typeface="URWGothicL"/>
               </a:rPr>
-              <a:t>Unity Engine Architecture</a:t>
+              <a:t>Class Diagram</a:t>
             </a:r>
             <a:endParaRPr lang="en-US" sz="4000" dirty="0"/>
           </a:p>
@@ -5356,10 +4444,10 @@
       </p:sp>
       <p:sp>
         <p:nvSpPr>
-          <p:cNvPr id="6" name="Content Placeholder 2">
+          <p:cNvPr id="3" name="Content Placeholder 2">
             <a:extLst>
               <a:ext uri="{FF2B5EF4-FFF2-40B4-BE49-F238E27FC236}">
-                <a16:creationId xmlns:a16="http://schemas.microsoft.com/office/drawing/2014/main" id="{B8A88DDB-0518-47E9-B0E9-E7AFD34D9DA0}"/>
+                <a16:creationId xmlns:a16="http://schemas.microsoft.com/office/drawing/2014/main" id="{F11D3774-F227-E54D-8B35-5A75C345CFD0}"/>
               </a:ext>
             </a:extLst>
           </p:cNvPr>
@@ -5372,102 +4460,26 @@
         </p:nvSpPr>
         <p:spPr>
           <a:xfrm>
-            <a:off x="248006" y="5068749"/>
-            <a:ext cx="8784976" cy="1600611"/>
+            <a:off x="457200" y="1484784"/>
+            <a:ext cx="8229600" cy="5217443"/>
           </a:xfrm>
         </p:spPr>
         <p:txBody>
           <a:bodyPr anchor="ctr">
-            <a:normAutofit fontScale="92500"/>
+            <a:normAutofit/>
           </a:bodyPr>
           <a:lstStyle/>
           <a:p>
-            <a:r>
-              <a:rPr lang="en-GB" dirty="0"/>
-              <a:t>One thing to note is that </a:t>
-            </a:r>
-            <a:r>
-              <a:rPr lang="en-GB" b="1" dirty="0"/>
-              <a:t>Update </a:t>
-            </a:r>
-            <a:r>
-              <a:rPr lang="en-GB" dirty="0"/>
-              <a:t>gets called before all </a:t>
-            </a:r>
-            <a:r>
-              <a:rPr lang="en-GB" b="1" dirty="0"/>
-              <a:t>Coroutines</a:t>
-            </a:r>
-            <a:r>
-              <a:rPr lang="en-GB" dirty="0"/>
-              <a:t> and </a:t>
-            </a:r>
-            <a:r>
-              <a:rPr lang="en-GB" b="1" dirty="0"/>
-              <a:t>Animation</a:t>
-            </a:r>
-            <a:r>
-              <a:rPr lang="en-GB" dirty="0"/>
-              <a:t> Updates</a:t>
-            </a:r>
-          </a:p>
-          <a:p>
-            <a:r>
-              <a:rPr lang="en-GB" b="1" dirty="0" err="1"/>
-              <a:t>LateUpdate</a:t>
-            </a:r>
-            <a:r>
-              <a:rPr lang="en-GB" dirty="0"/>
-              <a:t> : This is called before any drawing occurs</a:t>
-            </a:r>
-            <a:r>
-              <a:rPr lang="en-GB" b="1" dirty="0"/>
-              <a:t> </a:t>
-            </a:r>
-            <a:endParaRPr lang="en-GB" dirty="0"/>
-          </a:p>
-        </p:txBody>
-      </p:sp>
-      <p:pic>
-        <p:nvPicPr>
-          <p:cNvPr id="4" name="Picture 3" descr="A screenshot of a social media post&#10;&#10;Description automatically generated">
-            <a:extLst>
-              <a:ext uri="{FF2B5EF4-FFF2-40B4-BE49-F238E27FC236}">
-                <a16:creationId xmlns:a16="http://schemas.microsoft.com/office/drawing/2014/main" id="{C4C26035-6955-4F58-BA15-FA074D079E99}"/>
-              </a:ext>
-            </a:extLst>
-          </p:cNvPr>
-          <p:cNvPicPr>
-            <a:picLocks noChangeAspect="1"/>
-          </p:cNvPicPr>
-          <p:nvPr/>
-        </p:nvPicPr>
-        <p:blipFill>
-          <a:blip r:embed="rId2">
-            <a:extLst>
-              <a:ext uri="{28A0092B-C50C-407E-A947-70E740481C1C}">
-                <a14:useLocalDpi xmlns:a14="http://schemas.microsoft.com/office/drawing/2010/main" val="0"/>
-              </a:ext>
-            </a:extLst>
-          </a:blip>
-          <a:stretch>
-            <a:fillRect/>
-          </a:stretch>
-        </p:blipFill>
-        <p:spPr>
-          <a:xfrm>
-            <a:off x="1062898" y="1426463"/>
-            <a:ext cx="7018203" cy="3540155"/>
-          </a:xfrm>
-          <a:prstGeom prst="rect">
-            <a:avLst/>
-          </a:prstGeom>
-        </p:spPr>
-      </p:pic>
+            <a:endParaRPr lang="en-GB" sz="3200" dirty="0">
+              <a:effectLst/>
+            </a:endParaRPr>
+          </a:p>
+        </p:txBody>
+      </p:sp>
     </p:spTree>
     <p:extLst>
       <p:ext uri="{BB962C8B-B14F-4D97-AF65-F5344CB8AC3E}">
-        <p14:creationId xmlns:p14="http://schemas.microsoft.com/office/powerpoint/2010/main" val="2404635319"/>
+        <p14:creationId xmlns:p14="http://schemas.microsoft.com/office/powerpoint/2010/main" val="1355565115"/>
       </p:ext>
     </p:extLst>
   </p:cSld>
@@ -5527,7 +4539,7 @@
                 </a:solidFill>
                 <a:latin typeface="URWGothicL"/>
               </a:rPr>
-              <a:t>Unity Engine Architecture - Notes</a:t>
+              <a:t>Diagramming Tools</a:t>
             </a:r>
             <a:endParaRPr lang="en-US" sz="4000" dirty="0"/>
           </a:p>
@@ -5557,92 +4569,52 @@
         </p:spPr>
         <p:txBody>
           <a:bodyPr anchor="ctr">
-            <a:normAutofit lnSpcReduction="10000"/>
+            <a:normAutofit/>
           </a:bodyPr>
           <a:lstStyle/>
           <a:p>
             <a:r>
-              <a:rPr lang="en-GB" sz="3200" dirty="0">
-                <a:effectLst/>
+              <a:rPr lang="en-GB" dirty="0" err="1"/>
+              <a:t>Gliffy</a:t>
+            </a:r>
+            <a:r>
+              <a:rPr lang="en-GB"/>
+              <a:t> - </a:t>
+            </a:r>
+            <a:r>
+              <a:rPr lang="en-GB" u="sng">
+                <a:hlinkClick r:id="rId2"/>
               </a:rPr>
-              <a:t>Under the hood, Unity adds all </a:t>
-            </a:r>
-            <a:r>
-              <a:rPr lang="en-GB" sz="3200" dirty="0" err="1">
-                <a:effectLst/>
+              <a:t>https://go.gliffy.com/go/auth/login</a:t>
+            </a:r>
+            <a:r>
+              <a:rPr lang="en-GB" u="sng"/>
+              <a:t> </a:t>
+            </a:r>
+            <a:endParaRPr lang="en-GB"/>
+          </a:p>
+          <a:p>
+            <a:r>
+              <a:rPr lang="en-GB" dirty="0"/>
+              <a:t>draw.io - </a:t>
+            </a:r>
+            <a:r>
+              <a:rPr lang="en-GB" u="sng" dirty="0">
+                <a:hlinkClick r:id="rId3"/>
               </a:rPr>
-              <a:t>GameObjects</a:t>
-            </a:r>
-            <a:r>
-              <a:rPr lang="en-GB" sz="3200" dirty="0">
-                <a:effectLst/>
-              </a:rPr>
-              <a:t> to a list and then iterates through</a:t>
-            </a:r>
-          </a:p>
-          <a:p>
+              <a:t>https://www.draw.io/</a:t>
+            </a:r>
             <a:r>
               <a:rPr lang="en-GB" dirty="0"/>
-              <a:t>Calling functions in the order mentioned above</a:t>
-            </a:r>
-          </a:p>
-          <a:p>
-            <a:r>
-              <a:rPr lang="en-GB" dirty="0">
-                <a:effectLst/>
-              </a:rPr>
-              <a:t>However, there is no fixed order on how </a:t>
-            </a:r>
-            <a:r>
-              <a:rPr lang="en-GB" b="1" dirty="0">
-                <a:effectLst/>
-              </a:rPr>
-              <a:t>Update</a:t>
-            </a:r>
-            <a:r>
-              <a:rPr lang="en-GB" dirty="0">
-                <a:effectLst/>
-              </a:rPr>
-              <a:t> will be called on each Game Object in the scene</a:t>
-            </a:r>
-          </a:p>
-          <a:p>
-            <a:r>
-              <a:rPr lang="en-GB" dirty="0"/>
-              <a:t>If you require some order, have a look at </a:t>
-            </a:r>
-            <a:r>
-              <a:rPr lang="en-GB" b="1" dirty="0"/>
-              <a:t>Script Execution</a:t>
-            </a:r>
-            <a:r>
-              <a:rPr lang="en-GB" dirty="0"/>
-              <a:t> order</a:t>
-            </a:r>
-          </a:p>
-          <a:p>
-            <a:r>
-              <a:rPr lang="en-GB" dirty="0">
-                <a:effectLst/>
-              </a:rPr>
-              <a:t>Or consider using </a:t>
-            </a:r>
-            <a:r>
-              <a:rPr lang="en-GB" b="1" dirty="0" err="1">
-                <a:effectLst/>
-              </a:rPr>
-              <a:t>LateUpdate</a:t>
-            </a:r>
-            <a:endParaRPr lang="en-GB" dirty="0">
-              <a:effectLst/>
-            </a:endParaRPr>
+              <a:t> </a:t>
+            </a:r>
           </a:p>
         </p:txBody>
       </p:sp>
     </p:spTree>
     <p:extLst>
       <p:ext uri="{BB962C8B-B14F-4D97-AF65-F5344CB8AC3E}">
-        <p14:creationId xmlns:p14="http://schemas.microsoft.com/office/powerpoint/2010/main" val="2505862453"/>
+        <p14:creationId xmlns:p14="http://schemas.microsoft.com/office/powerpoint/2010/main" val="338029304"/>
       </p:ext>
     </p:extLst>
   </p:cSld>
@@ -5702,7 +4674,7 @@
                 </a:solidFill>
                 <a:latin typeface="URWGothicL"/>
               </a:rPr>
-              <a:t>Reminder – This week!</a:t>
+              <a:t>Assignment Roadmap</a:t>
             </a:r>
             <a:endParaRPr lang="en-US" sz="4000" dirty="0"/>
           </a:p>
@@ -5737,75 +4709,72 @@
           <a:lstStyle/>
           <a:p>
             <a:r>
-              <a:rPr lang="en-GB" b="1" dirty="0"/>
-              <a:t>Proposal Review</a:t>
+              <a:rPr lang="en-GB" sz="2400" b="1" dirty="0"/>
+              <a:t>Assignment 1</a:t>
             </a:r>
           </a:p>
           <a:p>
             <a:pPr lvl="1"/>
             <a:r>
-              <a:rPr lang="en-GB" b="1" dirty="0"/>
-              <a:t>Describe </a:t>
-            </a:r>
-            <a:r>
-              <a:rPr lang="en-GB" dirty="0"/>
-              <a:t>the game design that will form the basis for your interface</a:t>
+              <a:rPr lang="en-GB" sz="2000" dirty="0"/>
+              <a:t>Week 6 – First prototype of game and controller</a:t>
             </a:r>
           </a:p>
           <a:p>
             <a:pPr lvl="1"/>
             <a:r>
-              <a:rPr lang="en-GB" b="1" dirty="0"/>
-              <a:t>Illustrate </a:t>
-            </a:r>
-            <a:r>
-              <a:rPr lang="en-GB" dirty="0"/>
-              <a:t>basic research into electronic component and physical form factors for controllers </a:t>
+              <a:rPr lang="en-GB" sz="2000" dirty="0"/>
+              <a:t>Week 9 – Peer review of game and controller</a:t>
+            </a:r>
+          </a:p>
+          <a:p>
+            <a:r>
+              <a:rPr lang="en-GB" sz="2400" b="1" dirty="0"/>
+              <a:t>Assignment 2</a:t>
             </a:r>
           </a:p>
           <a:p>
             <a:pPr lvl="1"/>
             <a:r>
-              <a:rPr lang="en-GB" b="1" dirty="0"/>
-              <a:t>Analyse </a:t>
-            </a:r>
-            <a:r>
-              <a:rPr lang="en-GB" dirty="0"/>
-              <a:t>the design of the controller in detail; </a:t>
+              <a:rPr lang="en-GB" sz="2000" dirty="0"/>
+              <a:t>Week 3 – Project Proposal</a:t>
             </a:r>
           </a:p>
           <a:p>
             <a:pPr lvl="1"/>
             <a:r>
-              <a:rPr lang="en-GB" b="1" dirty="0"/>
-              <a:t>List </a:t>
-            </a:r>
-            <a:r>
-              <a:rPr lang="en-GB" dirty="0"/>
-              <a:t>the key electronic components of your controller </a:t>
+              <a:rPr lang="en-GB" sz="2000" dirty="0"/>
+              <a:t>Week 8 – Draft Poster presentation</a:t>
             </a:r>
           </a:p>
           <a:p>
             <a:pPr lvl="1"/>
             <a:r>
-              <a:rPr lang="en-GB" dirty="0"/>
-              <a:t>and </a:t>
-            </a:r>
-            <a:r>
-              <a:rPr lang="en-GB" b="1" dirty="0"/>
-              <a:t>List </a:t>
-            </a:r>
-            <a:r>
-              <a:rPr lang="en-GB" dirty="0"/>
-              <a:t>the key user stories. </a:t>
-            </a:r>
+              <a:rPr lang="en-GB" sz="2000" dirty="0"/>
+              <a:t>Week 10 – Report Peer Review</a:t>
+            </a:r>
+          </a:p>
+          <a:p>
+            <a:pPr marL="457200" lvl="1" indent="0">
+              <a:buNone/>
+            </a:pPr>
+            <a:endParaRPr lang="en-GB" sz="2000" dirty="0"/>
+          </a:p>
+          <a:p>
+            <a:r>
+              <a:rPr lang="en-GB" sz="2400" b="1" dirty="0"/>
+              <a:t>Next up: WEEK 6 – First Prototype of game and controller</a:t>
+            </a:r>
+          </a:p>
+          <a:p>
+            <a:endParaRPr lang="en-GB" sz="2400" dirty="0"/>
           </a:p>
         </p:txBody>
       </p:sp>
     </p:spTree>
     <p:extLst>
       <p:ext uri="{BB962C8B-B14F-4D97-AF65-F5344CB8AC3E}">
-        <p14:creationId xmlns:p14="http://schemas.microsoft.com/office/powerpoint/2010/main" val="3652360047"/>
+        <p14:creationId xmlns:p14="http://schemas.microsoft.com/office/powerpoint/2010/main" val="3734059172"/>
       </p:ext>
     </p:extLst>
   </p:cSld>
@@ -5905,7 +4874,7 @@
             </a:r>
             <a:r>
               <a:rPr lang="en-GB" sz="2400" dirty="0"/>
-              <a:t>basic architecture of a video game</a:t>
+              <a:t>rationale behind UML</a:t>
             </a:r>
           </a:p>
           <a:p>
@@ -5915,7 +4884,7 @@
             </a:r>
             <a:r>
               <a:rPr lang="en-GB" sz="2400" dirty="0"/>
-              <a:t>what is meant by software quality</a:t>
+              <a:t>a subset of UML Diagrams useful for game development</a:t>
             </a:r>
           </a:p>
           <a:p>
@@ -5925,7 +4894,7 @@
             </a:r>
             <a:r>
               <a:rPr lang="en-GB" sz="2400" dirty="0"/>
-              <a:t>your Game/Controller proposal</a:t>
+              <a:t>some UML Diagrams</a:t>
             </a:r>
           </a:p>
         </p:txBody>
@@ -6028,51 +4997,33 @@
           <a:lstStyle/>
           <a:p>
             <a:r>
-              <a:rPr lang="en-GB" sz="3600" dirty="0"/>
-              <a:t>Every game has a similar architecture</a:t>
-            </a:r>
-          </a:p>
-          <a:p>
-            <a:r>
               <a:rPr lang="en-GB" sz="3600" dirty="0">
                 <a:effectLst/>
               </a:rPr>
-              <a:t>This is governe</a:t>
+              <a:t>In COMP110 you were introduced to flow charts and </a:t>
             </a:r>
             <a:r>
               <a:rPr lang="en-GB" sz="3600" dirty="0"/>
-              <a:t>d by the interactive nature of video games</a:t>
-            </a:r>
-          </a:p>
-          <a:p>
-            <a:r>
-              <a:rPr lang="en-GB" sz="3600" b="1" dirty="0">
-                <a:effectLst/>
-              </a:rPr>
-              <a:t>But </a:t>
-            </a:r>
-            <a:r>
-              <a:rPr lang="en-GB" sz="3600" dirty="0">
-                <a:effectLst/>
-              </a:rPr>
-              <a:t>also the architecture of hardware</a:t>
-            </a:r>
-          </a:p>
-          <a:p>
-            <a:pPr lvl="1"/>
-            <a:r>
-              <a:rPr lang="en-GB" sz="3200" dirty="0"/>
-              <a:t>The GPU has to render something to the screen</a:t>
-            </a:r>
-          </a:p>
-          <a:p>
-            <a:pPr lvl="1"/>
-            <a:r>
-              <a:rPr lang="en-GB" sz="3200" dirty="0">
-                <a:effectLst/>
-              </a:rPr>
-              <a:t>We have to update the game state before this </a:t>
-            </a:r>
+              <a:t>pseudocode</a:t>
+            </a:r>
+            <a:endParaRPr lang="en-GB" sz="3600" dirty="0">
+              <a:effectLst/>
+            </a:endParaRPr>
+          </a:p>
+          <a:p>
+            <a:r>
+              <a:rPr lang="en-GB" sz="3600" dirty="0"/>
+              <a:t>These were useful for designing the high level flow of an application, and detail how an algorithm could be implemented</a:t>
+            </a:r>
+          </a:p>
+          <a:p>
+            <a:r>
+              <a:rPr lang="en-GB" sz="3600" dirty="0"/>
+              <a:t>UML is an attempt to create a formal design language for designing software </a:t>
+            </a:r>
+            <a:endParaRPr lang="en-GB" sz="3200" dirty="0">
+              <a:effectLst/>
+            </a:endParaRPr>
           </a:p>
         </p:txBody>
       </p:sp>
@@ -6139,7 +5090,7 @@
                 </a:solidFill>
                 <a:latin typeface="URWGothicL"/>
               </a:rPr>
-              <a:t>The Game Loop</a:t>
+              <a:t>What is UML?</a:t>
             </a:r>
             <a:endParaRPr lang="en-US" sz="4000" dirty="0"/>
           </a:p>
@@ -6174,85 +5125,40 @@
           <a:lstStyle/>
           <a:p>
             <a:r>
-              <a:rPr lang="en-GB" sz="3600" dirty="0"/>
-              <a:t>The most basic game loop does </a:t>
-            </a:r>
-            <a:r>
-              <a:rPr lang="en-GB" sz="3600" b="1" dirty="0"/>
-              <a:t>three </a:t>
-            </a:r>
-            <a:r>
-              <a:rPr lang="en-GB" sz="3600" dirty="0"/>
-              <a:t>things:</a:t>
-            </a:r>
-          </a:p>
-          <a:p>
-            <a:pPr marL="971550" lvl="1" indent="-514350">
-              <a:buFont typeface="+mj-lt"/>
-              <a:buAutoNum type="arabicPeriod"/>
-            </a:pPr>
-            <a:r>
-              <a:rPr lang="en-GB" dirty="0">
+              <a:rPr lang="en-GB" sz="3600" dirty="0">
                 <a:effectLst/>
               </a:rPr>
-              <a:t>Handle </a:t>
-            </a:r>
-            <a:r>
-              <a:rPr lang="en-GB" b="1" dirty="0">
-                <a:effectLst/>
-              </a:rPr>
-              <a:t>Input</a:t>
-            </a:r>
-          </a:p>
-          <a:p>
-            <a:pPr marL="971550" lvl="1" indent="-514350">
-              <a:buFont typeface="+mj-lt"/>
-              <a:buAutoNum type="arabicPeriod"/>
-            </a:pPr>
-            <a:r>
-              <a:rPr lang="en-GB" b="1" dirty="0"/>
-              <a:t>Update</a:t>
-            </a:r>
-            <a:r>
-              <a:rPr lang="en-GB" dirty="0"/>
-              <a:t> the state of the game</a:t>
-            </a:r>
-          </a:p>
-          <a:p>
-            <a:pPr marL="971550" lvl="1" indent="-514350">
-              <a:buFont typeface="+mj-lt"/>
-              <a:buAutoNum type="arabicPeriod"/>
-            </a:pPr>
-            <a:r>
-              <a:rPr lang="en-GB" b="1" dirty="0"/>
-              <a:t>Render</a:t>
-            </a:r>
-            <a:r>
-              <a:rPr lang="en-GB" dirty="0"/>
-              <a:t> the game to the screen</a:t>
-            </a:r>
-          </a:p>
-          <a:p>
+              <a:t>In COMP110 you were introduced to flow charts and </a:t>
+            </a:r>
             <a:r>
               <a:rPr lang="en-GB" sz="3600" dirty="0"/>
-              <a:t>It does these actions </a:t>
-            </a:r>
-            <a:r>
-              <a:rPr lang="en-GB" sz="3600" b="1" dirty="0"/>
-              <a:t>once per frame</a:t>
-            </a:r>
+              <a:t>pseudocode</a:t>
+            </a:r>
+            <a:endParaRPr lang="en-GB" sz="3600" dirty="0">
+              <a:effectLst/>
+            </a:endParaRPr>
+          </a:p>
+          <a:p>
             <a:r>
               <a:rPr lang="en-GB" sz="3600" dirty="0"/>
-              <a:t> (30 or 60 times per second)</a:t>
-            </a:r>
-            <a:endParaRPr lang="en-GB" sz="3600" b="1" dirty="0"/>
+              <a:t>These were useful for designing the high level flow of an application, and detail how an algorithm could be implemented</a:t>
+            </a:r>
+          </a:p>
+          <a:p>
+            <a:r>
+              <a:rPr lang="en-GB" sz="3600" dirty="0"/>
+              <a:t>UML is an attempt to create a formal design language for designing software </a:t>
+            </a:r>
+            <a:endParaRPr lang="en-GB" sz="3200" dirty="0">
+              <a:effectLst/>
+            </a:endParaRPr>
           </a:p>
         </p:txBody>
       </p:sp>
     </p:spTree>
     <p:extLst>
       <p:ext uri="{BB962C8B-B14F-4D97-AF65-F5344CB8AC3E}">
-        <p14:creationId xmlns:p14="http://schemas.microsoft.com/office/powerpoint/2010/main" val="504534191"/>
+        <p14:creationId xmlns:p14="http://schemas.microsoft.com/office/powerpoint/2010/main" val="2085746617"/>
       </p:ext>
     </p:extLst>
   </p:cSld>
@@ -6312,7 +5218,7 @@
                 </a:solidFill>
                 <a:latin typeface="URWGothicL"/>
               </a:rPr>
-              <a:t>The Game Loop</a:t>
+              <a:t>Diagram Types</a:t>
             </a:r>
             <a:endParaRPr lang="en-US" sz="4000" dirty="0"/>
           </a:p>
@@ -6320,10 +5226,10 @@
       </p:sp>
       <p:sp>
         <p:nvSpPr>
-          <p:cNvPr id="4" name="Content Placeholder 2">
+          <p:cNvPr id="3" name="Content Placeholder 2">
             <a:extLst>
               <a:ext uri="{FF2B5EF4-FFF2-40B4-BE49-F238E27FC236}">
-                <a16:creationId xmlns:a16="http://schemas.microsoft.com/office/drawing/2014/main" id="{9DEFEB4D-B780-4736-92E3-72E32E54636A}"/>
+                <a16:creationId xmlns:a16="http://schemas.microsoft.com/office/drawing/2014/main" id="{F11D3774-F227-E54D-8B35-5A75C345CFD0}"/>
               </a:ext>
             </a:extLst>
           </p:cNvPr>
@@ -6336,8 +5242,8 @@
         </p:nvSpPr>
         <p:spPr>
           <a:xfrm>
-            <a:off x="456159" y="2060848"/>
-            <a:ext cx="8229600" cy="3600400"/>
+            <a:off x="457200" y="1484784"/>
+            <a:ext cx="8229600" cy="5217443"/>
           </a:xfrm>
         </p:spPr>
         <p:txBody>
@@ -6346,84 +5252,7 @@
           </a:bodyPr>
           <a:lstStyle/>
           <a:p>
-            <a:pPr marL="0" indent="0">
-              <a:buNone/>
-            </a:pPr>
-            <a:r>
-              <a:rPr lang="en-GB" sz="2400" dirty="0"/>
-              <a:t>bool running = true;</a:t>
-            </a:r>
-          </a:p>
-          <a:p>
-            <a:pPr marL="0" indent="0">
-              <a:buNone/>
-            </a:pPr>
-            <a:endParaRPr lang="en-GB" sz="2400" dirty="0">
-              <a:effectLst/>
-            </a:endParaRPr>
-          </a:p>
-          <a:p>
-            <a:pPr marL="0" indent="0">
-              <a:buNone/>
-            </a:pPr>
-            <a:r>
-              <a:rPr lang="en-GB" sz="2400" dirty="0"/>
-              <a:t>while (running)</a:t>
-            </a:r>
-          </a:p>
-          <a:p>
-            <a:pPr marL="0" indent="0">
-              <a:buNone/>
-            </a:pPr>
-            <a:r>
-              <a:rPr lang="en-GB" sz="2400" dirty="0">
-                <a:effectLst/>
-              </a:rPr>
-              <a:t>{</a:t>
-            </a:r>
-          </a:p>
-          <a:p>
-            <a:pPr marL="0" indent="0">
-              <a:buNone/>
-            </a:pPr>
-            <a:r>
-              <a:rPr lang="en-GB" sz="2400" dirty="0"/>
-              <a:t>	</a:t>
-            </a:r>
-            <a:r>
-              <a:rPr lang="en-GB" sz="2400" dirty="0" err="1"/>
-              <a:t>handleInput</a:t>
-            </a:r>
-            <a:r>
-              <a:rPr lang="en-GB" sz="2400" dirty="0"/>
-              <a:t>();</a:t>
-            </a:r>
-          </a:p>
-          <a:p>
-            <a:pPr marL="0" indent="0">
-              <a:buNone/>
-            </a:pPr>
-            <a:r>
-              <a:rPr lang="en-GB" sz="2400" dirty="0"/>
-              <a:t>	update();</a:t>
-            </a:r>
-          </a:p>
-          <a:p>
-            <a:pPr marL="0" indent="0">
-              <a:buNone/>
-            </a:pPr>
-            <a:r>
-              <a:rPr lang="en-GB" sz="2400" dirty="0"/>
-              <a:t>	render();</a:t>
-            </a:r>
-            <a:br>
-              <a:rPr lang="en-GB" sz="2400" dirty="0"/>
-            </a:br>
-            <a:r>
-              <a:rPr lang="en-GB" sz="2400" dirty="0"/>
-              <a:t>}</a:t>
-            </a:r>
-            <a:endParaRPr lang="en-GB" sz="2400" dirty="0">
+            <a:endParaRPr lang="en-GB" sz="3200" dirty="0">
               <a:effectLst/>
             </a:endParaRPr>
           </a:p>
@@ -6432,7 +5261,7 @@
     </p:spTree>
     <p:extLst>
       <p:ext uri="{BB962C8B-B14F-4D97-AF65-F5344CB8AC3E}">
-        <p14:creationId xmlns:p14="http://schemas.microsoft.com/office/powerpoint/2010/main" val="539030543"/>
+        <p14:creationId xmlns:p14="http://schemas.microsoft.com/office/powerpoint/2010/main" val="3150679471"/>
       </p:ext>
     </p:extLst>
   </p:cSld>
@@ -6464,7 +5293,7 @@
           <p:cNvPr id="2" name="Title 1">
             <a:extLst>
               <a:ext uri="{FF2B5EF4-FFF2-40B4-BE49-F238E27FC236}">
-                <a16:creationId xmlns:a16="http://schemas.microsoft.com/office/drawing/2014/main" id="{DA1EABA9-ECE4-ED45-96AD-D11605468DF1}"/>
+                <a16:creationId xmlns:a16="http://schemas.microsoft.com/office/drawing/2014/main" id="{E0D39B9B-57E0-4C75-9D4A-053BECB31981}"/>
               </a:ext>
             </a:extLst>
           </p:cNvPr>
@@ -6477,8 +5306,8 @@
         </p:nvSpPr>
         <p:spPr>
           <a:xfrm>
-            <a:off x="457200" y="548680"/>
-            <a:ext cx="8229600" cy="634082"/>
+            <a:off x="1691680" y="3088481"/>
+            <a:ext cx="5760640" cy="681038"/>
           </a:xfrm>
         </p:spPr>
         <p:txBody>
@@ -6486,191 +5315,16 @@
           <a:lstStyle/>
           <a:p>
             <a:r>
-              <a:rPr lang="en-GB" sz="4000" dirty="0">
-                <a:solidFill>
-                  <a:srgbClr val="FFFFFF"/>
-                </a:solidFill>
-                <a:latin typeface="URWGothicL"/>
-              </a:rPr>
-              <a:t>Handling input</a:t>
-            </a:r>
-            <a:endParaRPr lang="en-US" sz="4000" dirty="0"/>
-          </a:p>
-        </p:txBody>
-      </p:sp>
-      <p:sp>
-        <p:nvSpPr>
-          <p:cNvPr id="3" name="Content Placeholder 2">
-            <a:extLst>
-              <a:ext uri="{FF2B5EF4-FFF2-40B4-BE49-F238E27FC236}">
-                <a16:creationId xmlns:a16="http://schemas.microsoft.com/office/drawing/2014/main" id="{F11D3774-F227-E54D-8B35-5A75C345CFD0}"/>
-              </a:ext>
-            </a:extLst>
-          </p:cNvPr>
-          <p:cNvSpPr>
-            <a:spLocks noGrp="1"/>
-          </p:cNvSpPr>
-          <p:nvPr>
-            <p:ph idx="1"/>
-          </p:nvPr>
-        </p:nvSpPr>
-        <p:spPr>
-          <a:xfrm>
-            <a:off x="457200" y="1484784"/>
-            <a:ext cx="8229600" cy="5217443"/>
-          </a:xfrm>
-        </p:spPr>
-        <p:txBody>
-          <a:bodyPr anchor="ctr">
-            <a:normAutofit fontScale="62500" lnSpcReduction="20000"/>
-          </a:bodyPr>
-          <a:lstStyle/>
-          <a:p>
-            <a:r>
-              <a:rPr lang="en-GB" sz="3600" dirty="0"/>
-              <a:t>At this stage of the update you should grab the input from the user</a:t>
-            </a:r>
-          </a:p>
-          <a:p>
-            <a:pPr lvl="1"/>
-            <a:r>
-              <a:rPr lang="en-GB" sz="3200" b="1" dirty="0" err="1"/>
-              <a:t>Input.GetButtonDown</a:t>
-            </a:r>
-            <a:r>
-              <a:rPr lang="en-GB" sz="3200" b="1" dirty="0"/>
-              <a:t>(“Fire1”)</a:t>
-            </a:r>
-          </a:p>
-          <a:p>
-            <a:pPr lvl="1"/>
-            <a:r>
-              <a:rPr lang="en-GB" sz="3200" b="1" dirty="0" err="1"/>
-              <a:t>Input.GetKeyDown</a:t>
-            </a:r>
-            <a:r>
-              <a:rPr lang="en-GB" sz="3200" b="1" dirty="0"/>
-              <a:t>(</a:t>
-            </a:r>
-            <a:r>
-              <a:rPr lang="en-GB" sz="3200" b="1" dirty="0" err="1"/>
-              <a:t>KeyCode.Space</a:t>
-            </a:r>
-            <a:r>
-              <a:rPr lang="en-GB" sz="3200" b="1" dirty="0"/>
-              <a:t>)</a:t>
-            </a:r>
-          </a:p>
-          <a:p>
-            <a:pPr lvl="1"/>
-            <a:r>
-              <a:rPr lang="en-GB" sz="3200" b="1" dirty="0" err="1"/>
-              <a:t>Input.mousePosition</a:t>
-            </a:r>
-            <a:endParaRPr lang="en-GB" sz="3200" b="1" dirty="0"/>
-          </a:p>
-          <a:p>
-            <a:r>
-              <a:rPr lang="en-GB" sz="3600" dirty="0"/>
-              <a:t>If you are using </a:t>
-            </a:r>
-            <a:r>
-              <a:rPr lang="en-GB" sz="3600" b="1" dirty="0" err="1"/>
-              <a:t>Input.GetButton</a:t>
-            </a:r>
-            <a:r>
-              <a:rPr lang="en-GB" sz="3600" dirty="0"/>
-              <a:t>* or </a:t>
-            </a:r>
-            <a:r>
-              <a:rPr lang="en-GB" sz="3600" b="1" dirty="0" err="1"/>
-              <a:t>Input.GetAxis</a:t>
-            </a:r>
-            <a:r>
-              <a:rPr lang="en-GB" sz="3600" dirty="0"/>
-              <a:t>, these have to be configured in the </a:t>
-            </a:r>
-            <a:r>
-              <a:rPr lang="en-GB" sz="3600" b="1" dirty="0"/>
-              <a:t>Input Manager</a:t>
-            </a:r>
-          </a:p>
-          <a:p>
-            <a:r>
-              <a:rPr lang="en-GB" sz="3600" dirty="0"/>
-              <a:t>You can use the values from the input to update the state of the game</a:t>
-            </a:r>
-          </a:p>
-          <a:p>
-            <a:r>
-              <a:rPr lang="en-GB" sz="3600" dirty="0"/>
-              <a:t>You should also consider checking out:</a:t>
-            </a:r>
-          </a:p>
-          <a:p>
-            <a:pPr lvl="1"/>
-            <a:r>
-              <a:rPr lang="en-GB" sz="3200" b="1" dirty="0"/>
-              <a:t>Rewired</a:t>
-            </a:r>
-            <a:r>
-              <a:rPr lang="en-GB" sz="3200" dirty="0"/>
-              <a:t> - </a:t>
-            </a:r>
-            <a:r>
-              <a:rPr lang="en-GB" sz="3200" dirty="0">
-                <a:hlinkClick r:id="rId2"/>
-              </a:rPr>
-              <a:t>https://guavaman.com/projects/rewired/</a:t>
-            </a:r>
-            <a:endParaRPr lang="en-GB" sz="3200" dirty="0"/>
-          </a:p>
-          <a:p>
-            <a:pPr lvl="1"/>
-            <a:r>
-              <a:rPr lang="en-GB" sz="3200" b="1" dirty="0"/>
-              <a:t>InControl</a:t>
-            </a:r>
-            <a:r>
-              <a:rPr lang="en-GB" sz="3200" dirty="0"/>
-              <a:t> - </a:t>
-            </a:r>
-            <a:r>
-              <a:rPr lang="en-GB" sz="3200" dirty="0">
-                <a:hlinkClick r:id="rId3"/>
-              </a:rPr>
-              <a:t>http://www.gallantgames.com/pages/incontrol-introduction</a:t>
-            </a:r>
-            <a:endParaRPr lang="en-GB" sz="3200" dirty="0"/>
-          </a:p>
-          <a:p>
-            <a:pPr lvl="1"/>
-            <a:r>
-              <a:rPr lang="en-GB" sz="3200" b="1" dirty="0"/>
-              <a:t>Unity New Input System </a:t>
-            </a:r>
-            <a:r>
-              <a:rPr lang="en-GB" sz="3200" dirty="0"/>
-              <a:t>- </a:t>
-            </a:r>
-            <a:r>
-              <a:rPr lang="en-GB" sz="3200" dirty="0">
-                <a:hlinkClick r:id="rId4"/>
-              </a:rPr>
-              <a:t>https://blogs.unity3d.com/2019/10/14/introducing-the-new-input-system/</a:t>
-            </a:r>
-            <a:endParaRPr lang="en-GB" sz="3200" dirty="0"/>
-          </a:p>
-          <a:p>
-            <a:pPr lvl="1"/>
-            <a:endParaRPr lang="en-GB" sz="3200" dirty="0"/>
+              <a:rPr lang="en-GB" dirty="0"/>
+              <a:t>Behavioural Diagrams</a:t>
+            </a:r>
           </a:p>
         </p:txBody>
       </p:sp>
     </p:spTree>
     <p:extLst>
       <p:ext uri="{BB962C8B-B14F-4D97-AF65-F5344CB8AC3E}">
-        <p14:creationId xmlns:p14="http://schemas.microsoft.com/office/powerpoint/2010/main" val="245644533"/>
+        <p14:creationId xmlns:p14="http://schemas.microsoft.com/office/powerpoint/2010/main" val="775037971"/>
       </p:ext>
     </p:extLst>
   </p:cSld>
@@ -6730,7 +5384,7 @@
                 </a:solidFill>
                 <a:latin typeface="URWGothicL"/>
               </a:rPr>
-              <a:t>Updating the game state</a:t>
+              <a:t>Use Case Diagram</a:t>
             </a:r>
             <a:endParaRPr lang="en-US" sz="4000" dirty="0"/>
           </a:p>
@@ -6764,70 +5418,16 @@
           </a:bodyPr>
           <a:lstStyle/>
           <a:p>
-            <a:r>
-              <a:rPr lang="en-GB" sz="3200" dirty="0">
-                <a:effectLst/>
-              </a:rPr>
-              <a:t>This is where your </a:t>
-            </a:r>
-            <a:r>
-              <a:rPr lang="en-GB" sz="3200" b="1" dirty="0">
-                <a:effectLst/>
-              </a:rPr>
-              <a:t>game logic</a:t>
-            </a:r>
-            <a:r>
-              <a:rPr lang="en-GB" sz="3200" dirty="0">
-                <a:effectLst/>
-              </a:rPr>
-              <a:t> is implemented</a:t>
-            </a:r>
-          </a:p>
-          <a:p>
-            <a:pPr lvl="1"/>
-            <a:r>
-              <a:rPr lang="en-GB" dirty="0"/>
-              <a:t>Physics, AI, Game play</a:t>
-            </a:r>
-          </a:p>
-          <a:p>
-            <a:r>
-              <a:rPr lang="en-GB" dirty="0">
-                <a:effectLst/>
-              </a:rPr>
-              <a:t>In Unity the update is split in two, a physics update (</a:t>
-            </a:r>
-            <a:r>
-              <a:rPr lang="en-GB" b="1" dirty="0" err="1">
-                <a:effectLst/>
-              </a:rPr>
-              <a:t>FixedUpdate</a:t>
-            </a:r>
-            <a:r>
-              <a:rPr lang="en-GB" dirty="0">
-                <a:effectLst/>
-              </a:rPr>
-              <a:t>) and a game update (</a:t>
-            </a:r>
-            <a:r>
-              <a:rPr lang="en-GB" b="1" dirty="0">
-                <a:effectLst/>
-              </a:rPr>
-              <a:t>Update</a:t>
-            </a:r>
-            <a:r>
-              <a:rPr lang="en-GB" dirty="0">
-                <a:effectLst/>
-              </a:rPr>
-              <a:t>)</a:t>
-            </a:r>
+            <a:endParaRPr lang="en-GB" sz="3200" dirty="0">
+              <a:effectLst/>
+            </a:endParaRPr>
           </a:p>
         </p:txBody>
       </p:sp>
     </p:spTree>
     <p:extLst>
       <p:ext uri="{BB962C8B-B14F-4D97-AF65-F5344CB8AC3E}">
-        <p14:creationId xmlns:p14="http://schemas.microsoft.com/office/powerpoint/2010/main" val="3093650021"/>
+        <p14:creationId xmlns:p14="http://schemas.microsoft.com/office/powerpoint/2010/main" val="1124580537"/>
       </p:ext>
     </p:extLst>
   </p:cSld>
@@ -6887,7 +5487,7 @@
                 </a:solidFill>
                 <a:latin typeface="URWGothicL"/>
               </a:rPr>
-              <a:t>Rendering</a:t>
+              <a:t>Activity Diagram</a:t>
             </a:r>
             <a:endParaRPr lang="en-US" sz="4000" dirty="0"/>
           </a:p>
@@ -6921,60 +5521,7 @@
           </a:bodyPr>
           <a:lstStyle/>
           <a:p>
-            <a:r>
-              <a:rPr lang="en-GB" sz="3200" dirty="0">
-                <a:effectLst/>
-              </a:rPr>
-              <a:t>This is where the current state of the game is drawn</a:t>
-            </a:r>
-          </a:p>
-          <a:p>
-            <a:r>
-              <a:rPr lang="en-GB" dirty="0"/>
-              <a:t>Anything visual will be rendered to the </a:t>
-            </a:r>
-            <a:r>
-              <a:rPr lang="en-GB" dirty="0" err="1"/>
-              <a:t>backbuffer</a:t>
-            </a:r>
-            <a:endParaRPr lang="en-GB" dirty="0"/>
-          </a:p>
-          <a:p>
-            <a:r>
-              <a:rPr lang="en-GB" sz="3200" dirty="0">
-                <a:effectLst/>
-              </a:rPr>
-              <a:t>When drawing is complete</a:t>
-            </a:r>
-            <a:r>
-              <a:rPr lang="en-GB" dirty="0"/>
-              <a:t>, the </a:t>
-            </a:r>
-            <a:r>
-              <a:rPr lang="en-GB" dirty="0" err="1"/>
-              <a:t>backbuffer</a:t>
-            </a:r>
-            <a:r>
-              <a:rPr lang="en-GB" dirty="0"/>
-              <a:t> and the </a:t>
-            </a:r>
-            <a:r>
-              <a:rPr lang="en-GB" dirty="0" err="1"/>
-              <a:t>frontbuffer</a:t>
-            </a:r>
-            <a:r>
-              <a:rPr lang="en-GB" dirty="0"/>
-              <a:t> is swapped</a:t>
-            </a:r>
-          </a:p>
-          <a:p>
-            <a:r>
-              <a:rPr lang="en-GB" sz="3200" dirty="0">
-                <a:effectLst/>
-              </a:rPr>
-              <a:t>This will display the current state of the game to the player </a:t>
-            </a:r>
-            <a:endParaRPr lang="en-GB" dirty="0">
+            <a:endParaRPr lang="en-GB" sz="3200" dirty="0">
               <a:effectLst/>
             </a:endParaRPr>
           </a:p>
@@ -6983,7 +5530,7 @@
     </p:spTree>
     <p:extLst>
       <p:ext uri="{BB962C8B-B14F-4D97-AF65-F5344CB8AC3E}">
-        <p14:creationId xmlns:p14="http://schemas.microsoft.com/office/powerpoint/2010/main" val="3275588834"/>
+        <p14:creationId xmlns:p14="http://schemas.microsoft.com/office/powerpoint/2010/main" val="879109843"/>
       </p:ext>
     </p:extLst>
   </p:cSld>

--- a/COMP140/04/2019-20-COMP140-04-lecture.pptx
+++ b/COMP140/04/2019-20-COMP140-04-lecture.pptx
@@ -5,10 +5,10 @@
     <p:sldMasterId id="2147483648" r:id="rId1"/>
   </p:sldMasterIdLst>
   <p:notesMasterIdLst>
-    <p:notesMasterId r:id="rId16"/>
+    <p:notesMasterId r:id="rId36"/>
   </p:notesMasterIdLst>
   <p:handoutMasterIdLst>
-    <p:handoutMasterId r:id="rId17"/>
+    <p:handoutMasterId r:id="rId37"/>
   </p:handoutMasterIdLst>
   <p:sldIdLst>
     <p:sldId id="257" r:id="rId2"/>
@@ -16,15 +16,35 @@
     <p:sldId id="258" r:id="rId4"/>
     <p:sldId id="259" r:id="rId5"/>
     <p:sldId id="295" r:id="rId6"/>
-    <p:sldId id="297" r:id="rId7"/>
-    <p:sldId id="303" r:id="rId8"/>
-    <p:sldId id="296" r:id="rId9"/>
-    <p:sldId id="298" r:id="rId10"/>
-    <p:sldId id="300" r:id="rId11"/>
-    <p:sldId id="299" r:id="rId12"/>
-    <p:sldId id="302" r:id="rId13"/>
-    <p:sldId id="304" r:id="rId14"/>
-    <p:sldId id="306" r:id="rId15"/>
+    <p:sldId id="307" r:id="rId7"/>
+    <p:sldId id="297" r:id="rId8"/>
+    <p:sldId id="303" r:id="rId9"/>
+    <p:sldId id="296" r:id="rId10"/>
+    <p:sldId id="309" r:id="rId11"/>
+    <p:sldId id="310" r:id="rId12"/>
+    <p:sldId id="311" r:id="rId13"/>
+    <p:sldId id="298" r:id="rId14"/>
+    <p:sldId id="312" r:id="rId15"/>
+    <p:sldId id="313" r:id="rId16"/>
+    <p:sldId id="300" r:id="rId17"/>
+    <p:sldId id="314" r:id="rId18"/>
+    <p:sldId id="315" r:id="rId19"/>
+    <p:sldId id="316" r:id="rId20"/>
+    <p:sldId id="318" r:id="rId21"/>
+    <p:sldId id="299" r:id="rId22"/>
+    <p:sldId id="317" r:id="rId23"/>
+    <p:sldId id="302" r:id="rId24"/>
+    <p:sldId id="304" r:id="rId25"/>
+    <p:sldId id="319" r:id="rId26"/>
+    <p:sldId id="321" r:id="rId27"/>
+    <p:sldId id="322" r:id="rId28"/>
+    <p:sldId id="323" r:id="rId29"/>
+    <p:sldId id="320" r:id="rId30"/>
+    <p:sldId id="324" r:id="rId31"/>
+    <p:sldId id="325" r:id="rId32"/>
+    <p:sldId id="326" r:id="rId33"/>
+    <p:sldId id="308" r:id="rId34"/>
+    <p:sldId id="306" r:id="rId35"/>
   </p:sldIdLst>
   <p:sldSz cx="9144000" cy="6858000" type="screen4x3"/>
   <p:notesSz cx="7315200" cy="9601200"/>
@@ -133,14 +153,34 @@
             <p14:sldId id="258"/>
             <p14:sldId id="259"/>
             <p14:sldId id="295"/>
+            <p14:sldId id="307"/>
             <p14:sldId id="297"/>
             <p14:sldId id="303"/>
             <p14:sldId id="296"/>
+            <p14:sldId id="309"/>
+            <p14:sldId id="310"/>
+            <p14:sldId id="311"/>
             <p14:sldId id="298"/>
+            <p14:sldId id="312"/>
+            <p14:sldId id="313"/>
             <p14:sldId id="300"/>
+            <p14:sldId id="314"/>
+            <p14:sldId id="315"/>
+            <p14:sldId id="316"/>
+            <p14:sldId id="318"/>
             <p14:sldId id="299"/>
+            <p14:sldId id="317"/>
             <p14:sldId id="302"/>
             <p14:sldId id="304"/>
+            <p14:sldId id="319"/>
+            <p14:sldId id="321"/>
+            <p14:sldId id="322"/>
+            <p14:sldId id="323"/>
+            <p14:sldId id="320"/>
+            <p14:sldId id="324"/>
+            <p14:sldId id="325"/>
+            <p14:sldId id="326"/>
+            <p14:sldId id="308"/>
             <p14:sldId id="306"/>
           </p14:sldIdLst>
         </p14:section>
@@ -4104,7 +4144,7 @@
                 <a:latin typeface="Calibri" pitchFamily="34" charset="0"/>
                 <a:cs typeface="Calibri" pitchFamily="34" charset="0"/>
               </a:rPr>
-              <a:t>3: UML – Unified Modeling Language</a:t>
+              <a:t>4: UML – Unified Modeling Language</a:t>
             </a:r>
           </a:p>
         </p:txBody>
@@ -4167,50 +4207,546 @@
                 </a:solidFill>
                 <a:latin typeface="URWGothicL"/>
               </a:rPr>
-              <a:t>State Diagram</a:t>
+              <a:t>Use Case Diagram</a:t>
             </a:r>
             <a:endParaRPr lang="en-US" sz="4000" dirty="0"/>
           </a:p>
         </p:txBody>
       </p:sp>
-      <p:sp>
-        <p:nvSpPr>
-          <p:cNvPr id="3" name="Content Placeholder 2">
+      <p:grpSp>
+        <p:nvGrpSpPr>
+          <p:cNvPr id="4" name="Group 3">
             <a:extLst>
               <a:ext uri="{FF2B5EF4-FFF2-40B4-BE49-F238E27FC236}">
-                <a16:creationId xmlns:a16="http://schemas.microsoft.com/office/drawing/2014/main" id="{F11D3774-F227-E54D-8B35-5A75C345CFD0}"/>
+                <a16:creationId xmlns:a16="http://schemas.microsoft.com/office/drawing/2014/main" id="{76E05900-1DEE-4A85-83BC-81AAC9334167}"/>
               </a:ext>
             </a:extLst>
           </p:cNvPr>
-          <p:cNvSpPr>
-            <a:spLocks noGrp="1"/>
-          </p:cNvSpPr>
-          <p:nvPr>
-            <p:ph idx="1"/>
-          </p:nvPr>
-        </p:nvSpPr>
-        <p:spPr>
-          <a:xfrm>
-            <a:off x="457200" y="1484784"/>
-            <a:ext cx="8229600" cy="5217443"/>
-          </a:xfrm>
-        </p:spPr>
-        <p:txBody>
-          <a:bodyPr anchor="ctr">
-            <a:normAutofit/>
-          </a:bodyPr>
-          <a:lstStyle/>
-          <a:p>
-            <a:endParaRPr lang="en-GB" sz="3200" dirty="0">
-              <a:effectLst/>
-            </a:endParaRPr>
-          </a:p>
-        </p:txBody>
-      </p:sp>
+          <p:cNvGrpSpPr/>
+          <p:nvPr/>
+        </p:nvGrpSpPr>
+        <p:grpSpPr>
+          <a:xfrm>
+            <a:off x="899592" y="1916832"/>
+            <a:ext cx="1700298" cy="1304528"/>
+            <a:chOff x="899592" y="1916832"/>
+            <a:chExt cx="1700298" cy="1304528"/>
+          </a:xfrm>
+        </p:grpSpPr>
+        <p:grpSp>
+          <p:nvGrpSpPr>
+            <p:cNvPr id="5" name="Group 4">
+              <a:extLst>
+                <a:ext uri="{FF2B5EF4-FFF2-40B4-BE49-F238E27FC236}">
+                  <a16:creationId xmlns:a16="http://schemas.microsoft.com/office/drawing/2014/main" id="{479B5033-B765-4F52-AC71-C1A8AE4CFAC5}"/>
+                </a:ext>
+              </a:extLst>
+            </p:cNvPr>
+            <p:cNvGrpSpPr/>
+            <p:nvPr/>
+          </p:nvGrpSpPr>
+          <p:grpSpPr>
+            <a:xfrm>
+              <a:off x="899592" y="1916832"/>
+              <a:ext cx="514087" cy="1304528"/>
+              <a:chOff x="899592" y="1916832"/>
+              <a:chExt cx="514087" cy="1304528"/>
+            </a:xfrm>
+          </p:grpSpPr>
+          <p:sp>
+            <p:nvSpPr>
+              <p:cNvPr id="7" name="Oval 6">
+                <a:extLst>
+                  <a:ext uri="{FF2B5EF4-FFF2-40B4-BE49-F238E27FC236}">
+                    <a16:creationId xmlns:a16="http://schemas.microsoft.com/office/drawing/2014/main" id="{99CD8951-859B-45A3-8A77-8F6B88CD5BEF}"/>
+                  </a:ext>
+                </a:extLst>
+              </p:cNvPr>
+              <p:cNvSpPr/>
+              <p:nvPr/>
+            </p:nvSpPr>
+            <p:spPr>
+              <a:xfrm>
+                <a:off x="1043608" y="1916832"/>
+                <a:ext cx="288032" cy="288032"/>
+              </a:xfrm>
+              <a:prstGeom prst="ellipse">
+                <a:avLst/>
+              </a:prstGeom>
+              <a:noFill/>
+              <a:ln>
+                <a:solidFill>
+                  <a:schemeClr val="bg1"/>
+                </a:solidFill>
+              </a:ln>
+            </p:spPr>
+            <p:style>
+              <a:lnRef idx="2">
+                <a:schemeClr val="accent1">
+                  <a:shade val="50000"/>
+                </a:schemeClr>
+              </a:lnRef>
+              <a:fillRef idx="1">
+                <a:schemeClr val="accent1"/>
+              </a:fillRef>
+              <a:effectRef idx="0">
+                <a:schemeClr val="accent1"/>
+              </a:effectRef>
+              <a:fontRef idx="minor">
+                <a:schemeClr val="lt1"/>
+              </a:fontRef>
+            </p:style>
+            <p:txBody>
+              <a:bodyPr rtlCol="0" anchor="ctr"/>
+              <a:lstStyle/>
+              <a:p>
+                <a:pPr algn="ctr"/>
+                <a:endParaRPr lang="en-GB"/>
+              </a:p>
+            </p:txBody>
+          </p:sp>
+          <p:cxnSp>
+            <p:nvCxnSpPr>
+              <p:cNvPr id="8" name="Straight Connector 7">
+                <a:extLst>
+                  <a:ext uri="{FF2B5EF4-FFF2-40B4-BE49-F238E27FC236}">
+                    <a16:creationId xmlns:a16="http://schemas.microsoft.com/office/drawing/2014/main" id="{8A30004F-6CE9-486B-91F5-F301589CA998}"/>
+                  </a:ext>
+                </a:extLst>
+              </p:cNvPr>
+              <p:cNvCxnSpPr>
+                <a:cxnSpLocks/>
+                <a:stCxn id="7" idx="4"/>
+              </p:cNvCxnSpPr>
+              <p:nvPr/>
+            </p:nvCxnSpPr>
+            <p:spPr>
+              <a:xfrm>
+                <a:off x="1187624" y="2204864"/>
+                <a:ext cx="0" cy="576064"/>
+              </a:xfrm>
+              <a:prstGeom prst="line">
+                <a:avLst/>
+              </a:prstGeom>
+              <a:ln w="25400">
+                <a:solidFill>
+                  <a:schemeClr val="bg1"/>
+                </a:solidFill>
+              </a:ln>
+            </p:spPr>
+            <p:style>
+              <a:lnRef idx="1">
+                <a:schemeClr val="accent1"/>
+              </a:lnRef>
+              <a:fillRef idx="0">
+                <a:schemeClr val="accent1"/>
+              </a:fillRef>
+              <a:effectRef idx="0">
+                <a:schemeClr val="accent1"/>
+              </a:effectRef>
+              <a:fontRef idx="minor">
+                <a:schemeClr val="tx1"/>
+              </a:fontRef>
+            </p:style>
+          </p:cxnSp>
+          <p:cxnSp>
+            <p:nvCxnSpPr>
+              <p:cNvPr id="9" name="Straight Connector 8">
+                <a:extLst>
+                  <a:ext uri="{FF2B5EF4-FFF2-40B4-BE49-F238E27FC236}">
+                    <a16:creationId xmlns:a16="http://schemas.microsoft.com/office/drawing/2014/main" id="{54D7284D-A60F-4FFC-89B3-3771EF2FD451}"/>
+                  </a:ext>
+                </a:extLst>
+              </p:cNvPr>
+              <p:cNvCxnSpPr>
+                <a:cxnSpLocks/>
+              </p:cNvCxnSpPr>
+              <p:nvPr/>
+            </p:nvCxnSpPr>
+            <p:spPr>
+              <a:xfrm flipH="1">
+                <a:off x="899592" y="2780928"/>
+                <a:ext cx="288032" cy="432048"/>
+              </a:xfrm>
+              <a:prstGeom prst="line">
+                <a:avLst/>
+              </a:prstGeom>
+              <a:ln w="25400">
+                <a:solidFill>
+                  <a:schemeClr val="bg1"/>
+                </a:solidFill>
+              </a:ln>
+            </p:spPr>
+            <p:style>
+              <a:lnRef idx="1">
+                <a:schemeClr val="accent1"/>
+              </a:lnRef>
+              <a:fillRef idx="0">
+                <a:schemeClr val="accent1"/>
+              </a:fillRef>
+              <a:effectRef idx="0">
+                <a:schemeClr val="accent1"/>
+              </a:effectRef>
+              <a:fontRef idx="minor">
+                <a:schemeClr val="tx1"/>
+              </a:fontRef>
+            </p:style>
+          </p:cxnSp>
+          <p:cxnSp>
+            <p:nvCxnSpPr>
+              <p:cNvPr id="10" name="Straight Connector 9">
+                <a:extLst>
+                  <a:ext uri="{FF2B5EF4-FFF2-40B4-BE49-F238E27FC236}">
+                    <a16:creationId xmlns:a16="http://schemas.microsoft.com/office/drawing/2014/main" id="{BD1611E4-CD1A-42E9-8D61-5AF8673A51E0}"/>
+                  </a:ext>
+                </a:extLst>
+              </p:cNvPr>
+              <p:cNvCxnSpPr>
+                <a:cxnSpLocks/>
+              </p:cNvCxnSpPr>
+              <p:nvPr/>
+            </p:nvCxnSpPr>
+            <p:spPr>
+              <a:xfrm>
+                <a:off x="1187624" y="2789312"/>
+                <a:ext cx="216024" cy="432048"/>
+              </a:xfrm>
+              <a:prstGeom prst="line">
+                <a:avLst/>
+              </a:prstGeom>
+              <a:ln w="25400">
+                <a:solidFill>
+                  <a:schemeClr val="bg1"/>
+                </a:solidFill>
+              </a:ln>
+            </p:spPr>
+            <p:style>
+              <a:lnRef idx="1">
+                <a:schemeClr val="accent1"/>
+              </a:lnRef>
+              <a:fillRef idx="0">
+                <a:schemeClr val="accent1"/>
+              </a:fillRef>
+              <a:effectRef idx="0">
+                <a:schemeClr val="accent1"/>
+              </a:effectRef>
+              <a:fontRef idx="minor">
+                <a:schemeClr val="tx1"/>
+              </a:fontRef>
+            </p:style>
+          </p:cxnSp>
+          <p:cxnSp>
+            <p:nvCxnSpPr>
+              <p:cNvPr id="11" name="Straight Connector 10">
+                <a:extLst>
+                  <a:ext uri="{FF2B5EF4-FFF2-40B4-BE49-F238E27FC236}">
+                    <a16:creationId xmlns:a16="http://schemas.microsoft.com/office/drawing/2014/main" id="{530C507A-D54A-4FB7-BA7D-DF08D4F34240}"/>
+                  </a:ext>
+                </a:extLst>
+              </p:cNvPr>
+              <p:cNvCxnSpPr>
+                <a:cxnSpLocks/>
+              </p:cNvCxnSpPr>
+              <p:nvPr/>
+            </p:nvCxnSpPr>
+            <p:spPr>
+              <a:xfrm>
+                <a:off x="981631" y="2348880"/>
+                <a:ext cx="432048" cy="0"/>
+              </a:xfrm>
+              <a:prstGeom prst="line">
+                <a:avLst/>
+              </a:prstGeom>
+              <a:ln w="25400">
+                <a:solidFill>
+                  <a:schemeClr val="bg1"/>
+                </a:solidFill>
+              </a:ln>
+            </p:spPr>
+            <p:style>
+              <a:lnRef idx="1">
+                <a:schemeClr val="accent1"/>
+              </a:lnRef>
+              <a:fillRef idx="0">
+                <a:schemeClr val="accent1"/>
+              </a:fillRef>
+              <a:effectRef idx="0">
+                <a:schemeClr val="accent1"/>
+              </a:effectRef>
+              <a:fontRef idx="minor">
+                <a:schemeClr val="tx1"/>
+              </a:fontRef>
+            </p:style>
+          </p:cxnSp>
+        </p:grpSp>
+        <p:sp>
+          <p:nvSpPr>
+            <p:cNvPr id="6" name="TextBox 5">
+              <a:extLst>
+                <a:ext uri="{FF2B5EF4-FFF2-40B4-BE49-F238E27FC236}">
+                  <a16:creationId xmlns:a16="http://schemas.microsoft.com/office/drawing/2014/main" id="{B4F0BE4F-45A7-4FE7-9085-1CF0C7809160}"/>
+                </a:ext>
+              </a:extLst>
+            </p:cNvPr>
+            <p:cNvSpPr txBox="1"/>
+            <p:nvPr/>
+          </p:nvSpPr>
+          <p:spPr>
+            <a:xfrm>
+              <a:off x="1907713" y="2348880"/>
+              <a:ext cx="692177" cy="369332"/>
+            </a:xfrm>
+            <a:prstGeom prst="rect">
+              <a:avLst/>
+            </a:prstGeom>
+            <a:noFill/>
+          </p:spPr>
+          <p:txBody>
+            <a:bodyPr wrap="none" rtlCol="0">
+              <a:spAutoFit/>
+            </a:bodyPr>
+            <a:lstStyle/>
+            <a:p>
+              <a:r>
+                <a:rPr lang="en-GB" dirty="0">
+                  <a:solidFill>
+                    <a:schemeClr val="bg1"/>
+                  </a:solidFill>
+                </a:rPr>
+                <a:t>Actor</a:t>
+              </a:r>
+            </a:p>
+          </p:txBody>
+        </p:sp>
+      </p:grpSp>
+      <p:grpSp>
+        <p:nvGrpSpPr>
+          <p:cNvPr id="12" name="Group 11">
+            <a:extLst>
+              <a:ext uri="{FF2B5EF4-FFF2-40B4-BE49-F238E27FC236}">
+                <a16:creationId xmlns:a16="http://schemas.microsoft.com/office/drawing/2014/main" id="{82C6A9C3-9000-435B-A804-8571A8BA5D60}"/>
+              </a:ext>
+            </a:extLst>
+          </p:cNvPr>
+          <p:cNvGrpSpPr/>
+          <p:nvPr/>
+        </p:nvGrpSpPr>
+        <p:grpSpPr>
+          <a:xfrm>
+            <a:off x="5507789" y="2060848"/>
+            <a:ext cx="3179011" cy="936079"/>
+            <a:chOff x="4572000" y="2073372"/>
+            <a:chExt cx="3179011" cy="936079"/>
+          </a:xfrm>
+        </p:grpSpPr>
+        <p:sp>
+          <p:nvSpPr>
+            <p:cNvPr id="13" name="Oval 12">
+              <a:extLst>
+                <a:ext uri="{FF2B5EF4-FFF2-40B4-BE49-F238E27FC236}">
+                  <a16:creationId xmlns:a16="http://schemas.microsoft.com/office/drawing/2014/main" id="{946B7A4C-0CC5-46C4-BFCC-7B2027A72CFB}"/>
+                </a:ext>
+              </a:extLst>
+            </p:cNvPr>
+            <p:cNvSpPr/>
+            <p:nvPr/>
+          </p:nvSpPr>
+          <p:spPr>
+            <a:xfrm>
+              <a:off x="4572000" y="2073372"/>
+              <a:ext cx="1584176" cy="936079"/>
+            </a:xfrm>
+            <a:prstGeom prst="ellipse">
+              <a:avLst/>
+            </a:prstGeom>
+            <a:noFill/>
+            <a:ln>
+              <a:solidFill>
+                <a:schemeClr val="bg1"/>
+              </a:solidFill>
+            </a:ln>
+          </p:spPr>
+          <p:style>
+            <a:lnRef idx="2">
+              <a:schemeClr val="accent1">
+                <a:shade val="50000"/>
+              </a:schemeClr>
+            </a:lnRef>
+            <a:fillRef idx="1">
+              <a:schemeClr val="accent1"/>
+            </a:fillRef>
+            <a:effectRef idx="0">
+              <a:schemeClr val="accent1"/>
+            </a:effectRef>
+            <a:fontRef idx="minor">
+              <a:schemeClr val="lt1"/>
+            </a:fontRef>
+          </p:style>
+          <p:txBody>
+            <a:bodyPr rtlCol="0" anchor="ctr"/>
+            <a:lstStyle/>
+            <a:p>
+              <a:pPr algn="ctr"/>
+              <a:endParaRPr lang="en-GB"/>
+            </a:p>
+          </p:txBody>
+        </p:sp>
+        <p:sp>
+          <p:nvSpPr>
+            <p:cNvPr id="14" name="TextBox 13">
+              <a:extLst>
+                <a:ext uri="{FF2B5EF4-FFF2-40B4-BE49-F238E27FC236}">
+                  <a16:creationId xmlns:a16="http://schemas.microsoft.com/office/drawing/2014/main" id="{CAF25510-B8D2-4D1E-B9F7-72263443DBBD}"/>
+                </a:ext>
+              </a:extLst>
+            </p:cNvPr>
+            <p:cNvSpPr txBox="1"/>
+            <p:nvPr/>
+          </p:nvSpPr>
+          <p:spPr>
+            <a:xfrm>
+              <a:off x="6721562" y="2348880"/>
+              <a:ext cx="1029449" cy="369332"/>
+            </a:xfrm>
+            <a:prstGeom prst="rect">
+              <a:avLst/>
+            </a:prstGeom>
+            <a:noFill/>
+          </p:spPr>
+          <p:txBody>
+            <a:bodyPr wrap="none" rtlCol="0">
+              <a:spAutoFit/>
+            </a:bodyPr>
+            <a:lstStyle/>
+            <a:p>
+              <a:r>
+                <a:rPr lang="en-GB" dirty="0">
+                  <a:solidFill>
+                    <a:schemeClr val="bg1"/>
+                  </a:solidFill>
+                </a:rPr>
+                <a:t>Use Case</a:t>
+              </a:r>
+            </a:p>
+          </p:txBody>
+        </p:sp>
+      </p:grpSp>
+      <p:grpSp>
+        <p:nvGrpSpPr>
+          <p:cNvPr id="15" name="Group 14">
+            <a:extLst>
+              <a:ext uri="{FF2B5EF4-FFF2-40B4-BE49-F238E27FC236}">
+                <a16:creationId xmlns:a16="http://schemas.microsoft.com/office/drawing/2014/main" id="{45041607-DC70-4CF6-B62D-4F09A09ED372}"/>
+              </a:ext>
+            </a:extLst>
+          </p:cNvPr>
+          <p:cNvGrpSpPr/>
+          <p:nvPr/>
+        </p:nvGrpSpPr>
+        <p:grpSpPr>
+          <a:xfrm>
+            <a:off x="2843808" y="4293096"/>
+            <a:ext cx="5728810" cy="2160240"/>
+            <a:chOff x="2599890" y="4221088"/>
+            <a:chExt cx="5728810" cy="2160240"/>
+          </a:xfrm>
+        </p:grpSpPr>
+        <p:sp>
+          <p:nvSpPr>
+            <p:cNvPr id="16" name="Rectangle 15">
+              <a:extLst>
+                <a:ext uri="{FF2B5EF4-FFF2-40B4-BE49-F238E27FC236}">
+                  <a16:creationId xmlns:a16="http://schemas.microsoft.com/office/drawing/2014/main" id="{77F10E05-2212-4FDA-9C71-F96D0739759A}"/>
+                </a:ext>
+              </a:extLst>
+            </p:cNvPr>
+            <p:cNvSpPr/>
+            <p:nvPr/>
+          </p:nvSpPr>
+          <p:spPr>
+            <a:xfrm>
+              <a:off x="2599890" y="4221088"/>
+              <a:ext cx="3168352" cy="2160240"/>
+            </a:xfrm>
+            <a:prstGeom prst="rect">
+              <a:avLst/>
+            </a:prstGeom>
+            <a:noFill/>
+            <a:ln>
+              <a:solidFill>
+                <a:schemeClr val="bg1"/>
+              </a:solidFill>
+            </a:ln>
+          </p:spPr>
+          <p:style>
+            <a:lnRef idx="2">
+              <a:schemeClr val="accent1">
+                <a:shade val="50000"/>
+              </a:schemeClr>
+            </a:lnRef>
+            <a:fillRef idx="1">
+              <a:schemeClr val="accent1"/>
+            </a:fillRef>
+            <a:effectRef idx="0">
+              <a:schemeClr val="accent1"/>
+            </a:effectRef>
+            <a:fontRef idx="minor">
+              <a:schemeClr val="lt1"/>
+            </a:fontRef>
+          </p:style>
+          <p:txBody>
+            <a:bodyPr rtlCol="0" anchor="ctr"/>
+            <a:lstStyle/>
+            <a:p>
+              <a:pPr algn="ctr"/>
+              <a:endParaRPr lang="en-GB"/>
+            </a:p>
+          </p:txBody>
+        </p:sp>
+        <p:sp>
+          <p:nvSpPr>
+            <p:cNvPr id="17" name="TextBox 16">
+              <a:extLst>
+                <a:ext uri="{FF2B5EF4-FFF2-40B4-BE49-F238E27FC236}">
+                  <a16:creationId xmlns:a16="http://schemas.microsoft.com/office/drawing/2014/main" id="{3039FD96-3807-47D4-8722-100B3216DF18}"/>
+                </a:ext>
+              </a:extLst>
+            </p:cNvPr>
+            <p:cNvSpPr txBox="1"/>
+            <p:nvPr/>
+          </p:nvSpPr>
+          <p:spPr>
+            <a:xfrm>
+              <a:off x="6516216" y="5116542"/>
+              <a:ext cx="1812484" cy="369332"/>
+            </a:xfrm>
+            <a:prstGeom prst="rect">
+              <a:avLst/>
+            </a:prstGeom>
+            <a:noFill/>
+          </p:spPr>
+          <p:txBody>
+            <a:bodyPr wrap="none" rtlCol="0">
+              <a:spAutoFit/>
+            </a:bodyPr>
+            <a:lstStyle/>
+            <a:p>
+              <a:r>
+                <a:rPr lang="en-GB" dirty="0">
+                  <a:solidFill>
+                    <a:schemeClr val="bg1"/>
+                  </a:solidFill>
+                </a:rPr>
+                <a:t>System Boundary</a:t>
+              </a:r>
+            </a:p>
+          </p:txBody>
+        </p:sp>
+      </p:grpSp>
     </p:spTree>
     <p:extLst>
       <p:ext uri="{BB962C8B-B14F-4D97-AF65-F5344CB8AC3E}">
-        <p14:creationId xmlns:p14="http://schemas.microsoft.com/office/powerpoint/2010/main" val="2306801108"/>
+        <p14:creationId xmlns:p14="http://schemas.microsoft.com/office/powerpoint/2010/main" val="3628309134"/>
       </p:ext>
     </p:extLst>
   </p:cSld>
@@ -4270,50 +4806,52 @@
                 </a:solidFill>
                 <a:latin typeface="URWGothicL"/>
               </a:rPr>
-              <a:t>Sequence Diagram</a:t>
+              <a:t>Use Case Diagram</a:t>
             </a:r>
             <a:endParaRPr lang="en-US" sz="4000" dirty="0"/>
           </a:p>
         </p:txBody>
       </p:sp>
-      <p:sp>
-        <p:nvSpPr>
-          <p:cNvPr id="3" name="Content Placeholder 2">
+      <p:pic>
+        <p:nvPicPr>
+          <p:cNvPr id="18" name="Picture 17" descr="A close up of text on a white background&#10;&#10;Description automatically generated">
             <a:extLst>
               <a:ext uri="{FF2B5EF4-FFF2-40B4-BE49-F238E27FC236}">
-                <a16:creationId xmlns:a16="http://schemas.microsoft.com/office/drawing/2014/main" id="{F11D3774-F227-E54D-8B35-5A75C345CFD0}"/>
+                <a16:creationId xmlns:a16="http://schemas.microsoft.com/office/drawing/2014/main" id="{FA12393A-6930-41E0-94AF-1BA5C548684C}"/>
               </a:ext>
             </a:extLst>
           </p:cNvPr>
-          <p:cNvSpPr>
-            <a:spLocks noGrp="1"/>
-          </p:cNvSpPr>
-          <p:nvPr>
-            <p:ph idx="1"/>
-          </p:nvPr>
-        </p:nvSpPr>
+          <p:cNvPicPr>
+            <a:picLocks noChangeAspect="1"/>
+          </p:cNvPicPr>
+          <p:nvPr/>
+        </p:nvPicPr>
+        <p:blipFill>
+          <a:blip r:embed="rId2">
+            <a:extLst>
+              <a:ext uri="{28A0092B-C50C-407E-A947-70E740481C1C}">
+                <a14:useLocalDpi xmlns:a14="http://schemas.microsoft.com/office/drawing/2010/main" val="0"/>
+              </a:ext>
+            </a:extLst>
+          </a:blip>
+          <a:stretch>
+            <a:fillRect/>
+          </a:stretch>
+        </p:blipFill>
         <p:spPr>
           <a:xfrm>
-            <a:off x="457200" y="1484784"/>
-            <a:ext cx="8229600" cy="5217443"/>
-          </a:xfrm>
+            <a:off x="856731" y="1484784"/>
+            <a:ext cx="7430537" cy="4915586"/>
+          </a:xfrm>
+          <a:prstGeom prst="rect">
+            <a:avLst/>
+          </a:prstGeom>
         </p:spPr>
-        <p:txBody>
-          <a:bodyPr anchor="ctr">
-            <a:normAutofit/>
-          </a:bodyPr>
-          <a:lstStyle/>
-          <a:p>
-            <a:endParaRPr lang="en-GB" sz="3200" dirty="0">
-              <a:effectLst/>
-            </a:endParaRPr>
-          </a:p>
-        </p:txBody>
-      </p:sp>
+      </p:pic>
     </p:spTree>
     <p:extLst>
       <p:ext uri="{BB962C8B-B14F-4D97-AF65-F5344CB8AC3E}">
-        <p14:creationId xmlns:p14="http://schemas.microsoft.com/office/powerpoint/2010/main" val="618332936"/>
+        <p14:creationId xmlns:p14="http://schemas.microsoft.com/office/powerpoint/2010/main" val="3945567623"/>
       </p:ext>
     </p:extLst>
   </p:cSld>
@@ -4345,7 +4883,7 @@
           <p:cNvPr id="2" name="Title 1">
             <a:extLst>
               <a:ext uri="{FF2B5EF4-FFF2-40B4-BE49-F238E27FC236}">
-                <a16:creationId xmlns:a16="http://schemas.microsoft.com/office/drawing/2014/main" id="{E0D39B9B-57E0-4C75-9D4A-053BECB31981}"/>
+                <a16:creationId xmlns:a16="http://schemas.microsoft.com/office/drawing/2014/main" id="{DA1EABA9-ECE4-ED45-96AD-D11605468DF1}"/>
               </a:ext>
             </a:extLst>
           </p:cNvPr>
@@ -4358,8 +4896,8 @@
         </p:nvSpPr>
         <p:spPr>
           <a:xfrm>
-            <a:off x="1835696" y="3088481"/>
-            <a:ext cx="5472608" cy="681038"/>
+            <a:off x="457200" y="548680"/>
+            <a:ext cx="8229600" cy="634082"/>
           </a:xfrm>
         </p:spPr>
         <p:txBody>
@@ -4367,16 +4905,94 @@
           <a:lstStyle/>
           <a:p>
             <a:r>
-              <a:rPr lang="en-GB" dirty="0"/>
-              <a:t>Structural Diagrams</a:t>
-            </a:r>
+              <a:rPr lang="en-GB" sz="4000" dirty="0">
+                <a:solidFill>
+                  <a:srgbClr val="FFFFFF"/>
+                </a:solidFill>
+                <a:latin typeface="URWGothicL"/>
+              </a:rPr>
+              <a:t>Use Case Diagram – Class Exercise</a:t>
+            </a:r>
+            <a:endParaRPr lang="en-US" sz="4000" dirty="0"/>
+          </a:p>
+        </p:txBody>
+      </p:sp>
+      <p:sp>
+        <p:nvSpPr>
+          <p:cNvPr id="4" name="Content Placeholder 2">
+            <a:extLst>
+              <a:ext uri="{FF2B5EF4-FFF2-40B4-BE49-F238E27FC236}">
+                <a16:creationId xmlns:a16="http://schemas.microsoft.com/office/drawing/2014/main" id="{91E010A1-AA21-4264-82B2-F075E362A254}"/>
+              </a:ext>
+            </a:extLst>
+          </p:cNvPr>
+          <p:cNvSpPr>
+            <a:spLocks noGrp="1"/>
+          </p:cNvSpPr>
+          <p:nvPr>
+            <p:ph idx="1"/>
+          </p:nvPr>
+        </p:nvSpPr>
+        <p:spPr>
+          <a:xfrm>
+            <a:off x="457200" y="1484784"/>
+            <a:ext cx="8229600" cy="5217443"/>
+          </a:xfrm>
+        </p:spPr>
+        <p:txBody>
+          <a:bodyPr anchor="ctr">
+            <a:normAutofit/>
+          </a:bodyPr>
+          <a:lstStyle/>
+          <a:p>
+            <a:r>
+              <a:rPr lang="en-GB" sz="3200" dirty="0">
+                <a:effectLst/>
+              </a:rPr>
+              <a:t>What are the key </a:t>
+            </a:r>
+            <a:r>
+              <a:rPr lang="en-GB" sz="3200" b="1" dirty="0">
+                <a:effectLst/>
+              </a:rPr>
+              <a:t>Use Cases </a:t>
+            </a:r>
+            <a:r>
+              <a:rPr lang="en-GB" sz="3200" dirty="0">
+                <a:effectLst/>
+              </a:rPr>
+              <a:t>for </a:t>
+            </a:r>
+            <a:r>
+              <a:rPr lang="en-GB" sz="3200" b="1" dirty="0">
+                <a:effectLst/>
+              </a:rPr>
+              <a:t>Discord</a:t>
+            </a:r>
+            <a:r>
+              <a:rPr lang="en-GB" sz="3200" dirty="0">
+                <a:effectLst/>
+              </a:rPr>
+              <a:t>?</a:t>
+            </a:r>
+          </a:p>
+          <a:p>
+            <a:r>
+              <a:rPr lang="en-GB" b="1" dirty="0"/>
+              <a:t>Lets diagram it together</a:t>
+            </a:r>
+          </a:p>
+          <a:p>
+            <a:endParaRPr lang="en-GB" sz="3200" dirty="0">
+              <a:effectLst/>
+            </a:endParaRPr>
           </a:p>
         </p:txBody>
       </p:sp>
     </p:spTree>
     <p:extLst>
       <p:ext uri="{BB962C8B-B14F-4D97-AF65-F5344CB8AC3E}">
-        <p14:creationId xmlns:p14="http://schemas.microsoft.com/office/powerpoint/2010/main" val="2974102519"/>
+        <p14:creationId xmlns:p14="http://schemas.microsoft.com/office/powerpoint/2010/main" val="1281211377"/>
       </p:ext>
     </p:extLst>
   </p:cSld>
@@ -4436,7 +5052,7 @@
                 </a:solidFill>
                 <a:latin typeface="URWGothicL"/>
               </a:rPr>
-              <a:t>Class Diagram</a:t>
+              <a:t>Activity Diagram</a:t>
             </a:r>
             <a:endParaRPr lang="en-US" sz="4000" dirty="0"/>
           </a:p>
@@ -4470,16 +5086,42 @@
           </a:bodyPr>
           <a:lstStyle/>
           <a:p>
+            <a:r>
+              <a:rPr lang="en-GB" sz="3200" dirty="0">
+                <a:effectLst/>
+              </a:rPr>
+              <a:t>Activity Diagrams describe behaviour composed of a collection of tasks</a:t>
+            </a:r>
+          </a:p>
+          <a:p>
+            <a:r>
+              <a:rPr lang="en-GB" dirty="0"/>
+              <a:t>This is used to model the flow of work and/or data in a system</a:t>
+            </a:r>
             <a:endParaRPr lang="en-GB" sz="3200" dirty="0">
               <a:effectLst/>
             </a:endParaRPr>
           </a:p>
+          <a:p>
+            <a:r>
+              <a:rPr lang="en-GB" dirty="0"/>
+              <a:t>This type of diagram supports choice, iteration and concurrency</a:t>
+            </a:r>
+          </a:p>
+          <a:p>
+            <a:r>
+              <a:rPr lang="en-GB" sz="3200" dirty="0">
+                <a:effectLst/>
+              </a:rPr>
+              <a:t>You can think of this diagram as a structured Flow Chart </a:t>
+            </a:r>
+          </a:p>
         </p:txBody>
       </p:sp>
     </p:spTree>
     <p:extLst>
       <p:ext uri="{BB962C8B-B14F-4D97-AF65-F5344CB8AC3E}">
-        <p14:creationId xmlns:p14="http://schemas.microsoft.com/office/powerpoint/2010/main" val="1355565115"/>
+        <p14:creationId xmlns:p14="http://schemas.microsoft.com/office/powerpoint/2010/main" val="879109843"/>
       </p:ext>
     </p:extLst>
   </p:cSld>
@@ -4539,7 +5181,726 @@
                 </a:solidFill>
                 <a:latin typeface="URWGothicL"/>
               </a:rPr>
-              <a:t>Diagramming Tools</a:t>
+              <a:t>Activity Diagram</a:t>
+            </a:r>
+            <a:endParaRPr lang="en-US" sz="4000" dirty="0"/>
+          </a:p>
+        </p:txBody>
+      </p:sp>
+      <p:grpSp>
+        <p:nvGrpSpPr>
+          <p:cNvPr id="25" name="Group 24">
+            <a:extLst>
+              <a:ext uri="{FF2B5EF4-FFF2-40B4-BE49-F238E27FC236}">
+                <a16:creationId xmlns:a16="http://schemas.microsoft.com/office/drawing/2014/main" id="{8D6D0604-3A38-4E88-B974-9C3E4BB3B4C8}"/>
+              </a:ext>
+            </a:extLst>
+          </p:cNvPr>
+          <p:cNvGrpSpPr/>
+          <p:nvPr/>
+        </p:nvGrpSpPr>
+        <p:grpSpPr>
+          <a:xfrm>
+            <a:off x="371491" y="2611397"/>
+            <a:ext cx="1625388" cy="1021314"/>
+            <a:chOff x="1187624" y="1768170"/>
+            <a:chExt cx="1625388" cy="1021314"/>
+          </a:xfrm>
+        </p:grpSpPr>
+        <p:sp>
+          <p:nvSpPr>
+            <p:cNvPr id="3" name="Oval 2">
+              <a:extLst>
+                <a:ext uri="{FF2B5EF4-FFF2-40B4-BE49-F238E27FC236}">
+                  <a16:creationId xmlns:a16="http://schemas.microsoft.com/office/drawing/2014/main" id="{CAD93AA0-18E6-4F46-8AA2-C973D7B954B5}"/>
+                </a:ext>
+              </a:extLst>
+            </p:cNvPr>
+            <p:cNvSpPr/>
+            <p:nvPr/>
+          </p:nvSpPr>
+          <p:spPr>
+            <a:xfrm>
+              <a:off x="1187624" y="1844824"/>
+              <a:ext cx="216024" cy="216024"/>
+            </a:xfrm>
+            <a:prstGeom prst="ellipse">
+              <a:avLst/>
+            </a:prstGeom>
+            <a:solidFill>
+              <a:schemeClr val="tx1"/>
+            </a:solidFill>
+            <a:ln>
+              <a:solidFill>
+                <a:schemeClr val="tx1"/>
+              </a:solidFill>
+            </a:ln>
+          </p:spPr>
+          <p:style>
+            <a:lnRef idx="2">
+              <a:schemeClr val="accent1">
+                <a:shade val="50000"/>
+              </a:schemeClr>
+            </a:lnRef>
+            <a:fillRef idx="1">
+              <a:schemeClr val="accent1"/>
+            </a:fillRef>
+            <a:effectRef idx="0">
+              <a:schemeClr val="accent1"/>
+            </a:effectRef>
+            <a:fontRef idx="minor">
+              <a:schemeClr val="lt1"/>
+            </a:fontRef>
+          </p:style>
+          <p:txBody>
+            <a:bodyPr rtlCol="0" anchor="ctr"/>
+            <a:lstStyle/>
+            <a:p>
+              <a:pPr algn="ctr"/>
+              <a:endParaRPr lang="en-GB"/>
+            </a:p>
+          </p:txBody>
+        </p:sp>
+        <p:sp>
+          <p:nvSpPr>
+            <p:cNvPr id="18" name="TextBox 17">
+              <a:extLst>
+                <a:ext uri="{FF2B5EF4-FFF2-40B4-BE49-F238E27FC236}">
+                  <a16:creationId xmlns:a16="http://schemas.microsoft.com/office/drawing/2014/main" id="{07894A30-E5D9-4E12-B6DD-B6D035F28AC1}"/>
+                </a:ext>
+              </a:extLst>
+            </p:cNvPr>
+            <p:cNvSpPr txBox="1"/>
+            <p:nvPr/>
+          </p:nvSpPr>
+          <p:spPr>
+            <a:xfrm>
+              <a:off x="1619672" y="1768170"/>
+              <a:ext cx="1193340" cy="369332"/>
+            </a:xfrm>
+            <a:prstGeom prst="rect">
+              <a:avLst/>
+            </a:prstGeom>
+            <a:noFill/>
+          </p:spPr>
+          <p:txBody>
+            <a:bodyPr wrap="none" rtlCol="0">
+              <a:spAutoFit/>
+            </a:bodyPr>
+            <a:lstStyle/>
+            <a:p>
+              <a:r>
+                <a:rPr lang="en-GB" dirty="0">
+                  <a:solidFill>
+                    <a:schemeClr val="bg1"/>
+                  </a:solidFill>
+                </a:rPr>
+                <a:t>Start Node</a:t>
+              </a:r>
+            </a:p>
+          </p:txBody>
+        </p:sp>
+        <p:sp>
+          <p:nvSpPr>
+            <p:cNvPr id="19" name="Oval 18">
+              <a:extLst>
+                <a:ext uri="{FF2B5EF4-FFF2-40B4-BE49-F238E27FC236}">
+                  <a16:creationId xmlns:a16="http://schemas.microsoft.com/office/drawing/2014/main" id="{D76C903D-25EC-4214-ADDE-CCD20BD48AC9}"/>
+                </a:ext>
+              </a:extLst>
+            </p:cNvPr>
+            <p:cNvSpPr/>
+            <p:nvPr/>
+          </p:nvSpPr>
+          <p:spPr>
+            <a:xfrm>
+              <a:off x="1187624" y="2496806"/>
+              <a:ext cx="216024" cy="216024"/>
+            </a:xfrm>
+            <a:prstGeom prst="ellipse">
+              <a:avLst/>
+            </a:prstGeom>
+            <a:solidFill>
+              <a:schemeClr val="tx1"/>
+            </a:solidFill>
+            <a:ln>
+              <a:solidFill>
+                <a:schemeClr val="bg1"/>
+              </a:solidFill>
+            </a:ln>
+          </p:spPr>
+          <p:style>
+            <a:lnRef idx="2">
+              <a:schemeClr val="accent1">
+                <a:shade val="50000"/>
+              </a:schemeClr>
+            </a:lnRef>
+            <a:fillRef idx="1">
+              <a:schemeClr val="accent1"/>
+            </a:fillRef>
+            <a:effectRef idx="0">
+              <a:schemeClr val="accent1"/>
+            </a:effectRef>
+            <a:fontRef idx="minor">
+              <a:schemeClr val="lt1"/>
+            </a:fontRef>
+          </p:style>
+          <p:txBody>
+            <a:bodyPr rtlCol="0" anchor="ctr"/>
+            <a:lstStyle/>
+            <a:p>
+              <a:pPr algn="ctr"/>
+              <a:endParaRPr lang="en-GB"/>
+            </a:p>
+          </p:txBody>
+        </p:sp>
+        <p:sp>
+          <p:nvSpPr>
+            <p:cNvPr id="20" name="TextBox 19">
+              <a:extLst>
+                <a:ext uri="{FF2B5EF4-FFF2-40B4-BE49-F238E27FC236}">
+                  <a16:creationId xmlns:a16="http://schemas.microsoft.com/office/drawing/2014/main" id="{DA8834BC-B3BC-4A2C-A135-2ED16366E954}"/>
+                </a:ext>
+              </a:extLst>
+            </p:cNvPr>
+            <p:cNvSpPr txBox="1"/>
+            <p:nvPr/>
+          </p:nvSpPr>
+          <p:spPr>
+            <a:xfrm>
+              <a:off x="1619672" y="2420152"/>
+              <a:ext cx="1101584" cy="369332"/>
+            </a:xfrm>
+            <a:prstGeom prst="rect">
+              <a:avLst/>
+            </a:prstGeom>
+            <a:noFill/>
+          </p:spPr>
+          <p:txBody>
+            <a:bodyPr wrap="none" rtlCol="0">
+              <a:spAutoFit/>
+            </a:bodyPr>
+            <a:lstStyle/>
+            <a:p>
+              <a:r>
+                <a:rPr lang="en-GB" dirty="0">
+                  <a:solidFill>
+                    <a:schemeClr val="bg1"/>
+                  </a:solidFill>
+                </a:rPr>
+                <a:t>End Node</a:t>
+              </a:r>
+            </a:p>
+          </p:txBody>
+        </p:sp>
+      </p:grpSp>
+      <p:grpSp>
+        <p:nvGrpSpPr>
+          <p:cNvPr id="26" name="Group 25">
+            <a:extLst>
+              <a:ext uri="{FF2B5EF4-FFF2-40B4-BE49-F238E27FC236}">
+                <a16:creationId xmlns:a16="http://schemas.microsoft.com/office/drawing/2014/main" id="{DB8B67EE-2410-4F7C-860B-DBE527D0F00A}"/>
+              </a:ext>
+            </a:extLst>
+          </p:cNvPr>
+          <p:cNvGrpSpPr/>
+          <p:nvPr/>
+        </p:nvGrpSpPr>
+        <p:grpSpPr>
+          <a:xfrm>
+            <a:off x="3501904" y="2871545"/>
+            <a:ext cx="1987869" cy="720080"/>
+            <a:chOff x="3635896" y="1960643"/>
+            <a:chExt cx="1987869" cy="720080"/>
+          </a:xfrm>
+        </p:grpSpPr>
+        <p:sp>
+          <p:nvSpPr>
+            <p:cNvPr id="22" name="Diamond 21">
+              <a:extLst>
+                <a:ext uri="{FF2B5EF4-FFF2-40B4-BE49-F238E27FC236}">
+                  <a16:creationId xmlns:a16="http://schemas.microsoft.com/office/drawing/2014/main" id="{0DCC2D3A-2DDA-4528-BDC0-8493A6E0E34D}"/>
+                </a:ext>
+              </a:extLst>
+            </p:cNvPr>
+            <p:cNvSpPr/>
+            <p:nvPr/>
+          </p:nvSpPr>
+          <p:spPr>
+            <a:xfrm>
+              <a:off x="3635896" y="1960643"/>
+              <a:ext cx="864096" cy="720080"/>
+            </a:xfrm>
+            <a:prstGeom prst="diamond">
+              <a:avLst/>
+            </a:prstGeom>
+            <a:noFill/>
+            <a:ln>
+              <a:solidFill>
+                <a:schemeClr val="bg1"/>
+              </a:solidFill>
+            </a:ln>
+          </p:spPr>
+          <p:style>
+            <a:lnRef idx="2">
+              <a:schemeClr val="accent1">
+                <a:shade val="50000"/>
+              </a:schemeClr>
+            </a:lnRef>
+            <a:fillRef idx="1">
+              <a:schemeClr val="accent1"/>
+            </a:fillRef>
+            <a:effectRef idx="0">
+              <a:schemeClr val="accent1"/>
+            </a:effectRef>
+            <a:fontRef idx="minor">
+              <a:schemeClr val="lt1"/>
+            </a:fontRef>
+          </p:style>
+          <p:txBody>
+            <a:bodyPr rtlCol="0" anchor="ctr"/>
+            <a:lstStyle/>
+            <a:p>
+              <a:pPr algn="ctr"/>
+              <a:endParaRPr lang="en-GB"/>
+            </a:p>
+          </p:txBody>
+        </p:sp>
+        <p:sp>
+          <p:nvSpPr>
+            <p:cNvPr id="23" name="TextBox 22">
+              <a:extLst>
+                <a:ext uri="{FF2B5EF4-FFF2-40B4-BE49-F238E27FC236}">
+                  <a16:creationId xmlns:a16="http://schemas.microsoft.com/office/drawing/2014/main" id="{BAA5019F-D945-4D8F-8BEB-B7EC34132D16}"/>
+                </a:ext>
+              </a:extLst>
+            </p:cNvPr>
+            <p:cNvSpPr txBox="1"/>
+            <p:nvPr/>
+          </p:nvSpPr>
+          <p:spPr>
+            <a:xfrm>
+              <a:off x="4644010" y="2137502"/>
+              <a:ext cx="979755" cy="369332"/>
+            </a:xfrm>
+            <a:prstGeom prst="rect">
+              <a:avLst/>
+            </a:prstGeom>
+            <a:noFill/>
+          </p:spPr>
+          <p:txBody>
+            <a:bodyPr wrap="none" rtlCol="0">
+              <a:spAutoFit/>
+            </a:bodyPr>
+            <a:lstStyle/>
+            <a:p>
+              <a:r>
+                <a:rPr lang="en-GB" dirty="0">
+                  <a:solidFill>
+                    <a:schemeClr val="bg1"/>
+                  </a:solidFill>
+                </a:rPr>
+                <a:t>Decision</a:t>
+              </a:r>
+            </a:p>
+          </p:txBody>
+        </p:sp>
+      </p:grpSp>
+      <p:grpSp>
+        <p:nvGrpSpPr>
+          <p:cNvPr id="28" name="Group 27">
+            <a:extLst>
+              <a:ext uri="{FF2B5EF4-FFF2-40B4-BE49-F238E27FC236}">
+                <a16:creationId xmlns:a16="http://schemas.microsoft.com/office/drawing/2014/main" id="{F21168D1-37A0-4063-B061-5EC3EC9E2225}"/>
+              </a:ext>
+            </a:extLst>
+          </p:cNvPr>
+          <p:cNvGrpSpPr/>
+          <p:nvPr/>
+        </p:nvGrpSpPr>
+        <p:grpSpPr>
+          <a:xfrm>
+            <a:off x="6588224" y="3070978"/>
+            <a:ext cx="2311937" cy="459509"/>
+            <a:chOff x="5724128" y="2075469"/>
+            <a:chExt cx="2311937" cy="459509"/>
+          </a:xfrm>
+        </p:grpSpPr>
+        <p:sp>
+          <p:nvSpPr>
+            <p:cNvPr id="24" name="Rectangle: Rounded Corners 23">
+              <a:extLst>
+                <a:ext uri="{FF2B5EF4-FFF2-40B4-BE49-F238E27FC236}">
+                  <a16:creationId xmlns:a16="http://schemas.microsoft.com/office/drawing/2014/main" id="{18F2F92F-C23A-480F-8111-9FFADE3778CD}"/>
+                </a:ext>
+              </a:extLst>
+            </p:cNvPr>
+            <p:cNvSpPr/>
+            <p:nvPr/>
+          </p:nvSpPr>
+          <p:spPr>
+            <a:xfrm>
+              <a:off x="5724128" y="2075469"/>
+              <a:ext cx="1224136" cy="459509"/>
+            </a:xfrm>
+            <a:prstGeom prst="roundRect">
+              <a:avLst/>
+            </a:prstGeom>
+            <a:noFill/>
+            <a:ln>
+              <a:solidFill>
+                <a:schemeClr val="bg1"/>
+              </a:solidFill>
+            </a:ln>
+          </p:spPr>
+          <p:style>
+            <a:lnRef idx="2">
+              <a:schemeClr val="accent1">
+                <a:shade val="50000"/>
+              </a:schemeClr>
+            </a:lnRef>
+            <a:fillRef idx="1">
+              <a:schemeClr val="accent1"/>
+            </a:fillRef>
+            <a:effectRef idx="0">
+              <a:schemeClr val="accent1"/>
+            </a:effectRef>
+            <a:fontRef idx="minor">
+              <a:schemeClr val="lt1"/>
+            </a:fontRef>
+          </p:style>
+          <p:txBody>
+            <a:bodyPr rtlCol="0" anchor="ctr"/>
+            <a:lstStyle/>
+            <a:p>
+              <a:pPr algn="ctr"/>
+              <a:endParaRPr lang="en-GB"/>
+            </a:p>
+          </p:txBody>
+        </p:sp>
+        <p:sp>
+          <p:nvSpPr>
+            <p:cNvPr id="27" name="TextBox 26">
+              <a:extLst>
+                <a:ext uri="{FF2B5EF4-FFF2-40B4-BE49-F238E27FC236}">
+                  <a16:creationId xmlns:a16="http://schemas.microsoft.com/office/drawing/2014/main" id="{344321E3-CAD3-4998-8C7F-DBF6739A1BCF}"/>
+                </a:ext>
+              </a:extLst>
+            </p:cNvPr>
+            <p:cNvSpPr txBox="1"/>
+            <p:nvPr/>
+          </p:nvSpPr>
+          <p:spPr>
+            <a:xfrm>
+              <a:off x="7157298" y="2093572"/>
+              <a:ext cx="878767" cy="369332"/>
+            </a:xfrm>
+            <a:prstGeom prst="rect">
+              <a:avLst/>
+            </a:prstGeom>
+            <a:noFill/>
+          </p:spPr>
+          <p:txBody>
+            <a:bodyPr wrap="none" rtlCol="0">
+              <a:spAutoFit/>
+            </a:bodyPr>
+            <a:lstStyle/>
+            <a:p>
+              <a:r>
+                <a:rPr lang="en-GB" dirty="0">
+                  <a:solidFill>
+                    <a:schemeClr val="bg1"/>
+                  </a:solidFill>
+                </a:rPr>
+                <a:t>Actions</a:t>
+              </a:r>
+            </a:p>
+          </p:txBody>
+        </p:sp>
+      </p:grpSp>
+      <p:grpSp>
+        <p:nvGrpSpPr>
+          <p:cNvPr id="31" name="Group 30">
+            <a:extLst>
+              <a:ext uri="{FF2B5EF4-FFF2-40B4-BE49-F238E27FC236}">
+                <a16:creationId xmlns:a16="http://schemas.microsoft.com/office/drawing/2014/main" id="{54B07F47-B870-4C78-84C0-0AF29A705A7F}"/>
+              </a:ext>
+            </a:extLst>
+          </p:cNvPr>
+          <p:cNvGrpSpPr/>
+          <p:nvPr/>
+        </p:nvGrpSpPr>
+        <p:grpSpPr>
+          <a:xfrm>
+            <a:off x="1763688" y="5085184"/>
+            <a:ext cx="6102716" cy="369332"/>
+            <a:chOff x="1933053" y="5116542"/>
+            <a:chExt cx="6102716" cy="369332"/>
+          </a:xfrm>
+        </p:grpSpPr>
+        <p:sp>
+          <p:nvSpPr>
+            <p:cNvPr id="29" name="Rectangle 28">
+              <a:extLst>
+                <a:ext uri="{FF2B5EF4-FFF2-40B4-BE49-F238E27FC236}">
+                  <a16:creationId xmlns:a16="http://schemas.microsoft.com/office/drawing/2014/main" id="{9AC13CE6-640E-4A06-8D1C-C28DC49E8ED7}"/>
+                </a:ext>
+              </a:extLst>
+            </p:cNvPr>
+            <p:cNvSpPr/>
+            <p:nvPr/>
+          </p:nvSpPr>
+          <p:spPr>
+            <a:xfrm>
+              <a:off x="1933053" y="5301208"/>
+              <a:ext cx="2304256" cy="72008"/>
+            </a:xfrm>
+            <a:prstGeom prst="rect">
+              <a:avLst/>
+            </a:prstGeom>
+            <a:solidFill>
+              <a:schemeClr val="tx1"/>
+            </a:solidFill>
+            <a:ln>
+              <a:solidFill>
+                <a:schemeClr val="tx1"/>
+              </a:solidFill>
+            </a:ln>
+          </p:spPr>
+          <p:style>
+            <a:lnRef idx="2">
+              <a:schemeClr val="accent1">
+                <a:shade val="50000"/>
+              </a:schemeClr>
+            </a:lnRef>
+            <a:fillRef idx="1">
+              <a:schemeClr val="accent1"/>
+            </a:fillRef>
+            <a:effectRef idx="0">
+              <a:schemeClr val="accent1"/>
+            </a:effectRef>
+            <a:fontRef idx="minor">
+              <a:schemeClr val="lt1"/>
+            </a:fontRef>
+          </p:style>
+          <p:txBody>
+            <a:bodyPr rtlCol="0" anchor="ctr"/>
+            <a:lstStyle/>
+            <a:p>
+              <a:pPr algn="ctr"/>
+              <a:endParaRPr lang="en-GB"/>
+            </a:p>
+          </p:txBody>
+        </p:sp>
+        <p:sp>
+          <p:nvSpPr>
+            <p:cNvPr id="30" name="TextBox 29">
+              <a:extLst>
+                <a:ext uri="{FF2B5EF4-FFF2-40B4-BE49-F238E27FC236}">
+                  <a16:creationId xmlns:a16="http://schemas.microsoft.com/office/drawing/2014/main" id="{3159EF9E-E0EA-4B60-8BE8-A9E67FB320C9}"/>
+                </a:ext>
+              </a:extLst>
+            </p:cNvPr>
+            <p:cNvSpPr txBox="1"/>
+            <p:nvPr/>
+          </p:nvSpPr>
+          <p:spPr>
+            <a:xfrm>
+              <a:off x="4572000" y="5116542"/>
+              <a:ext cx="3463769" cy="369332"/>
+            </a:xfrm>
+            <a:prstGeom prst="rect">
+              <a:avLst/>
+            </a:prstGeom>
+            <a:noFill/>
+          </p:spPr>
+          <p:txBody>
+            <a:bodyPr wrap="none" rtlCol="0">
+              <a:spAutoFit/>
+            </a:bodyPr>
+            <a:lstStyle/>
+            <a:p>
+              <a:r>
+                <a:rPr lang="en-GB" dirty="0">
+                  <a:solidFill>
+                    <a:schemeClr val="bg1"/>
+                  </a:solidFill>
+                </a:rPr>
+                <a:t>Split or join of concurrent activities</a:t>
+              </a:r>
+            </a:p>
+          </p:txBody>
+        </p:sp>
+      </p:grpSp>
+    </p:spTree>
+    <p:extLst>
+      <p:ext uri="{BB962C8B-B14F-4D97-AF65-F5344CB8AC3E}">
+        <p14:creationId xmlns:p14="http://schemas.microsoft.com/office/powerpoint/2010/main" val="3614316762"/>
+      </p:ext>
+    </p:extLst>
+  </p:cSld>
+  <p:clrMapOvr>
+    <a:masterClrMapping/>
+  </p:clrMapOvr>
+</p:sld>
+</file>
+
+<file path=ppt/slides/slide15.xml><?xml version="1.0" encoding="utf-8"?>
+<p:sld xmlns:a="http://schemas.openxmlformats.org/drawingml/2006/main" xmlns:r="http://schemas.openxmlformats.org/officeDocument/2006/relationships" xmlns:p="http://schemas.openxmlformats.org/presentationml/2006/main">
+  <p:cSld>
+    <p:spTree>
+      <p:nvGrpSpPr>
+        <p:cNvPr id="1" name=""/>
+        <p:cNvGrpSpPr/>
+        <p:nvPr/>
+      </p:nvGrpSpPr>
+      <p:grpSpPr>
+        <a:xfrm>
+          <a:off x="0" y="0"/>
+          <a:ext cx="0" cy="0"/>
+          <a:chOff x="0" y="0"/>
+          <a:chExt cx="0" cy="0"/>
+        </a:xfrm>
+      </p:grpSpPr>
+      <p:sp>
+        <p:nvSpPr>
+          <p:cNvPr id="2" name="Title 1">
+            <a:extLst>
+              <a:ext uri="{FF2B5EF4-FFF2-40B4-BE49-F238E27FC236}">
+                <a16:creationId xmlns:a16="http://schemas.microsoft.com/office/drawing/2014/main" id="{DA1EABA9-ECE4-ED45-96AD-D11605468DF1}"/>
+              </a:ext>
+            </a:extLst>
+          </p:cNvPr>
+          <p:cNvSpPr>
+            <a:spLocks noGrp="1"/>
+          </p:cNvSpPr>
+          <p:nvPr>
+            <p:ph type="title"/>
+          </p:nvPr>
+        </p:nvSpPr>
+        <p:spPr>
+          <a:xfrm>
+            <a:off x="457200" y="548680"/>
+            <a:ext cx="8229600" cy="634082"/>
+          </a:xfrm>
+        </p:spPr>
+        <p:txBody>
+          <a:bodyPr/>
+          <a:lstStyle/>
+          <a:p>
+            <a:r>
+              <a:rPr lang="en-GB" sz="4000" dirty="0">
+                <a:solidFill>
+                  <a:srgbClr val="FFFFFF"/>
+                </a:solidFill>
+                <a:latin typeface="URWGothicL"/>
+              </a:rPr>
+              <a:t>Activity Diagram</a:t>
+            </a:r>
+            <a:endParaRPr lang="en-US" sz="4000" dirty="0"/>
+          </a:p>
+        </p:txBody>
+      </p:sp>
+      <p:pic>
+        <p:nvPicPr>
+          <p:cNvPr id="7" name="Picture 6" descr="A close up of text on a white background&#10;&#10;Description automatically generated">
+            <a:extLst>
+              <a:ext uri="{FF2B5EF4-FFF2-40B4-BE49-F238E27FC236}">
+                <a16:creationId xmlns:a16="http://schemas.microsoft.com/office/drawing/2014/main" id="{A3326B8C-E54A-4291-9EE2-25AD1273EF02}"/>
+              </a:ext>
+            </a:extLst>
+          </p:cNvPr>
+          <p:cNvPicPr>
+            <a:picLocks noChangeAspect="1"/>
+          </p:cNvPicPr>
+          <p:nvPr/>
+        </p:nvPicPr>
+        <p:blipFill>
+          <a:blip r:embed="rId2">
+            <a:extLst>
+              <a:ext uri="{28A0092B-C50C-407E-A947-70E740481C1C}">
+                <a14:useLocalDpi xmlns:a14="http://schemas.microsoft.com/office/drawing/2010/main" val="0"/>
+              </a:ext>
+            </a:extLst>
+          </a:blip>
+          <a:stretch>
+            <a:fillRect/>
+          </a:stretch>
+        </p:blipFill>
+        <p:spPr>
+          <a:xfrm>
+            <a:off x="2398257" y="1556792"/>
+            <a:ext cx="4347486" cy="4941168"/>
+          </a:xfrm>
+          <a:prstGeom prst="rect">
+            <a:avLst/>
+          </a:prstGeom>
+        </p:spPr>
+      </p:pic>
+    </p:spTree>
+    <p:extLst>
+      <p:ext uri="{BB962C8B-B14F-4D97-AF65-F5344CB8AC3E}">
+        <p14:creationId xmlns:p14="http://schemas.microsoft.com/office/powerpoint/2010/main" val="2368641440"/>
+      </p:ext>
+    </p:extLst>
+  </p:cSld>
+  <p:clrMapOvr>
+    <a:masterClrMapping/>
+  </p:clrMapOvr>
+</p:sld>
+</file>
+
+<file path=ppt/slides/slide16.xml><?xml version="1.0" encoding="utf-8"?>
+<p:sld xmlns:a="http://schemas.openxmlformats.org/drawingml/2006/main" xmlns:r="http://schemas.openxmlformats.org/officeDocument/2006/relationships" xmlns:p="http://schemas.openxmlformats.org/presentationml/2006/main">
+  <p:cSld>
+    <p:spTree>
+      <p:nvGrpSpPr>
+        <p:cNvPr id="1" name=""/>
+        <p:cNvGrpSpPr/>
+        <p:nvPr/>
+      </p:nvGrpSpPr>
+      <p:grpSpPr>
+        <a:xfrm>
+          <a:off x="0" y="0"/>
+          <a:ext cx="0" cy="0"/>
+          <a:chOff x="0" y="0"/>
+          <a:chExt cx="0" cy="0"/>
+        </a:xfrm>
+      </p:grpSpPr>
+      <p:sp>
+        <p:nvSpPr>
+          <p:cNvPr id="2" name="Title 1">
+            <a:extLst>
+              <a:ext uri="{FF2B5EF4-FFF2-40B4-BE49-F238E27FC236}">
+                <a16:creationId xmlns:a16="http://schemas.microsoft.com/office/drawing/2014/main" id="{DA1EABA9-ECE4-ED45-96AD-D11605468DF1}"/>
+              </a:ext>
+            </a:extLst>
+          </p:cNvPr>
+          <p:cNvSpPr>
+            <a:spLocks noGrp="1"/>
+          </p:cNvSpPr>
+          <p:nvPr>
+            <p:ph type="title"/>
+          </p:nvPr>
+        </p:nvSpPr>
+        <p:spPr>
+          <a:xfrm>
+            <a:off x="457200" y="548680"/>
+            <a:ext cx="8229600" cy="634082"/>
+          </a:xfrm>
+        </p:spPr>
+        <p:txBody>
+          <a:bodyPr/>
+          <a:lstStyle/>
+          <a:p>
+            <a:r>
+              <a:rPr lang="en-GB" sz="4000" dirty="0">
+                <a:solidFill>
+                  <a:srgbClr val="FFFFFF"/>
+                </a:solidFill>
+                <a:latin typeface="URWGothicL"/>
+              </a:rPr>
+              <a:t>State Diagram</a:t>
             </a:r>
             <a:endParaRPr lang="en-US" sz="4000" dirty="0"/>
           </a:p>
@@ -4574,53 +5935,1822 @@
           <a:lstStyle/>
           <a:p>
             <a:r>
-              <a:rPr lang="en-GB" dirty="0" err="1"/>
-              <a:t>Gliffy</a:t>
-            </a:r>
-            <a:r>
-              <a:rPr lang="en-GB"/>
-              <a:t> - </a:t>
-            </a:r>
-            <a:r>
-              <a:rPr lang="en-GB" u="sng">
-                <a:hlinkClick r:id="rId2"/>
+              <a:rPr lang="en-GB" sz="3200" dirty="0">
+                <a:effectLst/>
               </a:rPr>
-              <a:t>https://go.gliffy.com/go/auth/login</a:t>
-            </a:r>
-            <a:r>
-              <a:rPr lang="en-GB" u="sng"/>
-              <a:t> </a:t>
-            </a:r>
-            <a:endParaRPr lang="en-GB"/>
+              <a:t>State Diagrams are used to model the possible states of your applications</a:t>
+            </a:r>
           </a:p>
           <a:p>
             <a:r>
               <a:rPr lang="en-GB" dirty="0"/>
-              <a:t>draw.io - </a:t>
-            </a:r>
-            <a:r>
-              <a:rPr lang="en-GB" u="sng" dirty="0">
-                <a:hlinkClick r:id="rId3"/>
+              <a:t>This allows you to not only to model the states but the flow of events and transitions between states</a:t>
+            </a:r>
+            <a:endParaRPr lang="en-GB" sz="3200" dirty="0">
+              <a:effectLst/>
+            </a:endParaRPr>
+          </a:p>
+          <a:p>
+            <a:r>
+              <a:rPr lang="en-GB" dirty="0"/>
+              <a:t>Is useful for modelling the following in games:</a:t>
+            </a:r>
+          </a:p>
+          <a:p>
+            <a:pPr lvl="1"/>
+            <a:r>
+              <a:rPr lang="en-GB" dirty="0">
+                <a:effectLst/>
               </a:rPr>
-              <a:t>https://www.draw.io/</a:t>
+              <a:t>AI </a:t>
             </a:r>
             <a:r>
               <a:rPr lang="en-GB" dirty="0"/>
-              <a:t> </a:t>
-            </a:r>
+              <a:t>Finite State Machines</a:t>
+            </a:r>
+          </a:p>
+          <a:p>
+            <a:pPr lvl="1"/>
+            <a:r>
+              <a:rPr lang="en-GB" dirty="0">
+                <a:effectLst/>
+              </a:rPr>
+              <a:t>Game States</a:t>
+            </a:r>
+          </a:p>
+          <a:p>
+            <a:pPr lvl="1"/>
+            <a:r>
+              <a:rPr lang="en-GB" dirty="0"/>
+              <a:t>Animation Systems</a:t>
+            </a:r>
+          </a:p>
+          <a:p>
+            <a:endParaRPr lang="en-GB" dirty="0">
+              <a:effectLst/>
+            </a:endParaRPr>
           </a:p>
         </p:txBody>
       </p:sp>
     </p:spTree>
     <p:extLst>
       <p:ext uri="{BB962C8B-B14F-4D97-AF65-F5344CB8AC3E}">
-        <p14:creationId xmlns:p14="http://schemas.microsoft.com/office/powerpoint/2010/main" val="338029304"/>
+        <p14:creationId xmlns:p14="http://schemas.microsoft.com/office/powerpoint/2010/main" val="2306801108"/>
       </p:ext>
     </p:extLst>
   </p:cSld>
   <p:clrMapOvr>
     <a:masterClrMapping/>
   </p:clrMapOvr>
+</p:sld>
+</file>
+
+<file path=ppt/slides/slide17.xml><?xml version="1.0" encoding="utf-8"?>
+<p:sld xmlns:a="http://schemas.openxmlformats.org/drawingml/2006/main" xmlns:r="http://schemas.openxmlformats.org/officeDocument/2006/relationships" xmlns:p="http://schemas.openxmlformats.org/presentationml/2006/main">
+  <p:cSld>
+    <p:spTree>
+      <p:nvGrpSpPr>
+        <p:cNvPr id="1" name=""/>
+        <p:cNvGrpSpPr/>
+        <p:nvPr/>
+      </p:nvGrpSpPr>
+      <p:grpSpPr>
+        <a:xfrm>
+          <a:off x="0" y="0"/>
+          <a:ext cx="0" cy="0"/>
+          <a:chOff x="0" y="0"/>
+          <a:chExt cx="0" cy="0"/>
+        </a:xfrm>
+      </p:grpSpPr>
+      <p:sp>
+        <p:nvSpPr>
+          <p:cNvPr id="2" name="Title 1">
+            <a:extLst>
+              <a:ext uri="{FF2B5EF4-FFF2-40B4-BE49-F238E27FC236}">
+                <a16:creationId xmlns:a16="http://schemas.microsoft.com/office/drawing/2014/main" id="{DA1EABA9-ECE4-ED45-96AD-D11605468DF1}"/>
+              </a:ext>
+            </a:extLst>
+          </p:cNvPr>
+          <p:cNvSpPr>
+            <a:spLocks noGrp="1"/>
+          </p:cNvSpPr>
+          <p:nvPr>
+            <p:ph type="title"/>
+          </p:nvPr>
+        </p:nvSpPr>
+        <p:spPr>
+          <a:xfrm>
+            <a:off x="457200" y="548680"/>
+            <a:ext cx="8229600" cy="634082"/>
+          </a:xfrm>
+        </p:spPr>
+        <p:txBody>
+          <a:bodyPr/>
+          <a:lstStyle/>
+          <a:p>
+            <a:r>
+              <a:rPr lang="en-GB" sz="4000" dirty="0">
+                <a:solidFill>
+                  <a:srgbClr val="FFFFFF"/>
+                </a:solidFill>
+                <a:latin typeface="URWGothicL"/>
+              </a:rPr>
+              <a:t>State Diagram</a:t>
+            </a:r>
+            <a:endParaRPr lang="en-US" sz="4000" dirty="0"/>
+          </a:p>
+        </p:txBody>
+      </p:sp>
+      <p:grpSp>
+        <p:nvGrpSpPr>
+          <p:cNvPr id="25" name="Group 24">
+            <a:extLst>
+              <a:ext uri="{FF2B5EF4-FFF2-40B4-BE49-F238E27FC236}">
+                <a16:creationId xmlns:a16="http://schemas.microsoft.com/office/drawing/2014/main" id="{8D6D0604-3A38-4E88-B974-9C3E4BB3B4C8}"/>
+              </a:ext>
+            </a:extLst>
+          </p:cNvPr>
+          <p:cNvGrpSpPr/>
+          <p:nvPr/>
+        </p:nvGrpSpPr>
+        <p:grpSpPr>
+          <a:xfrm>
+            <a:off x="395536" y="1694335"/>
+            <a:ext cx="1673670" cy="1021314"/>
+            <a:chOff x="1187624" y="1768170"/>
+            <a:chExt cx="1673670" cy="1021314"/>
+          </a:xfrm>
+        </p:grpSpPr>
+        <p:sp>
+          <p:nvSpPr>
+            <p:cNvPr id="3" name="Oval 2">
+              <a:extLst>
+                <a:ext uri="{FF2B5EF4-FFF2-40B4-BE49-F238E27FC236}">
+                  <a16:creationId xmlns:a16="http://schemas.microsoft.com/office/drawing/2014/main" id="{CAD93AA0-18E6-4F46-8AA2-C973D7B954B5}"/>
+                </a:ext>
+              </a:extLst>
+            </p:cNvPr>
+            <p:cNvSpPr/>
+            <p:nvPr/>
+          </p:nvSpPr>
+          <p:spPr>
+            <a:xfrm>
+              <a:off x="1187624" y="1844824"/>
+              <a:ext cx="216024" cy="216024"/>
+            </a:xfrm>
+            <a:prstGeom prst="ellipse">
+              <a:avLst/>
+            </a:prstGeom>
+            <a:solidFill>
+              <a:schemeClr val="tx1"/>
+            </a:solidFill>
+            <a:ln>
+              <a:solidFill>
+                <a:schemeClr val="tx1"/>
+              </a:solidFill>
+            </a:ln>
+          </p:spPr>
+          <p:style>
+            <a:lnRef idx="2">
+              <a:schemeClr val="accent1">
+                <a:shade val="50000"/>
+              </a:schemeClr>
+            </a:lnRef>
+            <a:fillRef idx="1">
+              <a:schemeClr val="accent1"/>
+            </a:fillRef>
+            <a:effectRef idx="0">
+              <a:schemeClr val="accent1"/>
+            </a:effectRef>
+            <a:fontRef idx="minor">
+              <a:schemeClr val="lt1"/>
+            </a:fontRef>
+          </p:style>
+          <p:txBody>
+            <a:bodyPr rtlCol="0" anchor="ctr"/>
+            <a:lstStyle/>
+            <a:p>
+              <a:pPr algn="ctr"/>
+              <a:endParaRPr lang="en-GB"/>
+            </a:p>
+          </p:txBody>
+        </p:sp>
+        <p:sp>
+          <p:nvSpPr>
+            <p:cNvPr id="18" name="TextBox 17">
+              <a:extLst>
+                <a:ext uri="{FF2B5EF4-FFF2-40B4-BE49-F238E27FC236}">
+                  <a16:creationId xmlns:a16="http://schemas.microsoft.com/office/drawing/2014/main" id="{07894A30-E5D9-4E12-B6DD-B6D035F28AC1}"/>
+                </a:ext>
+              </a:extLst>
+            </p:cNvPr>
+            <p:cNvSpPr txBox="1"/>
+            <p:nvPr/>
+          </p:nvSpPr>
+          <p:spPr>
+            <a:xfrm>
+              <a:off x="1619672" y="1768170"/>
+              <a:ext cx="1241622" cy="369332"/>
+            </a:xfrm>
+            <a:prstGeom prst="rect">
+              <a:avLst/>
+            </a:prstGeom>
+            <a:noFill/>
+          </p:spPr>
+          <p:txBody>
+            <a:bodyPr wrap="none" rtlCol="0">
+              <a:spAutoFit/>
+            </a:bodyPr>
+            <a:lstStyle/>
+            <a:p>
+              <a:r>
+                <a:rPr lang="en-GB" dirty="0">
+                  <a:solidFill>
+                    <a:schemeClr val="bg1"/>
+                  </a:solidFill>
+                </a:rPr>
+                <a:t>Initial State</a:t>
+              </a:r>
+            </a:p>
+          </p:txBody>
+        </p:sp>
+        <p:sp>
+          <p:nvSpPr>
+            <p:cNvPr id="19" name="Oval 18">
+              <a:extLst>
+                <a:ext uri="{FF2B5EF4-FFF2-40B4-BE49-F238E27FC236}">
+                  <a16:creationId xmlns:a16="http://schemas.microsoft.com/office/drawing/2014/main" id="{D76C903D-25EC-4214-ADDE-CCD20BD48AC9}"/>
+                </a:ext>
+              </a:extLst>
+            </p:cNvPr>
+            <p:cNvSpPr/>
+            <p:nvPr/>
+          </p:nvSpPr>
+          <p:spPr>
+            <a:xfrm>
+              <a:off x="1187624" y="2496806"/>
+              <a:ext cx="216024" cy="216024"/>
+            </a:xfrm>
+            <a:prstGeom prst="ellipse">
+              <a:avLst/>
+            </a:prstGeom>
+            <a:solidFill>
+              <a:schemeClr val="tx1"/>
+            </a:solidFill>
+            <a:ln>
+              <a:solidFill>
+                <a:schemeClr val="bg1"/>
+              </a:solidFill>
+            </a:ln>
+          </p:spPr>
+          <p:style>
+            <a:lnRef idx="2">
+              <a:schemeClr val="accent1">
+                <a:shade val="50000"/>
+              </a:schemeClr>
+            </a:lnRef>
+            <a:fillRef idx="1">
+              <a:schemeClr val="accent1"/>
+            </a:fillRef>
+            <a:effectRef idx="0">
+              <a:schemeClr val="accent1"/>
+            </a:effectRef>
+            <a:fontRef idx="minor">
+              <a:schemeClr val="lt1"/>
+            </a:fontRef>
+          </p:style>
+          <p:txBody>
+            <a:bodyPr rtlCol="0" anchor="ctr"/>
+            <a:lstStyle/>
+            <a:p>
+              <a:pPr algn="ctr"/>
+              <a:endParaRPr lang="en-GB"/>
+            </a:p>
+          </p:txBody>
+        </p:sp>
+        <p:sp>
+          <p:nvSpPr>
+            <p:cNvPr id="20" name="TextBox 19">
+              <a:extLst>
+                <a:ext uri="{FF2B5EF4-FFF2-40B4-BE49-F238E27FC236}">
+                  <a16:creationId xmlns:a16="http://schemas.microsoft.com/office/drawing/2014/main" id="{DA8834BC-B3BC-4A2C-A135-2ED16366E954}"/>
+                </a:ext>
+              </a:extLst>
+            </p:cNvPr>
+            <p:cNvSpPr txBox="1"/>
+            <p:nvPr/>
+          </p:nvSpPr>
+          <p:spPr>
+            <a:xfrm>
+              <a:off x="1619672" y="2420152"/>
+              <a:ext cx="1159869" cy="369332"/>
+            </a:xfrm>
+            <a:prstGeom prst="rect">
+              <a:avLst/>
+            </a:prstGeom>
+            <a:noFill/>
+          </p:spPr>
+          <p:txBody>
+            <a:bodyPr wrap="none" rtlCol="0">
+              <a:spAutoFit/>
+            </a:bodyPr>
+            <a:lstStyle/>
+            <a:p>
+              <a:r>
+                <a:rPr lang="en-GB" dirty="0">
+                  <a:solidFill>
+                    <a:schemeClr val="bg1"/>
+                  </a:solidFill>
+                </a:rPr>
+                <a:t>Final State</a:t>
+              </a:r>
+            </a:p>
+          </p:txBody>
+        </p:sp>
+      </p:grpSp>
+      <p:grpSp>
+        <p:nvGrpSpPr>
+          <p:cNvPr id="28" name="Group 27">
+            <a:extLst>
+              <a:ext uri="{FF2B5EF4-FFF2-40B4-BE49-F238E27FC236}">
+                <a16:creationId xmlns:a16="http://schemas.microsoft.com/office/drawing/2014/main" id="{F21168D1-37A0-4063-B061-5EC3EC9E2225}"/>
+              </a:ext>
+            </a:extLst>
+          </p:cNvPr>
+          <p:cNvGrpSpPr/>
+          <p:nvPr/>
+        </p:nvGrpSpPr>
+        <p:grpSpPr>
+          <a:xfrm>
+            <a:off x="3173498" y="1897538"/>
+            <a:ext cx="2121853" cy="646331"/>
+            <a:chOff x="5906196" y="2093572"/>
+            <a:chExt cx="2121853" cy="646331"/>
+          </a:xfrm>
+        </p:grpSpPr>
+        <p:sp>
+          <p:nvSpPr>
+            <p:cNvPr id="24" name="Rectangle: Rounded Corners 23">
+              <a:extLst>
+                <a:ext uri="{FF2B5EF4-FFF2-40B4-BE49-F238E27FC236}">
+                  <a16:creationId xmlns:a16="http://schemas.microsoft.com/office/drawing/2014/main" id="{18F2F92F-C23A-480F-8111-9FFADE3778CD}"/>
+                </a:ext>
+              </a:extLst>
+            </p:cNvPr>
+            <p:cNvSpPr/>
+            <p:nvPr/>
+          </p:nvSpPr>
+          <p:spPr>
+            <a:xfrm>
+              <a:off x="5906196" y="2186982"/>
+              <a:ext cx="1224136" cy="459509"/>
+            </a:xfrm>
+            <a:prstGeom prst="roundRect">
+              <a:avLst/>
+            </a:prstGeom>
+            <a:noFill/>
+            <a:ln>
+              <a:solidFill>
+                <a:schemeClr val="bg1"/>
+              </a:solidFill>
+            </a:ln>
+          </p:spPr>
+          <p:style>
+            <a:lnRef idx="2">
+              <a:schemeClr val="accent1">
+                <a:shade val="50000"/>
+              </a:schemeClr>
+            </a:lnRef>
+            <a:fillRef idx="1">
+              <a:schemeClr val="accent1"/>
+            </a:fillRef>
+            <a:effectRef idx="0">
+              <a:schemeClr val="accent1"/>
+            </a:effectRef>
+            <a:fontRef idx="minor">
+              <a:schemeClr val="lt1"/>
+            </a:fontRef>
+          </p:style>
+          <p:txBody>
+            <a:bodyPr rtlCol="0" anchor="ctr"/>
+            <a:lstStyle/>
+            <a:p>
+              <a:pPr algn="ctr"/>
+              <a:endParaRPr lang="en-GB" dirty="0"/>
+            </a:p>
+          </p:txBody>
+        </p:sp>
+        <p:sp>
+          <p:nvSpPr>
+            <p:cNvPr id="27" name="TextBox 26">
+              <a:extLst>
+                <a:ext uri="{FF2B5EF4-FFF2-40B4-BE49-F238E27FC236}">
+                  <a16:creationId xmlns:a16="http://schemas.microsoft.com/office/drawing/2014/main" id="{344321E3-CAD3-4998-8C7F-DBF6739A1BCF}"/>
+                </a:ext>
+              </a:extLst>
+            </p:cNvPr>
+            <p:cNvSpPr txBox="1"/>
+            <p:nvPr/>
+          </p:nvSpPr>
+          <p:spPr>
+            <a:xfrm>
+              <a:off x="7157298" y="2093572"/>
+              <a:ext cx="870751" cy="646331"/>
+            </a:xfrm>
+            <a:prstGeom prst="rect">
+              <a:avLst/>
+            </a:prstGeom>
+            <a:noFill/>
+          </p:spPr>
+          <p:txBody>
+            <a:bodyPr wrap="none" rtlCol="0">
+              <a:spAutoFit/>
+            </a:bodyPr>
+            <a:lstStyle/>
+            <a:p>
+              <a:r>
+                <a:rPr lang="en-GB" dirty="0">
+                  <a:solidFill>
+                    <a:schemeClr val="bg1"/>
+                  </a:solidFill>
+                </a:rPr>
+                <a:t>Simple </a:t>
+              </a:r>
+            </a:p>
+            <a:p>
+              <a:r>
+                <a:rPr lang="en-GB" dirty="0">
+                  <a:solidFill>
+                    <a:schemeClr val="bg1"/>
+                  </a:solidFill>
+                </a:rPr>
+                <a:t>State</a:t>
+              </a:r>
+            </a:p>
+          </p:txBody>
+        </p:sp>
+      </p:grpSp>
+      <p:grpSp>
+        <p:nvGrpSpPr>
+          <p:cNvPr id="9" name="Group 8">
+            <a:extLst>
+              <a:ext uri="{FF2B5EF4-FFF2-40B4-BE49-F238E27FC236}">
+                <a16:creationId xmlns:a16="http://schemas.microsoft.com/office/drawing/2014/main" id="{EC0CA97D-BDB6-4D5E-BA49-C68F1F76CEEE}"/>
+              </a:ext>
+            </a:extLst>
+          </p:cNvPr>
+          <p:cNvGrpSpPr/>
+          <p:nvPr/>
+        </p:nvGrpSpPr>
+        <p:grpSpPr>
+          <a:xfrm>
+            <a:off x="6084168" y="1709524"/>
+            <a:ext cx="2802311" cy="1005884"/>
+            <a:chOff x="5946153" y="1975468"/>
+            <a:chExt cx="2802311" cy="1005884"/>
+          </a:xfrm>
+        </p:grpSpPr>
+        <p:grpSp>
+          <p:nvGrpSpPr>
+            <p:cNvPr id="17" name="Group 16">
+              <a:extLst>
+                <a:ext uri="{FF2B5EF4-FFF2-40B4-BE49-F238E27FC236}">
+                  <a16:creationId xmlns:a16="http://schemas.microsoft.com/office/drawing/2014/main" id="{E1782833-A710-4B6C-9DCD-4D8E286E1B06}"/>
+                </a:ext>
+              </a:extLst>
+            </p:cNvPr>
+            <p:cNvGrpSpPr/>
+            <p:nvPr/>
+          </p:nvGrpSpPr>
+          <p:grpSpPr>
+            <a:xfrm>
+              <a:off x="5946153" y="1975468"/>
+              <a:ext cx="2802311" cy="1005884"/>
+              <a:chOff x="5906196" y="2186982"/>
+              <a:chExt cx="2802311" cy="459509"/>
+            </a:xfrm>
+          </p:grpSpPr>
+          <p:sp>
+            <p:nvSpPr>
+              <p:cNvPr id="21" name="Rectangle: Rounded Corners 20">
+                <a:extLst>
+                  <a:ext uri="{FF2B5EF4-FFF2-40B4-BE49-F238E27FC236}">
+                    <a16:creationId xmlns:a16="http://schemas.microsoft.com/office/drawing/2014/main" id="{01E106E5-2DD2-4F97-BE8B-8A83DD10EE60}"/>
+                  </a:ext>
+                </a:extLst>
+              </p:cNvPr>
+              <p:cNvSpPr/>
+              <p:nvPr/>
+            </p:nvSpPr>
+            <p:spPr>
+              <a:xfrm>
+                <a:off x="5906196" y="2186982"/>
+                <a:ext cx="1224136" cy="459509"/>
+              </a:xfrm>
+              <a:prstGeom prst="roundRect">
+                <a:avLst/>
+              </a:prstGeom>
+              <a:noFill/>
+              <a:ln>
+                <a:solidFill>
+                  <a:schemeClr val="bg1"/>
+                </a:solidFill>
+              </a:ln>
+            </p:spPr>
+            <p:style>
+              <a:lnRef idx="2">
+                <a:schemeClr val="accent1">
+                  <a:shade val="50000"/>
+                </a:schemeClr>
+              </a:lnRef>
+              <a:fillRef idx="1">
+                <a:schemeClr val="accent1"/>
+              </a:fillRef>
+              <a:effectRef idx="0">
+                <a:schemeClr val="accent1"/>
+              </a:effectRef>
+              <a:fontRef idx="minor">
+                <a:schemeClr val="lt1"/>
+              </a:fontRef>
+            </p:style>
+            <p:txBody>
+              <a:bodyPr rtlCol="0" anchor="ctr"/>
+              <a:lstStyle/>
+              <a:p>
+                <a:pPr algn="ctr"/>
+                <a:endParaRPr lang="en-GB"/>
+              </a:p>
+            </p:txBody>
+          </p:sp>
+          <p:sp>
+            <p:nvSpPr>
+              <p:cNvPr id="32" name="TextBox 31">
+                <a:extLst>
+                  <a:ext uri="{FF2B5EF4-FFF2-40B4-BE49-F238E27FC236}">
+                    <a16:creationId xmlns:a16="http://schemas.microsoft.com/office/drawing/2014/main" id="{279D308B-5F36-41A8-A3B2-74AE6C9EE638}"/>
+                  </a:ext>
+                </a:extLst>
+              </p:cNvPr>
+              <p:cNvSpPr txBox="1"/>
+              <p:nvPr/>
+            </p:nvSpPr>
+            <p:spPr>
+              <a:xfrm>
+                <a:off x="7146092" y="2205838"/>
+                <a:ext cx="1562415" cy="421797"/>
+              </a:xfrm>
+              <a:prstGeom prst="rect">
+                <a:avLst/>
+              </a:prstGeom>
+              <a:noFill/>
+            </p:spPr>
+            <p:txBody>
+              <a:bodyPr wrap="none" rtlCol="0">
+                <a:spAutoFit/>
+              </a:bodyPr>
+              <a:lstStyle/>
+              <a:p>
+                <a:r>
+                  <a:rPr lang="en-GB" dirty="0">
+                    <a:solidFill>
+                      <a:schemeClr val="bg1"/>
+                    </a:solidFill>
+                  </a:rPr>
+                  <a:t>Simple </a:t>
+                </a:r>
+              </a:p>
+              <a:p>
+                <a:r>
+                  <a:rPr lang="en-GB" dirty="0">
+                    <a:solidFill>
+                      <a:schemeClr val="bg1"/>
+                    </a:solidFill>
+                  </a:rPr>
+                  <a:t>State with</a:t>
+                </a:r>
+              </a:p>
+              <a:p>
+                <a:r>
+                  <a:rPr lang="en-GB" dirty="0">
+                    <a:solidFill>
+                      <a:schemeClr val="bg1"/>
+                    </a:solidFill>
+                  </a:rPr>
+                  <a:t>compartments</a:t>
+                </a:r>
+              </a:p>
+            </p:txBody>
+          </p:sp>
+        </p:grpSp>
+        <p:cxnSp>
+          <p:nvCxnSpPr>
+            <p:cNvPr id="7" name="Straight Connector 6">
+              <a:extLst>
+                <a:ext uri="{FF2B5EF4-FFF2-40B4-BE49-F238E27FC236}">
+                  <a16:creationId xmlns:a16="http://schemas.microsoft.com/office/drawing/2014/main" id="{E89EDD5F-2E1E-4074-B237-FBD467F3CEAB}"/>
+                </a:ext>
+              </a:extLst>
+            </p:cNvPr>
+            <p:cNvCxnSpPr>
+              <a:cxnSpLocks/>
+            </p:cNvCxnSpPr>
+            <p:nvPr/>
+          </p:nvCxnSpPr>
+          <p:spPr>
+            <a:xfrm>
+              <a:off x="5946153" y="2280891"/>
+              <a:ext cx="1224136" cy="0"/>
+            </a:xfrm>
+            <a:prstGeom prst="line">
+              <a:avLst/>
+            </a:prstGeom>
+            <a:ln w="25400" cmpd="sng">
+              <a:solidFill>
+                <a:schemeClr val="bg1"/>
+              </a:solidFill>
+            </a:ln>
+          </p:spPr>
+          <p:style>
+            <a:lnRef idx="1">
+              <a:schemeClr val="accent1"/>
+            </a:lnRef>
+            <a:fillRef idx="0">
+              <a:schemeClr val="accent1"/>
+            </a:fillRef>
+            <a:effectRef idx="0">
+              <a:schemeClr val="accent1"/>
+            </a:effectRef>
+            <a:fontRef idx="minor">
+              <a:schemeClr val="tx1"/>
+            </a:fontRef>
+          </p:style>
+        </p:cxnSp>
+      </p:grpSp>
+      <p:grpSp>
+        <p:nvGrpSpPr>
+          <p:cNvPr id="33" name="Group 32">
+            <a:extLst>
+              <a:ext uri="{FF2B5EF4-FFF2-40B4-BE49-F238E27FC236}">
+                <a16:creationId xmlns:a16="http://schemas.microsoft.com/office/drawing/2014/main" id="{A2078556-7C0E-4D85-97A8-AA8FF491E842}"/>
+              </a:ext>
+            </a:extLst>
+          </p:cNvPr>
+          <p:cNvGrpSpPr/>
+          <p:nvPr/>
+        </p:nvGrpSpPr>
+        <p:grpSpPr>
+          <a:xfrm>
+            <a:off x="395536" y="3645024"/>
+            <a:ext cx="1825967" cy="720080"/>
+            <a:chOff x="3635896" y="1960643"/>
+            <a:chExt cx="1825967" cy="720080"/>
+          </a:xfrm>
+        </p:grpSpPr>
+        <p:sp>
+          <p:nvSpPr>
+            <p:cNvPr id="34" name="Diamond 33">
+              <a:extLst>
+                <a:ext uri="{FF2B5EF4-FFF2-40B4-BE49-F238E27FC236}">
+                  <a16:creationId xmlns:a16="http://schemas.microsoft.com/office/drawing/2014/main" id="{D5327DA4-5420-49D3-A2C5-094040CF334A}"/>
+                </a:ext>
+              </a:extLst>
+            </p:cNvPr>
+            <p:cNvSpPr/>
+            <p:nvPr/>
+          </p:nvSpPr>
+          <p:spPr>
+            <a:xfrm>
+              <a:off x="3635896" y="1960643"/>
+              <a:ext cx="864096" cy="720080"/>
+            </a:xfrm>
+            <a:prstGeom prst="diamond">
+              <a:avLst/>
+            </a:prstGeom>
+            <a:noFill/>
+            <a:ln>
+              <a:solidFill>
+                <a:schemeClr val="bg1"/>
+              </a:solidFill>
+            </a:ln>
+          </p:spPr>
+          <p:style>
+            <a:lnRef idx="2">
+              <a:schemeClr val="accent1">
+                <a:shade val="50000"/>
+              </a:schemeClr>
+            </a:lnRef>
+            <a:fillRef idx="1">
+              <a:schemeClr val="accent1"/>
+            </a:fillRef>
+            <a:effectRef idx="0">
+              <a:schemeClr val="accent1"/>
+            </a:effectRef>
+            <a:fontRef idx="minor">
+              <a:schemeClr val="lt1"/>
+            </a:fontRef>
+          </p:style>
+          <p:txBody>
+            <a:bodyPr rtlCol="0" anchor="ctr"/>
+            <a:lstStyle/>
+            <a:p>
+              <a:pPr algn="ctr"/>
+              <a:endParaRPr lang="en-GB"/>
+            </a:p>
+          </p:txBody>
+        </p:sp>
+        <p:sp>
+          <p:nvSpPr>
+            <p:cNvPr id="35" name="TextBox 34">
+              <a:extLst>
+                <a:ext uri="{FF2B5EF4-FFF2-40B4-BE49-F238E27FC236}">
+                  <a16:creationId xmlns:a16="http://schemas.microsoft.com/office/drawing/2014/main" id="{C0B8D8A3-3DA2-48CC-A59F-380E82737B85}"/>
+                </a:ext>
+              </a:extLst>
+            </p:cNvPr>
+            <p:cNvSpPr txBox="1"/>
+            <p:nvPr/>
+          </p:nvSpPr>
+          <p:spPr>
+            <a:xfrm>
+              <a:off x="4644010" y="2137502"/>
+              <a:ext cx="817853" cy="369332"/>
+            </a:xfrm>
+            <a:prstGeom prst="rect">
+              <a:avLst/>
+            </a:prstGeom>
+            <a:noFill/>
+          </p:spPr>
+          <p:txBody>
+            <a:bodyPr wrap="none" rtlCol="0">
+              <a:spAutoFit/>
+            </a:bodyPr>
+            <a:lstStyle/>
+            <a:p>
+              <a:r>
+                <a:rPr lang="en-GB" dirty="0">
+                  <a:solidFill>
+                    <a:schemeClr val="bg1"/>
+                  </a:solidFill>
+                </a:rPr>
+                <a:t>Choice</a:t>
+              </a:r>
+            </a:p>
+          </p:txBody>
+        </p:sp>
+      </p:grpSp>
+      <p:grpSp>
+        <p:nvGrpSpPr>
+          <p:cNvPr id="36" name="Group 35">
+            <a:extLst>
+              <a:ext uri="{FF2B5EF4-FFF2-40B4-BE49-F238E27FC236}">
+                <a16:creationId xmlns:a16="http://schemas.microsoft.com/office/drawing/2014/main" id="{40AAFA73-2D84-4852-AB71-C35CCCB11ABE}"/>
+              </a:ext>
+            </a:extLst>
+          </p:cNvPr>
+          <p:cNvGrpSpPr/>
+          <p:nvPr/>
+        </p:nvGrpSpPr>
+        <p:grpSpPr>
+          <a:xfrm>
+            <a:off x="4917981" y="3924582"/>
+            <a:ext cx="3910514" cy="369332"/>
+            <a:chOff x="1933053" y="5116542"/>
+            <a:chExt cx="3910514" cy="369332"/>
+          </a:xfrm>
+        </p:grpSpPr>
+        <p:sp>
+          <p:nvSpPr>
+            <p:cNvPr id="37" name="Rectangle 36">
+              <a:extLst>
+                <a:ext uri="{FF2B5EF4-FFF2-40B4-BE49-F238E27FC236}">
+                  <a16:creationId xmlns:a16="http://schemas.microsoft.com/office/drawing/2014/main" id="{55558E85-C5F6-4731-AE82-711F7D4DE79E}"/>
+                </a:ext>
+              </a:extLst>
+            </p:cNvPr>
+            <p:cNvSpPr/>
+            <p:nvPr/>
+          </p:nvSpPr>
+          <p:spPr>
+            <a:xfrm>
+              <a:off x="1933053" y="5301208"/>
+              <a:ext cx="2304256" cy="72008"/>
+            </a:xfrm>
+            <a:prstGeom prst="rect">
+              <a:avLst/>
+            </a:prstGeom>
+            <a:solidFill>
+              <a:schemeClr val="tx1"/>
+            </a:solidFill>
+            <a:ln>
+              <a:solidFill>
+                <a:schemeClr val="tx1"/>
+              </a:solidFill>
+            </a:ln>
+          </p:spPr>
+          <p:style>
+            <a:lnRef idx="2">
+              <a:schemeClr val="accent1">
+                <a:shade val="50000"/>
+              </a:schemeClr>
+            </a:lnRef>
+            <a:fillRef idx="1">
+              <a:schemeClr val="accent1"/>
+            </a:fillRef>
+            <a:effectRef idx="0">
+              <a:schemeClr val="accent1"/>
+            </a:effectRef>
+            <a:fontRef idx="minor">
+              <a:schemeClr val="lt1"/>
+            </a:fontRef>
+          </p:style>
+          <p:txBody>
+            <a:bodyPr rtlCol="0" anchor="ctr"/>
+            <a:lstStyle/>
+            <a:p>
+              <a:pPr algn="ctr"/>
+              <a:endParaRPr lang="en-GB"/>
+            </a:p>
+          </p:txBody>
+        </p:sp>
+        <p:sp>
+          <p:nvSpPr>
+            <p:cNvPr id="38" name="TextBox 37">
+              <a:extLst>
+                <a:ext uri="{FF2B5EF4-FFF2-40B4-BE49-F238E27FC236}">
+                  <a16:creationId xmlns:a16="http://schemas.microsoft.com/office/drawing/2014/main" id="{673DABA2-DD84-44ED-BB7C-25BC95A09353}"/>
+                </a:ext>
+              </a:extLst>
+            </p:cNvPr>
+            <p:cNvSpPr txBox="1"/>
+            <p:nvPr/>
+          </p:nvSpPr>
+          <p:spPr>
+            <a:xfrm>
+              <a:off x="4572000" y="5116542"/>
+              <a:ext cx="1271567" cy="369332"/>
+            </a:xfrm>
+            <a:prstGeom prst="rect">
+              <a:avLst/>
+            </a:prstGeom>
+            <a:noFill/>
+          </p:spPr>
+          <p:txBody>
+            <a:bodyPr wrap="none" rtlCol="0">
+              <a:spAutoFit/>
+            </a:bodyPr>
+            <a:lstStyle/>
+            <a:p>
+              <a:r>
+                <a:rPr lang="en-GB" dirty="0">
+                  <a:solidFill>
+                    <a:schemeClr val="bg1"/>
+                  </a:solidFill>
+                </a:rPr>
+                <a:t>Fork or Join</a:t>
+              </a:r>
+            </a:p>
+          </p:txBody>
+        </p:sp>
+      </p:grpSp>
+      <p:grpSp>
+        <p:nvGrpSpPr>
+          <p:cNvPr id="50" name="Group 49">
+            <a:extLst>
+              <a:ext uri="{FF2B5EF4-FFF2-40B4-BE49-F238E27FC236}">
+                <a16:creationId xmlns:a16="http://schemas.microsoft.com/office/drawing/2014/main" id="{70014695-5EC6-4216-AA3C-B591CE4AA30B}"/>
+              </a:ext>
+            </a:extLst>
+          </p:cNvPr>
+          <p:cNvGrpSpPr/>
+          <p:nvPr/>
+        </p:nvGrpSpPr>
+        <p:grpSpPr>
+          <a:xfrm>
+            <a:off x="2555776" y="4976351"/>
+            <a:ext cx="5153260" cy="1540888"/>
+            <a:chOff x="1987455" y="4941434"/>
+            <a:chExt cx="5153260" cy="1540888"/>
+          </a:xfrm>
+        </p:grpSpPr>
+        <p:grpSp>
+          <p:nvGrpSpPr>
+            <p:cNvPr id="39" name="Group 38">
+              <a:extLst>
+                <a:ext uri="{FF2B5EF4-FFF2-40B4-BE49-F238E27FC236}">
+                  <a16:creationId xmlns:a16="http://schemas.microsoft.com/office/drawing/2014/main" id="{C46288E0-E39A-415F-88D0-6A8047620F4D}"/>
+                </a:ext>
+              </a:extLst>
+            </p:cNvPr>
+            <p:cNvGrpSpPr/>
+            <p:nvPr/>
+          </p:nvGrpSpPr>
+          <p:grpSpPr>
+            <a:xfrm>
+              <a:off x="1987455" y="4941434"/>
+              <a:ext cx="5153260" cy="1540888"/>
+              <a:chOff x="5946153" y="1975468"/>
+              <a:chExt cx="2122217" cy="1005884"/>
+            </a:xfrm>
+          </p:grpSpPr>
+          <p:grpSp>
+            <p:nvGrpSpPr>
+              <p:cNvPr id="40" name="Group 39">
+                <a:extLst>
+                  <a:ext uri="{FF2B5EF4-FFF2-40B4-BE49-F238E27FC236}">
+                    <a16:creationId xmlns:a16="http://schemas.microsoft.com/office/drawing/2014/main" id="{4D428703-461A-4761-8449-B2EE1AE8BD2D}"/>
+                  </a:ext>
+                </a:extLst>
+              </p:cNvPr>
+              <p:cNvGrpSpPr/>
+              <p:nvPr/>
+            </p:nvGrpSpPr>
+            <p:grpSpPr>
+              <a:xfrm>
+                <a:off x="5946153" y="1975468"/>
+                <a:ext cx="2122217" cy="1005884"/>
+                <a:chOff x="5906196" y="2186982"/>
+                <a:chExt cx="2122217" cy="459509"/>
+              </a:xfrm>
+            </p:grpSpPr>
+            <p:sp>
+              <p:nvSpPr>
+                <p:cNvPr id="42" name="Rectangle: Rounded Corners 41">
+                  <a:extLst>
+                    <a:ext uri="{FF2B5EF4-FFF2-40B4-BE49-F238E27FC236}">
+                      <a16:creationId xmlns:a16="http://schemas.microsoft.com/office/drawing/2014/main" id="{B0A8D0C8-5ABA-486F-9B06-EE0E01DF9D5F}"/>
+                    </a:ext>
+                  </a:extLst>
+                </p:cNvPr>
+                <p:cNvSpPr/>
+                <p:nvPr/>
+              </p:nvSpPr>
+              <p:spPr>
+                <a:xfrm>
+                  <a:off x="5906196" y="2186982"/>
+                  <a:ext cx="1224136" cy="459509"/>
+                </a:xfrm>
+                <a:prstGeom prst="roundRect">
+                  <a:avLst/>
+                </a:prstGeom>
+                <a:noFill/>
+                <a:ln>
+                  <a:solidFill>
+                    <a:schemeClr val="bg1"/>
+                  </a:solidFill>
+                </a:ln>
+              </p:spPr>
+              <p:style>
+                <a:lnRef idx="2">
+                  <a:schemeClr val="accent1">
+                    <a:shade val="50000"/>
+                  </a:schemeClr>
+                </a:lnRef>
+                <a:fillRef idx="1">
+                  <a:schemeClr val="accent1"/>
+                </a:fillRef>
+                <a:effectRef idx="0">
+                  <a:schemeClr val="accent1"/>
+                </a:effectRef>
+                <a:fontRef idx="minor">
+                  <a:schemeClr val="lt1"/>
+                </a:fontRef>
+              </p:style>
+              <p:txBody>
+                <a:bodyPr rtlCol="0" anchor="ctr"/>
+                <a:lstStyle/>
+                <a:p>
+                  <a:pPr algn="ctr"/>
+                  <a:endParaRPr lang="en-GB"/>
+                </a:p>
+              </p:txBody>
+            </p:sp>
+            <p:sp>
+              <p:nvSpPr>
+                <p:cNvPr id="43" name="TextBox 42">
+                  <a:extLst>
+                    <a:ext uri="{FF2B5EF4-FFF2-40B4-BE49-F238E27FC236}">
+                      <a16:creationId xmlns:a16="http://schemas.microsoft.com/office/drawing/2014/main" id="{A097A3E3-FD90-4858-B085-B45AA0C6666D}"/>
+                    </a:ext>
+                  </a:extLst>
+                </p:cNvPr>
+                <p:cNvSpPr txBox="1"/>
+                <p:nvPr/>
+              </p:nvSpPr>
+              <p:spPr>
+                <a:xfrm>
+                  <a:off x="7162168" y="2389867"/>
+                  <a:ext cx="866245" cy="110139"/>
+                </a:xfrm>
+                <a:prstGeom prst="rect">
+                  <a:avLst/>
+                </a:prstGeom>
+                <a:noFill/>
+              </p:spPr>
+              <p:txBody>
+                <a:bodyPr wrap="none" rtlCol="0">
+                  <a:spAutoFit/>
+                </a:bodyPr>
+                <a:lstStyle/>
+                <a:p>
+                  <a:r>
+                    <a:rPr lang="en-GB" dirty="0">
+                      <a:solidFill>
+                        <a:schemeClr val="bg1"/>
+                      </a:solidFill>
+                    </a:rPr>
+                    <a:t>Composite State</a:t>
+                  </a:r>
+                </a:p>
+              </p:txBody>
+            </p:sp>
+          </p:grpSp>
+          <p:cxnSp>
+            <p:nvCxnSpPr>
+              <p:cNvPr id="41" name="Straight Connector 40">
+                <a:extLst>
+                  <a:ext uri="{FF2B5EF4-FFF2-40B4-BE49-F238E27FC236}">
+                    <a16:creationId xmlns:a16="http://schemas.microsoft.com/office/drawing/2014/main" id="{5F7D0CC0-B8E0-4DFE-BD4C-8F4C215C951B}"/>
+                  </a:ext>
+                </a:extLst>
+              </p:cNvPr>
+              <p:cNvCxnSpPr>
+                <a:cxnSpLocks/>
+              </p:cNvCxnSpPr>
+              <p:nvPr/>
+            </p:nvCxnSpPr>
+            <p:spPr>
+              <a:xfrm>
+                <a:off x="5946153" y="2280891"/>
+                <a:ext cx="1224136" cy="0"/>
+              </a:xfrm>
+              <a:prstGeom prst="line">
+                <a:avLst/>
+              </a:prstGeom>
+              <a:ln w="25400" cmpd="sng">
+                <a:solidFill>
+                  <a:schemeClr val="bg1"/>
+                </a:solidFill>
+              </a:ln>
+            </p:spPr>
+            <p:style>
+              <a:lnRef idx="1">
+                <a:schemeClr val="accent1"/>
+              </a:lnRef>
+              <a:fillRef idx="0">
+                <a:schemeClr val="accent1"/>
+              </a:fillRef>
+              <a:effectRef idx="0">
+                <a:schemeClr val="accent1"/>
+              </a:effectRef>
+              <a:fontRef idx="minor">
+                <a:schemeClr val="tx1"/>
+              </a:fontRef>
+            </p:style>
+          </p:cxnSp>
+        </p:grpSp>
+        <p:sp>
+          <p:nvSpPr>
+            <p:cNvPr id="44" name="Oval 43">
+              <a:extLst>
+                <a:ext uri="{FF2B5EF4-FFF2-40B4-BE49-F238E27FC236}">
+                  <a16:creationId xmlns:a16="http://schemas.microsoft.com/office/drawing/2014/main" id="{80A60321-F7D9-4F5C-B84D-C748E83D38F0}"/>
+                </a:ext>
+              </a:extLst>
+            </p:cNvPr>
+            <p:cNvSpPr/>
+            <p:nvPr/>
+          </p:nvSpPr>
+          <p:spPr>
+            <a:xfrm>
+              <a:off x="2113491" y="5621777"/>
+              <a:ext cx="216024" cy="216024"/>
+            </a:xfrm>
+            <a:prstGeom prst="ellipse">
+              <a:avLst/>
+            </a:prstGeom>
+            <a:solidFill>
+              <a:schemeClr val="tx1"/>
+            </a:solidFill>
+            <a:ln>
+              <a:solidFill>
+                <a:schemeClr val="tx1"/>
+              </a:solidFill>
+            </a:ln>
+          </p:spPr>
+          <p:style>
+            <a:lnRef idx="2">
+              <a:schemeClr val="accent1">
+                <a:shade val="50000"/>
+              </a:schemeClr>
+            </a:lnRef>
+            <a:fillRef idx="1">
+              <a:schemeClr val="accent1"/>
+            </a:fillRef>
+            <a:effectRef idx="0">
+              <a:schemeClr val="accent1"/>
+            </a:effectRef>
+            <a:fontRef idx="minor">
+              <a:schemeClr val="lt1"/>
+            </a:fontRef>
+          </p:style>
+          <p:txBody>
+            <a:bodyPr rtlCol="0" anchor="ctr"/>
+            <a:lstStyle/>
+            <a:p>
+              <a:pPr algn="ctr"/>
+              <a:endParaRPr lang="en-GB"/>
+            </a:p>
+          </p:txBody>
+        </p:sp>
+        <p:sp>
+          <p:nvSpPr>
+            <p:cNvPr id="46" name="Rectangle: Rounded Corners 45">
+              <a:extLst>
+                <a:ext uri="{FF2B5EF4-FFF2-40B4-BE49-F238E27FC236}">
+                  <a16:creationId xmlns:a16="http://schemas.microsoft.com/office/drawing/2014/main" id="{CAAC74FC-6406-4B60-B59C-D6F7226BD4D4}"/>
+                </a:ext>
+              </a:extLst>
+            </p:cNvPr>
+            <p:cNvSpPr/>
+            <p:nvPr/>
+          </p:nvSpPr>
+          <p:spPr>
+            <a:xfrm>
+              <a:off x="2411760" y="5939728"/>
+              <a:ext cx="761738" cy="459509"/>
+            </a:xfrm>
+            <a:prstGeom prst="roundRect">
+              <a:avLst/>
+            </a:prstGeom>
+            <a:noFill/>
+            <a:ln>
+              <a:solidFill>
+                <a:schemeClr val="bg1"/>
+              </a:solidFill>
+            </a:ln>
+          </p:spPr>
+          <p:style>
+            <a:lnRef idx="2">
+              <a:schemeClr val="accent1">
+                <a:shade val="50000"/>
+              </a:schemeClr>
+            </a:lnRef>
+            <a:fillRef idx="1">
+              <a:schemeClr val="accent1"/>
+            </a:fillRef>
+            <a:effectRef idx="0">
+              <a:schemeClr val="accent1"/>
+            </a:effectRef>
+            <a:fontRef idx="minor">
+              <a:schemeClr val="lt1"/>
+            </a:fontRef>
+          </p:style>
+          <p:txBody>
+            <a:bodyPr rtlCol="0" anchor="ctr"/>
+            <a:lstStyle/>
+            <a:p>
+              <a:pPr algn="ctr"/>
+              <a:endParaRPr lang="en-GB" dirty="0"/>
+            </a:p>
+          </p:txBody>
+        </p:sp>
+        <p:sp>
+          <p:nvSpPr>
+            <p:cNvPr id="47" name="Rectangle: Rounded Corners 46">
+              <a:extLst>
+                <a:ext uri="{FF2B5EF4-FFF2-40B4-BE49-F238E27FC236}">
+                  <a16:creationId xmlns:a16="http://schemas.microsoft.com/office/drawing/2014/main" id="{8AD2A148-24CF-497A-85BA-C0F6C239C9A6}"/>
+                </a:ext>
+              </a:extLst>
+            </p:cNvPr>
+            <p:cNvSpPr/>
+            <p:nvPr/>
+          </p:nvSpPr>
+          <p:spPr>
+            <a:xfrm>
+              <a:off x="3623377" y="5941449"/>
+              <a:ext cx="761738" cy="459509"/>
+            </a:xfrm>
+            <a:prstGeom prst="roundRect">
+              <a:avLst/>
+            </a:prstGeom>
+            <a:noFill/>
+            <a:ln>
+              <a:solidFill>
+                <a:schemeClr val="bg1"/>
+              </a:solidFill>
+            </a:ln>
+          </p:spPr>
+          <p:style>
+            <a:lnRef idx="2">
+              <a:schemeClr val="accent1">
+                <a:shade val="50000"/>
+              </a:schemeClr>
+            </a:lnRef>
+            <a:fillRef idx="1">
+              <a:schemeClr val="accent1"/>
+            </a:fillRef>
+            <a:effectRef idx="0">
+              <a:schemeClr val="accent1"/>
+            </a:effectRef>
+            <a:fontRef idx="minor">
+              <a:schemeClr val="lt1"/>
+            </a:fontRef>
+          </p:style>
+          <p:txBody>
+            <a:bodyPr rtlCol="0" anchor="ctr"/>
+            <a:lstStyle/>
+            <a:p>
+              <a:pPr algn="ctr"/>
+              <a:endParaRPr lang="en-GB" dirty="0"/>
+            </a:p>
+          </p:txBody>
+        </p:sp>
+        <p:sp>
+          <p:nvSpPr>
+            <p:cNvPr id="48" name="Oval 47">
+              <a:extLst>
+                <a:ext uri="{FF2B5EF4-FFF2-40B4-BE49-F238E27FC236}">
+                  <a16:creationId xmlns:a16="http://schemas.microsoft.com/office/drawing/2014/main" id="{E5EA4F4F-145F-4527-BE10-6A083AC8A982}"/>
+                </a:ext>
+              </a:extLst>
+            </p:cNvPr>
+            <p:cNvSpPr/>
+            <p:nvPr/>
+          </p:nvSpPr>
+          <p:spPr>
+            <a:xfrm>
+              <a:off x="4619642" y="5661151"/>
+              <a:ext cx="216024" cy="216024"/>
+            </a:xfrm>
+            <a:prstGeom prst="ellipse">
+              <a:avLst/>
+            </a:prstGeom>
+            <a:solidFill>
+              <a:schemeClr val="tx1"/>
+            </a:solidFill>
+            <a:ln>
+              <a:solidFill>
+                <a:schemeClr val="bg1"/>
+              </a:solidFill>
+            </a:ln>
+          </p:spPr>
+          <p:style>
+            <a:lnRef idx="2">
+              <a:schemeClr val="accent1">
+                <a:shade val="50000"/>
+              </a:schemeClr>
+            </a:lnRef>
+            <a:fillRef idx="1">
+              <a:schemeClr val="accent1"/>
+            </a:fillRef>
+            <a:effectRef idx="0">
+              <a:schemeClr val="accent1"/>
+            </a:effectRef>
+            <a:fontRef idx="minor">
+              <a:schemeClr val="lt1"/>
+            </a:fontRef>
+          </p:style>
+          <p:txBody>
+            <a:bodyPr rtlCol="0" anchor="ctr"/>
+            <a:lstStyle/>
+            <a:p>
+              <a:pPr algn="ctr"/>
+              <a:endParaRPr lang="en-GB"/>
+            </a:p>
+          </p:txBody>
+        </p:sp>
+        <p:cxnSp>
+          <p:nvCxnSpPr>
+            <p:cNvPr id="11" name="Straight Arrow Connector 10">
+              <a:extLst>
+                <a:ext uri="{FF2B5EF4-FFF2-40B4-BE49-F238E27FC236}">
+                  <a16:creationId xmlns:a16="http://schemas.microsoft.com/office/drawing/2014/main" id="{8AF6F236-1646-4835-9F53-2D08EA5E9E9B}"/>
+                </a:ext>
+              </a:extLst>
+            </p:cNvPr>
+            <p:cNvCxnSpPr>
+              <a:cxnSpLocks/>
+              <a:stCxn id="44" idx="4"/>
+              <a:endCxn id="46" idx="1"/>
+            </p:cNvCxnSpPr>
+            <p:nvPr/>
+          </p:nvCxnSpPr>
+          <p:spPr>
+            <a:xfrm>
+              <a:off x="2221503" y="5837801"/>
+              <a:ext cx="190257" cy="331682"/>
+            </a:xfrm>
+            <a:prstGeom prst="straightConnector1">
+              <a:avLst/>
+            </a:prstGeom>
+            <a:ln>
+              <a:solidFill>
+                <a:schemeClr val="bg1"/>
+              </a:solidFill>
+              <a:tailEnd type="triangle"/>
+            </a:ln>
+          </p:spPr>
+          <p:style>
+            <a:lnRef idx="1">
+              <a:schemeClr val="accent1"/>
+            </a:lnRef>
+            <a:fillRef idx="0">
+              <a:schemeClr val="accent1"/>
+            </a:fillRef>
+            <a:effectRef idx="0">
+              <a:schemeClr val="accent1"/>
+            </a:effectRef>
+            <a:fontRef idx="minor">
+              <a:schemeClr val="tx1"/>
+            </a:fontRef>
+          </p:style>
+        </p:cxnSp>
+        <p:cxnSp>
+          <p:nvCxnSpPr>
+            <p:cNvPr id="13" name="Straight Arrow Connector 12">
+              <a:extLst>
+                <a:ext uri="{FF2B5EF4-FFF2-40B4-BE49-F238E27FC236}">
+                  <a16:creationId xmlns:a16="http://schemas.microsoft.com/office/drawing/2014/main" id="{1216F6C5-FB2A-4624-BF18-1950894F39FE}"/>
+                </a:ext>
+              </a:extLst>
+            </p:cNvPr>
+            <p:cNvCxnSpPr>
+              <a:stCxn id="46" idx="3"/>
+              <a:endCxn id="47" idx="1"/>
+            </p:cNvCxnSpPr>
+            <p:nvPr/>
+          </p:nvCxnSpPr>
+          <p:spPr>
+            <a:xfrm>
+              <a:off x="3173498" y="6169483"/>
+              <a:ext cx="449879" cy="1721"/>
+            </a:xfrm>
+            <a:prstGeom prst="straightConnector1">
+              <a:avLst/>
+            </a:prstGeom>
+            <a:ln>
+              <a:solidFill>
+                <a:schemeClr val="bg1"/>
+              </a:solidFill>
+              <a:tailEnd type="triangle"/>
+            </a:ln>
+          </p:spPr>
+          <p:style>
+            <a:lnRef idx="1">
+              <a:schemeClr val="accent1"/>
+            </a:lnRef>
+            <a:fillRef idx="0">
+              <a:schemeClr val="accent1"/>
+            </a:fillRef>
+            <a:effectRef idx="0">
+              <a:schemeClr val="accent1"/>
+            </a:effectRef>
+            <a:fontRef idx="minor">
+              <a:schemeClr val="tx1"/>
+            </a:fontRef>
+          </p:style>
+        </p:cxnSp>
+        <p:cxnSp>
+          <p:nvCxnSpPr>
+            <p:cNvPr id="15" name="Straight Arrow Connector 14">
+              <a:extLst>
+                <a:ext uri="{FF2B5EF4-FFF2-40B4-BE49-F238E27FC236}">
+                  <a16:creationId xmlns:a16="http://schemas.microsoft.com/office/drawing/2014/main" id="{DCFE724D-3EB8-4FCF-A1DF-84C7386FA9BB}"/>
+                </a:ext>
+              </a:extLst>
+            </p:cNvPr>
+            <p:cNvCxnSpPr>
+              <a:stCxn id="47" idx="3"/>
+              <a:endCxn id="48" idx="4"/>
+            </p:cNvCxnSpPr>
+            <p:nvPr/>
+          </p:nvCxnSpPr>
+          <p:spPr>
+            <a:xfrm flipV="1">
+              <a:off x="4385115" y="5877175"/>
+              <a:ext cx="342539" cy="294029"/>
+            </a:xfrm>
+            <a:prstGeom prst="straightConnector1">
+              <a:avLst/>
+            </a:prstGeom>
+            <a:ln>
+              <a:solidFill>
+                <a:schemeClr val="bg1"/>
+              </a:solidFill>
+              <a:tailEnd type="triangle"/>
+            </a:ln>
+          </p:spPr>
+          <p:style>
+            <a:lnRef idx="1">
+              <a:schemeClr val="accent1"/>
+            </a:lnRef>
+            <a:fillRef idx="0">
+              <a:schemeClr val="accent1"/>
+            </a:fillRef>
+            <a:effectRef idx="0">
+              <a:schemeClr val="accent1"/>
+            </a:effectRef>
+            <a:fontRef idx="minor">
+              <a:schemeClr val="tx1"/>
+            </a:fontRef>
+          </p:style>
+        </p:cxnSp>
+      </p:grpSp>
+    </p:spTree>
+    <p:extLst>
+      <p:ext uri="{BB962C8B-B14F-4D97-AF65-F5344CB8AC3E}">
+        <p14:creationId xmlns:p14="http://schemas.microsoft.com/office/powerpoint/2010/main" val="3103603046"/>
+      </p:ext>
+    </p:extLst>
+  </p:cSld>
+  <p:clrMapOvr>
+    <a:masterClrMapping/>
+  </p:clrMapOvr>
+</p:sld>
+</file>
+
+<file path=ppt/slides/slide18.xml><?xml version="1.0" encoding="utf-8"?>
+<p:sld xmlns:a="http://schemas.openxmlformats.org/drawingml/2006/main" xmlns:r="http://schemas.openxmlformats.org/officeDocument/2006/relationships" xmlns:p="http://schemas.openxmlformats.org/presentationml/2006/main">
+  <p:cSld>
+    <p:spTree>
+      <p:nvGrpSpPr>
+        <p:cNvPr id="1" name=""/>
+        <p:cNvGrpSpPr/>
+        <p:nvPr/>
+      </p:nvGrpSpPr>
+      <p:grpSpPr>
+        <a:xfrm>
+          <a:off x="0" y="0"/>
+          <a:ext cx="0" cy="0"/>
+          <a:chOff x="0" y="0"/>
+          <a:chExt cx="0" cy="0"/>
+        </a:xfrm>
+      </p:grpSpPr>
+      <p:sp>
+        <p:nvSpPr>
+          <p:cNvPr id="2" name="Title 1">
+            <a:extLst>
+              <a:ext uri="{FF2B5EF4-FFF2-40B4-BE49-F238E27FC236}">
+                <a16:creationId xmlns:a16="http://schemas.microsoft.com/office/drawing/2014/main" id="{DA1EABA9-ECE4-ED45-96AD-D11605468DF1}"/>
+              </a:ext>
+            </a:extLst>
+          </p:cNvPr>
+          <p:cNvSpPr>
+            <a:spLocks noGrp="1"/>
+          </p:cNvSpPr>
+          <p:nvPr>
+            <p:ph type="title"/>
+          </p:nvPr>
+        </p:nvSpPr>
+        <p:spPr>
+          <a:xfrm>
+            <a:off x="457200" y="548680"/>
+            <a:ext cx="8229600" cy="634082"/>
+          </a:xfrm>
+        </p:spPr>
+        <p:txBody>
+          <a:bodyPr/>
+          <a:lstStyle/>
+          <a:p>
+            <a:r>
+              <a:rPr lang="en-GB" sz="4000" dirty="0">
+                <a:solidFill>
+                  <a:srgbClr val="FFFFFF"/>
+                </a:solidFill>
+                <a:latin typeface="URWGothicL"/>
+              </a:rPr>
+              <a:t>State Diagram</a:t>
+            </a:r>
+            <a:endParaRPr lang="en-US" sz="4000" dirty="0"/>
+          </a:p>
+        </p:txBody>
+      </p:sp>
+      <p:pic>
+        <p:nvPicPr>
+          <p:cNvPr id="5" name="Picture 4" descr="A picture containing photo, light, sitting&#10;&#10;Description automatically generated">
+            <a:extLst>
+              <a:ext uri="{FF2B5EF4-FFF2-40B4-BE49-F238E27FC236}">
+                <a16:creationId xmlns:a16="http://schemas.microsoft.com/office/drawing/2014/main" id="{E0492C76-86E5-467A-BADE-6FF154E7E108}"/>
+              </a:ext>
+            </a:extLst>
+          </p:cNvPr>
+          <p:cNvPicPr>
+            <a:picLocks noChangeAspect="1"/>
+          </p:cNvPicPr>
+          <p:nvPr/>
+        </p:nvPicPr>
+        <p:blipFill>
+          <a:blip r:embed="rId2">
+            <a:extLst>
+              <a:ext uri="{28A0092B-C50C-407E-A947-70E740481C1C}">
+                <a14:useLocalDpi xmlns:a14="http://schemas.microsoft.com/office/drawing/2010/main" val="0"/>
+              </a:ext>
+            </a:extLst>
+          </a:blip>
+          <a:stretch>
+            <a:fillRect/>
+          </a:stretch>
+        </p:blipFill>
+        <p:spPr>
+          <a:xfrm>
+            <a:off x="1583668" y="1590500"/>
+            <a:ext cx="5976664" cy="4718820"/>
+          </a:xfrm>
+          <a:prstGeom prst="rect">
+            <a:avLst/>
+          </a:prstGeom>
+        </p:spPr>
+      </p:pic>
+    </p:spTree>
+    <p:extLst>
+      <p:ext uri="{BB962C8B-B14F-4D97-AF65-F5344CB8AC3E}">
+        <p14:creationId xmlns:p14="http://schemas.microsoft.com/office/powerpoint/2010/main" val="656589810"/>
+      </p:ext>
+    </p:extLst>
+  </p:cSld>
+  <p:clrMapOvr>
+    <a:masterClrMapping/>
+  </p:clrMapOvr>
+</p:sld>
+</file>
+
+<file path=ppt/slides/slide19.xml><?xml version="1.0" encoding="utf-8"?>
+<p:sld xmlns:a="http://schemas.openxmlformats.org/drawingml/2006/main" xmlns:r="http://schemas.openxmlformats.org/officeDocument/2006/relationships" xmlns:p="http://schemas.openxmlformats.org/presentationml/2006/main">
+  <p:cSld>
+    <p:spTree>
+      <p:nvGrpSpPr>
+        <p:cNvPr id="1" name=""/>
+        <p:cNvGrpSpPr/>
+        <p:nvPr/>
+      </p:nvGrpSpPr>
+      <p:grpSpPr>
+        <a:xfrm>
+          <a:off x="0" y="0"/>
+          <a:ext cx="0" cy="0"/>
+          <a:chOff x="0" y="0"/>
+          <a:chExt cx="0" cy="0"/>
+        </a:xfrm>
+      </p:grpSpPr>
+      <p:sp>
+        <p:nvSpPr>
+          <p:cNvPr id="2" name="Title 1">
+            <a:extLst>
+              <a:ext uri="{FF2B5EF4-FFF2-40B4-BE49-F238E27FC236}">
+                <a16:creationId xmlns:a16="http://schemas.microsoft.com/office/drawing/2014/main" id="{DA1EABA9-ECE4-ED45-96AD-D11605468DF1}"/>
+              </a:ext>
+            </a:extLst>
+          </p:cNvPr>
+          <p:cNvSpPr>
+            <a:spLocks noGrp="1"/>
+          </p:cNvSpPr>
+          <p:nvPr>
+            <p:ph type="title"/>
+          </p:nvPr>
+        </p:nvSpPr>
+        <p:spPr>
+          <a:xfrm>
+            <a:off x="457200" y="548680"/>
+            <a:ext cx="8229600" cy="634082"/>
+          </a:xfrm>
+        </p:spPr>
+        <p:txBody>
+          <a:bodyPr/>
+          <a:lstStyle/>
+          <a:p>
+            <a:r>
+              <a:rPr lang="en-GB" sz="4000" dirty="0">
+                <a:solidFill>
+                  <a:srgbClr val="FFFFFF"/>
+                </a:solidFill>
+                <a:latin typeface="URWGothicL"/>
+              </a:rPr>
+              <a:t>State Diagram – Class Exercise</a:t>
+            </a:r>
+            <a:endParaRPr lang="en-US" sz="4000" dirty="0"/>
+          </a:p>
+        </p:txBody>
+      </p:sp>
+      <p:sp>
+        <p:nvSpPr>
+          <p:cNvPr id="4" name="Content Placeholder 2">
+            <a:extLst>
+              <a:ext uri="{FF2B5EF4-FFF2-40B4-BE49-F238E27FC236}">
+                <a16:creationId xmlns:a16="http://schemas.microsoft.com/office/drawing/2014/main" id="{91E010A1-AA21-4264-82B2-F075E362A254}"/>
+              </a:ext>
+            </a:extLst>
+          </p:cNvPr>
+          <p:cNvSpPr>
+            <a:spLocks noGrp="1"/>
+          </p:cNvSpPr>
+          <p:nvPr>
+            <p:ph idx="1"/>
+          </p:nvPr>
+        </p:nvSpPr>
+        <p:spPr>
+          <a:xfrm>
+            <a:off x="457200" y="1484785"/>
+            <a:ext cx="8229600" cy="1296143"/>
+          </a:xfrm>
+        </p:spPr>
+        <p:txBody>
+          <a:bodyPr anchor="ctr">
+            <a:normAutofit/>
+          </a:bodyPr>
+          <a:lstStyle/>
+          <a:p>
+            <a:r>
+              <a:rPr lang="en-GB" sz="3200" dirty="0">
+                <a:effectLst/>
+              </a:rPr>
+              <a:t>Watch the following video</a:t>
+            </a:r>
+          </a:p>
+          <a:p>
+            <a:endParaRPr lang="en-GB" sz="3200" dirty="0">
+              <a:effectLst/>
+            </a:endParaRPr>
+          </a:p>
+        </p:txBody>
+      </p:sp>
+      <p:pic>
+        <p:nvPicPr>
+          <p:cNvPr id="3" name="Online Media 2" title="Dark Souls 3 Cathedral Grave Warden Strategies (Read Description)">
+            <a:hlinkClick r:id="" action="ppaction://media"/>
+            <a:extLst>
+              <a:ext uri="{FF2B5EF4-FFF2-40B4-BE49-F238E27FC236}">
+                <a16:creationId xmlns:a16="http://schemas.microsoft.com/office/drawing/2014/main" id="{0BFE5B60-5E61-44F4-ACE3-C5016A7686F8}"/>
+              </a:ext>
+            </a:extLst>
+          </p:cNvPr>
+          <p:cNvPicPr>
+            <a:picLocks noRot="1" noChangeAspect="1"/>
+          </p:cNvPicPr>
+          <p:nvPr>
+            <a:videoFile r:link="rId1"/>
+          </p:nvPr>
+        </p:nvPicPr>
+        <p:blipFill>
+          <a:blip r:embed="rId3"/>
+          <a:stretch>
+            <a:fillRect/>
+          </a:stretch>
+        </p:blipFill>
+        <p:spPr>
+          <a:xfrm>
+            <a:off x="1524000" y="2564904"/>
+            <a:ext cx="6096000" cy="3429000"/>
+          </a:xfrm>
+          <a:prstGeom prst="rect">
+            <a:avLst/>
+          </a:prstGeom>
+        </p:spPr>
+      </p:pic>
+    </p:spTree>
+    <p:extLst>
+      <p:ext uri="{BB962C8B-B14F-4D97-AF65-F5344CB8AC3E}">
+        <p14:creationId xmlns:p14="http://schemas.microsoft.com/office/powerpoint/2010/main" val="909861654"/>
+      </p:ext>
+    </p:extLst>
+  </p:cSld>
+  <p:clrMapOvr>
+    <a:masterClrMapping/>
+  </p:clrMapOvr>
+  <p:timing>
+    <p:tnLst>
+      <p:par>
+        <p:cTn id="1" dur="indefinite" restart="never" nodeType="tmRoot">
+          <p:childTnLst>
+            <p:seq concurrent="1" nextAc="seek">
+              <p:cTn id="2" dur="indefinite" nodeType="mainSeq">
+                <p:childTnLst>
+                  <p:par>
+                    <p:cTn id="3" fill="hold">
+                      <p:stCondLst>
+                        <p:cond delay="indefinite"/>
+                      </p:stCondLst>
+                      <p:childTnLst>
+                        <p:par>
+                          <p:cTn id="4" fill="hold">
+                            <p:stCondLst>
+                              <p:cond delay="0"/>
+                            </p:stCondLst>
+                            <p:childTnLst>
+                              <p:par>
+                                <p:cTn id="5" presetID="1" presetClass="mediacall" presetSubtype="0" fill="hold" nodeType="clickEffect">
+                                  <p:stCondLst>
+                                    <p:cond delay="0"/>
+                                  </p:stCondLst>
+                                  <p:childTnLst>
+                                    <p:cmd type="call" cmd="playFrom(0.0)">
+                                      <p:cBhvr>
+                                        <p:cTn id="6" dur="1" fill="hold"/>
+                                        <p:tgtEl>
+                                          <p:spTgt spid="3"/>
+                                        </p:tgtEl>
+                                      </p:cBhvr>
+                                    </p:cmd>
+                                  </p:childTnLst>
+                                </p:cTn>
+                              </p:par>
+                            </p:childTnLst>
+                          </p:cTn>
+                        </p:par>
+                      </p:childTnLst>
+                    </p:cTn>
+                  </p:par>
+                </p:childTnLst>
+              </p:cTn>
+              <p:prevCondLst>
+                <p:cond evt="onPrev" delay="0">
+                  <p:tgtEl>
+                    <p:sldTgt/>
+                  </p:tgtEl>
+                </p:cond>
+              </p:prevCondLst>
+              <p:nextCondLst>
+                <p:cond evt="onNext" delay="0">
+                  <p:tgtEl>
+                    <p:sldTgt/>
+                  </p:tgtEl>
+                </p:cond>
+              </p:nextCondLst>
+            </p:seq>
+            <p:video>
+              <p:cMediaNode vol="80000">
+                <p:cTn id="7" fill="hold" display="0">
+                  <p:stCondLst>
+                    <p:cond delay="indefinite"/>
+                  </p:stCondLst>
+                </p:cTn>
+                <p:tgtEl>
+                  <p:spTgt spid="3"/>
+                </p:tgtEl>
+              </p:cMediaNode>
+            </p:video>
+            <p:seq concurrent="1" nextAc="seek">
+              <p:cTn id="8" restart="whenNotActive" fill="hold" evtFilter="cancelBubble" nodeType="interactiveSeq">
+                <p:stCondLst>
+                  <p:cond evt="onClick" delay="0">
+                    <p:tgtEl>
+                      <p:spTgt spid="3"/>
+                    </p:tgtEl>
+                  </p:cond>
+                </p:stCondLst>
+                <p:endSync evt="end" delay="0">
+                  <p:rtn val="all"/>
+                </p:endSync>
+                <p:childTnLst>
+                  <p:par>
+                    <p:cTn id="9" fill="hold">
+                      <p:stCondLst>
+                        <p:cond delay="0"/>
+                      </p:stCondLst>
+                      <p:childTnLst>
+                        <p:par>
+                          <p:cTn id="10" fill="hold">
+                            <p:stCondLst>
+                              <p:cond delay="0"/>
+                            </p:stCondLst>
+                            <p:childTnLst>
+                              <p:par>
+                                <p:cTn id="11" presetID="2" presetClass="mediacall" presetSubtype="0" fill="hold" nodeType="clickEffect">
+                                  <p:stCondLst>
+                                    <p:cond delay="0"/>
+                                  </p:stCondLst>
+                                  <p:childTnLst>
+                                    <p:cmd type="call" cmd="togglePause">
+                                      <p:cBhvr>
+                                        <p:cTn id="12" dur="1" fill="hold"/>
+                                        <p:tgtEl>
+                                          <p:spTgt spid="3"/>
+                                        </p:tgtEl>
+                                      </p:cBhvr>
+                                    </p:cmd>
+                                  </p:childTnLst>
+                                </p:cTn>
+                              </p:par>
+                            </p:childTnLst>
+                          </p:cTn>
+                        </p:par>
+                      </p:childTnLst>
+                    </p:cTn>
+                  </p:par>
+                </p:childTnLst>
+              </p:cTn>
+              <p:nextCondLst>
+                <p:cond evt="onClick" delay="0">
+                  <p:tgtEl>
+                    <p:spTgt spid="3"/>
+                  </p:tgtEl>
+                </p:cond>
+              </p:nextCondLst>
+            </p:seq>
+          </p:childTnLst>
+        </p:cTn>
+      </p:par>
+    </p:tnLst>
+  </p:timing>
 </p:sld>
 </file>
 
@@ -4775,6 +7905,1675 @@
     <p:extLst>
       <p:ext uri="{BB962C8B-B14F-4D97-AF65-F5344CB8AC3E}">
         <p14:creationId xmlns:p14="http://schemas.microsoft.com/office/powerpoint/2010/main" val="3734059172"/>
+      </p:ext>
+    </p:extLst>
+  </p:cSld>
+  <p:clrMapOvr>
+    <a:masterClrMapping/>
+  </p:clrMapOvr>
+</p:sld>
+</file>
+
+<file path=ppt/slides/slide20.xml><?xml version="1.0" encoding="utf-8"?>
+<p:sld xmlns:a="http://schemas.openxmlformats.org/drawingml/2006/main" xmlns:r="http://schemas.openxmlformats.org/officeDocument/2006/relationships" xmlns:p="http://schemas.openxmlformats.org/presentationml/2006/main">
+  <p:cSld>
+    <p:spTree>
+      <p:nvGrpSpPr>
+        <p:cNvPr id="1" name=""/>
+        <p:cNvGrpSpPr/>
+        <p:nvPr/>
+      </p:nvGrpSpPr>
+      <p:grpSpPr>
+        <a:xfrm>
+          <a:off x="0" y="0"/>
+          <a:ext cx="0" cy="0"/>
+          <a:chOff x="0" y="0"/>
+          <a:chExt cx="0" cy="0"/>
+        </a:xfrm>
+      </p:grpSpPr>
+      <p:sp>
+        <p:nvSpPr>
+          <p:cNvPr id="2" name="Title 1">
+            <a:extLst>
+              <a:ext uri="{FF2B5EF4-FFF2-40B4-BE49-F238E27FC236}">
+                <a16:creationId xmlns:a16="http://schemas.microsoft.com/office/drawing/2014/main" id="{DA1EABA9-ECE4-ED45-96AD-D11605468DF1}"/>
+              </a:ext>
+            </a:extLst>
+          </p:cNvPr>
+          <p:cNvSpPr>
+            <a:spLocks noGrp="1"/>
+          </p:cNvSpPr>
+          <p:nvPr>
+            <p:ph type="title"/>
+          </p:nvPr>
+        </p:nvSpPr>
+        <p:spPr>
+          <a:xfrm>
+            <a:off x="457200" y="548680"/>
+            <a:ext cx="8229600" cy="634082"/>
+          </a:xfrm>
+        </p:spPr>
+        <p:txBody>
+          <a:bodyPr/>
+          <a:lstStyle/>
+          <a:p>
+            <a:r>
+              <a:rPr lang="en-GB" sz="4000" dirty="0">
+                <a:solidFill>
+                  <a:srgbClr val="FFFFFF"/>
+                </a:solidFill>
+                <a:latin typeface="URWGothicL"/>
+              </a:rPr>
+              <a:t>State Diagram – Class Exercise</a:t>
+            </a:r>
+            <a:endParaRPr lang="en-US" sz="4000" dirty="0"/>
+          </a:p>
+        </p:txBody>
+      </p:sp>
+      <p:sp>
+        <p:nvSpPr>
+          <p:cNvPr id="4" name="Content Placeholder 2">
+            <a:extLst>
+              <a:ext uri="{FF2B5EF4-FFF2-40B4-BE49-F238E27FC236}">
+                <a16:creationId xmlns:a16="http://schemas.microsoft.com/office/drawing/2014/main" id="{91E010A1-AA21-4264-82B2-F075E362A254}"/>
+              </a:ext>
+            </a:extLst>
+          </p:cNvPr>
+          <p:cNvSpPr>
+            <a:spLocks noGrp="1"/>
+          </p:cNvSpPr>
+          <p:nvPr>
+            <p:ph idx="1"/>
+          </p:nvPr>
+        </p:nvSpPr>
+        <p:spPr>
+          <a:xfrm>
+            <a:off x="457200" y="1484784"/>
+            <a:ext cx="8229600" cy="5217443"/>
+          </a:xfrm>
+        </p:spPr>
+        <p:txBody>
+          <a:bodyPr anchor="ctr">
+            <a:normAutofit/>
+          </a:bodyPr>
+          <a:lstStyle/>
+          <a:p>
+            <a:r>
+              <a:rPr lang="en-GB" b="1" dirty="0"/>
+              <a:t>Identify the States of the Cathedral Grave Warden</a:t>
+            </a:r>
+          </a:p>
+          <a:p>
+            <a:endParaRPr lang="en-GB" sz="3200" dirty="0">
+              <a:effectLst/>
+            </a:endParaRPr>
+          </a:p>
+        </p:txBody>
+      </p:sp>
+    </p:spTree>
+    <p:extLst>
+      <p:ext uri="{BB962C8B-B14F-4D97-AF65-F5344CB8AC3E}">
+        <p14:creationId xmlns:p14="http://schemas.microsoft.com/office/powerpoint/2010/main" val="2841252965"/>
+      </p:ext>
+    </p:extLst>
+  </p:cSld>
+  <p:clrMapOvr>
+    <a:masterClrMapping/>
+  </p:clrMapOvr>
+</p:sld>
+</file>
+
+<file path=ppt/slides/slide21.xml><?xml version="1.0" encoding="utf-8"?>
+<p:sld xmlns:a="http://schemas.openxmlformats.org/drawingml/2006/main" xmlns:r="http://schemas.openxmlformats.org/officeDocument/2006/relationships" xmlns:p="http://schemas.openxmlformats.org/presentationml/2006/main">
+  <p:cSld>
+    <p:spTree>
+      <p:nvGrpSpPr>
+        <p:cNvPr id="1" name=""/>
+        <p:cNvGrpSpPr/>
+        <p:nvPr/>
+      </p:nvGrpSpPr>
+      <p:grpSpPr>
+        <a:xfrm>
+          <a:off x="0" y="0"/>
+          <a:ext cx="0" cy="0"/>
+          <a:chOff x="0" y="0"/>
+          <a:chExt cx="0" cy="0"/>
+        </a:xfrm>
+      </p:grpSpPr>
+      <p:sp>
+        <p:nvSpPr>
+          <p:cNvPr id="2" name="Title 1">
+            <a:extLst>
+              <a:ext uri="{FF2B5EF4-FFF2-40B4-BE49-F238E27FC236}">
+                <a16:creationId xmlns:a16="http://schemas.microsoft.com/office/drawing/2014/main" id="{DA1EABA9-ECE4-ED45-96AD-D11605468DF1}"/>
+              </a:ext>
+            </a:extLst>
+          </p:cNvPr>
+          <p:cNvSpPr>
+            <a:spLocks noGrp="1"/>
+          </p:cNvSpPr>
+          <p:nvPr>
+            <p:ph type="title"/>
+          </p:nvPr>
+        </p:nvSpPr>
+        <p:spPr>
+          <a:xfrm>
+            <a:off x="457200" y="548680"/>
+            <a:ext cx="8229600" cy="634082"/>
+          </a:xfrm>
+        </p:spPr>
+        <p:txBody>
+          <a:bodyPr/>
+          <a:lstStyle/>
+          <a:p>
+            <a:r>
+              <a:rPr lang="en-GB" sz="4000" dirty="0">
+                <a:solidFill>
+                  <a:srgbClr val="FFFFFF"/>
+                </a:solidFill>
+                <a:latin typeface="URWGothicL"/>
+              </a:rPr>
+              <a:t>Sequence Diagram</a:t>
+            </a:r>
+            <a:endParaRPr lang="en-US" sz="4000" dirty="0"/>
+          </a:p>
+        </p:txBody>
+      </p:sp>
+      <p:sp>
+        <p:nvSpPr>
+          <p:cNvPr id="3" name="Content Placeholder 2">
+            <a:extLst>
+              <a:ext uri="{FF2B5EF4-FFF2-40B4-BE49-F238E27FC236}">
+                <a16:creationId xmlns:a16="http://schemas.microsoft.com/office/drawing/2014/main" id="{F11D3774-F227-E54D-8B35-5A75C345CFD0}"/>
+              </a:ext>
+            </a:extLst>
+          </p:cNvPr>
+          <p:cNvSpPr>
+            <a:spLocks noGrp="1"/>
+          </p:cNvSpPr>
+          <p:nvPr>
+            <p:ph idx="1"/>
+          </p:nvPr>
+        </p:nvSpPr>
+        <p:spPr>
+          <a:xfrm>
+            <a:off x="457200" y="1484784"/>
+            <a:ext cx="8229600" cy="5217443"/>
+          </a:xfrm>
+        </p:spPr>
+        <p:txBody>
+          <a:bodyPr anchor="ctr">
+            <a:normAutofit/>
+          </a:bodyPr>
+          <a:lstStyle/>
+          <a:p>
+            <a:r>
+              <a:rPr lang="en-GB" sz="3200" dirty="0">
+                <a:effectLst/>
+              </a:rPr>
+              <a:t>This can be used to model the flow of logic in a system</a:t>
+            </a:r>
+          </a:p>
+          <a:p>
+            <a:r>
+              <a:rPr lang="en-GB" sz="3200" dirty="0">
+                <a:effectLst/>
+              </a:rPr>
+              <a:t>This is useful to see how the user interacts with the system</a:t>
+            </a:r>
+          </a:p>
+          <a:p>
+            <a:r>
+              <a:rPr lang="en-GB" dirty="0"/>
+              <a:t>How the data flows between different parts of the system</a:t>
+            </a:r>
+          </a:p>
+          <a:p>
+            <a:r>
+              <a:rPr lang="en-GB" dirty="0"/>
+              <a:t>These diagrams are often time focused with the vertical axis used to represent time</a:t>
+            </a:r>
+          </a:p>
+          <a:p>
+            <a:endParaRPr lang="en-GB" sz="3200" dirty="0">
+              <a:effectLst/>
+            </a:endParaRPr>
+          </a:p>
+          <a:p>
+            <a:endParaRPr lang="en-GB" sz="3200" dirty="0">
+              <a:effectLst/>
+            </a:endParaRPr>
+          </a:p>
+        </p:txBody>
+      </p:sp>
+    </p:spTree>
+    <p:extLst>
+      <p:ext uri="{BB962C8B-B14F-4D97-AF65-F5344CB8AC3E}">
+        <p14:creationId xmlns:p14="http://schemas.microsoft.com/office/powerpoint/2010/main" val="618332936"/>
+      </p:ext>
+    </p:extLst>
+  </p:cSld>
+  <p:clrMapOvr>
+    <a:masterClrMapping/>
+  </p:clrMapOvr>
+</p:sld>
+</file>
+
+<file path=ppt/slides/slide22.xml><?xml version="1.0" encoding="utf-8"?>
+<p:sld xmlns:a="http://schemas.openxmlformats.org/drawingml/2006/main" xmlns:r="http://schemas.openxmlformats.org/officeDocument/2006/relationships" xmlns:p="http://schemas.openxmlformats.org/presentationml/2006/main">
+  <p:cSld>
+    <p:spTree>
+      <p:nvGrpSpPr>
+        <p:cNvPr id="1" name=""/>
+        <p:cNvGrpSpPr/>
+        <p:nvPr/>
+      </p:nvGrpSpPr>
+      <p:grpSpPr>
+        <a:xfrm>
+          <a:off x="0" y="0"/>
+          <a:ext cx="0" cy="0"/>
+          <a:chOff x="0" y="0"/>
+          <a:chExt cx="0" cy="0"/>
+        </a:xfrm>
+      </p:grpSpPr>
+      <p:sp>
+        <p:nvSpPr>
+          <p:cNvPr id="2" name="Title 1">
+            <a:extLst>
+              <a:ext uri="{FF2B5EF4-FFF2-40B4-BE49-F238E27FC236}">
+                <a16:creationId xmlns:a16="http://schemas.microsoft.com/office/drawing/2014/main" id="{DA1EABA9-ECE4-ED45-96AD-D11605468DF1}"/>
+              </a:ext>
+            </a:extLst>
+          </p:cNvPr>
+          <p:cNvSpPr>
+            <a:spLocks noGrp="1"/>
+          </p:cNvSpPr>
+          <p:nvPr>
+            <p:ph type="title"/>
+          </p:nvPr>
+        </p:nvSpPr>
+        <p:spPr>
+          <a:xfrm>
+            <a:off x="457200" y="548680"/>
+            <a:ext cx="8229600" cy="634082"/>
+          </a:xfrm>
+        </p:spPr>
+        <p:txBody>
+          <a:bodyPr/>
+          <a:lstStyle/>
+          <a:p>
+            <a:r>
+              <a:rPr lang="en-GB" sz="4000" dirty="0">
+                <a:solidFill>
+                  <a:srgbClr val="FFFFFF"/>
+                </a:solidFill>
+                <a:latin typeface="URWGothicL"/>
+              </a:rPr>
+              <a:t>Sequence Diagram</a:t>
+            </a:r>
+            <a:endParaRPr lang="en-US" sz="4000" dirty="0"/>
+          </a:p>
+        </p:txBody>
+      </p:sp>
+      <p:pic>
+        <p:nvPicPr>
+          <p:cNvPr id="4" name="Picture 3" descr="A screenshot of a cell phone&#10;&#10;Description automatically generated">
+            <a:extLst>
+              <a:ext uri="{FF2B5EF4-FFF2-40B4-BE49-F238E27FC236}">
+                <a16:creationId xmlns:a16="http://schemas.microsoft.com/office/drawing/2014/main" id="{2B0A89E7-AF7B-44FF-8AB9-2889ED5A623E}"/>
+              </a:ext>
+            </a:extLst>
+          </p:cNvPr>
+          <p:cNvPicPr>
+            <a:picLocks noChangeAspect="1"/>
+          </p:cNvPicPr>
+          <p:nvPr/>
+        </p:nvPicPr>
+        <p:blipFill>
+          <a:blip r:embed="rId2">
+            <a:extLst>
+              <a:ext uri="{28A0092B-C50C-407E-A947-70E740481C1C}">
+                <a14:useLocalDpi xmlns:a14="http://schemas.microsoft.com/office/drawing/2010/main" val="0"/>
+              </a:ext>
+            </a:extLst>
+          </a:blip>
+          <a:stretch>
+            <a:fillRect/>
+          </a:stretch>
+        </p:blipFill>
+        <p:spPr>
+          <a:xfrm>
+            <a:off x="1475656" y="1916832"/>
+            <a:ext cx="6372200" cy="4495873"/>
+          </a:xfrm>
+          <a:prstGeom prst="rect">
+            <a:avLst/>
+          </a:prstGeom>
+        </p:spPr>
+      </p:pic>
+    </p:spTree>
+    <p:extLst>
+      <p:ext uri="{BB962C8B-B14F-4D97-AF65-F5344CB8AC3E}">
+        <p14:creationId xmlns:p14="http://schemas.microsoft.com/office/powerpoint/2010/main" val="1332572628"/>
+      </p:ext>
+    </p:extLst>
+  </p:cSld>
+  <p:clrMapOvr>
+    <a:masterClrMapping/>
+  </p:clrMapOvr>
+</p:sld>
+</file>
+
+<file path=ppt/slides/slide23.xml><?xml version="1.0" encoding="utf-8"?>
+<p:sld xmlns:a="http://schemas.openxmlformats.org/drawingml/2006/main" xmlns:r="http://schemas.openxmlformats.org/officeDocument/2006/relationships" xmlns:p="http://schemas.openxmlformats.org/presentationml/2006/main">
+  <p:cSld>
+    <p:spTree>
+      <p:nvGrpSpPr>
+        <p:cNvPr id="1" name=""/>
+        <p:cNvGrpSpPr/>
+        <p:nvPr/>
+      </p:nvGrpSpPr>
+      <p:grpSpPr>
+        <a:xfrm>
+          <a:off x="0" y="0"/>
+          <a:ext cx="0" cy="0"/>
+          <a:chOff x="0" y="0"/>
+          <a:chExt cx="0" cy="0"/>
+        </a:xfrm>
+      </p:grpSpPr>
+      <p:sp>
+        <p:nvSpPr>
+          <p:cNvPr id="2" name="Title 1">
+            <a:extLst>
+              <a:ext uri="{FF2B5EF4-FFF2-40B4-BE49-F238E27FC236}">
+                <a16:creationId xmlns:a16="http://schemas.microsoft.com/office/drawing/2014/main" id="{E0D39B9B-57E0-4C75-9D4A-053BECB31981}"/>
+              </a:ext>
+            </a:extLst>
+          </p:cNvPr>
+          <p:cNvSpPr>
+            <a:spLocks noGrp="1"/>
+          </p:cNvSpPr>
+          <p:nvPr>
+            <p:ph type="title"/>
+          </p:nvPr>
+        </p:nvSpPr>
+        <p:spPr>
+          <a:xfrm>
+            <a:off x="1835696" y="3088481"/>
+            <a:ext cx="5472608" cy="681038"/>
+          </a:xfrm>
+        </p:spPr>
+        <p:txBody>
+          <a:bodyPr/>
+          <a:lstStyle/>
+          <a:p>
+            <a:r>
+              <a:rPr lang="en-GB" dirty="0"/>
+              <a:t>Structural Diagrams</a:t>
+            </a:r>
+          </a:p>
+        </p:txBody>
+      </p:sp>
+    </p:spTree>
+    <p:extLst>
+      <p:ext uri="{BB962C8B-B14F-4D97-AF65-F5344CB8AC3E}">
+        <p14:creationId xmlns:p14="http://schemas.microsoft.com/office/powerpoint/2010/main" val="2974102519"/>
+      </p:ext>
+    </p:extLst>
+  </p:cSld>
+  <p:clrMapOvr>
+    <a:masterClrMapping/>
+  </p:clrMapOvr>
+</p:sld>
+</file>
+
+<file path=ppt/slides/slide24.xml><?xml version="1.0" encoding="utf-8"?>
+<p:sld xmlns:a="http://schemas.openxmlformats.org/drawingml/2006/main" xmlns:r="http://schemas.openxmlformats.org/officeDocument/2006/relationships" xmlns:p="http://schemas.openxmlformats.org/presentationml/2006/main">
+  <p:cSld>
+    <p:spTree>
+      <p:nvGrpSpPr>
+        <p:cNvPr id="1" name=""/>
+        <p:cNvGrpSpPr/>
+        <p:nvPr/>
+      </p:nvGrpSpPr>
+      <p:grpSpPr>
+        <a:xfrm>
+          <a:off x="0" y="0"/>
+          <a:ext cx="0" cy="0"/>
+          <a:chOff x="0" y="0"/>
+          <a:chExt cx="0" cy="0"/>
+        </a:xfrm>
+      </p:grpSpPr>
+      <p:sp>
+        <p:nvSpPr>
+          <p:cNvPr id="2" name="Title 1">
+            <a:extLst>
+              <a:ext uri="{FF2B5EF4-FFF2-40B4-BE49-F238E27FC236}">
+                <a16:creationId xmlns:a16="http://schemas.microsoft.com/office/drawing/2014/main" id="{DA1EABA9-ECE4-ED45-96AD-D11605468DF1}"/>
+              </a:ext>
+            </a:extLst>
+          </p:cNvPr>
+          <p:cNvSpPr>
+            <a:spLocks noGrp="1"/>
+          </p:cNvSpPr>
+          <p:nvPr>
+            <p:ph type="title"/>
+          </p:nvPr>
+        </p:nvSpPr>
+        <p:spPr>
+          <a:xfrm>
+            <a:off x="457200" y="548680"/>
+            <a:ext cx="8229600" cy="634082"/>
+          </a:xfrm>
+        </p:spPr>
+        <p:txBody>
+          <a:bodyPr/>
+          <a:lstStyle/>
+          <a:p>
+            <a:r>
+              <a:rPr lang="en-GB" sz="4000" dirty="0">
+                <a:solidFill>
+                  <a:srgbClr val="FFFFFF"/>
+                </a:solidFill>
+                <a:latin typeface="URWGothicL"/>
+              </a:rPr>
+              <a:t>Class Diagram</a:t>
+            </a:r>
+            <a:endParaRPr lang="en-US" sz="4000" dirty="0"/>
+          </a:p>
+        </p:txBody>
+      </p:sp>
+      <p:sp>
+        <p:nvSpPr>
+          <p:cNvPr id="29" name="Content Placeholder 2">
+            <a:extLst>
+              <a:ext uri="{FF2B5EF4-FFF2-40B4-BE49-F238E27FC236}">
+                <a16:creationId xmlns:a16="http://schemas.microsoft.com/office/drawing/2014/main" id="{46FED514-77C5-40BC-BABC-4FD145B34116}"/>
+              </a:ext>
+            </a:extLst>
+          </p:cNvPr>
+          <p:cNvSpPr>
+            <a:spLocks noGrp="1"/>
+          </p:cNvSpPr>
+          <p:nvPr>
+            <p:ph idx="1"/>
+          </p:nvPr>
+        </p:nvSpPr>
+        <p:spPr>
+          <a:xfrm>
+            <a:off x="457200" y="1484784"/>
+            <a:ext cx="8229600" cy="5217443"/>
+          </a:xfrm>
+        </p:spPr>
+        <p:txBody>
+          <a:bodyPr anchor="ctr">
+            <a:normAutofit fontScale="77500" lnSpcReduction="20000"/>
+          </a:bodyPr>
+          <a:lstStyle/>
+          <a:p>
+            <a:r>
+              <a:rPr lang="en-GB" sz="3200" dirty="0">
+                <a:effectLst/>
+              </a:rPr>
+              <a:t>This attempts to model object-orientated systems </a:t>
+            </a:r>
+          </a:p>
+          <a:p>
+            <a:r>
+              <a:rPr lang="en-GB" dirty="0"/>
+              <a:t>I</a:t>
+            </a:r>
+            <a:r>
+              <a:rPr lang="en-GB" sz="3200" dirty="0">
+                <a:effectLst/>
+              </a:rPr>
+              <a:t>s the one diagram which can be directly translated into code</a:t>
+            </a:r>
+          </a:p>
+          <a:p>
+            <a:r>
+              <a:rPr lang="en-GB" dirty="0"/>
+              <a:t>It has entities which represent:</a:t>
+            </a:r>
+          </a:p>
+          <a:p>
+            <a:pPr lvl="1"/>
+            <a:r>
+              <a:rPr lang="en-GB" dirty="0"/>
+              <a:t>Classes with functions and variables</a:t>
+            </a:r>
+          </a:p>
+          <a:p>
+            <a:pPr lvl="1"/>
+            <a:r>
+              <a:rPr lang="en-GB" dirty="0"/>
+              <a:t>Interfaces</a:t>
+            </a:r>
+          </a:p>
+          <a:p>
+            <a:pPr lvl="1"/>
+            <a:r>
+              <a:rPr lang="en-GB" dirty="0"/>
+              <a:t>Enumerations</a:t>
+            </a:r>
+          </a:p>
+          <a:p>
+            <a:r>
+              <a:rPr lang="en-GB" dirty="0"/>
+              <a:t>It can also be used to model relationships between classes</a:t>
+            </a:r>
+          </a:p>
+          <a:p>
+            <a:pPr lvl="1"/>
+            <a:r>
+              <a:rPr lang="en-GB" dirty="0"/>
+              <a:t>Dependency</a:t>
+            </a:r>
+          </a:p>
+          <a:p>
+            <a:pPr lvl="1"/>
+            <a:r>
+              <a:rPr lang="en-GB" dirty="0"/>
+              <a:t>Association</a:t>
+            </a:r>
+          </a:p>
+          <a:p>
+            <a:pPr lvl="1"/>
+            <a:r>
+              <a:rPr lang="en-GB" dirty="0"/>
+              <a:t>Aggregation</a:t>
+            </a:r>
+          </a:p>
+          <a:p>
+            <a:pPr lvl="1"/>
+            <a:r>
+              <a:rPr lang="en-GB" dirty="0"/>
+              <a:t>Composition</a:t>
+            </a:r>
+          </a:p>
+          <a:p>
+            <a:pPr lvl="1"/>
+            <a:r>
+              <a:rPr lang="en-GB" dirty="0"/>
+              <a:t>Inheritance</a:t>
+            </a:r>
+          </a:p>
+          <a:p>
+            <a:pPr lvl="1"/>
+            <a:r>
+              <a:rPr lang="en-GB" dirty="0"/>
+              <a:t>Realization/Implementation</a:t>
+            </a:r>
+          </a:p>
+          <a:p>
+            <a:endParaRPr lang="en-GB" sz="3200" dirty="0">
+              <a:effectLst/>
+            </a:endParaRPr>
+          </a:p>
+          <a:p>
+            <a:endParaRPr lang="en-GB" sz="3200" dirty="0">
+              <a:effectLst/>
+            </a:endParaRPr>
+          </a:p>
+        </p:txBody>
+      </p:sp>
+    </p:spTree>
+    <p:extLst>
+      <p:ext uri="{BB962C8B-B14F-4D97-AF65-F5344CB8AC3E}">
+        <p14:creationId xmlns:p14="http://schemas.microsoft.com/office/powerpoint/2010/main" val="1355565115"/>
+      </p:ext>
+    </p:extLst>
+  </p:cSld>
+  <p:clrMapOvr>
+    <a:masterClrMapping/>
+  </p:clrMapOvr>
+</p:sld>
+</file>
+
+<file path=ppt/slides/slide25.xml><?xml version="1.0" encoding="utf-8"?>
+<p:sld xmlns:a="http://schemas.openxmlformats.org/drawingml/2006/main" xmlns:r="http://schemas.openxmlformats.org/officeDocument/2006/relationships" xmlns:p="http://schemas.openxmlformats.org/presentationml/2006/main">
+  <p:cSld>
+    <p:spTree>
+      <p:nvGrpSpPr>
+        <p:cNvPr id="1" name=""/>
+        <p:cNvGrpSpPr/>
+        <p:nvPr/>
+      </p:nvGrpSpPr>
+      <p:grpSpPr>
+        <a:xfrm>
+          <a:off x="0" y="0"/>
+          <a:ext cx="0" cy="0"/>
+          <a:chOff x="0" y="0"/>
+          <a:chExt cx="0" cy="0"/>
+        </a:xfrm>
+      </p:grpSpPr>
+      <p:sp>
+        <p:nvSpPr>
+          <p:cNvPr id="2" name="Title 1">
+            <a:extLst>
+              <a:ext uri="{FF2B5EF4-FFF2-40B4-BE49-F238E27FC236}">
+                <a16:creationId xmlns:a16="http://schemas.microsoft.com/office/drawing/2014/main" id="{DA1EABA9-ECE4-ED45-96AD-D11605468DF1}"/>
+              </a:ext>
+            </a:extLst>
+          </p:cNvPr>
+          <p:cNvSpPr>
+            <a:spLocks noGrp="1"/>
+          </p:cNvSpPr>
+          <p:nvPr>
+            <p:ph type="title"/>
+          </p:nvPr>
+        </p:nvSpPr>
+        <p:spPr>
+          <a:xfrm>
+            <a:off x="457200" y="548680"/>
+            <a:ext cx="8229600" cy="634082"/>
+          </a:xfrm>
+        </p:spPr>
+        <p:txBody>
+          <a:bodyPr/>
+          <a:lstStyle/>
+          <a:p>
+            <a:r>
+              <a:rPr lang="en-GB" sz="4000" dirty="0">
+                <a:solidFill>
+                  <a:srgbClr val="FFFFFF"/>
+                </a:solidFill>
+                <a:latin typeface="URWGothicL"/>
+              </a:rPr>
+              <a:t>Class Diagram</a:t>
+            </a:r>
+            <a:endParaRPr lang="en-US" sz="4000" dirty="0"/>
+          </a:p>
+        </p:txBody>
+      </p:sp>
+      <p:grpSp>
+        <p:nvGrpSpPr>
+          <p:cNvPr id="10" name="Group 9">
+            <a:extLst>
+              <a:ext uri="{FF2B5EF4-FFF2-40B4-BE49-F238E27FC236}">
+                <a16:creationId xmlns:a16="http://schemas.microsoft.com/office/drawing/2014/main" id="{458B78DC-CBDF-43F6-A971-B03EEED837DF}"/>
+              </a:ext>
+            </a:extLst>
+          </p:cNvPr>
+          <p:cNvGrpSpPr/>
+          <p:nvPr/>
+        </p:nvGrpSpPr>
+        <p:grpSpPr>
+          <a:xfrm>
+            <a:off x="611560" y="1700808"/>
+            <a:ext cx="2377523" cy="1400370"/>
+            <a:chOff x="611560" y="1700808"/>
+            <a:chExt cx="2377523" cy="1400370"/>
+          </a:xfrm>
+        </p:grpSpPr>
+        <p:pic>
+          <p:nvPicPr>
+            <p:cNvPr id="5" name="Picture 4" descr="A screenshot of a cell phone&#10;&#10;Description automatically generated">
+              <a:extLst>
+                <a:ext uri="{FF2B5EF4-FFF2-40B4-BE49-F238E27FC236}">
+                  <a16:creationId xmlns:a16="http://schemas.microsoft.com/office/drawing/2014/main" id="{352FB8AC-3439-4E94-95E5-E5E05AFAF60C}"/>
+                </a:ext>
+              </a:extLst>
+            </p:cNvPr>
+            <p:cNvPicPr>
+              <a:picLocks noChangeAspect="1"/>
+            </p:cNvPicPr>
+            <p:nvPr/>
+          </p:nvPicPr>
+          <p:blipFill>
+            <a:blip r:embed="rId2">
+              <a:extLst>
+                <a:ext uri="{28A0092B-C50C-407E-A947-70E740481C1C}">
+                  <a14:useLocalDpi xmlns:a14="http://schemas.microsoft.com/office/drawing/2010/main" val="0"/>
+                </a:ext>
+              </a:extLst>
+            </a:blip>
+            <a:stretch>
+              <a:fillRect/>
+            </a:stretch>
+          </p:blipFill>
+          <p:spPr>
+            <a:xfrm>
+              <a:off x="611560" y="1700808"/>
+              <a:ext cx="1514686" cy="1400370"/>
+            </a:xfrm>
+            <a:prstGeom prst="rect">
+              <a:avLst/>
+            </a:prstGeom>
+          </p:spPr>
+        </p:pic>
+        <p:sp>
+          <p:nvSpPr>
+            <p:cNvPr id="6" name="TextBox 5">
+              <a:extLst>
+                <a:ext uri="{FF2B5EF4-FFF2-40B4-BE49-F238E27FC236}">
+                  <a16:creationId xmlns:a16="http://schemas.microsoft.com/office/drawing/2014/main" id="{759869B2-65D5-4AA9-A005-C3D1381E4062}"/>
+                </a:ext>
+              </a:extLst>
+            </p:cNvPr>
+            <p:cNvSpPr txBox="1"/>
+            <p:nvPr/>
+          </p:nvSpPr>
+          <p:spPr>
+            <a:xfrm>
+              <a:off x="2337943" y="2216326"/>
+              <a:ext cx="651140" cy="369332"/>
+            </a:xfrm>
+            <a:prstGeom prst="rect">
+              <a:avLst/>
+            </a:prstGeom>
+            <a:noFill/>
+          </p:spPr>
+          <p:txBody>
+            <a:bodyPr wrap="none" rtlCol="0">
+              <a:spAutoFit/>
+            </a:bodyPr>
+            <a:lstStyle/>
+            <a:p>
+              <a:r>
+                <a:rPr lang="en-GB" dirty="0">
+                  <a:solidFill>
+                    <a:schemeClr val="bg1"/>
+                  </a:solidFill>
+                </a:rPr>
+                <a:t>Class</a:t>
+              </a:r>
+            </a:p>
+          </p:txBody>
+        </p:sp>
+      </p:grpSp>
+      <p:grpSp>
+        <p:nvGrpSpPr>
+          <p:cNvPr id="11" name="Group 10">
+            <a:extLst>
+              <a:ext uri="{FF2B5EF4-FFF2-40B4-BE49-F238E27FC236}">
+                <a16:creationId xmlns:a16="http://schemas.microsoft.com/office/drawing/2014/main" id="{730CA1C6-3AF4-4298-85C2-FF4908B10F04}"/>
+              </a:ext>
+            </a:extLst>
+          </p:cNvPr>
+          <p:cNvGrpSpPr/>
+          <p:nvPr/>
+        </p:nvGrpSpPr>
+        <p:grpSpPr>
+          <a:xfrm>
+            <a:off x="4932040" y="1562675"/>
+            <a:ext cx="3941627" cy="1676634"/>
+            <a:chOff x="3851920" y="1562676"/>
+            <a:chExt cx="3941627" cy="1676634"/>
+          </a:xfrm>
+        </p:grpSpPr>
+        <p:pic>
+          <p:nvPicPr>
+            <p:cNvPr id="8" name="Picture 7" descr="A screenshot of a cell phone&#10;&#10;Description automatically generated">
+              <a:extLst>
+                <a:ext uri="{FF2B5EF4-FFF2-40B4-BE49-F238E27FC236}">
+                  <a16:creationId xmlns:a16="http://schemas.microsoft.com/office/drawing/2014/main" id="{94ABFFB8-9168-4119-B4C8-34EE275EB253}"/>
+                </a:ext>
+              </a:extLst>
+            </p:cNvPr>
+            <p:cNvPicPr>
+              <a:picLocks noChangeAspect="1"/>
+            </p:cNvPicPr>
+            <p:nvPr/>
+          </p:nvPicPr>
+          <p:blipFill>
+            <a:blip r:embed="rId3">
+              <a:extLst>
+                <a:ext uri="{28A0092B-C50C-407E-A947-70E740481C1C}">
+                  <a14:useLocalDpi xmlns:a14="http://schemas.microsoft.com/office/drawing/2010/main" val="0"/>
+                </a:ext>
+              </a:extLst>
+            </a:blip>
+            <a:stretch>
+              <a:fillRect/>
+            </a:stretch>
+          </p:blipFill>
+          <p:spPr>
+            <a:xfrm>
+              <a:off x="3851920" y="1562676"/>
+              <a:ext cx="2133898" cy="1676634"/>
+            </a:xfrm>
+            <a:prstGeom prst="rect">
+              <a:avLst/>
+            </a:prstGeom>
+          </p:spPr>
+        </p:pic>
+        <p:sp>
+          <p:nvSpPr>
+            <p:cNvPr id="9" name="TextBox 8">
+              <a:extLst>
+                <a:ext uri="{FF2B5EF4-FFF2-40B4-BE49-F238E27FC236}">
+                  <a16:creationId xmlns:a16="http://schemas.microsoft.com/office/drawing/2014/main" id="{2F43B4DF-0204-4912-A417-5E67B2DD7B2D}"/>
+                </a:ext>
+              </a:extLst>
+            </p:cNvPr>
+            <p:cNvSpPr txBox="1"/>
+            <p:nvPr/>
+          </p:nvSpPr>
+          <p:spPr>
+            <a:xfrm>
+              <a:off x="6156176" y="1800827"/>
+              <a:ext cx="1637371" cy="1200329"/>
+            </a:xfrm>
+            <a:prstGeom prst="rect">
+              <a:avLst/>
+            </a:prstGeom>
+            <a:noFill/>
+          </p:spPr>
+          <p:txBody>
+            <a:bodyPr wrap="none" rtlCol="0">
+              <a:spAutoFit/>
+            </a:bodyPr>
+            <a:lstStyle/>
+            <a:p>
+              <a:r>
+                <a:rPr lang="en-GB" dirty="0">
+                  <a:solidFill>
+                    <a:schemeClr val="bg1"/>
+                  </a:solidFill>
+                </a:rPr>
+                <a:t>Class (example)</a:t>
+              </a:r>
+            </a:p>
+            <a:p>
+              <a:r>
+                <a:rPr lang="en-GB" dirty="0">
+                  <a:solidFill>
+                    <a:schemeClr val="bg1"/>
+                  </a:solidFill>
+                </a:rPr>
+                <a:t>- Private</a:t>
+              </a:r>
+            </a:p>
+            <a:p>
+              <a:r>
+                <a:rPr lang="en-GB" dirty="0">
+                  <a:solidFill>
+                    <a:schemeClr val="bg1"/>
+                  </a:solidFill>
+                </a:rPr>
+                <a:t>+ public</a:t>
+              </a:r>
+            </a:p>
+            <a:p>
+              <a:r>
+                <a:rPr lang="en-GB" dirty="0">
+                  <a:solidFill>
+                    <a:schemeClr val="bg1"/>
+                  </a:solidFill>
+                </a:rPr>
+                <a:t># protected</a:t>
+              </a:r>
+            </a:p>
+          </p:txBody>
+        </p:sp>
+      </p:grpSp>
+      <p:grpSp>
+        <p:nvGrpSpPr>
+          <p:cNvPr id="15" name="Group 14">
+            <a:extLst>
+              <a:ext uri="{FF2B5EF4-FFF2-40B4-BE49-F238E27FC236}">
+                <a16:creationId xmlns:a16="http://schemas.microsoft.com/office/drawing/2014/main" id="{75BBADDB-538B-4DA7-A8A5-07729EF485C4}"/>
+              </a:ext>
+            </a:extLst>
+          </p:cNvPr>
+          <p:cNvGrpSpPr/>
+          <p:nvPr/>
+        </p:nvGrpSpPr>
+        <p:grpSpPr>
+          <a:xfrm>
+            <a:off x="611560" y="4797152"/>
+            <a:ext cx="2750138" cy="1448002"/>
+            <a:chOff x="3203848" y="4725144"/>
+            <a:chExt cx="2750138" cy="1448002"/>
+          </a:xfrm>
+        </p:grpSpPr>
+        <p:pic>
+          <p:nvPicPr>
+            <p:cNvPr id="13" name="Picture 12" descr="A screenshot of a cell phone&#10;&#10;Description automatically generated">
+              <a:extLst>
+                <a:ext uri="{FF2B5EF4-FFF2-40B4-BE49-F238E27FC236}">
+                  <a16:creationId xmlns:a16="http://schemas.microsoft.com/office/drawing/2014/main" id="{BFC0E20C-3097-4398-95AD-937A6CD7A8A3}"/>
+                </a:ext>
+              </a:extLst>
+            </p:cNvPr>
+            <p:cNvPicPr>
+              <a:picLocks noChangeAspect="1"/>
+            </p:cNvPicPr>
+            <p:nvPr/>
+          </p:nvPicPr>
+          <p:blipFill>
+            <a:blip r:embed="rId4">
+              <a:extLst>
+                <a:ext uri="{28A0092B-C50C-407E-A947-70E740481C1C}">
+                  <a14:useLocalDpi xmlns:a14="http://schemas.microsoft.com/office/drawing/2010/main" val="0"/>
+                </a:ext>
+              </a:extLst>
+            </a:blip>
+            <a:stretch>
+              <a:fillRect/>
+            </a:stretch>
+          </p:blipFill>
+          <p:spPr>
+            <a:xfrm>
+              <a:off x="3203848" y="4725144"/>
+              <a:ext cx="1552792" cy="1448002"/>
+            </a:xfrm>
+            <a:prstGeom prst="rect">
+              <a:avLst/>
+            </a:prstGeom>
+          </p:spPr>
+        </p:pic>
+        <p:sp>
+          <p:nvSpPr>
+            <p:cNvPr id="14" name="TextBox 13">
+              <a:extLst>
+                <a:ext uri="{FF2B5EF4-FFF2-40B4-BE49-F238E27FC236}">
+                  <a16:creationId xmlns:a16="http://schemas.microsoft.com/office/drawing/2014/main" id="{2F1EA15D-6BF3-4F85-B677-FFD386899316}"/>
+                </a:ext>
+              </a:extLst>
+            </p:cNvPr>
+            <p:cNvSpPr txBox="1"/>
+            <p:nvPr/>
+          </p:nvSpPr>
+          <p:spPr>
+            <a:xfrm>
+              <a:off x="4932040" y="5264479"/>
+              <a:ext cx="1021946" cy="369332"/>
+            </a:xfrm>
+            <a:prstGeom prst="rect">
+              <a:avLst/>
+            </a:prstGeom>
+            <a:noFill/>
+          </p:spPr>
+          <p:txBody>
+            <a:bodyPr wrap="none" rtlCol="0">
+              <a:spAutoFit/>
+            </a:bodyPr>
+            <a:lstStyle/>
+            <a:p>
+              <a:r>
+                <a:rPr lang="en-GB" dirty="0">
+                  <a:solidFill>
+                    <a:schemeClr val="bg1"/>
+                  </a:solidFill>
+                </a:rPr>
+                <a:t>Interface</a:t>
+              </a:r>
+            </a:p>
+          </p:txBody>
+        </p:sp>
+      </p:grpSp>
+    </p:spTree>
+    <p:extLst>
+      <p:ext uri="{BB962C8B-B14F-4D97-AF65-F5344CB8AC3E}">
+        <p14:creationId xmlns:p14="http://schemas.microsoft.com/office/powerpoint/2010/main" val="139413678"/>
+      </p:ext>
+    </p:extLst>
+  </p:cSld>
+  <p:clrMapOvr>
+    <a:masterClrMapping/>
+  </p:clrMapOvr>
+</p:sld>
+</file>
+
+<file path=ppt/slides/slide26.xml><?xml version="1.0" encoding="utf-8"?>
+<p:sld xmlns:a="http://schemas.openxmlformats.org/drawingml/2006/main" xmlns:r="http://schemas.openxmlformats.org/officeDocument/2006/relationships" xmlns:p="http://schemas.openxmlformats.org/presentationml/2006/main">
+  <p:cSld>
+    <p:spTree>
+      <p:nvGrpSpPr>
+        <p:cNvPr id="1" name=""/>
+        <p:cNvGrpSpPr/>
+        <p:nvPr/>
+      </p:nvGrpSpPr>
+      <p:grpSpPr>
+        <a:xfrm>
+          <a:off x="0" y="0"/>
+          <a:ext cx="0" cy="0"/>
+          <a:chOff x="0" y="0"/>
+          <a:chExt cx="0" cy="0"/>
+        </a:xfrm>
+      </p:grpSpPr>
+      <p:sp>
+        <p:nvSpPr>
+          <p:cNvPr id="2" name="Title 1">
+            <a:extLst>
+              <a:ext uri="{FF2B5EF4-FFF2-40B4-BE49-F238E27FC236}">
+                <a16:creationId xmlns:a16="http://schemas.microsoft.com/office/drawing/2014/main" id="{DA1EABA9-ECE4-ED45-96AD-D11605468DF1}"/>
+              </a:ext>
+            </a:extLst>
+          </p:cNvPr>
+          <p:cNvSpPr>
+            <a:spLocks noGrp="1"/>
+          </p:cNvSpPr>
+          <p:nvPr>
+            <p:ph type="title"/>
+          </p:nvPr>
+        </p:nvSpPr>
+        <p:spPr>
+          <a:xfrm>
+            <a:off x="457200" y="548680"/>
+            <a:ext cx="8229600" cy="634082"/>
+          </a:xfrm>
+        </p:spPr>
+        <p:txBody>
+          <a:bodyPr/>
+          <a:lstStyle/>
+          <a:p>
+            <a:r>
+              <a:rPr lang="en-GB" sz="4000" dirty="0">
+                <a:solidFill>
+                  <a:srgbClr val="FFFFFF"/>
+                </a:solidFill>
+                <a:latin typeface="URWGothicL"/>
+              </a:rPr>
+              <a:t>Class Diagram</a:t>
+            </a:r>
+            <a:endParaRPr lang="en-US" sz="4000" dirty="0"/>
+          </a:p>
+        </p:txBody>
+      </p:sp>
+      <p:pic>
+        <p:nvPicPr>
+          <p:cNvPr id="2052" name="Picture 4">
+            <a:extLst>
+              <a:ext uri="{FF2B5EF4-FFF2-40B4-BE49-F238E27FC236}">
+                <a16:creationId xmlns:a16="http://schemas.microsoft.com/office/drawing/2014/main" id="{E9313B8F-52B3-450C-8959-8F40779F8095}"/>
+              </a:ext>
+            </a:extLst>
+          </p:cNvPr>
+          <p:cNvPicPr>
+            <a:picLocks noChangeAspect="1" noChangeArrowheads="1"/>
+          </p:cNvPicPr>
+          <p:nvPr/>
+        </p:nvPicPr>
+        <p:blipFill>
+          <a:blip r:embed="rId2">
+            <a:extLst>
+              <a:ext uri="{28A0092B-C50C-407E-A947-70E740481C1C}">
+                <a14:useLocalDpi xmlns:a14="http://schemas.microsoft.com/office/drawing/2010/main" val="0"/>
+              </a:ext>
+            </a:extLst>
+          </a:blip>
+          <a:srcRect/>
+          <a:stretch>
+            <a:fillRect/>
+          </a:stretch>
+        </p:blipFill>
+        <p:spPr bwMode="auto">
+          <a:xfrm>
+            <a:off x="899592" y="1412776"/>
+            <a:ext cx="7164288" cy="4756408"/>
+          </a:xfrm>
+          <a:prstGeom prst="rect">
+            <a:avLst/>
+          </a:prstGeom>
+          <a:noFill/>
+          <a:extLst>
+            <a:ext uri="{909E8E84-426E-40DD-AFC4-6F175D3DCCD1}">
+              <a14:hiddenFill xmlns:a14="http://schemas.microsoft.com/office/drawing/2010/main">
+                <a:solidFill>
+                  <a:srgbClr val="FFFFFF"/>
+                </a:solidFill>
+              </a14:hiddenFill>
+            </a:ext>
+          </a:extLst>
+        </p:spPr>
+      </p:pic>
+      <p:sp>
+        <p:nvSpPr>
+          <p:cNvPr id="3" name="Rectangle 2">
+            <a:extLst>
+              <a:ext uri="{FF2B5EF4-FFF2-40B4-BE49-F238E27FC236}">
+                <a16:creationId xmlns:a16="http://schemas.microsoft.com/office/drawing/2014/main" id="{D599CF9F-88CF-4D0B-9790-354053D88345}"/>
+              </a:ext>
+            </a:extLst>
+          </p:cNvPr>
+          <p:cNvSpPr/>
+          <p:nvPr/>
+        </p:nvSpPr>
+        <p:spPr>
+          <a:xfrm>
+            <a:off x="2390377" y="6124654"/>
+            <a:ext cx="4363246" cy="369332"/>
+          </a:xfrm>
+          <a:prstGeom prst="rect">
+            <a:avLst/>
+          </a:prstGeom>
+        </p:spPr>
+        <p:txBody>
+          <a:bodyPr wrap="none">
+            <a:spAutoFit/>
+          </a:bodyPr>
+          <a:lstStyle/>
+          <a:p>
+            <a:r>
+              <a:rPr lang="en-GB" dirty="0">
+                <a:hlinkClick r:id="rId3"/>
+              </a:rPr>
+              <a:t>https://en.wikipedia.org/wiki/Class_diagram</a:t>
+            </a:r>
+            <a:endParaRPr lang="en-GB" dirty="0"/>
+          </a:p>
+        </p:txBody>
+      </p:sp>
+    </p:spTree>
+    <p:extLst>
+      <p:ext uri="{BB962C8B-B14F-4D97-AF65-F5344CB8AC3E}">
+        <p14:creationId xmlns:p14="http://schemas.microsoft.com/office/powerpoint/2010/main" val="2555184477"/>
+      </p:ext>
+    </p:extLst>
+  </p:cSld>
+  <p:clrMapOvr>
+    <a:masterClrMapping/>
+  </p:clrMapOvr>
+</p:sld>
+</file>
+
+<file path=ppt/slides/slide27.xml><?xml version="1.0" encoding="utf-8"?>
+<p:sld xmlns:a="http://schemas.openxmlformats.org/drawingml/2006/main" xmlns:r="http://schemas.openxmlformats.org/officeDocument/2006/relationships" xmlns:p="http://schemas.openxmlformats.org/presentationml/2006/main">
+  <p:cSld>
+    <p:spTree>
+      <p:nvGrpSpPr>
+        <p:cNvPr id="1" name=""/>
+        <p:cNvGrpSpPr/>
+        <p:nvPr/>
+      </p:nvGrpSpPr>
+      <p:grpSpPr>
+        <a:xfrm>
+          <a:off x="0" y="0"/>
+          <a:ext cx="0" cy="0"/>
+          <a:chOff x="0" y="0"/>
+          <a:chExt cx="0" cy="0"/>
+        </a:xfrm>
+      </p:grpSpPr>
+      <p:sp>
+        <p:nvSpPr>
+          <p:cNvPr id="2" name="Title 1">
+            <a:extLst>
+              <a:ext uri="{FF2B5EF4-FFF2-40B4-BE49-F238E27FC236}">
+                <a16:creationId xmlns:a16="http://schemas.microsoft.com/office/drawing/2014/main" id="{DA1EABA9-ECE4-ED45-96AD-D11605468DF1}"/>
+              </a:ext>
+            </a:extLst>
+          </p:cNvPr>
+          <p:cNvSpPr>
+            <a:spLocks noGrp="1"/>
+          </p:cNvSpPr>
+          <p:nvPr>
+            <p:ph type="title"/>
+          </p:nvPr>
+        </p:nvSpPr>
+        <p:spPr>
+          <a:xfrm>
+            <a:off x="457200" y="548680"/>
+            <a:ext cx="8229600" cy="634082"/>
+          </a:xfrm>
+        </p:spPr>
+        <p:txBody>
+          <a:bodyPr/>
+          <a:lstStyle/>
+          <a:p>
+            <a:r>
+              <a:rPr lang="en-GB" sz="4000" dirty="0">
+                <a:solidFill>
+                  <a:srgbClr val="FFFFFF"/>
+                </a:solidFill>
+                <a:latin typeface="URWGothicL"/>
+              </a:rPr>
+              <a:t>Class Diagram</a:t>
+            </a:r>
+            <a:endParaRPr lang="en-US" sz="4000" dirty="0"/>
+          </a:p>
+        </p:txBody>
+      </p:sp>
+      <p:sp>
+        <p:nvSpPr>
+          <p:cNvPr id="16" name="TextBox 15">
+            <a:extLst>
+              <a:ext uri="{FF2B5EF4-FFF2-40B4-BE49-F238E27FC236}">
+                <a16:creationId xmlns:a16="http://schemas.microsoft.com/office/drawing/2014/main" id="{8630CC86-B3A4-454E-9894-A3729AA8F0C2}"/>
+              </a:ext>
+            </a:extLst>
+          </p:cNvPr>
+          <p:cNvSpPr txBox="1"/>
+          <p:nvPr/>
+        </p:nvSpPr>
+        <p:spPr>
+          <a:xfrm>
+            <a:off x="1260676" y="3789040"/>
+            <a:ext cx="6622647" cy="1754326"/>
+          </a:xfrm>
+          <a:prstGeom prst="rect">
+            <a:avLst/>
+          </a:prstGeom>
+          <a:noFill/>
+        </p:spPr>
+        <p:txBody>
+          <a:bodyPr wrap="none" rtlCol="0">
+            <a:spAutoFit/>
+          </a:bodyPr>
+          <a:lstStyle/>
+          <a:p>
+            <a:r>
+              <a:rPr lang="en-GB" sz="3600" b="1" dirty="0">
+                <a:solidFill>
+                  <a:schemeClr val="bg1"/>
+                </a:solidFill>
+              </a:rPr>
+              <a:t>Association:</a:t>
+            </a:r>
+            <a:r>
+              <a:rPr lang="en-GB" sz="3600" dirty="0">
+                <a:solidFill>
+                  <a:schemeClr val="bg1"/>
+                </a:solidFill>
+              </a:rPr>
+              <a:t> </a:t>
+            </a:r>
+          </a:p>
+          <a:p>
+            <a:pPr marL="571500" indent="-571500">
+              <a:buFont typeface="Arial" panose="020B0604020202020204" pitchFamily="34" charset="0"/>
+              <a:buChar char="•"/>
+            </a:pPr>
+            <a:r>
+              <a:rPr lang="en-GB" sz="3600" dirty="0">
+                <a:solidFill>
+                  <a:schemeClr val="bg1"/>
+                </a:solidFill>
+              </a:rPr>
+              <a:t>Enemy has </a:t>
+            </a:r>
+            <a:r>
+              <a:rPr lang="en-GB" sz="3600" b="1" dirty="0">
+                <a:solidFill>
+                  <a:schemeClr val="bg1"/>
+                </a:solidFill>
+              </a:rPr>
+              <a:t>0 </a:t>
+            </a:r>
+            <a:r>
+              <a:rPr lang="en-GB" sz="3600" dirty="0">
+                <a:solidFill>
+                  <a:schemeClr val="bg1"/>
+                </a:solidFill>
+              </a:rPr>
+              <a:t>or </a:t>
+            </a:r>
+            <a:r>
+              <a:rPr lang="en-GB" sz="3600" b="1" dirty="0">
+                <a:solidFill>
+                  <a:schemeClr val="bg1"/>
+                </a:solidFill>
+              </a:rPr>
+              <a:t>many weapons</a:t>
+            </a:r>
+          </a:p>
+          <a:p>
+            <a:pPr marL="571500" indent="-571500">
+              <a:buFont typeface="Arial" panose="020B0604020202020204" pitchFamily="34" charset="0"/>
+              <a:buChar char="•"/>
+            </a:pPr>
+            <a:r>
+              <a:rPr lang="en-GB" sz="3600" dirty="0">
+                <a:solidFill>
+                  <a:schemeClr val="bg1"/>
+                </a:solidFill>
+              </a:rPr>
+              <a:t>A </a:t>
+            </a:r>
+            <a:r>
+              <a:rPr lang="en-GB" sz="3600" b="1" dirty="0">
+                <a:solidFill>
+                  <a:schemeClr val="bg1"/>
+                </a:solidFill>
+              </a:rPr>
+              <a:t>Weapon </a:t>
+            </a:r>
+            <a:r>
+              <a:rPr lang="en-GB" sz="3600" dirty="0">
+                <a:solidFill>
+                  <a:schemeClr val="bg1"/>
+                </a:solidFill>
+              </a:rPr>
+              <a:t>has only 1 Enemy</a:t>
+            </a:r>
+          </a:p>
+        </p:txBody>
+      </p:sp>
+      <p:pic>
+        <p:nvPicPr>
+          <p:cNvPr id="5" name="Picture 4" descr="A screenshot of a video game&#10;&#10;Description automatically generated">
+            <a:extLst>
+              <a:ext uri="{FF2B5EF4-FFF2-40B4-BE49-F238E27FC236}">
+                <a16:creationId xmlns:a16="http://schemas.microsoft.com/office/drawing/2014/main" id="{DEE36F08-B0BF-45F3-BFAA-A118577AC846}"/>
+              </a:ext>
+            </a:extLst>
+          </p:cNvPr>
+          <p:cNvPicPr>
+            <a:picLocks noChangeAspect="1"/>
+          </p:cNvPicPr>
+          <p:nvPr/>
+        </p:nvPicPr>
+        <p:blipFill>
+          <a:blip r:embed="rId2">
+            <a:extLst>
+              <a:ext uri="{28A0092B-C50C-407E-A947-70E740481C1C}">
+                <a14:useLocalDpi xmlns:a14="http://schemas.microsoft.com/office/drawing/2010/main" val="0"/>
+              </a:ext>
+            </a:extLst>
+          </a:blip>
+          <a:stretch>
+            <a:fillRect/>
+          </a:stretch>
+        </p:blipFill>
+        <p:spPr>
+          <a:xfrm>
+            <a:off x="1737917" y="1844824"/>
+            <a:ext cx="5668166" cy="1476581"/>
+          </a:xfrm>
+          <a:prstGeom prst="rect">
+            <a:avLst/>
+          </a:prstGeom>
+        </p:spPr>
+      </p:pic>
+    </p:spTree>
+    <p:extLst>
+      <p:ext uri="{BB962C8B-B14F-4D97-AF65-F5344CB8AC3E}">
+        <p14:creationId xmlns:p14="http://schemas.microsoft.com/office/powerpoint/2010/main" val="4052998451"/>
+      </p:ext>
+    </p:extLst>
+  </p:cSld>
+  <p:clrMapOvr>
+    <a:masterClrMapping/>
+  </p:clrMapOvr>
+</p:sld>
+</file>
+
+<file path=ppt/slides/slide28.xml><?xml version="1.0" encoding="utf-8"?>
+<p:sld xmlns:a="http://schemas.openxmlformats.org/drawingml/2006/main" xmlns:r="http://schemas.openxmlformats.org/officeDocument/2006/relationships" xmlns:p="http://schemas.openxmlformats.org/presentationml/2006/main">
+  <p:cSld>
+    <p:spTree>
+      <p:nvGrpSpPr>
+        <p:cNvPr id="1" name=""/>
+        <p:cNvGrpSpPr/>
+        <p:nvPr/>
+      </p:nvGrpSpPr>
+      <p:grpSpPr>
+        <a:xfrm>
+          <a:off x="0" y="0"/>
+          <a:ext cx="0" cy="0"/>
+          <a:chOff x="0" y="0"/>
+          <a:chExt cx="0" cy="0"/>
+        </a:xfrm>
+      </p:grpSpPr>
+      <p:pic>
+        <p:nvPicPr>
+          <p:cNvPr id="4" name="Picture 3" descr="A close up of a logo&#10;&#10;Description automatically generated">
+            <a:extLst>
+              <a:ext uri="{FF2B5EF4-FFF2-40B4-BE49-F238E27FC236}">
+                <a16:creationId xmlns:a16="http://schemas.microsoft.com/office/drawing/2014/main" id="{5CD7B902-C559-4D0F-BC70-07AD21073A7E}"/>
+              </a:ext>
+            </a:extLst>
+          </p:cNvPr>
+          <p:cNvPicPr>
+            <a:picLocks noChangeAspect="1"/>
+          </p:cNvPicPr>
+          <p:nvPr/>
+        </p:nvPicPr>
+        <p:blipFill>
+          <a:blip r:embed="rId2">
+            <a:extLst>
+              <a:ext uri="{28A0092B-C50C-407E-A947-70E740481C1C}">
+                <a14:useLocalDpi xmlns:a14="http://schemas.microsoft.com/office/drawing/2010/main" val="0"/>
+              </a:ext>
+            </a:extLst>
+          </a:blip>
+          <a:stretch>
+            <a:fillRect/>
+          </a:stretch>
+        </p:blipFill>
+        <p:spPr>
+          <a:xfrm>
+            <a:off x="1020761" y="1401301"/>
+            <a:ext cx="7102478" cy="4478083"/>
+          </a:xfrm>
+          <a:prstGeom prst="rect">
+            <a:avLst/>
+          </a:prstGeom>
+        </p:spPr>
+      </p:pic>
+      <p:sp>
+        <p:nvSpPr>
+          <p:cNvPr id="2" name="Title 1">
+            <a:extLst>
+              <a:ext uri="{FF2B5EF4-FFF2-40B4-BE49-F238E27FC236}">
+                <a16:creationId xmlns:a16="http://schemas.microsoft.com/office/drawing/2014/main" id="{DA1EABA9-ECE4-ED45-96AD-D11605468DF1}"/>
+              </a:ext>
+            </a:extLst>
+          </p:cNvPr>
+          <p:cNvSpPr>
+            <a:spLocks noGrp="1"/>
+          </p:cNvSpPr>
+          <p:nvPr>
+            <p:ph type="title"/>
+          </p:nvPr>
+        </p:nvSpPr>
+        <p:spPr>
+          <a:xfrm>
+            <a:off x="457200" y="548680"/>
+            <a:ext cx="8229600" cy="634082"/>
+          </a:xfrm>
+        </p:spPr>
+        <p:txBody>
+          <a:bodyPr/>
+          <a:lstStyle/>
+          <a:p>
+            <a:r>
+              <a:rPr lang="en-GB" sz="4000" dirty="0">
+                <a:solidFill>
+                  <a:srgbClr val="FFFFFF"/>
+                </a:solidFill>
+                <a:latin typeface="URWGothicL"/>
+              </a:rPr>
+              <a:t>Class Diagram</a:t>
+            </a:r>
+            <a:endParaRPr lang="en-US" sz="4000" dirty="0"/>
+          </a:p>
+        </p:txBody>
+      </p:sp>
+      <p:sp>
+        <p:nvSpPr>
+          <p:cNvPr id="16" name="TextBox 15">
+            <a:extLst>
+              <a:ext uri="{FF2B5EF4-FFF2-40B4-BE49-F238E27FC236}">
+                <a16:creationId xmlns:a16="http://schemas.microsoft.com/office/drawing/2014/main" id="{8630CC86-B3A4-454E-9894-A3729AA8F0C2}"/>
+              </a:ext>
+            </a:extLst>
+          </p:cNvPr>
+          <p:cNvSpPr txBox="1"/>
+          <p:nvPr/>
+        </p:nvSpPr>
+        <p:spPr>
+          <a:xfrm>
+            <a:off x="3275856" y="6097923"/>
+            <a:ext cx="2373086" cy="646331"/>
+          </a:xfrm>
+          <a:prstGeom prst="rect">
+            <a:avLst/>
+          </a:prstGeom>
+          <a:noFill/>
+        </p:spPr>
+        <p:txBody>
+          <a:bodyPr wrap="none" rtlCol="0">
+            <a:spAutoFit/>
+          </a:bodyPr>
+          <a:lstStyle/>
+          <a:p>
+            <a:r>
+              <a:rPr lang="en-GB" sz="3600" b="1" dirty="0">
+                <a:solidFill>
+                  <a:schemeClr val="bg1"/>
+                </a:solidFill>
+              </a:rPr>
+              <a:t>Inheritance</a:t>
+            </a:r>
+            <a:endParaRPr lang="en-GB" sz="3600" dirty="0">
+              <a:solidFill>
+                <a:schemeClr val="bg1"/>
+              </a:solidFill>
+            </a:endParaRPr>
+          </a:p>
+        </p:txBody>
+      </p:sp>
+    </p:spTree>
+    <p:extLst>
+      <p:ext uri="{BB962C8B-B14F-4D97-AF65-F5344CB8AC3E}">
+        <p14:creationId xmlns:p14="http://schemas.microsoft.com/office/powerpoint/2010/main" val="380214689"/>
+      </p:ext>
+    </p:extLst>
+  </p:cSld>
+  <p:clrMapOvr>
+    <a:masterClrMapping/>
+  </p:clrMapOvr>
+</p:sld>
+</file>
+
+<file path=ppt/slides/slide29.xml><?xml version="1.0" encoding="utf-8"?>
+<p:sld xmlns:a="http://schemas.openxmlformats.org/drawingml/2006/main" xmlns:r="http://schemas.openxmlformats.org/officeDocument/2006/relationships" xmlns:p="http://schemas.openxmlformats.org/presentationml/2006/main">
+  <p:cSld>
+    <p:spTree>
+      <p:nvGrpSpPr>
+        <p:cNvPr id="1" name=""/>
+        <p:cNvGrpSpPr/>
+        <p:nvPr/>
+      </p:nvGrpSpPr>
+      <p:grpSpPr>
+        <a:xfrm>
+          <a:off x="0" y="0"/>
+          <a:ext cx="0" cy="0"/>
+          <a:chOff x="0" y="0"/>
+          <a:chExt cx="0" cy="0"/>
+        </a:xfrm>
+      </p:grpSpPr>
+      <p:sp>
+        <p:nvSpPr>
+          <p:cNvPr id="2" name="Title 1">
+            <a:extLst>
+              <a:ext uri="{FF2B5EF4-FFF2-40B4-BE49-F238E27FC236}">
+                <a16:creationId xmlns:a16="http://schemas.microsoft.com/office/drawing/2014/main" id="{DA1EABA9-ECE4-ED45-96AD-D11605468DF1}"/>
+              </a:ext>
+            </a:extLst>
+          </p:cNvPr>
+          <p:cNvSpPr>
+            <a:spLocks noGrp="1"/>
+          </p:cNvSpPr>
+          <p:nvPr>
+            <p:ph type="title"/>
+          </p:nvPr>
+        </p:nvSpPr>
+        <p:spPr>
+          <a:xfrm>
+            <a:off x="457200" y="548680"/>
+            <a:ext cx="8229600" cy="634082"/>
+          </a:xfrm>
+        </p:spPr>
+        <p:txBody>
+          <a:bodyPr/>
+          <a:lstStyle/>
+          <a:p>
+            <a:r>
+              <a:rPr lang="en-GB" sz="4000" dirty="0">
+                <a:solidFill>
+                  <a:srgbClr val="FFFFFF"/>
+                </a:solidFill>
+                <a:latin typeface="URWGothicL"/>
+              </a:rPr>
+              <a:t>Class Diagram</a:t>
+            </a:r>
+            <a:endParaRPr lang="en-US" sz="4000" dirty="0"/>
+          </a:p>
+        </p:txBody>
+      </p:sp>
+      <p:pic>
+        <p:nvPicPr>
+          <p:cNvPr id="4" name="Picture 3" descr="A screenshot of a social media post&#10;&#10;Description automatically generated">
+            <a:extLst>
+              <a:ext uri="{FF2B5EF4-FFF2-40B4-BE49-F238E27FC236}">
+                <a16:creationId xmlns:a16="http://schemas.microsoft.com/office/drawing/2014/main" id="{BA1C85A5-AF8D-4DEE-BB43-52079F3766EE}"/>
+              </a:ext>
+            </a:extLst>
+          </p:cNvPr>
+          <p:cNvPicPr>
+            <a:picLocks noChangeAspect="1"/>
+          </p:cNvPicPr>
+          <p:nvPr/>
+        </p:nvPicPr>
+        <p:blipFill>
+          <a:blip r:embed="rId2">
+            <a:extLst>
+              <a:ext uri="{28A0092B-C50C-407E-A947-70E740481C1C}">
+                <a14:useLocalDpi xmlns:a14="http://schemas.microsoft.com/office/drawing/2010/main" val="0"/>
+              </a:ext>
+            </a:extLst>
+          </a:blip>
+          <a:stretch>
+            <a:fillRect/>
+          </a:stretch>
+        </p:blipFill>
+        <p:spPr>
+          <a:xfrm>
+            <a:off x="457200" y="1556792"/>
+            <a:ext cx="4296375" cy="5087060"/>
+          </a:xfrm>
+          <a:prstGeom prst="rect">
+            <a:avLst/>
+          </a:prstGeom>
+        </p:spPr>
+      </p:pic>
+      <p:sp>
+        <p:nvSpPr>
+          <p:cNvPr id="16" name="TextBox 15">
+            <a:extLst>
+              <a:ext uri="{FF2B5EF4-FFF2-40B4-BE49-F238E27FC236}">
+                <a16:creationId xmlns:a16="http://schemas.microsoft.com/office/drawing/2014/main" id="{8630CC86-B3A4-454E-9894-A3729AA8F0C2}"/>
+              </a:ext>
+            </a:extLst>
+          </p:cNvPr>
+          <p:cNvSpPr txBox="1"/>
+          <p:nvPr/>
+        </p:nvSpPr>
+        <p:spPr>
+          <a:xfrm>
+            <a:off x="6012160" y="3777156"/>
+            <a:ext cx="2418162" cy="646331"/>
+          </a:xfrm>
+          <a:prstGeom prst="rect">
+            <a:avLst/>
+          </a:prstGeom>
+          <a:noFill/>
+        </p:spPr>
+        <p:txBody>
+          <a:bodyPr wrap="none" rtlCol="0">
+            <a:spAutoFit/>
+          </a:bodyPr>
+          <a:lstStyle/>
+          <a:p>
+            <a:r>
+              <a:rPr lang="en-GB" sz="3600" dirty="0">
+                <a:solidFill>
+                  <a:schemeClr val="bg1"/>
+                </a:solidFill>
+              </a:rPr>
+              <a:t>Implements</a:t>
+            </a:r>
+          </a:p>
+        </p:txBody>
+      </p:sp>
+    </p:spTree>
+    <p:extLst>
+      <p:ext uri="{BB962C8B-B14F-4D97-AF65-F5344CB8AC3E}">
+        <p14:creationId xmlns:p14="http://schemas.microsoft.com/office/powerpoint/2010/main" val="3902075128"/>
       </p:ext>
     </p:extLst>
   </p:cSld>
@@ -4903,6 +9702,730 @@
     <p:extLst>
       <p:ext uri="{BB962C8B-B14F-4D97-AF65-F5344CB8AC3E}">
         <p14:creationId xmlns:p14="http://schemas.microsoft.com/office/powerpoint/2010/main" val="2263018052"/>
+      </p:ext>
+    </p:extLst>
+  </p:cSld>
+  <p:clrMapOvr>
+    <a:masterClrMapping/>
+  </p:clrMapOvr>
+</p:sld>
+</file>
+
+<file path=ppt/slides/slide30.xml><?xml version="1.0" encoding="utf-8"?>
+<p:sld xmlns:a="http://schemas.openxmlformats.org/drawingml/2006/main" xmlns:r="http://schemas.openxmlformats.org/officeDocument/2006/relationships" xmlns:p="http://schemas.openxmlformats.org/presentationml/2006/main">
+  <p:cSld>
+    <p:spTree>
+      <p:nvGrpSpPr>
+        <p:cNvPr id="1" name=""/>
+        <p:cNvGrpSpPr/>
+        <p:nvPr/>
+      </p:nvGrpSpPr>
+      <p:grpSpPr>
+        <a:xfrm>
+          <a:off x="0" y="0"/>
+          <a:ext cx="0" cy="0"/>
+          <a:chOff x="0" y="0"/>
+          <a:chExt cx="0" cy="0"/>
+        </a:xfrm>
+      </p:grpSpPr>
+      <p:sp>
+        <p:nvSpPr>
+          <p:cNvPr id="2" name="Title 1">
+            <a:extLst>
+              <a:ext uri="{FF2B5EF4-FFF2-40B4-BE49-F238E27FC236}">
+                <a16:creationId xmlns:a16="http://schemas.microsoft.com/office/drawing/2014/main" id="{DA1EABA9-ECE4-ED45-96AD-D11605468DF1}"/>
+              </a:ext>
+            </a:extLst>
+          </p:cNvPr>
+          <p:cNvSpPr>
+            <a:spLocks noGrp="1"/>
+          </p:cNvSpPr>
+          <p:nvPr>
+            <p:ph type="title"/>
+          </p:nvPr>
+        </p:nvSpPr>
+        <p:spPr>
+          <a:xfrm>
+            <a:off x="457200" y="548680"/>
+            <a:ext cx="8229600" cy="634082"/>
+          </a:xfrm>
+        </p:spPr>
+        <p:txBody>
+          <a:bodyPr/>
+          <a:lstStyle/>
+          <a:p>
+            <a:r>
+              <a:rPr lang="en-GB" sz="4000" dirty="0">
+                <a:solidFill>
+                  <a:srgbClr val="FFFFFF"/>
+                </a:solidFill>
+                <a:latin typeface="URWGothicL"/>
+              </a:rPr>
+              <a:t>Class Diagram</a:t>
+            </a:r>
+            <a:endParaRPr lang="en-US" sz="4000" dirty="0"/>
+          </a:p>
+        </p:txBody>
+      </p:sp>
+      <p:grpSp>
+        <p:nvGrpSpPr>
+          <p:cNvPr id="6" name="Group 5">
+            <a:extLst>
+              <a:ext uri="{FF2B5EF4-FFF2-40B4-BE49-F238E27FC236}">
+                <a16:creationId xmlns:a16="http://schemas.microsoft.com/office/drawing/2014/main" id="{BF318BC5-6F7F-4166-A2EA-8637EB5DDA48}"/>
+              </a:ext>
+            </a:extLst>
+          </p:cNvPr>
+          <p:cNvGrpSpPr/>
+          <p:nvPr/>
+        </p:nvGrpSpPr>
+        <p:grpSpPr>
+          <a:xfrm>
+            <a:off x="1533101" y="2852936"/>
+            <a:ext cx="6077798" cy="2846074"/>
+            <a:chOff x="1533101" y="1733313"/>
+            <a:chExt cx="6077798" cy="2846074"/>
+          </a:xfrm>
+        </p:grpSpPr>
+        <p:sp>
+          <p:nvSpPr>
+            <p:cNvPr id="16" name="TextBox 15">
+              <a:extLst>
+                <a:ext uri="{FF2B5EF4-FFF2-40B4-BE49-F238E27FC236}">
+                  <a16:creationId xmlns:a16="http://schemas.microsoft.com/office/drawing/2014/main" id="{8630CC86-B3A4-454E-9894-A3729AA8F0C2}"/>
+                </a:ext>
+              </a:extLst>
+            </p:cNvPr>
+            <p:cNvSpPr txBox="1"/>
+            <p:nvPr/>
+          </p:nvSpPr>
+          <p:spPr>
+            <a:xfrm>
+              <a:off x="3307872" y="3933056"/>
+              <a:ext cx="2528256" cy="646331"/>
+            </a:xfrm>
+            <a:prstGeom prst="rect">
+              <a:avLst/>
+            </a:prstGeom>
+            <a:noFill/>
+          </p:spPr>
+          <p:txBody>
+            <a:bodyPr wrap="none" rtlCol="0">
+              <a:spAutoFit/>
+            </a:bodyPr>
+            <a:lstStyle/>
+            <a:p>
+              <a:r>
+                <a:rPr lang="en-GB" sz="3600" dirty="0">
+                  <a:solidFill>
+                    <a:schemeClr val="bg1"/>
+                  </a:solidFill>
+                </a:rPr>
+                <a:t>Dependency</a:t>
+              </a:r>
+            </a:p>
+          </p:txBody>
+        </p:sp>
+        <p:pic>
+          <p:nvPicPr>
+            <p:cNvPr id="5" name="Picture 4" descr="A screenshot of text&#10;&#10;Description automatically generated">
+              <a:extLst>
+                <a:ext uri="{FF2B5EF4-FFF2-40B4-BE49-F238E27FC236}">
+                  <a16:creationId xmlns:a16="http://schemas.microsoft.com/office/drawing/2014/main" id="{A29395DC-9D5F-4555-9C0D-F9B4269F2412}"/>
+                </a:ext>
+              </a:extLst>
+            </p:cNvPr>
+            <p:cNvPicPr>
+              <a:picLocks noChangeAspect="1"/>
+            </p:cNvPicPr>
+            <p:nvPr/>
+          </p:nvPicPr>
+          <p:blipFill>
+            <a:blip r:embed="rId2">
+              <a:extLst>
+                <a:ext uri="{28A0092B-C50C-407E-A947-70E740481C1C}">
+                  <a14:useLocalDpi xmlns:a14="http://schemas.microsoft.com/office/drawing/2010/main" val="0"/>
+                </a:ext>
+              </a:extLst>
+            </a:blip>
+            <a:stretch>
+              <a:fillRect/>
+            </a:stretch>
+          </p:blipFill>
+          <p:spPr>
+            <a:xfrm>
+              <a:off x="1533101" y="1733313"/>
+              <a:ext cx="6077798" cy="1695687"/>
+            </a:xfrm>
+            <a:prstGeom prst="rect">
+              <a:avLst/>
+            </a:prstGeom>
+          </p:spPr>
+        </p:pic>
+      </p:grpSp>
+    </p:spTree>
+    <p:extLst>
+      <p:ext uri="{BB962C8B-B14F-4D97-AF65-F5344CB8AC3E}">
+        <p14:creationId xmlns:p14="http://schemas.microsoft.com/office/powerpoint/2010/main" val="1206213775"/>
+      </p:ext>
+    </p:extLst>
+  </p:cSld>
+  <p:clrMapOvr>
+    <a:masterClrMapping/>
+  </p:clrMapOvr>
+</p:sld>
+</file>
+
+<file path=ppt/slides/slide31.xml><?xml version="1.0" encoding="utf-8"?>
+<p:sld xmlns:a="http://schemas.openxmlformats.org/drawingml/2006/main" xmlns:r="http://schemas.openxmlformats.org/officeDocument/2006/relationships" xmlns:p="http://schemas.openxmlformats.org/presentationml/2006/main">
+  <p:cSld>
+    <p:spTree>
+      <p:nvGrpSpPr>
+        <p:cNvPr id="1" name=""/>
+        <p:cNvGrpSpPr/>
+        <p:nvPr/>
+      </p:nvGrpSpPr>
+      <p:grpSpPr>
+        <a:xfrm>
+          <a:off x="0" y="0"/>
+          <a:ext cx="0" cy="0"/>
+          <a:chOff x="0" y="0"/>
+          <a:chExt cx="0" cy="0"/>
+        </a:xfrm>
+      </p:grpSpPr>
+      <p:sp>
+        <p:nvSpPr>
+          <p:cNvPr id="2" name="Title 1">
+            <a:extLst>
+              <a:ext uri="{FF2B5EF4-FFF2-40B4-BE49-F238E27FC236}">
+                <a16:creationId xmlns:a16="http://schemas.microsoft.com/office/drawing/2014/main" id="{DA1EABA9-ECE4-ED45-96AD-D11605468DF1}"/>
+              </a:ext>
+            </a:extLst>
+          </p:cNvPr>
+          <p:cNvSpPr>
+            <a:spLocks noGrp="1"/>
+          </p:cNvSpPr>
+          <p:nvPr>
+            <p:ph type="title"/>
+          </p:nvPr>
+        </p:nvSpPr>
+        <p:spPr>
+          <a:xfrm>
+            <a:off x="457200" y="548680"/>
+            <a:ext cx="8229600" cy="634082"/>
+          </a:xfrm>
+        </p:spPr>
+        <p:txBody>
+          <a:bodyPr/>
+          <a:lstStyle/>
+          <a:p>
+            <a:r>
+              <a:rPr lang="en-GB" sz="4000" dirty="0">
+                <a:solidFill>
+                  <a:srgbClr val="FFFFFF"/>
+                </a:solidFill>
+                <a:latin typeface="URWGothicL"/>
+              </a:rPr>
+              <a:t>Class Diagram</a:t>
+            </a:r>
+            <a:endParaRPr lang="en-US" sz="4000" dirty="0"/>
+          </a:p>
+        </p:txBody>
+      </p:sp>
+      <p:sp>
+        <p:nvSpPr>
+          <p:cNvPr id="16" name="TextBox 15">
+            <a:extLst>
+              <a:ext uri="{FF2B5EF4-FFF2-40B4-BE49-F238E27FC236}">
+                <a16:creationId xmlns:a16="http://schemas.microsoft.com/office/drawing/2014/main" id="{8630CC86-B3A4-454E-9894-A3729AA8F0C2}"/>
+              </a:ext>
+            </a:extLst>
+          </p:cNvPr>
+          <p:cNvSpPr txBox="1"/>
+          <p:nvPr/>
+        </p:nvSpPr>
+        <p:spPr>
+          <a:xfrm>
+            <a:off x="3348075" y="5823698"/>
+            <a:ext cx="2447850" cy="646331"/>
+          </a:xfrm>
+          <a:prstGeom prst="rect">
+            <a:avLst/>
+          </a:prstGeom>
+          <a:noFill/>
+        </p:spPr>
+        <p:txBody>
+          <a:bodyPr wrap="none" rtlCol="0">
+            <a:spAutoFit/>
+          </a:bodyPr>
+          <a:lstStyle/>
+          <a:p>
+            <a:r>
+              <a:rPr lang="en-GB" sz="3600" dirty="0">
+                <a:solidFill>
+                  <a:schemeClr val="bg1"/>
+                </a:solidFill>
+              </a:rPr>
+              <a:t>Aggregation</a:t>
+            </a:r>
+          </a:p>
+        </p:txBody>
+      </p:sp>
+      <p:pic>
+        <p:nvPicPr>
+          <p:cNvPr id="4" name="Picture 3" descr="A picture containing screenshot&#10;&#10;Description automatically generated">
+            <a:extLst>
+              <a:ext uri="{FF2B5EF4-FFF2-40B4-BE49-F238E27FC236}">
+                <a16:creationId xmlns:a16="http://schemas.microsoft.com/office/drawing/2014/main" id="{B7B90F1E-D43F-414B-89D6-B55F0871B284}"/>
+              </a:ext>
+            </a:extLst>
+          </p:cNvPr>
+          <p:cNvPicPr>
+            <a:picLocks noChangeAspect="1"/>
+          </p:cNvPicPr>
+          <p:nvPr/>
+        </p:nvPicPr>
+        <p:blipFill>
+          <a:blip r:embed="rId2">
+            <a:extLst>
+              <a:ext uri="{28A0092B-C50C-407E-A947-70E740481C1C}">
+                <a14:useLocalDpi xmlns:a14="http://schemas.microsoft.com/office/drawing/2010/main" val="0"/>
+              </a:ext>
+            </a:extLst>
+          </a:blip>
+          <a:stretch>
+            <a:fillRect/>
+          </a:stretch>
+        </p:blipFill>
+        <p:spPr>
+          <a:xfrm>
+            <a:off x="1909391" y="1954472"/>
+            <a:ext cx="5325218" cy="3743847"/>
+          </a:xfrm>
+          <a:prstGeom prst="rect">
+            <a:avLst/>
+          </a:prstGeom>
+        </p:spPr>
+      </p:pic>
+    </p:spTree>
+    <p:extLst>
+      <p:ext uri="{BB962C8B-B14F-4D97-AF65-F5344CB8AC3E}">
+        <p14:creationId xmlns:p14="http://schemas.microsoft.com/office/powerpoint/2010/main" val="1447803179"/>
+      </p:ext>
+    </p:extLst>
+  </p:cSld>
+  <p:clrMapOvr>
+    <a:masterClrMapping/>
+  </p:clrMapOvr>
+</p:sld>
+</file>
+
+<file path=ppt/slides/slide32.xml><?xml version="1.0" encoding="utf-8"?>
+<p:sld xmlns:a="http://schemas.openxmlformats.org/drawingml/2006/main" xmlns:r="http://schemas.openxmlformats.org/officeDocument/2006/relationships" xmlns:p="http://schemas.openxmlformats.org/presentationml/2006/main">
+  <p:cSld>
+    <p:spTree>
+      <p:nvGrpSpPr>
+        <p:cNvPr id="1" name=""/>
+        <p:cNvGrpSpPr/>
+        <p:nvPr/>
+      </p:nvGrpSpPr>
+      <p:grpSpPr>
+        <a:xfrm>
+          <a:off x="0" y="0"/>
+          <a:ext cx="0" cy="0"/>
+          <a:chOff x="0" y="0"/>
+          <a:chExt cx="0" cy="0"/>
+        </a:xfrm>
+      </p:grpSpPr>
+      <p:sp>
+        <p:nvSpPr>
+          <p:cNvPr id="2" name="Title 1">
+            <a:extLst>
+              <a:ext uri="{FF2B5EF4-FFF2-40B4-BE49-F238E27FC236}">
+                <a16:creationId xmlns:a16="http://schemas.microsoft.com/office/drawing/2014/main" id="{DA1EABA9-ECE4-ED45-96AD-D11605468DF1}"/>
+              </a:ext>
+            </a:extLst>
+          </p:cNvPr>
+          <p:cNvSpPr>
+            <a:spLocks noGrp="1"/>
+          </p:cNvSpPr>
+          <p:nvPr>
+            <p:ph type="title"/>
+          </p:nvPr>
+        </p:nvSpPr>
+        <p:spPr>
+          <a:xfrm>
+            <a:off x="457200" y="548680"/>
+            <a:ext cx="8229600" cy="634082"/>
+          </a:xfrm>
+        </p:spPr>
+        <p:txBody>
+          <a:bodyPr/>
+          <a:lstStyle/>
+          <a:p>
+            <a:r>
+              <a:rPr lang="en-GB" sz="4000" dirty="0">
+                <a:solidFill>
+                  <a:srgbClr val="FFFFFF"/>
+                </a:solidFill>
+                <a:latin typeface="URWGothicL"/>
+              </a:rPr>
+              <a:t>Class Diagram</a:t>
+            </a:r>
+            <a:endParaRPr lang="en-US" sz="4000" dirty="0"/>
+          </a:p>
+        </p:txBody>
+      </p:sp>
+      <p:sp>
+        <p:nvSpPr>
+          <p:cNvPr id="16" name="TextBox 15">
+            <a:extLst>
+              <a:ext uri="{FF2B5EF4-FFF2-40B4-BE49-F238E27FC236}">
+                <a16:creationId xmlns:a16="http://schemas.microsoft.com/office/drawing/2014/main" id="{8630CC86-B3A4-454E-9894-A3729AA8F0C2}"/>
+              </a:ext>
+            </a:extLst>
+          </p:cNvPr>
+          <p:cNvSpPr txBox="1"/>
+          <p:nvPr/>
+        </p:nvSpPr>
+        <p:spPr>
+          <a:xfrm>
+            <a:off x="3291039" y="5589240"/>
+            <a:ext cx="2561920" cy="646331"/>
+          </a:xfrm>
+          <a:prstGeom prst="rect">
+            <a:avLst/>
+          </a:prstGeom>
+          <a:noFill/>
+        </p:spPr>
+        <p:txBody>
+          <a:bodyPr wrap="none" rtlCol="0">
+            <a:spAutoFit/>
+          </a:bodyPr>
+          <a:lstStyle/>
+          <a:p>
+            <a:r>
+              <a:rPr lang="en-GB" sz="3600" dirty="0">
+                <a:solidFill>
+                  <a:schemeClr val="bg1"/>
+                </a:solidFill>
+              </a:rPr>
+              <a:t>Composition</a:t>
+            </a:r>
+          </a:p>
+        </p:txBody>
+      </p:sp>
+      <p:pic>
+        <p:nvPicPr>
+          <p:cNvPr id="4" name="Picture 3" descr="A picture containing screenshot&#10;&#10;Description automatically generated">
+            <a:extLst>
+              <a:ext uri="{FF2B5EF4-FFF2-40B4-BE49-F238E27FC236}">
+                <a16:creationId xmlns:a16="http://schemas.microsoft.com/office/drawing/2014/main" id="{BD68465D-6116-42D6-A9DA-D1A50F37526F}"/>
+              </a:ext>
+            </a:extLst>
+          </p:cNvPr>
+          <p:cNvPicPr>
+            <a:picLocks noChangeAspect="1"/>
+          </p:cNvPicPr>
+          <p:nvPr/>
+        </p:nvPicPr>
+        <p:blipFill>
+          <a:blip r:embed="rId2">
+            <a:extLst>
+              <a:ext uri="{28A0092B-C50C-407E-A947-70E740481C1C}">
+                <a14:useLocalDpi xmlns:a14="http://schemas.microsoft.com/office/drawing/2010/main" val="0"/>
+              </a:ext>
+            </a:extLst>
+          </a:blip>
+          <a:stretch>
+            <a:fillRect/>
+          </a:stretch>
+        </p:blipFill>
+        <p:spPr>
+          <a:xfrm>
+            <a:off x="2390470" y="2094066"/>
+            <a:ext cx="4363059" cy="3258005"/>
+          </a:xfrm>
+          <a:prstGeom prst="rect">
+            <a:avLst/>
+          </a:prstGeom>
+        </p:spPr>
+      </p:pic>
+    </p:spTree>
+    <p:extLst>
+      <p:ext uri="{BB962C8B-B14F-4D97-AF65-F5344CB8AC3E}">
+        <p14:creationId xmlns:p14="http://schemas.microsoft.com/office/powerpoint/2010/main" val="546284413"/>
+      </p:ext>
+    </p:extLst>
+  </p:cSld>
+  <p:clrMapOvr>
+    <a:masterClrMapping/>
+  </p:clrMapOvr>
+</p:sld>
+</file>
+
+<file path=ppt/slides/slide33.xml><?xml version="1.0" encoding="utf-8"?>
+<p:sld xmlns:a="http://schemas.openxmlformats.org/drawingml/2006/main" xmlns:r="http://schemas.openxmlformats.org/officeDocument/2006/relationships" xmlns:p="http://schemas.openxmlformats.org/presentationml/2006/main">
+  <p:cSld>
+    <p:spTree>
+      <p:nvGrpSpPr>
+        <p:cNvPr id="1" name=""/>
+        <p:cNvGrpSpPr/>
+        <p:nvPr/>
+      </p:nvGrpSpPr>
+      <p:grpSpPr>
+        <a:xfrm>
+          <a:off x="0" y="0"/>
+          <a:ext cx="0" cy="0"/>
+          <a:chOff x="0" y="0"/>
+          <a:chExt cx="0" cy="0"/>
+        </a:xfrm>
+      </p:grpSpPr>
+      <p:sp>
+        <p:nvSpPr>
+          <p:cNvPr id="2" name="Title 1">
+            <a:extLst>
+              <a:ext uri="{FF2B5EF4-FFF2-40B4-BE49-F238E27FC236}">
+                <a16:creationId xmlns:a16="http://schemas.microsoft.com/office/drawing/2014/main" id="{DA1EABA9-ECE4-ED45-96AD-D11605468DF1}"/>
+              </a:ext>
+            </a:extLst>
+          </p:cNvPr>
+          <p:cNvSpPr>
+            <a:spLocks noGrp="1"/>
+          </p:cNvSpPr>
+          <p:nvPr>
+            <p:ph type="title"/>
+          </p:nvPr>
+        </p:nvSpPr>
+        <p:spPr>
+          <a:xfrm>
+            <a:off x="457200" y="548680"/>
+            <a:ext cx="8229600" cy="634082"/>
+          </a:xfrm>
+        </p:spPr>
+        <p:txBody>
+          <a:bodyPr/>
+          <a:lstStyle/>
+          <a:p>
+            <a:r>
+              <a:rPr lang="en-GB" sz="4000" dirty="0">
+                <a:solidFill>
+                  <a:srgbClr val="FFFFFF"/>
+                </a:solidFill>
+                <a:latin typeface="URWGothicL"/>
+              </a:rPr>
+              <a:t>UML Tips</a:t>
+            </a:r>
+            <a:endParaRPr lang="en-US" sz="4000" dirty="0"/>
+          </a:p>
+        </p:txBody>
+      </p:sp>
+      <p:sp>
+        <p:nvSpPr>
+          <p:cNvPr id="3" name="Content Placeholder 2">
+            <a:extLst>
+              <a:ext uri="{FF2B5EF4-FFF2-40B4-BE49-F238E27FC236}">
+                <a16:creationId xmlns:a16="http://schemas.microsoft.com/office/drawing/2014/main" id="{F11D3774-F227-E54D-8B35-5A75C345CFD0}"/>
+              </a:ext>
+            </a:extLst>
+          </p:cNvPr>
+          <p:cNvSpPr>
+            <a:spLocks noGrp="1"/>
+          </p:cNvSpPr>
+          <p:nvPr>
+            <p:ph idx="1"/>
+          </p:nvPr>
+        </p:nvSpPr>
+        <p:spPr>
+          <a:xfrm>
+            <a:off x="457200" y="1484784"/>
+            <a:ext cx="8229600" cy="5217443"/>
+          </a:xfrm>
+        </p:spPr>
+        <p:txBody>
+          <a:bodyPr anchor="ctr">
+            <a:normAutofit fontScale="92500" lnSpcReduction="20000"/>
+          </a:bodyPr>
+          <a:lstStyle/>
+          <a:p>
+            <a:r>
+              <a:rPr lang="en-GB" sz="3600" dirty="0">
+                <a:effectLst/>
+              </a:rPr>
+              <a:t>While UML is a standard, like Agile it is sometimes helpful to modify for your use case</a:t>
+            </a:r>
+          </a:p>
+          <a:p>
+            <a:r>
+              <a:rPr lang="en-GB" sz="3600" dirty="0"/>
+              <a:t>You can make multiple diagrams at different levels</a:t>
+            </a:r>
+          </a:p>
+          <a:p>
+            <a:pPr lvl="1"/>
+            <a:r>
+              <a:rPr lang="en-GB" sz="3200" dirty="0">
+                <a:effectLst/>
+              </a:rPr>
+              <a:t>A high level class diagram to show relationships</a:t>
+            </a:r>
+          </a:p>
+          <a:p>
+            <a:pPr lvl="1"/>
+            <a:r>
+              <a:rPr lang="en-GB" sz="3200" dirty="0"/>
+              <a:t>Lower level which shows implementation</a:t>
+            </a:r>
+          </a:p>
+          <a:p>
+            <a:r>
+              <a:rPr lang="en-GB" sz="3600" dirty="0">
+                <a:effectLst/>
+              </a:rPr>
+              <a:t>You don’t need to use each diagram type in your projects, you will find some more useful than others</a:t>
+            </a:r>
+          </a:p>
+        </p:txBody>
+      </p:sp>
+    </p:spTree>
+    <p:extLst>
+      <p:ext uri="{BB962C8B-B14F-4D97-AF65-F5344CB8AC3E}">
+        <p14:creationId xmlns:p14="http://schemas.microsoft.com/office/powerpoint/2010/main" val="3943584856"/>
+      </p:ext>
+    </p:extLst>
+  </p:cSld>
+  <p:clrMapOvr>
+    <a:masterClrMapping/>
+  </p:clrMapOvr>
+</p:sld>
+</file>
+
+<file path=ppt/slides/slide34.xml><?xml version="1.0" encoding="utf-8"?>
+<p:sld xmlns:a="http://schemas.openxmlformats.org/drawingml/2006/main" xmlns:r="http://schemas.openxmlformats.org/officeDocument/2006/relationships" xmlns:p="http://schemas.openxmlformats.org/presentationml/2006/main">
+  <p:cSld>
+    <p:spTree>
+      <p:nvGrpSpPr>
+        <p:cNvPr id="1" name=""/>
+        <p:cNvGrpSpPr/>
+        <p:nvPr/>
+      </p:nvGrpSpPr>
+      <p:grpSpPr>
+        <a:xfrm>
+          <a:off x="0" y="0"/>
+          <a:ext cx="0" cy="0"/>
+          <a:chOff x="0" y="0"/>
+          <a:chExt cx="0" cy="0"/>
+        </a:xfrm>
+      </p:grpSpPr>
+      <p:sp>
+        <p:nvSpPr>
+          <p:cNvPr id="2" name="Title 1">
+            <a:extLst>
+              <a:ext uri="{FF2B5EF4-FFF2-40B4-BE49-F238E27FC236}">
+                <a16:creationId xmlns:a16="http://schemas.microsoft.com/office/drawing/2014/main" id="{DA1EABA9-ECE4-ED45-96AD-D11605468DF1}"/>
+              </a:ext>
+            </a:extLst>
+          </p:cNvPr>
+          <p:cNvSpPr>
+            <a:spLocks noGrp="1"/>
+          </p:cNvSpPr>
+          <p:nvPr>
+            <p:ph type="title"/>
+          </p:nvPr>
+        </p:nvSpPr>
+        <p:spPr>
+          <a:xfrm>
+            <a:off x="457200" y="548680"/>
+            <a:ext cx="8229600" cy="634082"/>
+          </a:xfrm>
+        </p:spPr>
+        <p:txBody>
+          <a:bodyPr/>
+          <a:lstStyle/>
+          <a:p>
+            <a:r>
+              <a:rPr lang="en-GB" sz="4000" dirty="0">
+                <a:solidFill>
+                  <a:srgbClr val="FFFFFF"/>
+                </a:solidFill>
+                <a:latin typeface="URWGothicL"/>
+              </a:rPr>
+              <a:t>Diagramming Tools</a:t>
+            </a:r>
+            <a:endParaRPr lang="en-US" sz="4000" dirty="0"/>
+          </a:p>
+        </p:txBody>
+      </p:sp>
+      <p:sp>
+        <p:nvSpPr>
+          <p:cNvPr id="3" name="Content Placeholder 2">
+            <a:extLst>
+              <a:ext uri="{FF2B5EF4-FFF2-40B4-BE49-F238E27FC236}">
+                <a16:creationId xmlns:a16="http://schemas.microsoft.com/office/drawing/2014/main" id="{F11D3774-F227-E54D-8B35-5A75C345CFD0}"/>
+              </a:ext>
+            </a:extLst>
+          </p:cNvPr>
+          <p:cNvSpPr>
+            <a:spLocks noGrp="1"/>
+          </p:cNvSpPr>
+          <p:nvPr>
+            <p:ph idx="1"/>
+          </p:nvPr>
+        </p:nvSpPr>
+        <p:spPr>
+          <a:xfrm>
+            <a:off x="457200" y="1484784"/>
+            <a:ext cx="8229600" cy="5217443"/>
+          </a:xfrm>
+        </p:spPr>
+        <p:txBody>
+          <a:bodyPr anchor="ctr">
+            <a:normAutofit/>
+          </a:bodyPr>
+          <a:lstStyle/>
+          <a:p>
+            <a:r>
+              <a:rPr lang="en-GB" dirty="0" err="1"/>
+              <a:t>Gliffy</a:t>
+            </a:r>
+            <a:r>
+              <a:rPr lang="en-GB" dirty="0"/>
+              <a:t> - </a:t>
+            </a:r>
+            <a:r>
+              <a:rPr lang="en-GB" u="sng" dirty="0">
+                <a:hlinkClick r:id="rId2"/>
+              </a:rPr>
+              <a:t>https://go.gliffy.com/go/auth/login</a:t>
+            </a:r>
+            <a:r>
+              <a:rPr lang="en-GB" u="sng" dirty="0"/>
+              <a:t> </a:t>
+            </a:r>
+            <a:endParaRPr lang="en-GB" dirty="0"/>
+          </a:p>
+          <a:p>
+            <a:r>
+              <a:rPr lang="en-GB" dirty="0"/>
+              <a:t>draw.io - </a:t>
+            </a:r>
+            <a:r>
+              <a:rPr lang="en-GB" u="sng" dirty="0">
+                <a:hlinkClick r:id="rId3"/>
+              </a:rPr>
+              <a:t>https://www.draw.io/</a:t>
+            </a:r>
+            <a:r>
+              <a:rPr lang="en-GB" dirty="0"/>
+              <a:t> </a:t>
+            </a:r>
+          </a:p>
+        </p:txBody>
+      </p:sp>
+    </p:spTree>
+    <p:extLst>
+      <p:ext uri="{BB962C8B-B14F-4D97-AF65-F5344CB8AC3E}">
+        <p14:creationId xmlns:p14="http://schemas.microsoft.com/office/powerpoint/2010/main" val="338029304"/>
       </p:ext>
     </p:extLst>
   </p:cSld>
@@ -5120,7 +10643,7 @@
         </p:spPr>
         <p:txBody>
           <a:bodyPr anchor="ctr">
-            <a:normAutofit/>
+            <a:normAutofit fontScale="92500" lnSpcReduction="20000"/>
           </a:bodyPr>
           <a:lstStyle/>
           <a:p>
@@ -5128,26 +10651,49 @@
               <a:rPr lang="en-GB" sz="3600" dirty="0">
                 <a:effectLst/>
               </a:rPr>
-              <a:t>In COMP110 you were introduced to flow charts and </a:t>
+              <a:t>UML is a visual notation system which can be used to design software</a:t>
+            </a:r>
+          </a:p>
+          <a:p>
+            <a:r>
+              <a:rPr lang="en-GB" sz="3600" dirty="0">
+                <a:effectLst/>
+              </a:rPr>
+              <a:t>It was first devised in 1996 </a:t>
             </a:r>
             <a:r>
               <a:rPr lang="en-GB" sz="3600" dirty="0"/>
-              <a:t>pseudocode</a:t>
-            </a:r>
-            <a:endParaRPr lang="en-GB" sz="3600" dirty="0">
-              <a:effectLst/>
-            </a:endParaRPr>
-          </a:p>
-          <a:p>
+              <a:t>by </a:t>
+            </a:r>
+            <a:r>
+              <a:rPr lang="en-GB" sz="3600" dirty="0" err="1"/>
+              <a:t>Booch</a:t>
+            </a:r>
             <a:r>
               <a:rPr lang="en-GB" sz="3600" dirty="0"/>
-              <a:t>These were useful for designing the high level flow of an application, and detail how an algorithm could be implemented</a:t>
+              <a:t>, Jacobson and Rumbaugh</a:t>
+            </a:r>
+          </a:p>
+          <a:p>
+            <a:r>
+              <a:rPr lang="en-GB" sz="3600" dirty="0">
+                <a:effectLst/>
+              </a:rPr>
+              <a:t>The goal was to unify/standardise all the various modelling languages and diagrams used in Software Development</a:t>
             </a:r>
           </a:p>
           <a:p>
             <a:r>
               <a:rPr lang="en-GB" sz="3600" dirty="0"/>
-              <a:t>UML is an attempt to create a formal design language for designing software </a:t>
+              <a:t>In 2005, ISO published UML as an international standard</a:t>
+            </a:r>
+          </a:p>
+          <a:p>
+            <a:r>
+              <a:rPr lang="en-GB" sz="3600" dirty="0">
+                <a:effectLst/>
+              </a:rPr>
+              <a:t>UML 2.0 is the most current version, there are currently 14 different diagram types</a:t>
             </a:r>
             <a:endParaRPr lang="en-GB" sz="3200" dirty="0">
               <a:effectLst/>
@@ -5218,7 +10764,7 @@
                 </a:solidFill>
                 <a:latin typeface="URWGothicL"/>
               </a:rPr>
-              <a:t>Diagram Types</a:t>
+              <a:t>Why UML?</a:t>
             </a:r>
             <a:endParaRPr lang="en-US" sz="4000" dirty="0"/>
           </a:p>
@@ -5252,16 +10798,33 @@
           </a:bodyPr>
           <a:lstStyle/>
           <a:p>
-            <a:endParaRPr lang="en-GB" sz="3200" dirty="0">
-              <a:effectLst/>
-            </a:endParaRPr>
+            <a:r>
+              <a:rPr lang="en-GB" sz="3600" dirty="0">
+                <a:effectLst/>
+              </a:rPr>
+              <a:t>UML offers us a standardised way of designing software</a:t>
+            </a:r>
+          </a:p>
+          <a:p>
+            <a:r>
+              <a:rPr lang="en-GB" sz="3600" dirty="0"/>
+              <a:t>It allows us to think through our systems before committing them to code</a:t>
+            </a:r>
+          </a:p>
+          <a:p>
+            <a:r>
+              <a:rPr lang="en-GB" sz="3600" dirty="0">
+                <a:effectLst/>
+              </a:rPr>
+              <a:t>It offers a shared language between programmer and other disciplines including clients</a:t>
+            </a:r>
           </a:p>
         </p:txBody>
       </p:sp>
     </p:spTree>
     <p:extLst>
       <p:ext uri="{BB962C8B-B14F-4D97-AF65-F5344CB8AC3E}">
-        <p14:creationId xmlns:p14="http://schemas.microsoft.com/office/powerpoint/2010/main" val="3150679471"/>
+        <p14:creationId xmlns:p14="http://schemas.microsoft.com/office/powerpoint/2010/main" val="3140556699"/>
       </p:ext>
     </p:extLst>
   </p:cSld>
@@ -5293,7 +10856,7 @@
           <p:cNvPr id="2" name="Title 1">
             <a:extLst>
               <a:ext uri="{FF2B5EF4-FFF2-40B4-BE49-F238E27FC236}">
-                <a16:creationId xmlns:a16="http://schemas.microsoft.com/office/drawing/2014/main" id="{E0D39B9B-57E0-4C75-9D4A-053BECB31981}"/>
+                <a16:creationId xmlns:a16="http://schemas.microsoft.com/office/drawing/2014/main" id="{DA1EABA9-ECE4-ED45-96AD-D11605468DF1}"/>
               </a:ext>
             </a:extLst>
           </p:cNvPr>
@@ -5306,8 +10869,8 @@
         </p:nvSpPr>
         <p:spPr>
           <a:xfrm>
-            <a:off x="1691680" y="3088481"/>
-            <a:ext cx="5760640" cy="681038"/>
+            <a:off x="457200" y="548680"/>
+            <a:ext cx="8229600" cy="634082"/>
           </a:xfrm>
         </p:spPr>
         <p:txBody>
@@ -5315,16 +10878,112 @@
           <a:lstStyle/>
           <a:p>
             <a:r>
+              <a:rPr lang="en-GB" sz="4000" dirty="0">
+                <a:solidFill>
+                  <a:srgbClr val="FFFFFF"/>
+                </a:solidFill>
+                <a:latin typeface="URWGothicL"/>
+              </a:rPr>
+              <a:t>Diagram Types</a:t>
+            </a:r>
+            <a:endParaRPr lang="en-US" sz="4000" dirty="0"/>
+          </a:p>
+        </p:txBody>
+      </p:sp>
+      <p:sp>
+        <p:nvSpPr>
+          <p:cNvPr id="3" name="Content Placeholder 2">
+            <a:extLst>
+              <a:ext uri="{FF2B5EF4-FFF2-40B4-BE49-F238E27FC236}">
+                <a16:creationId xmlns:a16="http://schemas.microsoft.com/office/drawing/2014/main" id="{F11D3774-F227-E54D-8B35-5A75C345CFD0}"/>
+              </a:ext>
+            </a:extLst>
+          </p:cNvPr>
+          <p:cNvSpPr>
+            <a:spLocks noGrp="1"/>
+          </p:cNvSpPr>
+          <p:nvPr>
+            <p:ph idx="1"/>
+          </p:nvPr>
+        </p:nvSpPr>
+        <p:spPr>
+          <a:xfrm>
+            <a:off x="457200" y="1484784"/>
+            <a:ext cx="8229600" cy="5217443"/>
+          </a:xfrm>
+        </p:spPr>
+        <p:txBody>
+          <a:bodyPr anchor="ctr">
+            <a:normAutofit/>
+          </a:bodyPr>
+          <a:lstStyle/>
+          <a:p>
+            <a:r>
+              <a:rPr lang="en-GB" sz="3200" dirty="0">
+                <a:effectLst/>
+              </a:rPr>
+              <a:t>UML2.0 is split into two diagram families</a:t>
+            </a:r>
+          </a:p>
+          <a:p>
+            <a:r>
+              <a:rPr lang="en-GB" b="1" dirty="0"/>
+              <a:t>Behaviour Diagrams</a:t>
+            </a:r>
+          </a:p>
+          <a:p>
+            <a:pPr lvl="1"/>
+            <a:r>
+              <a:rPr lang="en-GB" dirty="0">
+                <a:effectLst/>
+              </a:rPr>
+              <a:t>Describes </a:t>
+            </a:r>
+            <a:r>
               <a:rPr lang="en-GB" dirty="0"/>
-              <a:t>Behavioural Diagrams</a:t>
-            </a:r>
+              <a:t>what happens in a system, this includes interactions between users and the system</a:t>
+            </a:r>
+          </a:p>
+          <a:p>
+            <a:pPr lvl="1"/>
+            <a:r>
+              <a:rPr lang="en-GB" dirty="0"/>
+              <a:t>Or the current system and other external systems</a:t>
+            </a:r>
+            <a:endParaRPr lang="en-GB" dirty="0">
+              <a:effectLst/>
+            </a:endParaRPr>
+          </a:p>
+          <a:p>
+            <a:r>
+              <a:rPr lang="en-GB" b="1" dirty="0"/>
+              <a:t>Structure Diagrams</a:t>
+            </a:r>
+          </a:p>
+          <a:p>
+            <a:pPr lvl="1"/>
+            <a:r>
+              <a:rPr lang="en-GB" dirty="0"/>
+              <a:t>Describes what is contained in the system</a:t>
+            </a:r>
+          </a:p>
+          <a:p>
+            <a:pPr lvl="1"/>
+            <a:r>
+              <a:rPr lang="en-GB" dirty="0"/>
+              <a:t>Typically used to model the system</a:t>
+            </a:r>
+          </a:p>
+          <a:p>
+            <a:pPr lvl="1"/>
+            <a:endParaRPr lang="en-GB" dirty="0"/>
           </a:p>
         </p:txBody>
       </p:sp>
     </p:spTree>
     <p:extLst>
       <p:ext uri="{BB962C8B-B14F-4D97-AF65-F5344CB8AC3E}">
-        <p14:creationId xmlns:p14="http://schemas.microsoft.com/office/powerpoint/2010/main" val="775037971"/>
+        <p14:creationId xmlns:p14="http://schemas.microsoft.com/office/powerpoint/2010/main" val="3150679471"/>
       </p:ext>
     </p:extLst>
   </p:cSld>
@@ -5356,7 +11015,7 @@
           <p:cNvPr id="2" name="Title 1">
             <a:extLst>
               <a:ext uri="{FF2B5EF4-FFF2-40B4-BE49-F238E27FC236}">
-                <a16:creationId xmlns:a16="http://schemas.microsoft.com/office/drawing/2014/main" id="{DA1EABA9-ECE4-ED45-96AD-D11605468DF1}"/>
+                <a16:creationId xmlns:a16="http://schemas.microsoft.com/office/drawing/2014/main" id="{E0D39B9B-57E0-4C75-9D4A-053BECB31981}"/>
               </a:ext>
             </a:extLst>
           </p:cNvPr>
@@ -5369,8 +11028,8 @@
         </p:nvSpPr>
         <p:spPr>
           <a:xfrm>
-            <a:off x="457200" y="548680"/>
-            <a:ext cx="8229600" cy="634082"/>
+            <a:off x="1691680" y="3088481"/>
+            <a:ext cx="5760640" cy="681038"/>
           </a:xfrm>
         </p:spPr>
         <p:txBody>
@@ -5378,56 +11037,16 @@
           <a:lstStyle/>
           <a:p>
             <a:r>
-              <a:rPr lang="en-GB" sz="4000" dirty="0">
-                <a:solidFill>
-                  <a:srgbClr val="FFFFFF"/>
-                </a:solidFill>
-                <a:latin typeface="URWGothicL"/>
-              </a:rPr>
-              <a:t>Use Case Diagram</a:t>
-            </a:r>
-            <a:endParaRPr lang="en-US" sz="4000" dirty="0"/>
-          </a:p>
-        </p:txBody>
-      </p:sp>
-      <p:sp>
-        <p:nvSpPr>
-          <p:cNvPr id="3" name="Content Placeholder 2">
-            <a:extLst>
-              <a:ext uri="{FF2B5EF4-FFF2-40B4-BE49-F238E27FC236}">
-                <a16:creationId xmlns:a16="http://schemas.microsoft.com/office/drawing/2014/main" id="{F11D3774-F227-E54D-8B35-5A75C345CFD0}"/>
-              </a:ext>
-            </a:extLst>
-          </p:cNvPr>
-          <p:cNvSpPr>
-            <a:spLocks noGrp="1"/>
-          </p:cNvSpPr>
-          <p:nvPr>
-            <p:ph idx="1"/>
-          </p:nvPr>
-        </p:nvSpPr>
-        <p:spPr>
-          <a:xfrm>
-            <a:off x="457200" y="1484784"/>
-            <a:ext cx="8229600" cy="5217443"/>
-          </a:xfrm>
-        </p:spPr>
-        <p:txBody>
-          <a:bodyPr anchor="ctr">
-            <a:normAutofit/>
-          </a:bodyPr>
-          <a:lstStyle/>
-          <a:p>
-            <a:endParaRPr lang="en-GB" sz="3200" dirty="0">
-              <a:effectLst/>
-            </a:endParaRPr>
+              <a:rPr lang="en-GB" dirty="0"/>
+              <a:t>Behavioural Diagrams</a:t>
+            </a:r>
           </a:p>
         </p:txBody>
       </p:sp>
     </p:spTree>
     <p:extLst>
       <p:ext uri="{BB962C8B-B14F-4D97-AF65-F5344CB8AC3E}">
-        <p14:creationId xmlns:p14="http://schemas.microsoft.com/office/powerpoint/2010/main" val="1124580537"/>
+        <p14:creationId xmlns:p14="http://schemas.microsoft.com/office/powerpoint/2010/main" val="775037971"/>
       </p:ext>
     </p:extLst>
   </p:cSld>
@@ -5487,7 +11106,7 @@
                 </a:solidFill>
                 <a:latin typeface="URWGothicL"/>
               </a:rPr>
-              <a:t>Activity Diagram</a:t>
+              <a:t>Use Case Diagram</a:t>
             </a:r>
             <a:endParaRPr lang="en-US" sz="4000" dirty="0"/>
           </a:p>
@@ -5517,9 +11136,76 @@
         </p:spPr>
         <p:txBody>
           <a:bodyPr anchor="ctr">
-            <a:normAutofit/>
+            <a:normAutofit fontScale="92500" lnSpcReduction="10000"/>
           </a:bodyPr>
           <a:lstStyle/>
+          <a:p>
+            <a:r>
+              <a:rPr lang="en-GB" sz="3200" dirty="0">
+                <a:effectLst/>
+              </a:rPr>
+              <a:t>Use Case diagrams typically details the user’s interaction with the system</a:t>
+            </a:r>
+          </a:p>
+          <a:p>
+            <a:r>
+              <a:rPr lang="en-GB" dirty="0"/>
+              <a:t>In essence it details the </a:t>
+            </a:r>
+            <a:r>
+              <a:rPr lang="en-GB" b="1" dirty="0"/>
+              <a:t>Use Case</a:t>
+            </a:r>
+            <a:r>
+              <a:rPr lang="en-GB" dirty="0"/>
+              <a:t> of the system and the </a:t>
+            </a:r>
+            <a:r>
+              <a:rPr lang="en-GB" b="1" dirty="0"/>
+              <a:t>Actors</a:t>
+            </a:r>
+            <a:r>
+              <a:rPr lang="en-GB" dirty="0"/>
+              <a:t> which interact with the system</a:t>
+            </a:r>
+          </a:p>
+          <a:p>
+            <a:pPr lvl="1"/>
+            <a:r>
+              <a:rPr lang="en-GB" b="1" dirty="0"/>
+              <a:t>NB.</a:t>
+            </a:r>
+            <a:r>
+              <a:rPr lang="en-GB" dirty="0"/>
+              <a:t> These </a:t>
+            </a:r>
+            <a:r>
+              <a:rPr lang="en-GB" b="1" dirty="0"/>
+              <a:t>Actors</a:t>
+            </a:r>
+            <a:r>
+              <a:rPr lang="en-GB" dirty="0"/>
+              <a:t> could be other systems!</a:t>
+            </a:r>
+          </a:p>
+          <a:p>
+            <a:r>
+              <a:rPr lang="en-GB" dirty="0"/>
+              <a:t>Created using terms that a layman could understand</a:t>
+            </a:r>
+          </a:p>
+          <a:p>
+            <a:r>
+              <a:rPr lang="en-GB" dirty="0"/>
+              <a:t>Can be used to capture and communicate User Requirements</a:t>
+            </a:r>
+          </a:p>
+          <a:p>
+            <a:r>
+              <a:rPr lang="en-GB" dirty="0"/>
+              <a:t>This is often the first diagram created for a system</a:t>
+            </a:r>
+          </a:p>
           <a:p>
             <a:endParaRPr lang="en-GB" sz="3200" dirty="0">
               <a:effectLst/>
@@ -5530,7 +11216,7 @@
     </p:spTree>
     <p:extLst>
       <p:ext uri="{BB962C8B-B14F-4D97-AF65-F5344CB8AC3E}">
-        <p14:creationId xmlns:p14="http://schemas.microsoft.com/office/powerpoint/2010/main" val="879109843"/>
+        <p14:creationId xmlns:p14="http://schemas.microsoft.com/office/powerpoint/2010/main" val="1124580537"/>
       </p:ext>
     </p:extLst>
   </p:cSld>

--- a/COMP140/04/2019-20-COMP140-04-lecture.pptx
+++ b/COMP140/04/2019-20-COMP140-04-lecture.pptx
@@ -18,33 +18,33 @@
     <p:sldId id="295" r:id="rId6"/>
     <p:sldId id="307" r:id="rId7"/>
     <p:sldId id="297" r:id="rId8"/>
-    <p:sldId id="303" r:id="rId9"/>
-    <p:sldId id="296" r:id="rId10"/>
-    <p:sldId id="309" r:id="rId11"/>
-    <p:sldId id="310" r:id="rId12"/>
-    <p:sldId id="311" r:id="rId13"/>
-    <p:sldId id="298" r:id="rId14"/>
-    <p:sldId id="312" r:id="rId15"/>
-    <p:sldId id="313" r:id="rId16"/>
-    <p:sldId id="300" r:id="rId17"/>
-    <p:sldId id="314" r:id="rId18"/>
-    <p:sldId id="315" r:id="rId19"/>
-    <p:sldId id="316" r:id="rId20"/>
-    <p:sldId id="318" r:id="rId21"/>
-    <p:sldId id="299" r:id="rId22"/>
-    <p:sldId id="317" r:id="rId23"/>
-    <p:sldId id="302" r:id="rId24"/>
-    <p:sldId id="304" r:id="rId25"/>
-    <p:sldId id="319" r:id="rId26"/>
-    <p:sldId id="321" r:id="rId27"/>
-    <p:sldId id="322" r:id="rId28"/>
-    <p:sldId id="323" r:id="rId29"/>
-    <p:sldId id="320" r:id="rId30"/>
-    <p:sldId id="324" r:id="rId31"/>
-    <p:sldId id="325" r:id="rId32"/>
-    <p:sldId id="326" r:id="rId33"/>
-    <p:sldId id="308" r:id="rId34"/>
-    <p:sldId id="306" r:id="rId35"/>
+    <p:sldId id="306" r:id="rId9"/>
+    <p:sldId id="303" r:id="rId10"/>
+    <p:sldId id="296" r:id="rId11"/>
+    <p:sldId id="309" r:id="rId12"/>
+    <p:sldId id="310" r:id="rId13"/>
+    <p:sldId id="311" r:id="rId14"/>
+    <p:sldId id="298" r:id="rId15"/>
+    <p:sldId id="312" r:id="rId16"/>
+    <p:sldId id="313" r:id="rId17"/>
+    <p:sldId id="300" r:id="rId18"/>
+    <p:sldId id="314" r:id="rId19"/>
+    <p:sldId id="315" r:id="rId20"/>
+    <p:sldId id="316" r:id="rId21"/>
+    <p:sldId id="318" r:id="rId22"/>
+    <p:sldId id="299" r:id="rId23"/>
+    <p:sldId id="317" r:id="rId24"/>
+    <p:sldId id="302" r:id="rId25"/>
+    <p:sldId id="304" r:id="rId26"/>
+    <p:sldId id="319" r:id="rId27"/>
+    <p:sldId id="321" r:id="rId28"/>
+    <p:sldId id="322" r:id="rId29"/>
+    <p:sldId id="323" r:id="rId30"/>
+    <p:sldId id="320" r:id="rId31"/>
+    <p:sldId id="324" r:id="rId32"/>
+    <p:sldId id="325" r:id="rId33"/>
+    <p:sldId id="326" r:id="rId34"/>
+    <p:sldId id="308" r:id="rId35"/>
   </p:sldIdLst>
   <p:sldSz cx="9144000" cy="6858000" type="screen4x3"/>
   <p:notesSz cx="7315200" cy="9601200"/>
@@ -155,6 +155,7 @@
             <p14:sldId id="295"/>
             <p14:sldId id="307"/>
             <p14:sldId id="297"/>
+            <p14:sldId id="306"/>
             <p14:sldId id="303"/>
             <p14:sldId id="296"/>
             <p14:sldId id="309"/>
@@ -181,7 +182,6 @@
             <p14:sldId id="325"/>
             <p14:sldId id="326"/>
             <p14:sldId id="308"/>
-            <p14:sldId id="306"/>
           </p14:sldIdLst>
         </p14:section>
       </p14:sectionLst>
@@ -301,7 +301,7 @@
             <a:fld id="{134C908B-E4CF-4B88-8994-49C91B4DAC10}" type="datetimeFigureOut">
               <a:rPr lang="en-US" smtClean="0"/>
               <a:pPr/>
-              <a:t>2/16/2020</a:t>
+              <a:t>2/17/20</a:t>
             </a:fld>
             <a:endParaRPr lang="en-US"/>
           </a:p>
@@ -463,7 +463,7 @@
             <a:fld id="{FCD4ED34-E2A7-4A73-B53B-08CB721EE63F}" type="datetimeFigureOut">
               <a:rPr lang="en-US" smtClean="0"/>
               <a:pPr/>
-              <a:t>2/16/2020</a:t>
+              <a:t>2/17/20</a:t>
             </a:fld>
             <a:endParaRPr lang="en-GB"/>
           </a:p>
@@ -926,7 +926,7 @@
             <a:fld id="{24C0EDFE-3590-4448-BF7B-7FB41E82085F}" type="datetimeFigureOut">
               <a:rPr lang="en-US" smtClean="0"/>
               <a:pPr/>
-              <a:t>2/16/2020</a:t>
+              <a:t>2/17/20</a:t>
             </a:fld>
             <a:endParaRPr lang="en-US" dirty="0"/>
           </a:p>
@@ -1115,7 +1115,7 @@
             <a:fld id="{24C0EDFE-3590-4448-BF7B-7FB41E82085F}" type="datetimeFigureOut">
               <a:rPr lang="en-US" smtClean="0"/>
               <a:pPr/>
-              <a:t>2/16/2020</a:t>
+              <a:t>2/17/20</a:t>
             </a:fld>
             <a:endParaRPr lang="en-US" dirty="0"/>
           </a:p>
@@ -1293,7 +1293,7 @@
             <a:fld id="{24C0EDFE-3590-4448-BF7B-7FB41E82085F}" type="datetimeFigureOut">
               <a:rPr lang="en-US" smtClean="0"/>
               <a:pPr/>
-              <a:t>2/16/2020</a:t>
+              <a:t>2/17/20</a:t>
             </a:fld>
             <a:endParaRPr lang="en-US" dirty="0"/>
           </a:p>
@@ -1542,7 +1542,7 @@
             <a:fld id="{24C0EDFE-3590-4448-BF7B-7FB41E82085F}" type="datetimeFigureOut">
               <a:rPr lang="en-US" smtClean="0"/>
               <a:pPr/>
-              <a:t>2/16/2020</a:t>
+              <a:t>2/17/20</a:t>
             </a:fld>
             <a:endParaRPr lang="en-US" dirty="0"/>
           </a:p>
@@ -1864,7 +1864,7 @@
             <a:fld id="{24C0EDFE-3590-4448-BF7B-7FB41E82085F}" type="datetimeFigureOut">
               <a:rPr lang="en-US" smtClean="0"/>
               <a:pPr/>
-              <a:t>2/16/2020</a:t>
+              <a:t>2/17/20</a:t>
             </a:fld>
             <a:endParaRPr lang="en-US" dirty="0"/>
           </a:p>
@@ -2170,7 +2170,7 @@
             <a:fld id="{24C0EDFE-3590-4448-BF7B-7FB41E82085F}" type="datetimeFigureOut">
               <a:rPr lang="en-US" smtClean="0"/>
               <a:pPr/>
-              <a:t>2/16/2020</a:t>
+              <a:t>2/17/20</a:t>
             </a:fld>
             <a:endParaRPr lang="en-US" dirty="0"/>
           </a:p>
@@ -2594,7 +2594,7 @@
             <a:fld id="{24C0EDFE-3590-4448-BF7B-7FB41E82085F}" type="datetimeFigureOut">
               <a:rPr lang="en-US" smtClean="0"/>
               <a:pPr/>
-              <a:t>2/16/2020</a:t>
+              <a:t>2/17/20</a:t>
             </a:fld>
             <a:endParaRPr lang="en-US" dirty="0"/>
           </a:p>
@@ -2716,7 +2716,7 @@
             <a:fld id="{24C0EDFE-3590-4448-BF7B-7FB41E82085F}" type="datetimeFigureOut">
               <a:rPr lang="en-US" smtClean="0"/>
               <a:pPr/>
-              <a:t>2/16/2020</a:t>
+              <a:t>2/17/20</a:t>
             </a:fld>
             <a:endParaRPr lang="en-US" dirty="0"/>
           </a:p>
@@ -2808,7 +2808,7 @@
             <a:fld id="{24C0EDFE-3590-4448-BF7B-7FB41E82085F}" type="datetimeFigureOut">
               <a:rPr lang="en-US" smtClean="0"/>
               <a:pPr/>
-              <a:t>2/16/2020</a:t>
+              <a:t>2/17/20</a:t>
             </a:fld>
             <a:endParaRPr lang="en-US" dirty="0"/>
           </a:p>
@@ -3083,7 +3083,7 @@
             <a:fld id="{24C0EDFE-3590-4448-BF7B-7FB41E82085F}" type="datetimeFigureOut">
               <a:rPr lang="en-US" smtClean="0"/>
               <a:pPr/>
-              <a:t>2/16/2020</a:t>
+              <a:t>2/17/20</a:t>
             </a:fld>
             <a:endParaRPr lang="en-US" dirty="0"/>
           </a:p>
@@ -3335,7 +3335,7 @@
             <a:fld id="{24C0EDFE-3590-4448-BF7B-7FB41E82085F}" type="datetimeFigureOut">
               <a:rPr lang="en-US" smtClean="0"/>
               <a:pPr/>
-              <a:t>2/16/2020</a:t>
+              <a:t>2/17/20</a:t>
             </a:fld>
             <a:endParaRPr lang="en-US" dirty="0"/>
           </a:p>
@@ -3512,7 +3512,7 @@
             <a:fld id="{24C0EDFE-3590-4448-BF7B-7FB41E82085F}" type="datetimeFigureOut">
               <a:rPr lang="en-US" smtClean="0"/>
               <a:pPr/>
-              <a:t>2/16/2020</a:t>
+              <a:t>2/17/20</a:t>
             </a:fld>
             <a:endParaRPr lang="en-US" dirty="0"/>
           </a:p>
@@ -4213,6 +4213,176 @@
           </a:p>
         </p:txBody>
       </p:sp>
+      <p:sp>
+        <p:nvSpPr>
+          <p:cNvPr id="3" name="Content Placeholder 2">
+            <a:extLst>
+              <a:ext uri="{FF2B5EF4-FFF2-40B4-BE49-F238E27FC236}">
+                <a16:creationId xmlns:a16="http://schemas.microsoft.com/office/drawing/2014/main" id="{F11D3774-F227-E54D-8B35-5A75C345CFD0}"/>
+              </a:ext>
+            </a:extLst>
+          </p:cNvPr>
+          <p:cNvSpPr>
+            <a:spLocks noGrp="1"/>
+          </p:cNvSpPr>
+          <p:nvPr>
+            <p:ph idx="1"/>
+          </p:nvPr>
+        </p:nvSpPr>
+        <p:spPr>
+          <a:xfrm>
+            <a:off x="457200" y="1484784"/>
+            <a:ext cx="8229600" cy="5217443"/>
+          </a:xfrm>
+        </p:spPr>
+        <p:txBody>
+          <a:bodyPr anchor="ctr">
+            <a:normAutofit fontScale="92500" lnSpcReduction="10000"/>
+          </a:bodyPr>
+          <a:lstStyle/>
+          <a:p>
+            <a:r>
+              <a:rPr lang="en-GB" sz="3200" dirty="0">
+                <a:effectLst/>
+              </a:rPr>
+              <a:t>Use Case diagrams typically details the user’s interaction with the system</a:t>
+            </a:r>
+          </a:p>
+          <a:p>
+            <a:r>
+              <a:rPr lang="en-GB" dirty="0"/>
+              <a:t>In essence it details the </a:t>
+            </a:r>
+            <a:r>
+              <a:rPr lang="en-GB" b="1" dirty="0"/>
+              <a:t>Use Case</a:t>
+            </a:r>
+            <a:r>
+              <a:rPr lang="en-GB" dirty="0"/>
+              <a:t> of the system and the </a:t>
+            </a:r>
+            <a:r>
+              <a:rPr lang="en-GB" b="1" dirty="0"/>
+              <a:t>Actors</a:t>
+            </a:r>
+            <a:r>
+              <a:rPr lang="en-GB" dirty="0"/>
+              <a:t> which interact with the system</a:t>
+            </a:r>
+          </a:p>
+          <a:p>
+            <a:pPr lvl="1"/>
+            <a:r>
+              <a:rPr lang="en-GB" b="1" dirty="0"/>
+              <a:t>NB.</a:t>
+            </a:r>
+            <a:r>
+              <a:rPr lang="en-GB" dirty="0"/>
+              <a:t> These </a:t>
+            </a:r>
+            <a:r>
+              <a:rPr lang="en-GB" b="1" dirty="0"/>
+              <a:t>Actors</a:t>
+            </a:r>
+            <a:r>
+              <a:rPr lang="en-GB" dirty="0"/>
+              <a:t> could be other systems!</a:t>
+            </a:r>
+          </a:p>
+          <a:p>
+            <a:r>
+              <a:rPr lang="en-GB" dirty="0"/>
+              <a:t>Created using terms that a layman could understand</a:t>
+            </a:r>
+          </a:p>
+          <a:p>
+            <a:r>
+              <a:rPr lang="en-GB" dirty="0"/>
+              <a:t>Can be used to capture and communicate User Requirements</a:t>
+            </a:r>
+          </a:p>
+          <a:p>
+            <a:r>
+              <a:rPr lang="en-GB" dirty="0"/>
+              <a:t>This is often the first diagram created for a system</a:t>
+            </a:r>
+          </a:p>
+          <a:p>
+            <a:endParaRPr lang="en-GB" sz="3200" dirty="0">
+              <a:effectLst/>
+            </a:endParaRPr>
+          </a:p>
+        </p:txBody>
+      </p:sp>
+    </p:spTree>
+    <p:extLst>
+      <p:ext uri="{BB962C8B-B14F-4D97-AF65-F5344CB8AC3E}">
+        <p14:creationId xmlns:p14="http://schemas.microsoft.com/office/powerpoint/2010/main" val="1124580537"/>
+      </p:ext>
+    </p:extLst>
+  </p:cSld>
+  <p:clrMapOvr>
+    <a:masterClrMapping/>
+  </p:clrMapOvr>
+</p:sld>
+</file>
+
+<file path=ppt/slides/slide11.xml><?xml version="1.0" encoding="utf-8"?>
+<p:sld xmlns:a="http://schemas.openxmlformats.org/drawingml/2006/main" xmlns:r="http://schemas.openxmlformats.org/officeDocument/2006/relationships" xmlns:p="http://schemas.openxmlformats.org/presentationml/2006/main">
+  <p:cSld>
+    <p:spTree>
+      <p:nvGrpSpPr>
+        <p:cNvPr id="1" name=""/>
+        <p:cNvGrpSpPr/>
+        <p:nvPr/>
+      </p:nvGrpSpPr>
+      <p:grpSpPr>
+        <a:xfrm>
+          <a:off x="0" y="0"/>
+          <a:ext cx="0" cy="0"/>
+          <a:chOff x="0" y="0"/>
+          <a:chExt cx="0" cy="0"/>
+        </a:xfrm>
+      </p:grpSpPr>
+      <p:sp>
+        <p:nvSpPr>
+          <p:cNvPr id="2" name="Title 1">
+            <a:extLst>
+              <a:ext uri="{FF2B5EF4-FFF2-40B4-BE49-F238E27FC236}">
+                <a16:creationId xmlns:a16="http://schemas.microsoft.com/office/drawing/2014/main" id="{DA1EABA9-ECE4-ED45-96AD-D11605468DF1}"/>
+              </a:ext>
+            </a:extLst>
+          </p:cNvPr>
+          <p:cNvSpPr>
+            <a:spLocks noGrp="1"/>
+          </p:cNvSpPr>
+          <p:nvPr>
+            <p:ph type="title"/>
+          </p:nvPr>
+        </p:nvSpPr>
+        <p:spPr>
+          <a:xfrm>
+            <a:off x="457200" y="548680"/>
+            <a:ext cx="8229600" cy="634082"/>
+          </a:xfrm>
+        </p:spPr>
+        <p:txBody>
+          <a:bodyPr/>
+          <a:lstStyle/>
+          <a:p>
+            <a:r>
+              <a:rPr lang="en-GB" sz="4000" dirty="0">
+                <a:solidFill>
+                  <a:srgbClr val="FFFFFF"/>
+                </a:solidFill>
+                <a:latin typeface="URWGothicL"/>
+              </a:rPr>
+              <a:t>Use Case Diagram</a:t>
+            </a:r>
+            <a:endParaRPr lang="en-US" sz="4000" dirty="0"/>
+          </a:p>
+        </p:txBody>
+      </p:sp>
       <p:grpSp>
         <p:nvGrpSpPr>
           <p:cNvPr id="4" name="Group 3">
@@ -4756,7 +4926,7 @@
 </p:sld>
 </file>
 
-<file path=ppt/slides/slide11.xml><?xml version="1.0" encoding="utf-8"?>
+<file path=ppt/slides/slide12.xml><?xml version="1.0" encoding="utf-8"?>
 <p:sld xmlns:a="http://schemas.openxmlformats.org/drawingml/2006/main" xmlns:r="http://schemas.openxmlformats.org/officeDocument/2006/relationships" xmlns:p="http://schemas.openxmlformats.org/presentationml/2006/main">
   <p:cSld>
     <p:spTree>
@@ -4861,147 +5031,6 @@
 </p:sld>
 </file>
 
-<file path=ppt/slides/slide12.xml><?xml version="1.0" encoding="utf-8"?>
-<p:sld xmlns:a="http://schemas.openxmlformats.org/drawingml/2006/main" xmlns:r="http://schemas.openxmlformats.org/officeDocument/2006/relationships" xmlns:p="http://schemas.openxmlformats.org/presentationml/2006/main">
-  <p:cSld>
-    <p:spTree>
-      <p:nvGrpSpPr>
-        <p:cNvPr id="1" name=""/>
-        <p:cNvGrpSpPr/>
-        <p:nvPr/>
-      </p:nvGrpSpPr>
-      <p:grpSpPr>
-        <a:xfrm>
-          <a:off x="0" y="0"/>
-          <a:ext cx="0" cy="0"/>
-          <a:chOff x="0" y="0"/>
-          <a:chExt cx="0" cy="0"/>
-        </a:xfrm>
-      </p:grpSpPr>
-      <p:sp>
-        <p:nvSpPr>
-          <p:cNvPr id="2" name="Title 1">
-            <a:extLst>
-              <a:ext uri="{FF2B5EF4-FFF2-40B4-BE49-F238E27FC236}">
-                <a16:creationId xmlns:a16="http://schemas.microsoft.com/office/drawing/2014/main" id="{DA1EABA9-ECE4-ED45-96AD-D11605468DF1}"/>
-              </a:ext>
-            </a:extLst>
-          </p:cNvPr>
-          <p:cNvSpPr>
-            <a:spLocks noGrp="1"/>
-          </p:cNvSpPr>
-          <p:nvPr>
-            <p:ph type="title"/>
-          </p:nvPr>
-        </p:nvSpPr>
-        <p:spPr>
-          <a:xfrm>
-            <a:off x="457200" y="548680"/>
-            <a:ext cx="8229600" cy="634082"/>
-          </a:xfrm>
-        </p:spPr>
-        <p:txBody>
-          <a:bodyPr/>
-          <a:lstStyle/>
-          <a:p>
-            <a:r>
-              <a:rPr lang="en-GB" sz="4000" dirty="0">
-                <a:solidFill>
-                  <a:srgbClr val="FFFFFF"/>
-                </a:solidFill>
-                <a:latin typeface="URWGothicL"/>
-              </a:rPr>
-              <a:t>Use Case Diagram – Class Exercise</a:t>
-            </a:r>
-            <a:endParaRPr lang="en-US" sz="4000" dirty="0"/>
-          </a:p>
-        </p:txBody>
-      </p:sp>
-      <p:sp>
-        <p:nvSpPr>
-          <p:cNvPr id="4" name="Content Placeholder 2">
-            <a:extLst>
-              <a:ext uri="{FF2B5EF4-FFF2-40B4-BE49-F238E27FC236}">
-                <a16:creationId xmlns:a16="http://schemas.microsoft.com/office/drawing/2014/main" id="{91E010A1-AA21-4264-82B2-F075E362A254}"/>
-              </a:ext>
-            </a:extLst>
-          </p:cNvPr>
-          <p:cNvSpPr>
-            <a:spLocks noGrp="1"/>
-          </p:cNvSpPr>
-          <p:nvPr>
-            <p:ph idx="1"/>
-          </p:nvPr>
-        </p:nvSpPr>
-        <p:spPr>
-          <a:xfrm>
-            <a:off x="457200" y="1484784"/>
-            <a:ext cx="8229600" cy="5217443"/>
-          </a:xfrm>
-        </p:spPr>
-        <p:txBody>
-          <a:bodyPr anchor="ctr">
-            <a:normAutofit/>
-          </a:bodyPr>
-          <a:lstStyle/>
-          <a:p>
-            <a:r>
-              <a:rPr lang="en-GB" sz="3200" dirty="0">
-                <a:effectLst/>
-              </a:rPr>
-              <a:t>What are the key </a:t>
-            </a:r>
-            <a:r>
-              <a:rPr lang="en-GB" sz="3200" b="1" dirty="0">
-                <a:effectLst/>
-              </a:rPr>
-              <a:t>Use Cases </a:t>
-            </a:r>
-            <a:r>
-              <a:rPr lang="en-GB" sz="3200" dirty="0">
-                <a:effectLst/>
-              </a:rPr>
-              <a:t>for </a:t>
-            </a:r>
-            <a:r>
-              <a:rPr lang="en-GB" sz="3200" b="1" dirty="0">
-                <a:effectLst/>
-              </a:rPr>
-              <a:t>Discord</a:t>
-            </a:r>
-            <a:r>
-              <a:rPr lang="en-GB" sz="3200" dirty="0">
-                <a:effectLst/>
-              </a:rPr>
-              <a:t>?</a:t>
-            </a:r>
-          </a:p>
-          <a:p>
-            <a:r>
-              <a:rPr lang="en-GB" b="1" dirty="0"/>
-              <a:t>Lets diagram it together</a:t>
-            </a:r>
-          </a:p>
-          <a:p>
-            <a:endParaRPr lang="en-GB" sz="3200" dirty="0">
-              <a:effectLst/>
-            </a:endParaRPr>
-          </a:p>
-        </p:txBody>
-      </p:sp>
-    </p:spTree>
-    <p:extLst>
-      <p:ext uri="{BB962C8B-B14F-4D97-AF65-F5344CB8AC3E}">
-        <p14:creationId xmlns:p14="http://schemas.microsoft.com/office/powerpoint/2010/main" val="1281211377"/>
-      </p:ext>
-    </p:extLst>
-  </p:cSld>
-  <p:clrMapOvr>
-    <a:masterClrMapping/>
-  </p:clrMapOvr>
-</p:sld>
-</file>
-
 <file path=ppt/slides/slide13.xml><?xml version="1.0" encoding="utf-8"?>
 <p:sld xmlns:a="http://schemas.openxmlformats.org/drawingml/2006/main" xmlns:r="http://schemas.openxmlformats.org/officeDocument/2006/relationships" xmlns:p="http://schemas.openxmlformats.org/presentationml/2006/main">
   <p:cSld>
@@ -5052,6 +5081,147 @@
                 </a:solidFill>
                 <a:latin typeface="URWGothicL"/>
               </a:rPr>
+              <a:t>Use Case Diagram – Class Exercise</a:t>
+            </a:r>
+            <a:endParaRPr lang="en-US" sz="4000" dirty="0"/>
+          </a:p>
+        </p:txBody>
+      </p:sp>
+      <p:sp>
+        <p:nvSpPr>
+          <p:cNvPr id="4" name="Content Placeholder 2">
+            <a:extLst>
+              <a:ext uri="{FF2B5EF4-FFF2-40B4-BE49-F238E27FC236}">
+                <a16:creationId xmlns:a16="http://schemas.microsoft.com/office/drawing/2014/main" id="{91E010A1-AA21-4264-82B2-F075E362A254}"/>
+              </a:ext>
+            </a:extLst>
+          </p:cNvPr>
+          <p:cNvSpPr>
+            <a:spLocks noGrp="1"/>
+          </p:cNvSpPr>
+          <p:nvPr>
+            <p:ph idx="1"/>
+          </p:nvPr>
+        </p:nvSpPr>
+        <p:spPr>
+          <a:xfrm>
+            <a:off x="457200" y="1484784"/>
+            <a:ext cx="8229600" cy="5217443"/>
+          </a:xfrm>
+        </p:spPr>
+        <p:txBody>
+          <a:bodyPr anchor="ctr">
+            <a:normAutofit/>
+          </a:bodyPr>
+          <a:lstStyle/>
+          <a:p>
+            <a:r>
+              <a:rPr lang="en-GB" sz="3200" dirty="0">
+                <a:effectLst/>
+              </a:rPr>
+              <a:t>What are the key </a:t>
+            </a:r>
+            <a:r>
+              <a:rPr lang="en-GB" sz="3200" b="1" dirty="0">
+                <a:effectLst/>
+              </a:rPr>
+              <a:t>Use Cases </a:t>
+            </a:r>
+            <a:r>
+              <a:rPr lang="en-GB" sz="3200" dirty="0">
+                <a:effectLst/>
+              </a:rPr>
+              <a:t>for </a:t>
+            </a:r>
+            <a:r>
+              <a:rPr lang="en-GB" sz="3200" b="1" dirty="0">
+                <a:effectLst/>
+              </a:rPr>
+              <a:t>Discord</a:t>
+            </a:r>
+            <a:r>
+              <a:rPr lang="en-GB" sz="3200" dirty="0">
+                <a:effectLst/>
+              </a:rPr>
+              <a:t>?</a:t>
+            </a:r>
+          </a:p>
+          <a:p>
+            <a:r>
+              <a:rPr lang="en-GB" b="1" dirty="0"/>
+              <a:t>Lets diagram it together</a:t>
+            </a:r>
+          </a:p>
+          <a:p>
+            <a:endParaRPr lang="en-GB" sz="3200" dirty="0">
+              <a:effectLst/>
+            </a:endParaRPr>
+          </a:p>
+        </p:txBody>
+      </p:sp>
+    </p:spTree>
+    <p:extLst>
+      <p:ext uri="{BB962C8B-B14F-4D97-AF65-F5344CB8AC3E}">
+        <p14:creationId xmlns:p14="http://schemas.microsoft.com/office/powerpoint/2010/main" val="1281211377"/>
+      </p:ext>
+    </p:extLst>
+  </p:cSld>
+  <p:clrMapOvr>
+    <a:masterClrMapping/>
+  </p:clrMapOvr>
+</p:sld>
+</file>
+
+<file path=ppt/slides/slide14.xml><?xml version="1.0" encoding="utf-8"?>
+<p:sld xmlns:a="http://schemas.openxmlformats.org/drawingml/2006/main" xmlns:r="http://schemas.openxmlformats.org/officeDocument/2006/relationships" xmlns:p="http://schemas.openxmlformats.org/presentationml/2006/main">
+  <p:cSld>
+    <p:spTree>
+      <p:nvGrpSpPr>
+        <p:cNvPr id="1" name=""/>
+        <p:cNvGrpSpPr/>
+        <p:nvPr/>
+      </p:nvGrpSpPr>
+      <p:grpSpPr>
+        <a:xfrm>
+          <a:off x="0" y="0"/>
+          <a:ext cx="0" cy="0"/>
+          <a:chOff x="0" y="0"/>
+          <a:chExt cx="0" cy="0"/>
+        </a:xfrm>
+      </p:grpSpPr>
+      <p:sp>
+        <p:nvSpPr>
+          <p:cNvPr id="2" name="Title 1">
+            <a:extLst>
+              <a:ext uri="{FF2B5EF4-FFF2-40B4-BE49-F238E27FC236}">
+                <a16:creationId xmlns:a16="http://schemas.microsoft.com/office/drawing/2014/main" id="{DA1EABA9-ECE4-ED45-96AD-D11605468DF1}"/>
+              </a:ext>
+            </a:extLst>
+          </p:cNvPr>
+          <p:cNvSpPr>
+            <a:spLocks noGrp="1"/>
+          </p:cNvSpPr>
+          <p:nvPr>
+            <p:ph type="title"/>
+          </p:nvPr>
+        </p:nvSpPr>
+        <p:spPr>
+          <a:xfrm>
+            <a:off x="457200" y="548680"/>
+            <a:ext cx="8229600" cy="634082"/>
+          </a:xfrm>
+        </p:spPr>
+        <p:txBody>
+          <a:bodyPr/>
+          <a:lstStyle/>
+          <a:p>
+            <a:r>
+              <a:rPr lang="en-GB" sz="4000" dirty="0">
+                <a:solidFill>
+                  <a:srgbClr val="FFFFFF"/>
+                </a:solidFill>
+                <a:latin typeface="URWGothicL"/>
+              </a:rPr>
               <a:t>Activity Diagram</a:t>
             </a:r>
             <a:endParaRPr lang="en-US" sz="4000" dirty="0"/>
@@ -5131,7 +5301,7 @@
 </p:sld>
 </file>
 
-<file path=ppt/slides/slide14.xml><?xml version="1.0" encoding="utf-8"?>
+<file path=ppt/slides/slide15.xml><?xml version="1.0" encoding="utf-8"?>
 <p:sld xmlns:a="http://schemas.openxmlformats.org/drawingml/2006/main" xmlns:r="http://schemas.openxmlformats.org/officeDocument/2006/relationships" xmlns:p="http://schemas.openxmlformats.org/presentationml/2006/main">
   <p:cSld>
     <p:spTree>
@@ -5745,7 +5915,7 @@
 </p:sld>
 </file>
 
-<file path=ppt/slides/slide15.xml><?xml version="1.0" encoding="utf-8"?>
+<file path=ppt/slides/slide16.xml><?xml version="1.0" encoding="utf-8"?>
 <p:sld xmlns:a="http://schemas.openxmlformats.org/drawingml/2006/main" xmlns:r="http://schemas.openxmlformats.org/officeDocument/2006/relationships" xmlns:p="http://schemas.openxmlformats.org/presentationml/2006/main">
   <p:cSld>
     <p:spTree>
@@ -5850,7 +6020,7 @@
 </p:sld>
 </file>
 
-<file path=ppt/slides/slide16.xml><?xml version="1.0" encoding="utf-8"?>
+<file path=ppt/slides/slide17.xml><?xml version="1.0" encoding="utf-8"?>
 <p:sld xmlns:a="http://schemas.openxmlformats.org/drawingml/2006/main" xmlns:r="http://schemas.openxmlformats.org/officeDocument/2006/relationships" xmlns:p="http://schemas.openxmlformats.org/presentationml/2006/main">
   <p:cSld>
     <p:spTree>
@@ -6005,7 +6175,7 @@
 </p:sld>
 </file>
 
-<file path=ppt/slides/slide17.xml><?xml version="1.0" encoding="utf-8"?>
+<file path=ppt/slides/slide18.xml><?xml version="1.0" encoding="utf-8"?>
 <p:sld xmlns:a="http://schemas.openxmlformats.org/drawingml/2006/main" xmlns:r="http://schemas.openxmlformats.org/officeDocument/2006/relationships" xmlns:p="http://schemas.openxmlformats.org/presentationml/2006/main">
   <p:cSld>
     <p:spTree>
@@ -7370,7 +7540,7 @@
 </p:sld>
 </file>
 
-<file path=ppt/slides/slide18.xml><?xml version="1.0" encoding="utf-8"?>
+<file path=ppt/slides/slide19.xml><?xml version="1.0" encoding="utf-8"?>
 <p:sld xmlns:a="http://schemas.openxmlformats.org/drawingml/2006/main" xmlns:r="http://schemas.openxmlformats.org/officeDocument/2006/relationships" xmlns:p="http://schemas.openxmlformats.org/presentationml/2006/main">
   <p:cSld>
     <p:spTree>
@@ -7475,7 +7645,167 @@
 </p:sld>
 </file>
 
-<file path=ppt/slides/slide19.xml><?xml version="1.0" encoding="utf-8"?>
+<file path=ppt/slides/slide2.xml><?xml version="1.0" encoding="utf-8"?>
+<p:sld xmlns:a="http://schemas.openxmlformats.org/drawingml/2006/main" xmlns:r="http://schemas.openxmlformats.org/officeDocument/2006/relationships" xmlns:p="http://schemas.openxmlformats.org/presentationml/2006/main">
+  <p:cSld>
+    <p:spTree>
+      <p:nvGrpSpPr>
+        <p:cNvPr id="1" name=""/>
+        <p:cNvGrpSpPr/>
+        <p:nvPr/>
+      </p:nvGrpSpPr>
+      <p:grpSpPr>
+        <a:xfrm>
+          <a:off x="0" y="0"/>
+          <a:ext cx="0" cy="0"/>
+          <a:chOff x="0" y="0"/>
+          <a:chExt cx="0" cy="0"/>
+        </a:xfrm>
+      </p:grpSpPr>
+      <p:sp>
+        <p:nvSpPr>
+          <p:cNvPr id="2" name="Title 1">
+            <a:extLst>
+              <a:ext uri="{FF2B5EF4-FFF2-40B4-BE49-F238E27FC236}">
+                <a16:creationId xmlns:a16="http://schemas.microsoft.com/office/drawing/2014/main" id="{DA1EABA9-ECE4-ED45-96AD-D11605468DF1}"/>
+              </a:ext>
+            </a:extLst>
+          </p:cNvPr>
+          <p:cNvSpPr>
+            <a:spLocks noGrp="1"/>
+          </p:cNvSpPr>
+          <p:nvPr>
+            <p:ph type="title"/>
+          </p:nvPr>
+        </p:nvSpPr>
+        <p:spPr>
+          <a:xfrm>
+            <a:off x="457200" y="548680"/>
+            <a:ext cx="8229600" cy="634082"/>
+          </a:xfrm>
+        </p:spPr>
+        <p:txBody>
+          <a:bodyPr/>
+          <a:lstStyle/>
+          <a:p>
+            <a:r>
+              <a:rPr lang="en-GB" sz="4000" dirty="0">
+                <a:solidFill>
+                  <a:srgbClr val="FFFFFF"/>
+                </a:solidFill>
+                <a:latin typeface="URWGothicL"/>
+              </a:rPr>
+              <a:t>Assignment Roadmap</a:t>
+            </a:r>
+            <a:endParaRPr lang="en-US" sz="4000" dirty="0"/>
+          </a:p>
+        </p:txBody>
+      </p:sp>
+      <p:sp>
+        <p:nvSpPr>
+          <p:cNvPr id="3" name="Content Placeholder 2">
+            <a:extLst>
+              <a:ext uri="{FF2B5EF4-FFF2-40B4-BE49-F238E27FC236}">
+                <a16:creationId xmlns:a16="http://schemas.microsoft.com/office/drawing/2014/main" id="{F11D3774-F227-E54D-8B35-5A75C345CFD0}"/>
+              </a:ext>
+            </a:extLst>
+          </p:cNvPr>
+          <p:cNvSpPr>
+            <a:spLocks noGrp="1"/>
+          </p:cNvSpPr>
+          <p:nvPr>
+            <p:ph idx="1"/>
+          </p:nvPr>
+        </p:nvSpPr>
+        <p:spPr>
+          <a:xfrm>
+            <a:off x="457200" y="1484784"/>
+            <a:ext cx="8229600" cy="5217443"/>
+          </a:xfrm>
+        </p:spPr>
+        <p:txBody>
+          <a:bodyPr anchor="ctr">
+            <a:normAutofit/>
+          </a:bodyPr>
+          <a:lstStyle/>
+          <a:p>
+            <a:r>
+              <a:rPr lang="en-GB" sz="2400" b="1" dirty="0"/>
+              <a:t>Assignment 1</a:t>
+            </a:r>
+          </a:p>
+          <a:p>
+            <a:pPr lvl="1"/>
+            <a:r>
+              <a:rPr lang="en-GB" sz="2000" dirty="0"/>
+              <a:t>Week 6 – First prototype of game and controller</a:t>
+            </a:r>
+          </a:p>
+          <a:p>
+            <a:pPr lvl="1"/>
+            <a:r>
+              <a:rPr lang="en-GB" sz="2000" dirty="0"/>
+              <a:t>Week 9 – Peer review of game and controller</a:t>
+            </a:r>
+          </a:p>
+          <a:p>
+            <a:r>
+              <a:rPr lang="en-GB" sz="2400" b="1" dirty="0"/>
+              <a:t>Assignment 2</a:t>
+            </a:r>
+          </a:p>
+          <a:p>
+            <a:pPr lvl="1"/>
+            <a:r>
+              <a:rPr lang="en-GB" sz="2000" dirty="0"/>
+              <a:t>Week 3 – Project Proposal</a:t>
+            </a:r>
+          </a:p>
+          <a:p>
+            <a:pPr lvl="1"/>
+            <a:r>
+              <a:rPr lang="en-GB" sz="2000" dirty="0"/>
+              <a:t>Week 8 – Draft Poster presentation</a:t>
+            </a:r>
+          </a:p>
+          <a:p>
+            <a:pPr lvl="1"/>
+            <a:r>
+              <a:rPr lang="en-GB" sz="2000" dirty="0"/>
+              <a:t>Week 10 – Report Peer Review</a:t>
+            </a:r>
+          </a:p>
+          <a:p>
+            <a:pPr marL="457200" lvl="1" indent="0">
+              <a:buNone/>
+            </a:pPr>
+            <a:endParaRPr lang="en-GB" sz="2000" dirty="0"/>
+          </a:p>
+          <a:p>
+            <a:r>
+              <a:rPr lang="en-GB" sz="2400" b="1" dirty="0"/>
+              <a:t>Next up: WEEK 6 – First Prototype of game and controller</a:t>
+            </a:r>
+          </a:p>
+          <a:p>
+            <a:endParaRPr lang="en-GB" sz="2400" dirty="0"/>
+          </a:p>
+        </p:txBody>
+      </p:sp>
+    </p:spTree>
+    <p:extLst>
+      <p:ext uri="{BB962C8B-B14F-4D97-AF65-F5344CB8AC3E}">
+        <p14:creationId xmlns:p14="http://schemas.microsoft.com/office/powerpoint/2010/main" val="3734059172"/>
+      </p:ext>
+    </p:extLst>
+  </p:cSld>
+  <p:clrMapOvr>
+    <a:masterClrMapping/>
+  </p:clrMapOvr>
+</p:sld>
+</file>
+
+<file path=ppt/slides/slide20.xml><?xml version="1.0" encoding="utf-8"?>
 <p:sld xmlns:a="http://schemas.openxmlformats.org/drawingml/2006/main" xmlns:r="http://schemas.openxmlformats.org/officeDocument/2006/relationships" xmlns:p="http://schemas.openxmlformats.org/presentationml/2006/main">
   <p:cSld>
     <p:spTree>
@@ -7606,6 +7936,76 @@
           </a:prstGeom>
         </p:spPr>
       </p:pic>
+      <p:sp>
+        <p:nvSpPr>
+          <p:cNvPr id="5" name="Rectangle 4">
+            <a:extLst>
+              <a:ext uri="{FF2B5EF4-FFF2-40B4-BE49-F238E27FC236}">
+                <a16:creationId xmlns:a16="http://schemas.microsoft.com/office/drawing/2014/main" id="{6F6906E1-8F7B-5743-A9B1-3D30B4A0D683}"/>
+              </a:ext>
+            </a:extLst>
+          </p:cNvPr>
+          <p:cNvSpPr/>
+          <p:nvPr/>
+        </p:nvSpPr>
+        <p:spPr>
+          <a:xfrm>
+            <a:off x="2060848" y="6124654"/>
+            <a:ext cx="5022304" cy="369332"/>
+          </a:xfrm>
+          <a:prstGeom prst="rect">
+            <a:avLst/>
+          </a:prstGeom>
+        </p:spPr>
+        <p:txBody>
+          <a:bodyPr wrap="square">
+            <a:spAutoFit/>
+          </a:bodyPr>
+          <a:lstStyle/>
+          <a:p>
+            <a:r>
+              <a:rPr lang="en-US" dirty="0">
+                <a:solidFill>
+                  <a:schemeClr val="bg1"/>
+                </a:solidFill>
+              </a:rPr>
+              <a:t>https://</a:t>
+            </a:r>
+            <a:r>
+              <a:rPr lang="en-US" dirty="0" err="1">
+                <a:solidFill>
+                  <a:schemeClr val="bg1"/>
+                </a:solidFill>
+              </a:rPr>
+              <a:t>www.youtube.com</a:t>
+            </a:r>
+            <a:r>
+              <a:rPr lang="en-US" dirty="0">
+                <a:solidFill>
+                  <a:schemeClr val="bg1"/>
+                </a:solidFill>
+              </a:rPr>
+              <a:t>/</a:t>
+            </a:r>
+            <a:r>
+              <a:rPr lang="en-US" dirty="0" err="1">
+                <a:solidFill>
+                  <a:schemeClr val="bg1"/>
+                </a:solidFill>
+              </a:rPr>
+              <a:t>watch?v</a:t>
+            </a:r>
+            <a:r>
+              <a:rPr lang="en-US" dirty="0">
+                <a:solidFill>
+                  <a:schemeClr val="bg1"/>
+                </a:solidFill>
+              </a:rPr>
+              <a:t>=gMk7WIGi-W0</a:t>
+            </a:r>
+          </a:p>
+        </p:txBody>
+      </p:sp>
     </p:spTree>
     <p:extLst>
       <p:ext uri="{BB962C8B-B14F-4D97-AF65-F5344CB8AC3E}">
@@ -7754,275 +8154,6 @@
 </p:sld>
 </file>
 
-<file path=ppt/slides/slide2.xml><?xml version="1.0" encoding="utf-8"?>
-<p:sld xmlns:a="http://schemas.openxmlformats.org/drawingml/2006/main" xmlns:r="http://schemas.openxmlformats.org/officeDocument/2006/relationships" xmlns:p="http://schemas.openxmlformats.org/presentationml/2006/main">
-  <p:cSld>
-    <p:spTree>
-      <p:nvGrpSpPr>
-        <p:cNvPr id="1" name=""/>
-        <p:cNvGrpSpPr/>
-        <p:nvPr/>
-      </p:nvGrpSpPr>
-      <p:grpSpPr>
-        <a:xfrm>
-          <a:off x="0" y="0"/>
-          <a:ext cx="0" cy="0"/>
-          <a:chOff x="0" y="0"/>
-          <a:chExt cx="0" cy="0"/>
-        </a:xfrm>
-      </p:grpSpPr>
-      <p:sp>
-        <p:nvSpPr>
-          <p:cNvPr id="2" name="Title 1">
-            <a:extLst>
-              <a:ext uri="{FF2B5EF4-FFF2-40B4-BE49-F238E27FC236}">
-                <a16:creationId xmlns:a16="http://schemas.microsoft.com/office/drawing/2014/main" id="{DA1EABA9-ECE4-ED45-96AD-D11605468DF1}"/>
-              </a:ext>
-            </a:extLst>
-          </p:cNvPr>
-          <p:cNvSpPr>
-            <a:spLocks noGrp="1"/>
-          </p:cNvSpPr>
-          <p:nvPr>
-            <p:ph type="title"/>
-          </p:nvPr>
-        </p:nvSpPr>
-        <p:spPr>
-          <a:xfrm>
-            <a:off x="457200" y="548680"/>
-            <a:ext cx="8229600" cy="634082"/>
-          </a:xfrm>
-        </p:spPr>
-        <p:txBody>
-          <a:bodyPr/>
-          <a:lstStyle/>
-          <a:p>
-            <a:r>
-              <a:rPr lang="en-GB" sz="4000" dirty="0">
-                <a:solidFill>
-                  <a:srgbClr val="FFFFFF"/>
-                </a:solidFill>
-                <a:latin typeface="URWGothicL"/>
-              </a:rPr>
-              <a:t>Assignment Roadmap</a:t>
-            </a:r>
-            <a:endParaRPr lang="en-US" sz="4000" dirty="0"/>
-          </a:p>
-        </p:txBody>
-      </p:sp>
-      <p:sp>
-        <p:nvSpPr>
-          <p:cNvPr id="3" name="Content Placeholder 2">
-            <a:extLst>
-              <a:ext uri="{FF2B5EF4-FFF2-40B4-BE49-F238E27FC236}">
-                <a16:creationId xmlns:a16="http://schemas.microsoft.com/office/drawing/2014/main" id="{F11D3774-F227-E54D-8B35-5A75C345CFD0}"/>
-              </a:ext>
-            </a:extLst>
-          </p:cNvPr>
-          <p:cNvSpPr>
-            <a:spLocks noGrp="1"/>
-          </p:cNvSpPr>
-          <p:nvPr>
-            <p:ph idx="1"/>
-          </p:nvPr>
-        </p:nvSpPr>
-        <p:spPr>
-          <a:xfrm>
-            <a:off x="457200" y="1484784"/>
-            <a:ext cx="8229600" cy="5217443"/>
-          </a:xfrm>
-        </p:spPr>
-        <p:txBody>
-          <a:bodyPr anchor="ctr">
-            <a:normAutofit/>
-          </a:bodyPr>
-          <a:lstStyle/>
-          <a:p>
-            <a:r>
-              <a:rPr lang="en-GB" sz="2400" b="1" dirty="0"/>
-              <a:t>Assignment 1</a:t>
-            </a:r>
-          </a:p>
-          <a:p>
-            <a:pPr lvl="1"/>
-            <a:r>
-              <a:rPr lang="en-GB" sz="2000" dirty="0"/>
-              <a:t>Week 6 – First prototype of game and controller</a:t>
-            </a:r>
-          </a:p>
-          <a:p>
-            <a:pPr lvl="1"/>
-            <a:r>
-              <a:rPr lang="en-GB" sz="2000" dirty="0"/>
-              <a:t>Week 9 – Peer review of game and controller</a:t>
-            </a:r>
-          </a:p>
-          <a:p>
-            <a:r>
-              <a:rPr lang="en-GB" sz="2400" b="1" dirty="0"/>
-              <a:t>Assignment 2</a:t>
-            </a:r>
-          </a:p>
-          <a:p>
-            <a:pPr lvl="1"/>
-            <a:r>
-              <a:rPr lang="en-GB" sz="2000" dirty="0"/>
-              <a:t>Week 3 – Project Proposal</a:t>
-            </a:r>
-          </a:p>
-          <a:p>
-            <a:pPr lvl="1"/>
-            <a:r>
-              <a:rPr lang="en-GB" sz="2000" dirty="0"/>
-              <a:t>Week 8 – Draft Poster presentation</a:t>
-            </a:r>
-          </a:p>
-          <a:p>
-            <a:pPr lvl="1"/>
-            <a:r>
-              <a:rPr lang="en-GB" sz="2000" dirty="0"/>
-              <a:t>Week 10 – Report Peer Review</a:t>
-            </a:r>
-          </a:p>
-          <a:p>
-            <a:pPr marL="457200" lvl="1" indent="0">
-              <a:buNone/>
-            </a:pPr>
-            <a:endParaRPr lang="en-GB" sz="2000" dirty="0"/>
-          </a:p>
-          <a:p>
-            <a:r>
-              <a:rPr lang="en-GB" sz="2400" b="1" dirty="0"/>
-              <a:t>Next up: WEEK 6 – First Prototype of game and controller</a:t>
-            </a:r>
-          </a:p>
-          <a:p>
-            <a:endParaRPr lang="en-GB" sz="2400" dirty="0"/>
-          </a:p>
-        </p:txBody>
-      </p:sp>
-    </p:spTree>
-    <p:extLst>
-      <p:ext uri="{BB962C8B-B14F-4D97-AF65-F5344CB8AC3E}">
-        <p14:creationId xmlns:p14="http://schemas.microsoft.com/office/powerpoint/2010/main" val="3734059172"/>
-      </p:ext>
-    </p:extLst>
-  </p:cSld>
-  <p:clrMapOvr>
-    <a:masterClrMapping/>
-  </p:clrMapOvr>
-</p:sld>
-</file>
-
-<file path=ppt/slides/slide20.xml><?xml version="1.0" encoding="utf-8"?>
-<p:sld xmlns:a="http://schemas.openxmlformats.org/drawingml/2006/main" xmlns:r="http://schemas.openxmlformats.org/officeDocument/2006/relationships" xmlns:p="http://schemas.openxmlformats.org/presentationml/2006/main">
-  <p:cSld>
-    <p:spTree>
-      <p:nvGrpSpPr>
-        <p:cNvPr id="1" name=""/>
-        <p:cNvGrpSpPr/>
-        <p:nvPr/>
-      </p:nvGrpSpPr>
-      <p:grpSpPr>
-        <a:xfrm>
-          <a:off x="0" y="0"/>
-          <a:ext cx="0" cy="0"/>
-          <a:chOff x="0" y="0"/>
-          <a:chExt cx="0" cy="0"/>
-        </a:xfrm>
-      </p:grpSpPr>
-      <p:sp>
-        <p:nvSpPr>
-          <p:cNvPr id="2" name="Title 1">
-            <a:extLst>
-              <a:ext uri="{FF2B5EF4-FFF2-40B4-BE49-F238E27FC236}">
-                <a16:creationId xmlns:a16="http://schemas.microsoft.com/office/drawing/2014/main" id="{DA1EABA9-ECE4-ED45-96AD-D11605468DF1}"/>
-              </a:ext>
-            </a:extLst>
-          </p:cNvPr>
-          <p:cNvSpPr>
-            <a:spLocks noGrp="1"/>
-          </p:cNvSpPr>
-          <p:nvPr>
-            <p:ph type="title"/>
-          </p:nvPr>
-        </p:nvSpPr>
-        <p:spPr>
-          <a:xfrm>
-            <a:off x="457200" y="548680"/>
-            <a:ext cx="8229600" cy="634082"/>
-          </a:xfrm>
-        </p:spPr>
-        <p:txBody>
-          <a:bodyPr/>
-          <a:lstStyle/>
-          <a:p>
-            <a:r>
-              <a:rPr lang="en-GB" sz="4000" dirty="0">
-                <a:solidFill>
-                  <a:srgbClr val="FFFFFF"/>
-                </a:solidFill>
-                <a:latin typeface="URWGothicL"/>
-              </a:rPr>
-              <a:t>State Diagram – Class Exercise</a:t>
-            </a:r>
-            <a:endParaRPr lang="en-US" sz="4000" dirty="0"/>
-          </a:p>
-        </p:txBody>
-      </p:sp>
-      <p:sp>
-        <p:nvSpPr>
-          <p:cNvPr id="4" name="Content Placeholder 2">
-            <a:extLst>
-              <a:ext uri="{FF2B5EF4-FFF2-40B4-BE49-F238E27FC236}">
-                <a16:creationId xmlns:a16="http://schemas.microsoft.com/office/drawing/2014/main" id="{91E010A1-AA21-4264-82B2-F075E362A254}"/>
-              </a:ext>
-            </a:extLst>
-          </p:cNvPr>
-          <p:cNvSpPr>
-            <a:spLocks noGrp="1"/>
-          </p:cNvSpPr>
-          <p:nvPr>
-            <p:ph idx="1"/>
-          </p:nvPr>
-        </p:nvSpPr>
-        <p:spPr>
-          <a:xfrm>
-            <a:off x="457200" y="1484784"/>
-            <a:ext cx="8229600" cy="5217443"/>
-          </a:xfrm>
-        </p:spPr>
-        <p:txBody>
-          <a:bodyPr anchor="ctr">
-            <a:normAutofit/>
-          </a:bodyPr>
-          <a:lstStyle/>
-          <a:p>
-            <a:r>
-              <a:rPr lang="en-GB" b="1" dirty="0"/>
-              <a:t>Identify the States of the Cathedral Grave Warden</a:t>
-            </a:r>
-          </a:p>
-          <a:p>
-            <a:endParaRPr lang="en-GB" sz="3200" dirty="0">
-              <a:effectLst/>
-            </a:endParaRPr>
-          </a:p>
-        </p:txBody>
-      </p:sp>
-    </p:spTree>
-    <p:extLst>
-      <p:ext uri="{BB962C8B-B14F-4D97-AF65-F5344CB8AC3E}">
-        <p14:creationId xmlns:p14="http://schemas.microsoft.com/office/powerpoint/2010/main" val="2841252965"/>
-      </p:ext>
-    </p:extLst>
-  </p:cSld>
-  <p:clrMapOvr>
-    <a:masterClrMapping/>
-  </p:clrMapOvr>
-</p:sld>
-</file>
-
 <file path=ppt/slides/slide21.xml><?xml version="1.0" encoding="utf-8"?>
 <p:sld xmlns:a="http://schemas.openxmlformats.org/drawingml/2006/main" xmlns:r="http://schemas.openxmlformats.org/officeDocument/2006/relationships" xmlns:p="http://schemas.openxmlformats.org/presentationml/2006/main">
   <p:cSld>
@@ -8073,6 +8204,115 @@
                 </a:solidFill>
                 <a:latin typeface="URWGothicL"/>
               </a:rPr>
+              <a:t>State Diagram – Class Exercise</a:t>
+            </a:r>
+            <a:endParaRPr lang="en-US" sz="4000" dirty="0"/>
+          </a:p>
+        </p:txBody>
+      </p:sp>
+      <p:sp>
+        <p:nvSpPr>
+          <p:cNvPr id="4" name="Content Placeholder 2">
+            <a:extLst>
+              <a:ext uri="{FF2B5EF4-FFF2-40B4-BE49-F238E27FC236}">
+                <a16:creationId xmlns:a16="http://schemas.microsoft.com/office/drawing/2014/main" id="{91E010A1-AA21-4264-82B2-F075E362A254}"/>
+              </a:ext>
+            </a:extLst>
+          </p:cNvPr>
+          <p:cNvSpPr>
+            <a:spLocks noGrp="1"/>
+          </p:cNvSpPr>
+          <p:nvPr>
+            <p:ph idx="1"/>
+          </p:nvPr>
+        </p:nvSpPr>
+        <p:spPr>
+          <a:xfrm>
+            <a:off x="457200" y="1484784"/>
+            <a:ext cx="8229600" cy="5217443"/>
+          </a:xfrm>
+        </p:spPr>
+        <p:txBody>
+          <a:bodyPr anchor="ctr">
+            <a:normAutofit/>
+          </a:bodyPr>
+          <a:lstStyle/>
+          <a:p>
+            <a:r>
+              <a:rPr lang="en-GB" b="1" dirty="0"/>
+              <a:t>Identify the States of the Cathedral Grave Warden</a:t>
+            </a:r>
+          </a:p>
+          <a:p>
+            <a:endParaRPr lang="en-GB" sz="3200" dirty="0">
+              <a:effectLst/>
+            </a:endParaRPr>
+          </a:p>
+        </p:txBody>
+      </p:sp>
+    </p:spTree>
+    <p:extLst>
+      <p:ext uri="{BB962C8B-B14F-4D97-AF65-F5344CB8AC3E}">
+        <p14:creationId xmlns:p14="http://schemas.microsoft.com/office/powerpoint/2010/main" val="2841252965"/>
+      </p:ext>
+    </p:extLst>
+  </p:cSld>
+  <p:clrMapOvr>
+    <a:masterClrMapping/>
+  </p:clrMapOvr>
+</p:sld>
+</file>
+
+<file path=ppt/slides/slide22.xml><?xml version="1.0" encoding="utf-8"?>
+<p:sld xmlns:a="http://schemas.openxmlformats.org/drawingml/2006/main" xmlns:r="http://schemas.openxmlformats.org/officeDocument/2006/relationships" xmlns:p="http://schemas.openxmlformats.org/presentationml/2006/main">
+  <p:cSld>
+    <p:spTree>
+      <p:nvGrpSpPr>
+        <p:cNvPr id="1" name=""/>
+        <p:cNvGrpSpPr/>
+        <p:nvPr/>
+      </p:nvGrpSpPr>
+      <p:grpSpPr>
+        <a:xfrm>
+          <a:off x="0" y="0"/>
+          <a:ext cx="0" cy="0"/>
+          <a:chOff x="0" y="0"/>
+          <a:chExt cx="0" cy="0"/>
+        </a:xfrm>
+      </p:grpSpPr>
+      <p:sp>
+        <p:nvSpPr>
+          <p:cNvPr id="2" name="Title 1">
+            <a:extLst>
+              <a:ext uri="{FF2B5EF4-FFF2-40B4-BE49-F238E27FC236}">
+                <a16:creationId xmlns:a16="http://schemas.microsoft.com/office/drawing/2014/main" id="{DA1EABA9-ECE4-ED45-96AD-D11605468DF1}"/>
+              </a:ext>
+            </a:extLst>
+          </p:cNvPr>
+          <p:cNvSpPr>
+            <a:spLocks noGrp="1"/>
+          </p:cNvSpPr>
+          <p:nvPr>
+            <p:ph type="title"/>
+          </p:nvPr>
+        </p:nvSpPr>
+        <p:spPr>
+          <a:xfrm>
+            <a:off x="457200" y="548680"/>
+            <a:ext cx="8229600" cy="634082"/>
+          </a:xfrm>
+        </p:spPr>
+        <p:txBody>
+          <a:bodyPr/>
+          <a:lstStyle/>
+          <a:p>
+            <a:r>
+              <a:rPr lang="en-GB" sz="4000" dirty="0">
+                <a:solidFill>
+                  <a:srgbClr val="FFFFFF"/>
+                </a:solidFill>
+                <a:latin typeface="URWGothicL"/>
+              </a:rPr>
               <a:t>Sequence Diagram</a:t>
             </a:r>
             <a:endParaRPr lang="en-US" sz="4000" dirty="0"/>
@@ -8159,7 +8399,7 @@
 </p:sld>
 </file>
 
-<file path=ppt/slides/slide22.xml><?xml version="1.0" encoding="utf-8"?>
+<file path=ppt/slides/slide23.xml><?xml version="1.0" encoding="utf-8"?>
 <p:sld xmlns:a="http://schemas.openxmlformats.org/drawingml/2006/main" xmlns:r="http://schemas.openxmlformats.org/officeDocument/2006/relationships" xmlns:p="http://schemas.openxmlformats.org/presentationml/2006/main">
   <p:cSld>
     <p:spTree>
@@ -8264,69 +8504,6 @@
 </p:sld>
 </file>
 
-<file path=ppt/slides/slide23.xml><?xml version="1.0" encoding="utf-8"?>
-<p:sld xmlns:a="http://schemas.openxmlformats.org/drawingml/2006/main" xmlns:r="http://schemas.openxmlformats.org/officeDocument/2006/relationships" xmlns:p="http://schemas.openxmlformats.org/presentationml/2006/main">
-  <p:cSld>
-    <p:spTree>
-      <p:nvGrpSpPr>
-        <p:cNvPr id="1" name=""/>
-        <p:cNvGrpSpPr/>
-        <p:nvPr/>
-      </p:nvGrpSpPr>
-      <p:grpSpPr>
-        <a:xfrm>
-          <a:off x="0" y="0"/>
-          <a:ext cx="0" cy="0"/>
-          <a:chOff x="0" y="0"/>
-          <a:chExt cx="0" cy="0"/>
-        </a:xfrm>
-      </p:grpSpPr>
-      <p:sp>
-        <p:nvSpPr>
-          <p:cNvPr id="2" name="Title 1">
-            <a:extLst>
-              <a:ext uri="{FF2B5EF4-FFF2-40B4-BE49-F238E27FC236}">
-                <a16:creationId xmlns:a16="http://schemas.microsoft.com/office/drawing/2014/main" id="{E0D39B9B-57E0-4C75-9D4A-053BECB31981}"/>
-              </a:ext>
-            </a:extLst>
-          </p:cNvPr>
-          <p:cNvSpPr>
-            <a:spLocks noGrp="1"/>
-          </p:cNvSpPr>
-          <p:nvPr>
-            <p:ph type="title"/>
-          </p:nvPr>
-        </p:nvSpPr>
-        <p:spPr>
-          <a:xfrm>
-            <a:off x="1835696" y="3088481"/>
-            <a:ext cx="5472608" cy="681038"/>
-          </a:xfrm>
-        </p:spPr>
-        <p:txBody>
-          <a:bodyPr/>
-          <a:lstStyle/>
-          <a:p>
-            <a:r>
-              <a:rPr lang="en-GB" dirty="0"/>
-              <a:t>Structural Diagrams</a:t>
-            </a:r>
-          </a:p>
-        </p:txBody>
-      </p:sp>
-    </p:spTree>
-    <p:extLst>
-      <p:ext uri="{BB962C8B-B14F-4D97-AF65-F5344CB8AC3E}">
-        <p14:creationId xmlns:p14="http://schemas.microsoft.com/office/powerpoint/2010/main" val="2974102519"/>
-      </p:ext>
-    </p:extLst>
-  </p:cSld>
-  <p:clrMapOvr>
-    <a:masterClrMapping/>
-  </p:clrMapOvr>
-</p:sld>
-</file>
-
 <file path=ppt/slides/slide24.xml><?xml version="1.0" encoding="utf-8"?>
 <p:sld xmlns:a="http://schemas.openxmlformats.org/drawingml/2006/main" xmlns:r="http://schemas.openxmlformats.org/officeDocument/2006/relationships" xmlns:p="http://schemas.openxmlformats.org/presentationml/2006/main">
   <p:cSld>
@@ -8349,6 +8526,69 @@
           <p:cNvPr id="2" name="Title 1">
             <a:extLst>
               <a:ext uri="{FF2B5EF4-FFF2-40B4-BE49-F238E27FC236}">
+                <a16:creationId xmlns:a16="http://schemas.microsoft.com/office/drawing/2014/main" id="{E0D39B9B-57E0-4C75-9D4A-053BECB31981}"/>
+              </a:ext>
+            </a:extLst>
+          </p:cNvPr>
+          <p:cNvSpPr>
+            <a:spLocks noGrp="1"/>
+          </p:cNvSpPr>
+          <p:nvPr>
+            <p:ph type="title"/>
+          </p:nvPr>
+        </p:nvSpPr>
+        <p:spPr>
+          <a:xfrm>
+            <a:off x="1835696" y="3088481"/>
+            <a:ext cx="5472608" cy="681038"/>
+          </a:xfrm>
+        </p:spPr>
+        <p:txBody>
+          <a:bodyPr/>
+          <a:lstStyle/>
+          <a:p>
+            <a:r>
+              <a:rPr lang="en-GB" dirty="0"/>
+              <a:t>Structural Diagrams</a:t>
+            </a:r>
+          </a:p>
+        </p:txBody>
+      </p:sp>
+    </p:spTree>
+    <p:extLst>
+      <p:ext uri="{BB962C8B-B14F-4D97-AF65-F5344CB8AC3E}">
+        <p14:creationId xmlns:p14="http://schemas.microsoft.com/office/powerpoint/2010/main" val="2974102519"/>
+      </p:ext>
+    </p:extLst>
+  </p:cSld>
+  <p:clrMapOvr>
+    <a:masterClrMapping/>
+  </p:clrMapOvr>
+</p:sld>
+</file>
+
+<file path=ppt/slides/slide25.xml><?xml version="1.0" encoding="utf-8"?>
+<p:sld xmlns:a="http://schemas.openxmlformats.org/drawingml/2006/main" xmlns:r="http://schemas.openxmlformats.org/officeDocument/2006/relationships" xmlns:p="http://schemas.openxmlformats.org/presentationml/2006/main">
+  <p:cSld>
+    <p:spTree>
+      <p:nvGrpSpPr>
+        <p:cNvPr id="1" name=""/>
+        <p:cNvGrpSpPr/>
+        <p:nvPr/>
+      </p:nvGrpSpPr>
+      <p:grpSpPr>
+        <a:xfrm>
+          <a:off x="0" y="0"/>
+          <a:ext cx="0" cy="0"/>
+          <a:chOff x="0" y="0"/>
+          <a:chExt cx="0" cy="0"/>
+        </a:xfrm>
+      </p:grpSpPr>
+      <p:sp>
+        <p:nvSpPr>
+          <p:cNvPr id="2" name="Title 1">
+            <a:extLst>
+              <a:ext uri="{FF2B5EF4-FFF2-40B4-BE49-F238E27FC236}">
                 <a16:creationId xmlns:a16="http://schemas.microsoft.com/office/drawing/2014/main" id="{DA1EABA9-ECE4-ED45-96AD-D11605468DF1}"/>
               </a:ext>
             </a:extLst>
@@ -8530,7 +8770,7 @@
 </p:sld>
 </file>
 
-<file path=ppt/slides/slide25.xml><?xml version="1.0" encoding="utf-8"?>
+<file path=ppt/slides/slide26.xml><?xml version="1.0" encoding="utf-8"?>
 <p:sld xmlns:a="http://schemas.openxmlformats.org/drawingml/2006/main" xmlns:r="http://schemas.openxmlformats.org/officeDocument/2006/relationships" xmlns:p="http://schemas.openxmlformats.org/presentationml/2006/main">
   <p:cSld>
     <p:spTree>
@@ -8917,7 +9157,7 @@
 </p:sld>
 </file>
 
-<file path=ppt/slides/slide26.xml><?xml version="1.0" encoding="utf-8"?>
+<file path=ppt/slides/slide27.xml><?xml version="1.0" encoding="utf-8"?>
 <p:sld xmlns:a="http://schemas.openxmlformats.org/drawingml/2006/main" xmlns:r="http://schemas.openxmlformats.org/officeDocument/2006/relationships" xmlns:p="http://schemas.openxmlformats.org/presentationml/2006/main">
   <p:cSld>
     <p:spTree>
@@ -9070,7 +9310,7 @@
 </p:sld>
 </file>
 
-<file path=ppt/slides/slide27.xml><?xml version="1.0" encoding="utf-8"?>
+<file path=ppt/slides/slide28.xml><?xml version="1.0" encoding="utf-8"?>
 <p:sld xmlns:a="http://schemas.openxmlformats.org/drawingml/2006/main" xmlns:r="http://schemas.openxmlformats.org/officeDocument/2006/relationships" xmlns:p="http://schemas.openxmlformats.org/presentationml/2006/main">
   <p:cSld>
     <p:spTree>
@@ -9290,7 +9530,7 @@
 </p:sld>
 </file>
 
-<file path=ppt/slides/slide28.xml><?xml version="1.0" encoding="utf-8"?>
+<file path=ppt/slides/slide29.xml><?xml version="1.0" encoding="utf-8"?>
 <p:sld xmlns:a="http://schemas.openxmlformats.org/drawingml/2006/main" xmlns:r="http://schemas.openxmlformats.org/officeDocument/2006/relationships" xmlns:p="http://schemas.openxmlformats.org/presentationml/2006/main">
   <p:cSld>
     <p:spTree>
@@ -9439,7 +9679,135 @@
 </p:sld>
 </file>
 
-<file path=ppt/slides/slide29.xml><?xml version="1.0" encoding="utf-8"?>
+<file path=ppt/slides/slide3.xml><?xml version="1.0" encoding="utf-8"?>
+<p:sld xmlns:a="http://schemas.openxmlformats.org/drawingml/2006/main" xmlns:r="http://schemas.openxmlformats.org/officeDocument/2006/relationships" xmlns:p="http://schemas.openxmlformats.org/presentationml/2006/main">
+  <p:cSld>
+    <p:spTree>
+      <p:nvGrpSpPr>
+        <p:cNvPr id="1" name=""/>
+        <p:cNvGrpSpPr/>
+        <p:nvPr/>
+      </p:nvGrpSpPr>
+      <p:grpSpPr>
+        <a:xfrm>
+          <a:off x="0" y="0"/>
+          <a:ext cx="0" cy="0"/>
+          <a:chOff x="0" y="0"/>
+          <a:chExt cx="0" cy="0"/>
+        </a:xfrm>
+      </p:grpSpPr>
+      <p:sp>
+        <p:nvSpPr>
+          <p:cNvPr id="2" name="Title 1">
+            <a:extLst>
+              <a:ext uri="{FF2B5EF4-FFF2-40B4-BE49-F238E27FC236}">
+                <a16:creationId xmlns:a16="http://schemas.microsoft.com/office/drawing/2014/main" id="{DA1EABA9-ECE4-ED45-96AD-D11605468DF1}"/>
+              </a:ext>
+            </a:extLst>
+          </p:cNvPr>
+          <p:cNvSpPr>
+            <a:spLocks noGrp="1"/>
+          </p:cNvSpPr>
+          <p:nvPr>
+            <p:ph type="title"/>
+          </p:nvPr>
+        </p:nvSpPr>
+        <p:spPr>
+          <a:xfrm>
+            <a:off x="457200" y="548680"/>
+            <a:ext cx="8229600" cy="634082"/>
+          </a:xfrm>
+        </p:spPr>
+        <p:txBody>
+          <a:bodyPr/>
+          <a:lstStyle/>
+          <a:p>
+            <a:r>
+              <a:rPr lang="en-GB" sz="4000" dirty="0">
+                <a:solidFill>
+                  <a:srgbClr val="FFFFFF"/>
+                </a:solidFill>
+                <a:latin typeface="URWGothicL"/>
+              </a:rPr>
+              <a:t>Learning outcomes </a:t>
+            </a:r>
+            <a:endParaRPr lang="en-US" sz="4000" dirty="0"/>
+          </a:p>
+        </p:txBody>
+      </p:sp>
+      <p:sp>
+        <p:nvSpPr>
+          <p:cNvPr id="3" name="Content Placeholder 2">
+            <a:extLst>
+              <a:ext uri="{FF2B5EF4-FFF2-40B4-BE49-F238E27FC236}">
+                <a16:creationId xmlns:a16="http://schemas.microsoft.com/office/drawing/2014/main" id="{F11D3774-F227-E54D-8B35-5A75C345CFD0}"/>
+              </a:ext>
+            </a:extLst>
+          </p:cNvPr>
+          <p:cNvSpPr>
+            <a:spLocks noGrp="1"/>
+          </p:cNvSpPr>
+          <p:nvPr>
+            <p:ph idx="1"/>
+          </p:nvPr>
+        </p:nvSpPr>
+        <p:spPr>
+          <a:xfrm>
+            <a:off x="457200" y="1484784"/>
+            <a:ext cx="8229600" cy="5217443"/>
+          </a:xfrm>
+        </p:spPr>
+        <p:txBody>
+          <a:bodyPr anchor="ctr">
+            <a:normAutofit/>
+          </a:bodyPr>
+          <a:lstStyle/>
+          <a:p>
+            <a:r>
+              <a:rPr lang="en-GB" sz="2400" b="1" dirty="0"/>
+              <a:t>Understand </a:t>
+            </a:r>
+            <a:r>
+              <a:rPr lang="en-GB" sz="2400" dirty="0"/>
+              <a:t>rationale behind UML</a:t>
+            </a:r>
+          </a:p>
+          <a:p>
+            <a:r>
+              <a:rPr lang="en-GB" sz="2400" b="1" dirty="0"/>
+              <a:t>Understand </a:t>
+            </a:r>
+            <a:r>
+              <a:rPr lang="en-GB" sz="2400" dirty="0"/>
+              <a:t>a subset of UML Diagrams useful for game development</a:t>
+            </a:r>
+          </a:p>
+          <a:p>
+            <a:r>
+              <a:rPr lang="en-GB" sz="2400" b="1" dirty="0"/>
+              <a:t>Develop </a:t>
+            </a:r>
+            <a:r>
+              <a:rPr lang="en-GB" sz="2400" dirty="0"/>
+              <a:t>some UML Diagrams</a:t>
+            </a:r>
+          </a:p>
+        </p:txBody>
+      </p:sp>
+    </p:spTree>
+    <p:extLst>
+      <p:ext uri="{BB962C8B-B14F-4D97-AF65-F5344CB8AC3E}">
+        <p14:creationId xmlns:p14="http://schemas.microsoft.com/office/powerpoint/2010/main" val="2263018052"/>
+      </p:ext>
+    </p:extLst>
+  </p:cSld>
+  <p:clrMapOvr>
+    <a:masterClrMapping/>
+  </p:clrMapOvr>
+</p:sld>
+</file>
+
+<file path=ppt/slides/slide30.xml><?xml version="1.0" encoding="utf-8"?>
 <p:sld xmlns:a="http://schemas.openxmlformats.org/drawingml/2006/main" xmlns:r="http://schemas.openxmlformats.org/officeDocument/2006/relationships" xmlns:p="http://schemas.openxmlformats.org/presentationml/2006/main">
   <p:cSld>
     <p:spTree>
@@ -9583,135 +9951,7 @@
 </p:sld>
 </file>
 
-<file path=ppt/slides/slide3.xml><?xml version="1.0" encoding="utf-8"?>
-<p:sld xmlns:a="http://schemas.openxmlformats.org/drawingml/2006/main" xmlns:r="http://schemas.openxmlformats.org/officeDocument/2006/relationships" xmlns:p="http://schemas.openxmlformats.org/presentationml/2006/main">
-  <p:cSld>
-    <p:spTree>
-      <p:nvGrpSpPr>
-        <p:cNvPr id="1" name=""/>
-        <p:cNvGrpSpPr/>
-        <p:nvPr/>
-      </p:nvGrpSpPr>
-      <p:grpSpPr>
-        <a:xfrm>
-          <a:off x="0" y="0"/>
-          <a:ext cx="0" cy="0"/>
-          <a:chOff x="0" y="0"/>
-          <a:chExt cx="0" cy="0"/>
-        </a:xfrm>
-      </p:grpSpPr>
-      <p:sp>
-        <p:nvSpPr>
-          <p:cNvPr id="2" name="Title 1">
-            <a:extLst>
-              <a:ext uri="{FF2B5EF4-FFF2-40B4-BE49-F238E27FC236}">
-                <a16:creationId xmlns:a16="http://schemas.microsoft.com/office/drawing/2014/main" id="{DA1EABA9-ECE4-ED45-96AD-D11605468DF1}"/>
-              </a:ext>
-            </a:extLst>
-          </p:cNvPr>
-          <p:cNvSpPr>
-            <a:spLocks noGrp="1"/>
-          </p:cNvSpPr>
-          <p:nvPr>
-            <p:ph type="title"/>
-          </p:nvPr>
-        </p:nvSpPr>
-        <p:spPr>
-          <a:xfrm>
-            <a:off x="457200" y="548680"/>
-            <a:ext cx="8229600" cy="634082"/>
-          </a:xfrm>
-        </p:spPr>
-        <p:txBody>
-          <a:bodyPr/>
-          <a:lstStyle/>
-          <a:p>
-            <a:r>
-              <a:rPr lang="en-GB" sz="4000" dirty="0">
-                <a:solidFill>
-                  <a:srgbClr val="FFFFFF"/>
-                </a:solidFill>
-                <a:latin typeface="URWGothicL"/>
-              </a:rPr>
-              <a:t>Learning outcomes </a:t>
-            </a:r>
-            <a:endParaRPr lang="en-US" sz="4000" dirty="0"/>
-          </a:p>
-        </p:txBody>
-      </p:sp>
-      <p:sp>
-        <p:nvSpPr>
-          <p:cNvPr id="3" name="Content Placeholder 2">
-            <a:extLst>
-              <a:ext uri="{FF2B5EF4-FFF2-40B4-BE49-F238E27FC236}">
-                <a16:creationId xmlns:a16="http://schemas.microsoft.com/office/drawing/2014/main" id="{F11D3774-F227-E54D-8B35-5A75C345CFD0}"/>
-              </a:ext>
-            </a:extLst>
-          </p:cNvPr>
-          <p:cNvSpPr>
-            <a:spLocks noGrp="1"/>
-          </p:cNvSpPr>
-          <p:nvPr>
-            <p:ph idx="1"/>
-          </p:nvPr>
-        </p:nvSpPr>
-        <p:spPr>
-          <a:xfrm>
-            <a:off x="457200" y="1484784"/>
-            <a:ext cx="8229600" cy="5217443"/>
-          </a:xfrm>
-        </p:spPr>
-        <p:txBody>
-          <a:bodyPr anchor="ctr">
-            <a:normAutofit/>
-          </a:bodyPr>
-          <a:lstStyle/>
-          <a:p>
-            <a:r>
-              <a:rPr lang="en-GB" sz="2400" b="1" dirty="0"/>
-              <a:t>Understand </a:t>
-            </a:r>
-            <a:r>
-              <a:rPr lang="en-GB" sz="2400" dirty="0"/>
-              <a:t>rationale behind UML</a:t>
-            </a:r>
-          </a:p>
-          <a:p>
-            <a:r>
-              <a:rPr lang="en-GB" sz="2400" b="1" dirty="0"/>
-              <a:t>Understand </a:t>
-            </a:r>
-            <a:r>
-              <a:rPr lang="en-GB" sz="2400" dirty="0"/>
-              <a:t>a subset of UML Diagrams useful for game development</a:t>
-            </a:r>
-          </a:p>
-          <a:p>
-            <a:r>
-              <a:rPr lang="en-GB" sz="2400" b="1" dirty="0"/>
-              <a:t>Develop </a:t>
-            </a:r>
-            <a:r>
-              <a:rPr lang="en-GB" sz="2400" dirty="0"/>
-              <a:t>some UML Diagrams</a:t>
-            </a:r>
-          </a:p>
-        </p:txBody>
-      </p:sp>
-    </p:spTree>
-    <p:extLst>
-      <p:ext uri="{BB962C8B-B14F-4D97-AF65-F5344CB8AC3E}">
-        <p14:creationId xmlns:p14="http://schemas.microsoft.com/office/powerpoint/2010/main" val="2263018052"/>
-      </p:ext>
-    </p:extLst>
-  </p:cSld>
-  <p:clrMapOvr>
-    <a:masterClrMapping/>
-  </p:clrMapOvr>
-</p:sld>
-</file>
-
-<file path=ppt/slides/slide30.xml><?xml version="1.0" encoding="utf-8"?>
+<file path=ppt/slides/slide31.xml><?xml version="1.0" encoding="utf-8"?>
 <p:sld xmlns:a="http://schemas.openxmlformats.org/drawingml/2006/main" xmlns:r="http://schemas.openxmlformats.org/officeDocument/2006/relationships" xmlns:p="http://schemas.openxmlformats.org/presentationml/2006/main">
   <p:cSld>
     <p:spTree>
@@ -9876,7 +10116,7 @@
 </p:sld>
 </file>
 
-<file path=ppt/slides/slide31.xml><?xml version="1.0" encoding="utf-8"?>
+<file path=ppt/slides/slide32.xml><?xml version="1.0" encoding="utf-8"?>
 <p:sld xmlns:a="http://schemas.openxmlformats.org/drawingml/2006/main" xmlns:r="http://schemas.openxmlformats.org/officeDocument/2006/relationships" xmlns:p="http://schemas.openxmlformats.org/presentationml/2006/main">
   <p:cSld>
     <p:spTree>
@@ -10020,7 +10260,7 @@
 </p:sld>
 </file>
 
-<file path=ppt/slides/slide32.xml><?xml version="1.0" encoding="utf-8"?>
+<file path=ppt/slides/slide33.xml><?xml version="1.0" encoding="utf-8"?>
 <p:sld xmlns:a="http://schemas.openxmlformats.org/drawingml/2006/main" xmlns:r="http://schemas.openxmlformats.org/officeDocument/2006/relationships" xmlns:p="http://schemas.openxmlformats.org/presentationml/2006/main">
   <p:cSld>
     <p:spTree>
@@ -10164,142 +10404,6 @@
 </p:sld>
 </file>
 
-<file path=ppt/slides/slide33.xml><?xml version="1.0" encoding="utf-8"?>
-<p:sld xmlns:a="http://schemas.openxmlformats.org/drawingml/2006/main" xmlns:r="http://schemas.openxmlformats.org/officeDocument/2006/relationships" xmlns:p="http://schemas.openxmlformats.org/presentationml/2006/main">
-  <p:cSld>
-    <p:spTree>
-      <p:nvGrpSpPr>
-        <p:cNvPr id="1" name=""/>
-        <p:cNvGrpSpPr/>
-        <p:nvPr/>
-      </p:nvGrpSpPr>
-      <p:grpSpPr>
-        <a:xfrm>
-          <a:off x="0" y="0"/>
-          <a:ext cx="0" cy="0"/>
-          <a:chOff x="0" y="0"/>
-          <a:chExt cx="0" cy="0"/>
-        </a:xfrm>
-      </p:grpSpPr>
-      <p:sp>
-        <p:nvSpPr>
-          <p:cNvPr id="2" name="Title 1">
-            <a:extLst>
-              <a:ext uri="{FF2B5EF4-FFF2-40B4-BE49-F238E27FC236}">
-                <a16:creationId xmlns:a16="http://schemas.microsoft.com/office/drawing/2014/main" id="{DA1EABA9-ECE4-ED45-96AD-D11605468DF1}"/>
-              </a:ext>
-            </a:extLst>
-          </p:cNvPr>
-          <p:cNvSpPr>
-            <a:spLocks noGrp="1"/>
-          </p:cNvSpPr>
-          <p:nvPr>
-            <p:ph type="title"/>
-          </p:nvPr>
-        </p:nvSpPr>
-        <p:spPr>
-          <a:xfrm>
-            <a:off x="457200" y="548680"/>
-            <a:ext cx="8229600" cy="634082"/>
-          </a:xfrm>
-        </p:spPr>
-        <p:txBody>
-          <a:bodyPr/>
-          <a:lstStyle/>
-          <a:p>
-            <a:r>
-              <a:rPr lang="en-GB" sz="4000" dirty="0">
-                <a:solidFill>
-                  <a:srgbClr val="FFFFFF"/>
-                </a:solidFill>
-                <a:latin typeface="URWGothicL"/>
-              </a:rPr>
-              <a:t>UML Tips</a:t>
-            </a:r>
-            <a:endParaRPr lang="en-US" sz="4000" dirty="0"/>
-          </a:p>
-        </p:txBody>
-      </p:sp>
-      <p:sp>
-        <p:nvSpPr>
-          <p:cNvPr id="3" name="Content Placeholder 2">
-            <a:extLst>
-              <a:ext uri="{FF2B5EF4-FFF2-40B4-BE49-F238E27FC236}">
-                <a16:creationId xmlns:a16="http://schemas.microsoft.com/office/drawing/2014/main" id="{F11D3774-F227-E54D-8B35-5A75C345CFD0}"/>
-              </a:ext>
-            </a:extLst>
-          </p:cNvPr>
-          <p:cNvSpPr>
-            <a:spLocks noGrp="1"/>
-          </p:cNvSpPr>
-          <p:nvPr>
-            <p:ph idx="1"/>
-          </p:nvPr>
-        </p:nvSpPr>
-        <p:spPr>
-          <a:xfrm>
-            <a:off x="457200" y="1484784"/>
-            <a:ext cx="8229600" cy="5217443"/>
-          </a:xfrm>
-        </p:spPr>
-        <p:txBody>
-          <a:bodyPr anchor="ctr">
-            <a:normAutofit fontScale="92500" lnSpcReduction="20000"/>
-          </a:bodyPr>
-          <a:lstStyle/>
-          <a:p>
-            <a:r>
-              <a:rPr lang="en-GB" sz="3600" dirty="0">
-                <a:effectLst/>
-              </a:rPr>
-              <a:t>While UML is a standard, like Agile it is sometimes helpful to modify for your use case</a:t>
-            </a:r>
-          </a:p>
-          <a:p>
-            <a:r>
-              <a:rPr lang="en-GB" sz="3600" dirty="0"/>
-              <a:t>You can make multiple diagrams at different levels</a:t>
-            </a:r>
-          </a:p>
-          <a:p>
-            <a:pPr lvl="1"/>
-            <a:r>
-              <a:rPr lang="en-GB" sz="3200" dirty="0">
-                <a:effectLst/>
-              </a:rPr>
-              <a:t>A high level class diagram to show relationships</a:t>
-            </a:r>
-          </a:p>
-          <a:p>
-            <a:pPr lvl="1"/>
-            <a:r>
-              <a:rPr lang="en-GB" sz="3200" dirty="0"/>
-              <a:t>Lower level which shows implementation</a:t>
-            </a:r>
-          </a:p>
-          <a:p>
-            <a:r>
-              <a:rPr lang="en-GB" sz="3600" dirty="0">
-                <a:effectLst/>
-              </a:rPr>
-              <a:t>You don’t need to use each diagram type in your projects, you will find some more useful than others</a:t>
-            </a:r>
-          </a:p>
-        </p:txBody>
-      </p:sp>
-    </p:spTree>
-    <p:extLst>
-      <p:ext uri="{BB962C8B-B14F-4D97-AF65-F5344CB8AC3E}">
-        <p14:creationId xmlns:p14="http://schemas.microsoft.com/office/powerpoint/2010/main" val="3943584856"/>
-      </p:ext>
-    </p:extLst>
-  </p:cSld>
-  <p:clrMapOvr>
-    <a:masterClrMapping/>
-  </p:clrMapOvr>
-</p:sld>
-</file>
-
 <file path=ppt/slides/slide34.xml><?xml version="1.0" encoding="utf-8"?>
 <p:sld xmlns:a="http://schemas.openxmlformats.org/drawingml/2006/main" xmlns:r="http://schemas.openxmlformats.org/officeDocument/2006/relationships" xmlns:p="http://schemas.openxmlformats.org/presentationml/2006/main">
   <p:cSld>
@@ -10350,7 +10454,7 @@
                 </a:solidFill>
                 <a:latin typeface="URWGothicL"/>
               </a:rPr>
-              <a:t>Diagramming Tools</a:t>
+              <a:t>UML Tips</a:t>
             </a:r>
             <a:endParaRPr lang="en-US" sz="4000" dirty="0"/>
           </a:p>
@@ -10380,44 +10484,45 @@
         </p:spPr>
         <p:txBody>
           <a:bodyPr anchor="ctr">
-            <a:normAutofit/>
+            <a:normAutofit fontScale="92500" lnSpcReduction="20000"/>
           </a:bodyPr>
           <a:lstStyle/>
           <a:p>
             <a:r>
-              <a:rPr lang="en-GB" dirty="0" err="1"/>
-              <a:t>Gliffy</a:t>
-            </a:r>
-            <a:r>
-              <a:rPr lang="en-GB" dirty="0"/>
-              <a:t> - </a:t>
-            </a:r>
-            <a:r>
-              <a:rPr lang="en-GB" u="sng" dirty="0">
-                <a:hlinkClick r:id="rId2"/>
+              <a:rPr lang="en-GB" sz="3600" dirty="0">
+                <a:effectLst/>
               </a:rPr>
-              <a:t>https://go.gliffy.com/go/auth/login</a:t>
-            </a:r>
-            <a:r>
-              <a:rPr lang="en-GB" u="sng" dirty="0"/>
-              <a:t> </a:t>
-            </a:r>
-            <a:endParaRPr lang="en-GB" dirty="0"/>
-          </a:p>
-          <a:p>
-            <a:r>
-              <a:rPr lang="en-GB" dirty="0"/>
-              <a:t>draw.io - </a:t>
-            </a:r>
-            <a:r>
-              <a:rPr lang="en-GB" u="sng" dirty="0">
-                <a:hlinkClick r:id="rId3"/>
+              <a:t>While UML is a standard, like Agile it is sometimes helpful to modify for your use case</a:t>
+            </a:r>
+          </a:p>
+          <a:p>
+            <a:r>
+              <a:rPr lang="en-GB" sz="3600" dirty="0"/>
+              <a:t>You can make multiple diagrams at different levels</a:t>
+            </a:r>
+          </a:p>
+          <a:p>
+            <a:pPr lvl="1"/>
+            <a:r>
+              <a:rPr lang="en-GB" sz="3200" dirty="0">
+                <a:effectLst/>
               </a:rPr>
-              <a:t>https://www.draw.io/</a:t>
-            </a:r>
-            <a:r>
-              <a:rPr lang="en-GB" dirty="0"/>
-              <a:t> </a:t>
+              <a:t>A high level class diagram to show relationships</a:t>
+            </a:r>
+          </a:p>
+          <a:p>
+            <a:pPr lvl="1"/>
+            <a:r>
+              <a:rPr lang="en-GB" sz="3200" dirty="0"/>
+              <a:t>Lower level which shows implementation</a:t>
+            </a:r>
+          </a:p>
+          <a:p>
+            <a:r>
+              <a:rPr lang="en-GB" sz="3600" dirty="0">
+                <a:effectLst/>
+              </a:rPr>
+              <a:t>You don’t need to use each diagram type in your projects, you will find some more useful than others</a:t>
             </a:r>
           </a:p>
         </p:txBody>
@@ -10425,7 +10530,7 @@
     </p:spTree>
     <p:extLst>
       <p:ext uri="{BB962C8B-B14F-4D97-AF65-F5344CB8AC3E}">
-        <p14:creationId xmlns:p14="http://schemas.microsoft.com/office/powerpoint/2010/main" val="338029304"/>
+        <p14:creationId xmlns:p14="http://schemas.microsoft.com/office/powerpoint/2010/main" val="3943584856"/>
       </p:ext>
     </p:extLst>
   </p:cSld>
@@ -11015,7 +11120,7 @@
           <p:cNvPr id="2" name="Title 1">
             <a:extLst>
               <a:ext uri="{FF2B5EF4-FFF2-40B4-BE49-F238E27FC236}">
-                <a16:creationId xmlns:a16="http://schemas.microsoft.com/office/drawing/2014/main" id="{E0D39B9B-57E0-4C75-9D4A-053BECB31981}"/>
+                <a16:creationId xmlns:a16="http://schemas.microsoft.com/office/drawing/2014/main" id="{DA1EABA9-ECE4-ED45-96AD-D11605468DF1}"/>
               </a:ext>
             </a:extLst>
           </p:cNvPr>
@@ -11028,8 +11133,8 @@
         </p:nvSpPr>
         <p:spPr>
           <a:xfrm>
-            <a:off x="1691680" y="3088481"/>
-            <a:ext cx="5760640" cy="681038"/>
+            <a:off x="457200" y="548680"/>
+            <a:ext cx="8229600" cy="634082"/>
           </a:xfrm>
         </p:spPr>
         <p:txBody>
@@ -11037,16 +11142,101 @@
           <a:lstStyle/>
           <a:p>
             <a:r>
+              <a:rPr lang="en-GB" sz="4000" dirty="0">
+                <a:solidFill>
+                  <a:srgbClr val="FFFFFF"/>
+                </a:solidFill>
+                <a:latin typeface="URWGothicL"/>
+              </a:rPr>
+              <a:t>Diagramming Tools</a:t>
+            </a:r>
+            <a:endParaRPr lang="en-US" sz="4000" dirty="0"/>
+          </a:p>
+        </p:txBody>
+      </p:sp>
+      <p:sp>
+        <p:nvSpPr>
+          <p:cNvPr id="3" name="Content Placeholder 2">
+            <a:extLst>
+              <a:ext uri="{FF2B5EF4-FFF2-40B4-BE49-F238E27FC236}">
+                <a16:creationId xmlns:a16="http://schemas.microsoft.com/office/drawing/2014/main" id="{F11D3774-F227-E54D-8B35-5A75C345CFD0}"/>
+              </a:ext>
+            </a:extLst>
+          </p:cNvPr>
+          <p:cNvSpPr>
+            <a:spLocks noGrp="1"/>
+          </p:cNvSpPr>
+          <p:nvPr>
+            <p:ph idx="1"/>
+          </p:nvPr>
+        </p:nvSpPr>
+        <p:spPr>
+          <a:xfrm>
+            <a:off x="457200" y="1484784"/>
+            <a:ext cx="8229600" cy="5217443"/>
+          </a:xfrm>
+        </p:spPr>
+        <p:txBody>
+          <a:bodyPr anchor="ctr">
+            <a:normAutofit/>
+          </a:bodyPr>
+          <a:lstStyle/>
+          <a:p>
+            <a:r>
+              <a:rPr lang="en-GB" dirty="0" err="1"/>
+              <a:t>Gliffy</a:t>
+            </a:r>
+            <a:r>
               <a:rPr lang="en-GB" dirty="0"/>
-              <a:t>Behavioural Diagrams</a:t>
-            </a:r>
+              <a:t> - </a:t>
+            </a:r>
+            <a:r>
+              <a:rPr lang="en-GB" u="sng" dirty="0">
+                <a:hlinkClick r:id="rId2"/>
+              </a:rPr>
+              <a:t>https://go.gliffy.com/go/auth/login</a:t>
+            </a:r>
+            <a:r>
+              <a:rPr lang="en-GB" u="sng" dirty="0"/>
+              <a:t> </a:t>
+            </a:r>
+            <a:endParaRPr lang="en-GB" dirty="0"/>
+          </a:p>
+          <a:p>
+            <a:r>
+              <a:rPr lang="en-GB" dirty="0"/>
+              <a:t>draw.io - </a:t>
+            </a:r>
+            <a:r>
+              <a:rPr lang="en-GB" u="sng" dirty="0">
+                <a:hlinkClick r:id="rId3"/>
+              </a:rPr>
+              <a:t>https://www.draw.io/</a:t>
+            </a:r>
+            <a:r>
+              <a:rPr lang="en-GB" dirty="0"/>
+              <a:t> </a:t>
+            </a:r>
+          </a:p>
+          <a:p>
+            <a:r>
+              <a:rPr lang="en-GB" dirty="0"/>
+              <a:t>Microsoft Visio - </a:t>
+            </a:r>
+            <a:r>
+              <a:rPr lang="en-GB" dirty="0">
+                <a:hlinkClick r:id="rId4"/>
+              </a:rPr>
+              <a:t>https://products.office.com/en-gb/visio/flowchart-software</a:t>
+            </a:r>
+            <a:endParaRPr lang="en-GB" dirty="0"/>
           </a:p>
         </p:txBody>
       </p:sp>
     </p:spTree>
     <p:extLst>
       <p:ext uri="{BB962C8B-B14F-4D97-AF65-F5344CB8AC3E}">
-        <p14:creationId xmlns:p14="http://schemas.microsoft.com/office/powerpoint/2010/main" val="775037971"/>
+        <p14:creationId xmlns:p14="http://schemas.microsoft.com/office/powerpoint/2010/main" val="377209297"/>
       </p:ext>
     </p:extLst>
   </p:cSld>
@@ -11078,7 +11268,7 @@
           <p:cNvPr id="2" name="Title 1">
             <a:extLst>
               <a:ext uri="{FF2B5EF4-FFF2-40B4-BE49-F238E27FC236}">
-                <a16:creationId xmlns:a16="http://schemas.microsoft.com/office/drawing/2014/main" id="{DA1EABA9-ECE4-ED45-96AD-D11605468DF1}"/>
+                <a16:creationId xmlns:a16="http://schemas.microsoft.com/office/drawing/2014/main" id="{E0D39B9B-57E0-4C75-9D4A-053BECB31981}"/>
               </a:ext>
             </a:extLst>
           </p:cNvPr>
@@ -11091,8 +11281,8 @@
         </p:nvSpPr>
         <p:spPr>
           <a:xfrm>
-            <a:off x="457200" y="548680"/>
-            <a:ext cx="8229600" cy="634082"/>
+            <a:off x="1691680" y="3088481"/>
+            <a:ext cx="5760640" cy="681038"/>
           </a:xfrm>
         </p:spPr>
         <p:txBody>
@@ -11100,123 +11290,16 @@
           <a:lstStyle/>
           <a:p>
             <a:r>
-              <a:rPr lang="en-GB" sz="4000" dirty="0">
-                <a:solidFill>
-                  <a:srgbClr val="FFFFFF"/>
-                </a:solidFill>
-                <a:latin typeface="URWGothicL"/>
-              </a:rPr>
-              <a:t>Use Case Diagram</a:t>
-            </a:r>
-            <a:endParaRPr lang="en-US" sz="4000" dirty="0"/>
-          </a:p>
-        </p:txBody>
-      </p:sp>
-      <p:sp>
-        <p:nvSpPr>
-          <p:cNvPr id="3" name="Content Placeholder 2">
-            <a:extLst>
-              <a:ext uri="{FF2B5EF4-FFF2-40B4-BE49-F238E27FC236}">
-                <a16:creationId xmlns:a16="http://schemas.microsoft.com/office/drawing/2014/main" id="{F11D3774-F227-E54D-8B35-5A75C345CFD0}"/>
-              </a:ext>
-            </a:extLst>
-          </p:cNvPr>
-          <p:cNvSpPr>
-            <a:spLocks noGrp="1"/>
-          </p:cNvSpPr>
-          <p:nvPr>
-            <p:ph idx="1"/>
-          </p:nvPr>
-        </p:nvSpPr>
-        <p:spPr>
-          <a:xfrm>
-            <a:off x="457200" y="1484784"/>
-            <a:ext cx="8229600" cy="5217443"/>
-          </a:xfrm>
-        </p:spPr>
-        <p:txBody>
-          <a:bodyPr anchor="ctr">
-            <a:normAutofit fontScale="92500" lnSpcReduction="10000"/>
-          </a:bodyPr>
-          <a:lstStyle/>
-          <a:p>
-            <a:r>
-              <a:rPr lang="en-GB" sz="3200" dirty="0">
-                <a:effectLst/>
-              </a:rPr>
-              <a:t>Use Case diagrams typically details the user’s interaction with the system</a:t>
-            </a:r>
-          </a:p>
-          <a:p>
-            <a:r>
               <a:rPr lang="en-GB" dirty="0"/>
-              <a:t>In essence it details the </a:t>
-            </a:r>
-            <a:r>
-              <a:rPr lang="en-GB" b="1" dirty="0"/>
-              <a:t>Use Case</a:t>
-            </a:r>
-            <a:r>
-              <a:rPr lang="en-GB" dirty="0"/>
-              <a:t> of the system and the </a:t>
-            </a:r>
-            <a:r>
-              <a:rPr lang="en-GB" b="1" dirty="0"/>
-              <a:t>Actors</a:t>
-            </a:r>
-            <a:r>
-              <a:rPr lang="en-GB" dirty="0"/>
-              <a:t> which interact with the system</a:t>
-            </a:r>
-          </a:p>
-          <a:p>
-            <a:pPr lvl="1"/>
-            <a:r>
-              <a:rPr lang="en-GB" b="1" dirty="0"/>
-              <a:t>NB.</a:t>
-            </a:r>
-            <a:r>
-              <a:rPr lang="en-GB" dirty="0"/>
-              <a:t> These </a:t>
-            </a:r>
-            <a:r>
-              <a:rPr lang="en-GB" b="1" dirty="0"/>
-              <a:t>Actors</a:t>
-            </a:r>
-            <a:r>
-              <a:rPr lang="en-GB" dirty="0"/>
-              <a:t> could be other systems!</a:t>
-            </a:r>
-          </a:p>
-          <a:p>
-            <a:r>
-              <a:rPr lang="en-GB" dirty="0"/>
-              <a:t>Created using terms that a layman could understand</a:t>
-            </a:r>
-          </a:p>
-          <a:p>
-            <a:r>
-              <a:rPr lang="en-GB" dirty="0"/>
-              <a:t>Can be used to capture and communicate User Requirements</a:t>
-            </a:r>
-          </a:p>
-          <a:p>
-            <a:r>
-              <a:rPr lang="en-GB" dirty="0"/>
-              <a:t>This is often the first diagram created for a system</a:t>
-            </a:r>
-          </a:p>
-          <a:p>
-            <a:endParaRPr lang="en-GB" sz="3200" dirty="0">
-              <a:effectLst/>
-            </a:endParaRPr>
+              <a:t>Behavioural Diagrams</a:t>
+            </a:r>
           </a:p>
         </p:txBody>
       </p:sp>
     </p:spTree>
     <p:extLst>
       <p:ext uri="{BB962C8B-B14F-4D97-AF65-F5344CB8AC3E}">
-        <p14:creationId xmlns:p14="http://schemas.microsoft.com/office/powerpoint/2010/main" val="1124580537"/>
+        <p14:creationId xmlns:p14="http://schemas.microsoft.com/office/powerpoint/2010/main" val="775037971"/>
       </p:ext>
     </p:extLst>
   </p:cSld>
